--- a/PosterPPT (2).pptx
+++ b/PosterPPT (2).pptx
@@ -1,25 +1,32 @@
 
 <file path=ppt/presentation.xml><?xml version="1.0" encoding="utf-8"?>
-<p:presentation xmlns:a="http://schemas.openxmlformats.org/drawingml/2006/main" xmlns:r="http://schemas.openxmlformats.org/officeDocument/2006/relationships" xmlns:mc="http://schemas.openxmlformats.org/markup-compatibility/2006" xmlns:mv="urn:schemas-microsoft-com:mac:vml" xmlns:p="http://schemas.openxmlformats.org/presentationml/2006/main" xmlns:c="http://schemas.openxmlformats.org/drawingml/2006/chart" xmlns:dgm="http://schemas.openxmlformats.org/drawingml/2006/diagram" xmlns:o="urn:schemas-microsoft-com:office:office" xmlns:v="urn:schemas-microsoft-com:vml" xmlns:pvml="urn:schemas-microsoft-com:office:powerpoint" xmlns:com="http://schemas.openxmlformats.org/drawingml/2006/compatibility" xmlns:p14="http://schemas.microsoft.com/office/powerpoint/2010/main" xmlns:p15="http://schemas.microsoft.com/office/powerpoint/2012/main" autoCompressPictures="0" embedTrueTypeFonts="1" strictFirstAndLastChars="0" saveSubsetFonts="1">
+<p:presentation xmlns:a="http://schemas.openxmlformats.org/drawingml/2006/main" xmlns:r="http://schemas.openxmlformats.org/officeDocument/2006/relationships" xmlns:p="http://schemas.openxmlformats.org/presentationml/2006/main" strictFirstAndLastChars="0" embedTrueTypeFonts="1" saveSubsetFonts="1" autoCompressPictures="0">
   <p:sldMasterIdLst>
-    <p:sldMasterId id="2147483659" r:id="rId3"/>
+    <p:sldMasterId id="2147483659" r:id="rId1"/>
   </p:sldMasterIdLst>
   <p:notesMasterIdLst>
-    <p:notesMasterId r:id="rId4"/>
+    <p:notesMasterId r:id="rId3"/>
   </p:notesMasterIdLst>
   <p:sldIdLst>
-    <p:sldId id="256" r:id="rId5"/>
+    <p:sldId id="256" r:id="rId2"/>
   </p:sldIdLst>
-  <p:sldSz cy="32918400" cx="43891200"/>
+  <p:sldSz cx="43891200" cy="32918400"/>
   <p:notesSz cx="7010400" cy="9296400"/>
   <p:embeddedFontLst>
     <p:embeddedFont>
-      <p:font typeface="NTR"/>
-      <p:regular r:id="rId6"/>
+      <p:font typeface="Calibri" panose="020F0502020204030204" pitchFamily="34" charset="0"/>
+      <p:regular r:id="rId4"/>
+      <p:bold r:id="rId5"/>
+      <p:italic r:id="rId6"/>
+      <p:boldItalic r:id="rId7"/>
+    </p:embeddedFont>
+    <p:embeddedFont>
+      <p:font typeface="NTR" panose="020B0604020202020204" charset="0"/>
+      <p:regular r:id="rId8"/>
     </p:embeddedFont>
   </p:embeddedFontLst>
   <p:defaultTextStyle>
-    <a:defPPr lvl="0" marR="0" rtl="0" algn="l">
+    <a:defPPr marR="0" lvl="0" algn="l" rtl="0">
       <a:lnSpc>
         <a:spcPct val="100000"/>
       </a:lnSpc>
@@ -30,7 +37,7 @@
         <a:spcPts val="0"/>
       </a:spcAft>
     </a:defPPr>
-    <a:lvl1pPr lvl="0" marR="0" rtl="0" algn="l">
+    <a:lvl1pPr marR="0" lvl="0" algn="l" rtl="0">
       <a:lnSpc>
         <a:spcPct val="100000"/>
       </a:lnSpc>
@@ -44,7 +51,7 @@
         <a:srgbClr val="000000"/>
       </a:buClr>
       <a:buFont typeface="Arial"/>
-      <a:defRPr b="0" i="0" sz="1400" u="none" cap="none" strike="noStrike">
+      <a:defRPr sz="1400" b="0" i="0" u="none" strike="noStrike" cap="none">
         <a:solidFill>
           <a:srgbClr val="000000"/>
         </a:solidFill>
@@ -54,7 +61,7 @@
         <a:sym typeface="Arial"/>
       </a:defRPr>
     </a:lvl1pPr>
-    <a:lvl2pPr lvl="1" marR="0" rtl="0" algn="l">
+    <a:lvl2pPr marR="0" lvl="1" algn="l" rtl="0">
       <a:lnSpc>
         <a:spcPct val="100000"/>
       </a:lnSpc>
@@ -68,7 +75,7 @@
         <a:srgbClr val="000000"/>
       </a:buClr>
       <a:buFont typeface="Arial"/>
-      <a:defRPr b="0" i="0" sz="1400" u="none" cap="none" strike="noStrike">
+      <a:defRPr sz="1400" b="0" i="0" u="none" strike="noStrike" cap="none">
         <a:solidFill>
           <a:srgbClr val="000000"/>
         </a:solidFill>
@@ -78,7 +85,7 @@
         <a:sym typeface="Arial"/>
       </a:defRPr>
     </a:lvl2pPr>
-    <a:lvl3pPr lvl="2" marR="0" rtl="0" algn="l">
+    <a:lvl3pPr marR="0" lvl="2" algn="l" rtl="0">
       <a:lnSpc>
         <a:spcPct val="100000"/>
       </a:lnSpc>
@@ -92,7 +99,7 @@
         <a:srgbClr val="000000"/>
       </a:buClr>
       <a:buFont typeface="Arial"/>
-      <a:defRPr b="0" i="0" sz="1400" u="none" cap="none" strike="noStrike">
+      <a:defRPr sz="1400" b="0" i="0" u="none" strike="noStrike" cap="none">
         <a:solidFill>
           <a:srgbClr val="000000"/>
         </a:solidFill>
@@ -102,7 +109,7 @@
         <a:sym typeface="Arial"/>
       </a:defRPr>
     </a:lvl3pPr>
-    <a:lvl4pPr lvl="3" marR="0" rtl="0" algn="l">
+    <a:lvl4pPr marR="0" lvl="3" algn="l" rtl="0">
       <a:lnSpc>
         <a:spcPct val="100000"/>
       </a:lnSpc>
@@ -116,7 +123,7 @@
         <a:srgbClr val="000000"/>
       </a:buClr>
       <a:buFont typeface="Arial"/>
-      <a:defRPr b="0" i="0" sz="1400" u="none" cap="none" strike="noStrike">
+      <a:defRPr sz="1400" b="0" i="0" u="none" strike="noStrike" cap="none">
         <a:solidFill>
           <a:srgbClr val="000000"/>
         </a:solidFill>
@@ -126,7 +133,7 @@
         <a:sym typeface="Arial"/>
       </a:defRPr>
     </a:lvl4pPr>
-    <a:lvl5pPr lvl="4" marR="0" rtl="0" algn="l">
+    <a:lvl5pPr marR="0" lvl="4" algn="l" rtl="0">
       <a:lnSpc>
         <a:spcPct val="100000"/>
       </a:lnSpc>
@@ -140,7 +147,7 @@
         <a:srgbClr val="000000"/>
       </a:buClr>
       <a:buFont typeface="Arial"/>
-      <a:defRPr b="0" i="0" sz="1400" u="none" cap="none" strike="noStrike">
+      <a:defRPr sz="1400" b="0" i="0" u="none" strike="noStrike" cap="none">
         <a:solidFill>
           <a:srgbClr val="000000"/>
         </a:solidFill>
@@ -150,7 +157,7 @@
         <a:sym typeface="Arial"/>
       </a:defRPr>
     </a:lvl5pPr>
-    <a:lvl6pPr lvl="5" marR="0" rtl="0" algn="l">
+    <a:lvl6pPr marR="0" lvl="5" algn="l" rtl="0">
       <a:lnSpc>
         <a:spcPct val="100000"/>
       </a:lnSpc>
@@ -164,7 +171,7 @@
         <a:srgbClr val="000000"/>
       </a:buClr>
       <a:buFont typeface="Arial"/>
-      <a:defRPr b="0" i="0" sz="1400" u="none" cap="none" strike="noStrike">
+      <a:defRPr sz="1400" b="0" i="0" u="none" strike="noStrike" cap="none">
         <a:solidFill>
           <a:srgbClr val="000000"/>
         </a:solidFill>
@@ -174,7 +181,7 @@
         <a:sym typeface="Arial"/>
       </a:defRPr>
     </a:lvl6pPr>
-    <a:lvl7pPr lvl="6" marR="0" rtl="0" algn="l">
+    <a:lvl7pPr marR="0" lvl="6" algn="l" rtl="0">
       <a:lnSpc>
         <a:spcPct val="100000"/>
       </a:lnSpc>
@@ -188,7 +195,7 @@
         <a:srgbClr val="000000"/>
       </a:buClr>
       <a:buFont typeface="Arial"/>
-      <a:defRPr b="0" i="0" sz="1400" u="none" cap="none" strike="noStrike">
+      <a:defRPr sz="1400" b="0" i="0" u="none" strike="noStrike" cap="none">
         <a:solidFill>
           <a:srgbClr val="000000"/>
         </a:solidFill>
@@ -198,7 +205,7 @@
         <a:sym typeface="Arial"/>
       </a:defRPr>
     </a:lvl7pPr>
-    <a:lvl8pPr lvl="7" marR="0" rtl="0" algn="l">
+    <a:lvl8pPr marR="0" lvl="7" algn="l" rtl="0">
       <a:lnSpc>
         <a:spcPct val="100000"/>
       </a:lnSpc>
@@ -212,7 +219,7 @@
         <a:srgbClr val="000000"/>
       </a:buClr>
       <a:buFont typeface="Arial"/>
-      <a:defRPr b="0" i="0" sz="1400" u="none" cap="none" strike="noStrike">
+      <a:defRPr sz="1400" b="0" i="0" u="none" strike="noStrike" cap="none">
         <a:solidFill>
           <a:srgbClr val="000000"/>
         </a:solidFill>
@@ -222,7 +229,7 @@
         <a:sym typeface="Arial"/>
       </a:defRPr>
     </a:lvl8pPr>
-    <a:lvl9pPr lvl="8" marR="0" rtl="0" algn="l">
+    <a:lvl9pPr marR="0" lvl="8" algn="l" rtl="0">
       <a:lnSpc>
         <a:spcPct val="100000"/>
       </a:lnSpc>
@@ -236,7 +243,7 @@
         <a:srgbClr val="000000"/>
       </a:buClr>
       <a:buFont typeface="Arial"/>
-      <a:defRPr b="0" i="0" sz="1400" u="none" cap="none" strike="noStrike">
+      <a:defRPr sz="1400" b="0" i="0" u="none" strike="noStrike" cap="none">
         <a:solidFill>
           <a:srgbClr val="000000"/>
         </a:solidFill>
@@ -251,18 +258,19 @@
 </file>
 
 <file path=ppt/notesMasters/notesMaster1.xml><?xml version="1.0" encoding="utf-8"?>
-<p:notesMaster xmlns:a="http://schemas.openxmlformats.org/drawingml/2006/main" xmlns:r="http://schemas.openxmlformats.org/officeDocument/2006/relationships" xmlns:mc="http://schemas.openxmlformats.org/markup-compatibility/2006" xmlns:mv="urn:schemas-microsoft-com:mac:vml" xmlns:p="http://schemas.openxmlformats.org/presentationml/2006/main" xmlns:c="http://schemas.openxmlformats.org/drawingml/2006/chart" xmlns:dgm="http://schemas.openxmlformats.org/drawingml/2006/diagram" xmlns:o="urn:schemas-microsoft-com:office:office" xmlns:v="urn:schemas-microsoft-com:vml" xmlns:pvml="urn:schemas-microsoft-com:office:powerpoint" xmlns:com="http://schemas.openxmlformats.org/drawingml/2006/compatibility" xmlns:p14="http://schemas.microsoft.com/office/powerpoint/2010/main" xmlns:p15="http://schemas.microsoft.com/office/powerpoint/2012/main">
+<p:notesMaster xmlns:a="http://schemas.openxmlformats.org/drawingml/2006/main" xmlns:r="http://schemas.openxmlformats.org/officeDocument/2006/relationships" xmlns:p="http://schemas.openxmlformats.org/presentationml/2006/main">
   <p:cSld>
     <p:bg>
       <p:bgPr>
         <a:solidFill>
           <a:schemeClr val="lt1"/>
         </a:solidFill>
+        <a:effectLst/>
       </p:bgPr>
     </p:bg>
     <p:spTree>
       <p:nvGrpSpPr>
-        <p:cNvPr id="2" name="Shape 2"/>
+        <p:cNvPr id="1" name="Shape 2"/>
         <p:cNvGrpSpPr/>
         <p:nvPr/>
       </p:nvGrpSpPr>
@@ -277,9 +285,11 @@
       <p:sp>
         <p:nvSpPr>
           <p:cNvPr id="3" name="Google Shape;3;n"/>
-          <p:cNvSpPr/>
+          <p:cNvSpPr>
+            <a:spLocks noGrp="1" noRot="1" noChangeAspect="1"/>
+          </p:cNvSpPr>
           <p:nvPr>
-            <p:ph idx="2" type="sldImg"/>
+            <p:ph type="sldImg" idx="2"/>
           </p:nvPr>
         </p:nvSpPr>
         <p:spPr>
@@ -288,9 +298,13 @@
             <a:ext cx="4673825" cy="3486150"/>
           </a:xfrm>
           <a:custGeom>
-            <a:rect b="b" l="l" r="r" t="t"/>
+            <a:avLst/>
+            <a:gdLst/>
+            <a:ahLst/>
+            <a:cxnLst/>
+            <a:rect l="l" t="t" r="r" b="b"/>
             <a:pathLst>
-              <a:path extrusionOk="0" h="120000" w="120000">
+              <a:path w="120000" h="120000" extrusionOk="0">
                 <a:moveTo>
                   <a:pt x="0" y="0"/>
                 </a:moveTo>
@@ -308,23 +322,25 @@
             </a:pathLst>
           </a:custGeom>
           <a:noFill/>
-          <a:ln cap="flat" cmpd="sng" w="9525">
+          <a:ln w="9525" cap="flat" cmpd="sng">
             <a:solidFill>
               <a:srgbClr val="000000"/>
             </a:solidFill>
             <a:prstDash val="solid"/>
             <a:round/>
-            <a:headEnd len="sm" w="sm" type="none"/>
-            <a:tailEnd len="sm" w="sm" type="none"/>
+            <a:headEnd type="none" w="sm" len="sm"/>
+            <a:tailEnd type="none" w="sm" len="sm"/>
           </a:ln>
         </p:spPr>
       </p:sp>
       <p:sp>
         <p:nvSpPr>
           <p:cNvPr id="4" name="Google Shape;4;n"/>
-          <p:cNvSpPr txBox="1"/>
+          <p:cNvSpPr txBox="1">
+            <a:spLocks noGrp="1"/>
+          </p:cNvSpPr>
           <p:nvPr>
-            <p:ph idx="1" type="body"/>
+            <p:ph type="body" idx="1"/>
           </p:nvPr>
         </p:nvSpPr>
         <p:spPr>
@@ -341,9 +357,9 @@
           </a:ln>
         </p:spPr>
         <p:txBody>
-          <a:bodyPr anchorCtr="0" anchor="t" bIns="91425" lIns="91425" spcFirstLastPara="1" rIns="91425" wrap="square" tIns="91425"/>
+          <a:bodyPr spcFirstLastPara="1" wrap="square" lIns="91425" tIns="91425" rIns="91425" bIns="91425" anchor="t" anchorCtr="0"/>
           <a:lstStyle>
-            <a:lvl1pPr indent="-298450" lvl="0" marL="457200" marR="0" rtl="0" algn="l">
+            <a:lvl1pPr marL="457200" marR="0" lvl="0" indent="-298450" algn="l" rtl="0">
               <a:lnSpc>
                 <a:spcPct val="100000"/>
               </a:lnSpc>
@@ -359,7 +375,7 @@
               <a:buSzPts val="1100"/>
               <a:buFont typeface="Arial"/>
               <a:buChar char="●"/>
-              <a:defRPr b="0" i="0" sz="1100" u="none" cap="none" strike="noStrike">
+              <a:defRPr sz="1100" b="0" i="0" u="none" strike="noStrike" cap="none">
                 <a:solidFill>
                   <a:srgbClr val="000000"/>
                 </a:solidFill>
@@ -369,7 +385,7 @@
                 <a:sym typeface="Arial"/>
               </a:defRPr>
             </a:lvl1pPr>
-            <a:lvl2pPr indent="-298450" lvl="1" marL="914400" marR="0" rtl="0" algn="l">
+            <a:lvl2pPr marL="914400" marR="0" lvl="1" indent="-298450" algn="l" rtl="0">
               <a:lnSpc>
                 <a:spcPct val="100000"/>
               </a:lnSpc>
@@ -385,7 +401,7 @@
               <a:buSzPts val="1100"/>
               <a:buFont typeface="Arial"/>
               <a:buChar char="○"/>
-              <a:defRPr b="0" i="0" sz="1100" u="none" cap="none" strike="noStrike">
+              <a:defRPr sz="1100" b="0" i="0" u="none" strike="noStrike" cap="none">
                 <a:solidFill>
                   <a:srgbClr val="000000"/>
                 </a:solidFill>
@@ -395,7 +411,7 @@
                 <a:sym typeface="Arial"/>
               </a:defRPr>
             </a:lvl2pPr>
-            <a:lvl3pPr indent="-298450" lvl="2" marL="1371600" marR="0" rtl="0" algn="l">
+            <a:lvl3pPr marL="1371600" marR="0" lvl="2" indent="-298450" algn="l" rtl="0">
               <a:lnSpc>
                 <a:spcPct val="100000"/>
               </a:lnSpc>
@@ -411,7 +427,7 @@
               <a:buSzPts val="1100"/>
               <a:buFont typeface="Arial"/>
               <a:buChar char="■"/>
-              <a:defRPr b="0" i="0" sz="1100" u="none" cap="none" strike="noStrike">
+              <a:defRPr sz="1100" b="0" i="0" u="none" strike="noStrike" cap="none">
                 <a:solidFill>
                   <a:srgbClr val="000000"/>
                 </a:solidFill>
@@ -421,7 +437,7 @@
                 <a:sym typeface="Arial"/>
               </a:defRPr>
             </a:lvl3pPr>
-            <a:lvl4pPr indent="-298450" lvl="3" marL="1828800" marR="0" rtl="0" algn="l">
+            <a:lvl4pPr marL="1828800" marR="0" lvl="3" indent="-298450" algn="l" rtl="0">
               <a:lnSpc>
                 <a:spcPct val="100000"/>
               </a:lnSpc>
@@ -437,7 +453,7 @@
               <a:buSzPts val="1100"/>
               <a:buFont typeface="Arial"/>
               <a:buChar char="●"/>
-              <a:defRPr b="0" i="0" sz="1100" u="none" cap="none" strike="noStrike">
+              <a:defRPr sz="1100" b="0" i="0" u="none" strike="noStrike" cap="none">
                 <a:solidFill>
                   <a:srgbClr val="000000"/>
                 </a:solidFill>
@@ -447,7 +463,7 @@
                 <a:sym typeface="Arial"/>
               </a:defRPr>
             </a:lvl4pPr>
-            <a:lvl5pPr indent="-298450" lvl="4" marL="2286000" marR="0" rtl="0" algn="l">
+            <a:lvl5pPr marL="2286000" marR="0" lvl="4" indent="-298450" algn="l" rtl="0">
               <a:lnSpc>
                 <a:spcPct val="100000"/>
               </a:lnSpc>
@@ -463,7 +479,7 @@
               <a:buSzPts val="1100"/>
               <a:buFont typeface="Arial"/>
               <a:buChar char="○"/>
-              <a:defRPr b="0" i="0" sz="1100" u="none" cap="none" strike="noStrike">
+              <a:defRPr sz="1100" b="0" i="0" u="none" strike="noStrike" cap="none">
                 <a:solidFill>
                   <a:srgbClr val="000000"/>
                 </a:solidFill>
@@ -473,7 +489,7 @@
                 <a:sym typeface="Arial"/>
               </a:defRPr>
             </a:lvl5pPr>
-            <a:lvl6pPr indent="-298450" lvl="5" marL="2743200" marR="0" rtl="0" algn="l">
+            <a:lvl6pPr marL="2743200" marR="0" lvl="5" indent="-298450" algn="l" rtl="0">
               <a:lnSpc>
                 <a:spcPct val="100000"/>
               </a:lnSpc>
@@ -489,7 +505,7 @@
               <a:buSzPts val="1100"/>
               <a:buFont typeface="Arial"/>
               <a:buChar char="■"/>
-              <a:defRPr b="0" i="0" sz="1100" u="none" cap="none" strike="noStrike">
+              <a:defRPr sz="1100" b="0" i="0" u="none" strike="noStrike" cap="none">
                 <a:solidFill>
                   <a:srgbClr val="000000"/>
                 </a:solidFill>
@@ -499,7 +515,7 @@
                 <a:sym typeface="Arial"/>
               </a:defRPr>
             </a:lvl6pPr>
-            <a:lvl7pPr indent="-298450" lvl="6" marL="3200400" marR="0" rtl="0" algn="l">
+            <a:lvl7pPr marL="3200400" marR="0" lvl="6" indent="-298450" algn="l" rtl="0">
               <a:lnSpc>
                 <a:spcPct val="100000"/>
               </a:lnSpc>
@@ -515,7 +531,7 @@
               <a:buSzPts val="1100"/>
               <a:buFont typeface="Arial"/>
               <a:buChar char="●"/>
-              <a:defRPr b="0" i="0" sz="1100" u="none" cap="none" strike="noStrike">
+              <a:defRPr sz="1100" b="0" i="0" u="none" strike="noStrike" cap="none">
                 <a:solidFill>
                   <a:srgbClr val="000000"/>
                 </a:solidFill>
@@ -525,7 +541,7 @@
                 <a:sym typeface="Arial"/>
               </a:defRPr>
             </a:lvl7pPr>
-            <a:lvl8pPr indent="-298450" lvl="7" marL="3657600" marR="0" rtl="0" algn="l">
+            <a:lvl8pPr marL="3657600" marR="0" lvl="7" indent="-298450" algn="l" rtl="0">
               <a:lnSpc>
                 <a:spcPct val="100000"/>
               </a:lnSpc>
@@ -541,7 +557,7 @@
               <a:buSzPts val="1100"/>
               <a:buFont typeface="Arial"/>
               <a:buChar char="○"/>
-              <a:defRPr b="0" i="0" sz="1100" u="none" cap="none" strike="noStrike">
+              <a:defRPr sz="1100" b="0" i="0" u="none" strike="noStrike" cap="none">
                 <a:solidFill>
                   <a:srgbClr val="000000"/>
                 </a:solidFill>
@@ -551,7 +567,7 @@
                 <a:sym typeface="Arial"/>
               </a:defRPr>
             </a:lvl8pPr>
-            <a:lvl9pPr indent="-298450" lvl="8" marL="4114800" marR="0" rtl="0" algn="l">
+            <a:lvl9pPr marL="4114800" marR="0" lvl="8" indent="-298450" algn="l" rtl="0">
               <a:lnSpc>
                 <a:spcPct val="100000"/>
               </a:lnSpc>
@@ -567,7 +583,7 @@
               <a:buSzPts val="1100"/>
               <a:buFont typeface="Arial"/>
               <a:buChar char="■"/>
-              <a:defRPr b="0" i="0" sz="1100" u="none" cap="none" strike="noStrike">
+              <a:defRPr sz="1100" b="0" i="0" u="none" strike="noStrike" cap="none">
                 <a:solidFill>
                   <a:srgbClr val="000000"/>
                 </a:solidFill>
@@ -578,14 +594,16 @@
               </a:defRPr>
             </a:lvl9pPr>
           </a:lstStyle>
-          <a:p/>
+          <a:p>
+            <a:endParaRPr/>
+          </a:p>
         </p:txBody>
       </p:sp>
     </p:spTree>
   </p:cSld>
-  <p:clrMap accent1="accent1" accent2="accent2" accent3="accent3" accent4="accent4" accent5="accent5" accent6="accent6" bg1="lt1" bg2="dk2" tx1="dk1" tx2="lt2" folHlink="folHlink" hlink="hlink"/>
+  <p:clrMap bg1="lt1" tx1="dk1" bg2="dk2" tx2="lt2" accent1="accent1" accent2="accent2" accent3="accent3" accent4="accent4" accent5="accent5" accent6="accent6" hlink="hlink" folHlink="folHlink"/>
   <p:notesStyle>
-    <a:defPPr lvl="0" marR="0" rtl="0" algn="l">
+    <a:defPPr marR="0" lvl="0" algn="l" rtl="0">
       <a:lnSpc>
         <a:spcPct val="100000"/>
       </a:lnSpc>
@@ -596,7 +614,7 @@
         <a:spcPts val="0"/>
       </a:spcAft>
     </a:defPPr>
-    <a:lvl1pPr lvl="0" marR="0" rtl="0" algn="l">
+    <a:lvl1pPr marR="0" lvl="0" algn="l" rtl="0">
       <a:lnSpc>
         <a:spcPct val="100000"/>
       </a:lnSpc>
@@ -610,7 +628,7 @@
         <a:srgbClr val="000000"/>
       </a:buClr>
       <a:buFont typeface="Arial"/>
-      <a:defRPr b="0" i="0" sz="1400" u="none" cap="none" strike="noStrike">
+      <a:defRPr sz="1400" b="0" i="0" u="none" strike="noStrike" cap="none">
         <a:solidFill>
           <a:srgbClr val="000000"/>
         </a:solidFill>
@@ -620,7 +638,7 @@
         <a:sym typeface="Arial"/>
       </a:defRPr>
     </a:lvl1pPr>
-    <a:lvl2pPr lvl="1" marR="0" rtl="0" algn="l">
+    <a:lvl2pPr marR="0" lvl="1" algn="l" rtl="0">
       <a:lnSpc>
         <a:spcPct val="100000"/>
       </a:lnSpc>
@@ -634,7 +652,7 @@
         <a:srgbClr val="000000"/>
       </a:buClr>
       <a:buFont typeface="Arial"/>
-      <a:defRPr b="0" i="0" sz="1400" u="none" cap="none" strike="noStrike">
+      <a:defRPr sz="1400" b="0" i="0" u="none" strike="noStrike" cap="none">
         <a:solidFill>
           <a:srgbClr val="000000"/>
         </a:solidFill>
@@ -644,7 +662,7 @@
         <a:sym typeface="Arial"/>
       </a:defRPr>
     </a:lvl2pPr>
-    <a:lvl3pPr lvl="2" marR="0" rtl="0" algn="l">
+    <a:lvl3pPr marR="0" lvl="2" algn="l" rtl="0">
       <a:lnSpc>
         <a:spcPct val="100000"/>
       </a:lnSpc>
@@ -658,7 +676,7 @@
         <a:srgbClr val="000000"/>
       </a:buClr>
       <a:buFont typeface="Arial"/>
-      <a:defRPr b="0" i="0" sz="1400" u="none" cap="none" strike="noStrike">
+      <a:defRPr sz="1400" b="0" i="0" u="none" strike="noStrike" cap="none">
         <a:solidFill>
           <a:srgbClr val="000000"/>
         </a:solidFill>
@@ -668,7 +686,7 @@
         <a:sym typeface="Arial"/>
       </a:defRPr>
     </a:lvl3pPr>
-    <a:lvl4pPr lvl="3" marR="0" rtl="0" algn="l">
+    <a:lvl4pPr marR="0" lvl="3" algn="l" rtl="0">
       <a:lnSpc>
         <a:spcPct val="100000"/>
       </a:lnSpc>
@@ -682,7 +700,7 @@
         <a:srgbClr val="000000"/>
       </a:buClr>
       <a:buFont typeface="Arial"/>
-      <a:defRPr b="0" i="0" sz="1400" u="none" cap="none" strike="noStrike">
+      <a:defRPr sz="1400" b="0" i="0" u="none" strike="noStrike" cap="none">
         <a:solidFill>
           <a:srgbClr val="000000"/>
         </a:solidFill>
@@ -692,7 +710,7 @@
         <a:sym typeface="Arial"/>
       </a:defRPr>
     </a:lvl4pPr>
-    <a:lvl5pPr lvl="4" marR="0" rtl="0" algn="l">
+    <a:lvl5pPr marR="0" lvl="4" algn="l" rtl="0">
       <a:lnSpc>
         <a:spcPct val="100000"/>
       </a:lnSpc>
@@ -706,7 +724,7 @@
         <a:srgbClr val="000000"/>
       </a:buClr>
       <a:buFont typeface="Arial"/>
-      <a:defRPr b="0" i="0" sz="1400" u="none" cap="none" strike="noStrike">
+      <a:defRPr sz="1400" b="0" i="0" u="none" strike="noStrike" cap="none">
         <a:solidFill>
           <a:srgbClr val="000000"/>
         </a:solidFill>
@@ -716,7 +734,7 @@
         <a:sym typeface="Arial"/>
       </a:defRPr>
     </a:lvl5pPr>
-    <a:lvl6pPr lvl="5" marR="0" rtl="0" algn="l">
+    <a:lvl6pPr marR="0" lvl="5" algn="l" rtl="0">
       <a:lnSpc>
         <a:spcPct val="100000"/>
       </a:lnSpc>
@@ -730,7 +748,7 @@
         <a:srgbClr val="000000"/>
       </a:buClr>
       <a:buFont typeface="Arial"/>
-      <a:defRPr b="0" i="0" sz="1400" u="none" cap="none" strike="noStrike">
+      <a:defRPr sz="1400" b="0" i="0" u="none" strike="noStrike" cap="none">
         <a:solidFill>
           <a:srgbClr val="000000"/>
         </a:solidFill>
@@ -740,7 +758,7 @@
         <a:sym typeface="Arial"/>
       </a:defRPr>
     </a:lvl6pPr>
-    <a:lvl7pPr lvl="6" marR="0" rtl="0" algn="l">
+    <a:lvl7pPr marR="0" lvl="6" algn="l" rtl="0">
       <a:lnSpc>
         <a:spcPct val="100000"/>
       </a:lnSpc>
@@ -754,7 +772,7 @@
         <a:srgbClr val="000000"/>
       </a:buClr>
       <a:buFont typeface="Arial"/>
-      <a:defRPr b="0" i="0" sz="1400" u="none" cap="none" strike="noStrike">
+      <a:defRPr sz="1400" b="0" i="0" u="none" strike="noStrike" cap="none">
         <a:solidFill>
           <a:srgbClr val="000000"/>
         </a:solidFill>
@@ -764,7 +782,7 @@
         <a:sym typeface="Arial"/>
       </a:defRPr>
     </a:lvl7pPr>
-    <a:lvl8pPr lvl="7" marR="0" rtl="0" algn="l">
+    <a:lvl8pPr marR="0" lvl="7" algn="l" rtl="0">
       <a:lnSpc>
         <a:spcPct val="100000"/>
       </a:lnSpc>
@@ -778,7 +796,7 @@
         <a:srgbClr val="000000"/>
       </a:buClr>
       <a:buFont typeface="Arial"/>
-      <a:defRPr b="0" i="0" sz="1400" u="none" cap="none" strike="noStrike">
+      <a:defRPr sz="1400" b="0" i="0" u="none" strike="noStrike" cap="none">
         <a:solidFill>
           <a:srgbClr val="000000"/>
         </a:solidFill>
@@ -788,7 +806,7 @@
         <a:sym typeface="Arial"/>
       </a:defRPr>
     </a:lvl8pPr>
-    <a:lvl9pPr lvl="8" marR="0" rtl="0" algn="l">
+    <a:lvl9pPr marR="0" lvl="8" algn="l" rtl="0">
       <a:lnSpc>
         <a:spcPct val="100000"/>
       </a:lnSpc>
@@ -802,7 +820,7 @@
         <a:srgbClr val="000000"/>
       </a:buClr>
       <a:buFont typeface="Arial"/>
-      <a:defRPr b="0" i="0" sz="1400" u="none" cap="none" strike="noStrike">
+      <a:defRPr sz="1400" b="0" i="0" u="none" strike="noStrike" cap="none">
         <a:solidFill>
           <a:srgbClr val="000000"/>
         </a:solidFill>
@@ -817,11 +835,11 @@
 </file>
 
 <file path=ppt/notesSlides/notesSlide1.xml><?xml version="1.0" encoding="utf-8"?>
-<p:notes xmlns:a="http://schemas.openxmlformats.org/drawingml/2006/main" xmlns:r="http://schemas.openxmlformats.org/officeDocument/2006/relationships" xmlns:mc="http://schemas.openxmlformats.org/markup-compatibility/2006" xmlns:mv="urn:schemas-microsoft-com:mac:vml" xmlns:p="http://schemas.openxmlformats.org/presentationml/2006/main" xmlns:c="http://schemas.openxmlformats.org/drawingml/2006/chart" xmlns:dgm="http://schemas.openxmlformats.org/drawingml/2006/diagram" xmlns:o="urn:schemas-microsoft-com:office:office" xmlns:v="urn:schemas-microsoft-com:vml" xmlns:pvml="urn:schemas-microsoft-com:office:powerpoint" xmlns:com="http://schemas.openxmlformats.org/drawingml/2006/compatibility" xmlns:p14="http://schemas.microsoft.com/office/powerpoint/2010/main" xmlns:p15="http://schemas.microsoft.com/office/powerpoint/2012/main" showMasterPhAnim="0" showMasterSp="0">
+<p:notes xmlns:a="http://schemas.openxmlformats.org/drawingml/2006/main" xmlns:r="http://schemas.openxmlformats.org/officeDocument/2006/relationships" xmlns:p="http://schemas.openxmlformats.org/presentationml/2006/main" showMasterSp="0" showMasterPhAnim="0">
   <p:cSld>
     <p:spTree>
       <p:nvGrpSpPr>
-        <p:cNvPr id="80" name="Shape 80"/>
+        <p:cNvPr id="1" name="Shape 80"/>
         <p:cNvGrpSpPr/>
         <p:nvPr/>
       </p:nvGrpSpPr>
@@ -836,9 +854,11 @@
       <p:sp>
         <p:nvSpPr>
           <p:cNvPr id="81" name="Google Shape;81;p1:notes"/>
-          <p:cNvSpPr txBox="1"/>
+          <p:cNvSpPr txBox="1">
+            <a:spLocks noGrp="1"/>
+          </p:cNvSpPr>
           <p:nvPr>
-            <p:ph idx="1" type="body"/>
+            <p:ph type="body" idx="1"/>
           </p:nvPr>
         </p:nvSpPr>
         <p:spPr>
@@ -855,12 +875,12 @@
           </a:ln>
         </p:spPr>
         <p:txBody>
-          <a:bodyPr anchorCtr="0" anchor="t" bIns="91425" lIns="91425" spcFirstLastPara="1" rIns="91425" wrap="square" tIns="91425">
+          <a:bodyPr spcFirstLastPara="1" wrap="square" lIns="91425" tIns="91425" rIns="91425" bIns="91425" anchor="t" anchorCtr="0">
             <a:noAutofit/>
           </a:bodyPr>
           <a:lstStyle/>
           <a:p>
-            <a:pPr indent="0" lvl="0" marL="0" rtl="0" algn="l">
+            <a:pPr marL="0" lvl="0" indent="0" algn="l" rtl="0">
               <a:lnSpc>
                 <a:spcPct val="100000"/>
               </a:lnSpc>
@@ -873,9 +893,6 @@
               <a:buSzPts val="1100"/>
               <a:buNone/>
             </a:pPr>
-            <a:r>
-              <a:t/>
-            </a:r>
             <a:endParaRPr/>
           </a:p>
         </p:txBody>
@@ -883,9 +900,11 @@
       <p:sp>
         <p:nvSpPr>
           <p:cNvPr id="82" name="Google Shape;82;p1:notes"/>
-          <p:cNvSpPr/>
+          <p:cNvSpPr>
+            <a:spLocks noGrp="1" noRot="1" noChangeAspect="1"/>
+          </p:cNvSpPr>
           <p:nvPr>
-            <p:ph idx="2" type="sldImg"/>
+            <p:ph type="sldImg" idx="2"/>
           </p:nvPr>
         </p:nvSpPr>
         <p:spPr>
@@ -894,9 +913,13 @@
             <a:ext cx="4648200" cy="3486150"/>
           </a:xfrm>
           <a:custGeom>
-            <a:rect b="b" l="l" r="r" t="t"/>
+            <a:avLst/>
+            <a:gdLst/>
+            <a:ahLst/>
+            <a:cxnLst/>
+            <a:rect l="l" t="t" r="r" b="b"/>
             <a:pathLst>
-              <a:path extrusionOk="0" h="120000" w="120000">
+              <a:path w="120000" h="120000" extrusionOk="0">
                 <a:moveTo>
                   <a:pt x="0" y="0"/>
                 </a:moveTo>
@@ -914,14 +937,14 @@
             </a:pathLst>
           </a:custGeom>
           <a:noFill/>
-          <a:ln cap="flat" cmpd="sng" w="9525">
+          <a:ln w="9525" cap="flat" cmpd="sng">
             <a:solidFill>
               <a:srgbClr val="000000"/>
             </a:solidFill>
             <a:prstDash val="solid"/>
             <a:round/>
-            <a:headEnd len="sm" w="sm" type="none"/>
-            <a:tailEnd len="sm" w="sm" type="none"/>
+            <a:headEnd type="none" w="sm" len="sm"/>
+            <a:tailEnd type="none" w="sm" len="sm"/>
           </a:ln>
         </p:spPr>
       </p:sp>
@@ -934,11 +957,11 @@
 </file>
 
 <file path=ppt/slideLayouts/slideLayout1.xml><?xml version="1.0" encoding="utf-8"?>
-<p:sldLayout xmlns:a="http://schemas.openxmlformats.org/drawingml/2006/main" xmlns:r="http://schemas.openxmlformats.org/officeDocument/2006/relationships" xmlns:mc="http://schemas.openxmlformats.org/markup-compatibility/2006" xmlns:mv="urn:schemas-microsoft-com:mac:vml" xmlns:p="http://schemas.openxmlformats.org/presentationml/2006/main" xmlns:c="http://schemas.openxmlformats.org/drawingml/2006/chart" xmlns:dgm="http://schemas.openxmlformats.org/drawingml/2006/diagram" xmlns:o="urn:schemas-microsoft-com:office:office" xmlns:v="urn:schemas-microsoft-com:vml" xmlns:pvml="urn:schemas-microsoft-com:office:powerpoint" xmlns:com="http://schemas.openxmlformats.org/drawingml/2006/compatibility" xmlns:p14="http://schemas.microsoft.com/office/powerpoint/2010/main" xmlns:p15="http://schemas.microsoft.com/office/powerpoint/2012/main" matchingName="Blank" type="blank">
+<p:sldLayout xmlns:a="http://schemas.openxmlformats.org/drawingml/2006/main" xmlns:r="http://schemas.openxmlformats.org/officeDocument/2006/relationships" xmlns:p="http://schemas.openxmlformats.org/presentationml/2006/main" matchingName="Blank" type="blank">
   <p:cSld name="BLANK">
     <p:spTree>
       <p:nvGrpSpPr>
-        <p:cNvPr id="11" name="Shape 11"/>
+        <p:cNvPr id="1" name="Shape 11"/>
         <p:cNvGrpSpPr/>
         <p:nvPr/>
       </p:nvGrpSpPr>
@@ -953,9 +976,11 @@
       <p:sp>
         <p:nvSpPr>
           <p:cNvPr id="12" name="Google Shape;12;p2"/>
-          <p:cNvSpPr txBox="1"/>
+          <p:cNvSpPr txBox="1">
+            <a:spLocks noGrp="1"/>
+          </p:cNvSpPr>
           <p:nvPr>
-            <p:ph idx="10" type="dt"/>
+            <p:ph type="dt" idx="10"/>
           </p:nvPr>
         </p:nvSpPr>
         <p:spPr>
@@ -972,7 +997,7 @@
           </a:ln>
         </p:spPr>
         <p:txBody>
-          <a:bodyPr anchorCtr="0" anchor="ctr" bIns="45700" lIns="91425" spcFirstLastPara="1" rIns="91425" wrap="square" tIns="45700"/>
+          <a:bodyPr spcFirstLastPara="1" wrap="square" lIns="91425" tIns="45700" rIns="91425" bIns="45700" anchor="ctr" anchorCtr="0"/>
           <a:lstStyle>
             <a:lvl1pPr lvl="0" algn="l">
               <a:lnSpc>
@@ -1101,15 +1126,19 @@
               <a:defRPr/>
             </a:lvl9pPr>
           </a:lstStyle>
-          <a:p/>
+          <a:p>
+            <a:endParaRPr/>
+          </a:p>
         </p:txBody>
       </p:sp>
       <p:sp>
         <p:nvSpPr>
           <p:cNvPr id="13" name="Google Shape;13;p2"/>
-          <p:cNvSpPr txBox="1"/>
+          <p:cNvSpPr txBox="1">
+            <a:spLocks noGrp="1"/>
+          </p:cNvSpPr>
           <p:nvPr>
-            <p:ph idx="11" type="ftr"/>
+            <p:ph type="ftr" idx="11"/>
           </p:nvPr>
         </p:nvSpPr>
         <p:spPr>
@@ -1126,7 +1155,7 @@
           </a:ln>
         </p:spPr>
         <p:txBody>
-          <a:bodyPr anchorCtr="0" anchor="ctr" bIns="45700" lIns="91425" spcFirstLastPara="1" rIns="91425" wrap="square" tIns="45700"/>
+          <a:bodyPr spcFirstLastPara="1" wrap="square" lIns="91425" tIns="45700" rIns="91425" bIns="45700" anchor="ctr" anchorCtr="0"/>
           <a:lstStyle>
             <a:lvl1pPr lvl="0" algn="ctr">
               <a:lnSpc>
@@ -1255,15 +1284,19 @@
               <a:defRPr/>
             </a:lvl9pPr>
           </a:lstStyle>
-          <a:p/>
+          <a:p>
+            <a:endParaRPr/>
+          </a:p>
         </p:txBody>
       </p:sp>
       <p:sp>
         <p:nvSpPr>
           <p:cNvPr id="14" name="Google Shape;14;p2"/>
-          <p:cNvSpPr txBox="1"/>
+          <p:cNvSpPr txBox="1">
+            <a:spLocks noGrp="1"/>
+          </p:cNvSpPr>
           <p:nvPr>
-            <p:ph idx="12" type="sldNum"/>
+            <p:ph type="sldNum" idx="12"/>
           </p:nvPr>
         </p:nvSpPr>
         <p:spPr>
@@ -1280,11 +1313,11 @@
           </a:ln>
         </p:spPr>
         <p:txBody>
-          <a:bodyPr anchorCtr="0" anchor="ctr" bIns="45700" lIns="91425" spcFirstLastPara="1" rIns="91425" wrap="square" tIns="45700">
+          <a:bodyPr spcFirstLastPara="1" wrap="square" lIns="91425" tIns="45700" rIns="91425" bIns="45700" anchor="ctr" anchorCtr="0">
             <a:noAutofit/>
           </a:bodyPr>
           <a:lstStyle>
-            <a:lvl1pPr indent="0" lvl="0" marL="0" marR="0" algn="r">
+            <a:lvl1pPr marL="0" marR="0" lvl="0" indent="0" algn="r">
               <a:lnSpc>
                 <a:spcPct val="100000"/>
               </a:lnSpc>
@@ -1300,7 +1333,7 @@
               <a:buSzPts val="5760"/>
               <a:buFont typeface="Arial"/>
               <a:buNone/>
-              <a:defRPr b="0" i="0" sz="5760" u="none" cap="none" strike="noStrike">
+              <a:defRPr sz="5760" b="0" i="0" u="none" strike="noStrike" cap="none">
                 <a:solidFill>
                   <a:srgbClr val="888888"/>
                 </a:solidFill>
@@ -1310,7 +1343,7 @@
                 <a:sym typeface="Calibri"/>
               </a:defRPr>
             </a:lvl1pPr>
-            <a:lvl2pPr indent="0" lvl="1" marL="0" marR="0" algn="r">
+            <a:lvl2pPr marL="0" marR="0" lvl="1" indent="0" algn="r">
               <a:lnSpc>
                 <a:spcPct val="100000"/>
               </a:lnSpc>
@@ -1326,7 +1359,7 @@
               <a:buSzPts val="5760"/>
               <a:buFont typeface="Arial"/>
               <a:buNone/>
-              <a:defRPr b="0" i="0" sz="5760" u="none" cap="none" strike="noStrike">
+              <a:defRPr sz="5760" b="0" i="0" u="none" strike="noStrike" cap="none">
                 <a:solidFill>
                   <a:srgbClr val="888888"/>
                 </a:solidFill>
@@ -1336,7 +1369,7 @@
                 <a:sym typeface="Calibri"/>
               </a:defRPr>
             </a:lvl2pPr>
-            <a:lvl3pPr indent="0" lvl="2" marL="0" marR="0" algn="r">
+            <a:lvl3pPr marL="0" marR="0" lvl="2" indent="0" algn="r">
               <a:lnSpc>
                 <a:spcPct val="100000"/>
               </a:lnSpc>
@@ -1352,7 +1385,7 @@
               <a:buSzPts val="5760"/>
               <a:buFont typeface="Arial"/>
               <a:buNone/>
-              <a:defRPr b="0" i="0" sz="5760" u="none" cap="none" strike="noStrike">
+              <a:defRPr sz="5760" b="0" i="0" u="none" strike="noStrike" cap="none">
                 <a:solidFill>
                   <a:srgbClr val="888888"/>
                 </a:solidFill>
@@ -1362,7 +1395,7 @@
                 <a:sym typeface="Calibri"/>
               </a:defRPr>
             </a:lvl3pPr>
-            <a:lvl4pPr indent="0" lvl="3" marL="0" marR="0" algn="r">
+            <a:lvl4pPr marL="0" marR="0" lvl="3" indent="0" algn="r">
               <a:lnSpc>
                 <a:spcPct val="100000"/>
               </a:lnSpc>
@@ -1378,7 +1411,7 @@
               <a:buSzPts val="5760"/>
               <a:buFont typeface="Arial"/>
               <a:buNone/>
-              <a:defRPr b="0" i="0" sz="5760" u="none" cap="none" strike="noStrike">
+              <a:defRPr sz="5760" b="0" i="0" u="none" strike="noStrike" cap="none">
                 <a:solidFill>
                   <a:srgbClr val="888888"/>
                 </a:solidFill>
@@ -1388,7 +1421,7 @@
                 <a:sym typeface="Calibri"/>
               </a:defRPr>
             </a:lvl4pPr>
-            <a:lvl5pPr indent="0" lvl="4" marL="0" marR="0" algn="r">
+            <a:lvl5pPr marL="0" marR="0" lvl="4" indent="0" algn="r">
               <a:lnSpc>
                 <a:spcPct val="100000"/>
               </a:lnSpc>
@@ -1404,7 +1437,7 @@
               <a:buSzPts val="5760"/>
               <a:buFont typeface="Arial"/>
               <a:buNone/>
-              <a:defRPr b="0" i="0" sz="5760" u="none" cap="none" strike="noStrike">
+              <a:defRPr sz="5760" b="0" i="0" u="none" strike="noStrike" cap="none">
                 <a:solidFill>
                   <a:srgbClr val="888888"/>
                 </a:solidFill>
@@ -1414,7 +1447,7 @@
                 <a:sym typeface="Calibri"/>
               </a:defRPr>
             </a:lvl5pPr>
-            <a:lvl6pPr indent="0" lvl="5" marL="0" marR="0" algn="r">
+            <a:lvl6pPr marL="0" marR="0" lvl="5" indent="0" algn="r">
               <a:lnSpc>
                 <a:spcPct val="100000"/>
               </a:lnSpc>
@@ -1430,7 +1463,7 @@
               <a:buSzPts val="5760"/>
               <a:buFont typeface="Arial"/>
               <a:buNone/>
-              <a:defRPr b="0" i="0" sz="5760" u="none" cap="none" strike="noStrike">
+              <a:defRPr sz="5760" b="0" i="0" u="none" strike="noStrike" cap="none">
                 <a:solidFill>
                   <a:srgbClr val="888888"/>
                 </a:solidFill>
@@ -1440,7 +1473,7 @@
                 <a:sym typeface="Calibri"/>
               </a:defRPr>
             </a:lvl6pPr>
-            <a:lvl7pPr indent="0" lvl="6" marL="0" marR="0" algn="r">
+            <a:lvl7pPr marL="0" marR="0" lvl="6" indent="0" algn="r">
               <a:lnSpc>
                 <a:spcPct val="100000"/>
               </a:lnSpc>
@@ -1456,7 +1489,7 @@
               <a:buSzPts val="5760"/>
               <a:buFont typeface="Arial"/>
               <a:buNone/>
-              <a:defRPr b="0" i="0" sz="5760" u="none" cap="none" strike="noStrike">
+              <a:defRPr sz="5760" b="0" i="0" u="none" strike="noStrike" cap="none">
                 <a:solidFill>
                   <a:srgbClr val="888888"/>
                 </a:solidFill>
@@ -1466,7 +1499,7 @@
                 <a:sym typeface="Calibri"/>
               </a:defRPr>
             </a:lvl7pPr>
-            <a:lvl8pPr indent="0" lvl="7" marL="0" marR="0" algn="r">
+            <a:lvl8pPr marL="0" marR="0" lvl="7" indent="0" algn="r">
               <a:lnSpc>
                 <a:spcPct val="100000"/>
               </a:lnSpc>
@@ -1482,7 +1515,7 @@
               <a:buSzPts val="5760"/>
               <a:buFont typeface="Arial"/>
               <a:buNone/>
-              <a:defRPr b="0" i="0" sz="5760" u="none" cap="none" strike="noStrike">
+              <a:defRPr sz="5760" b="0" i="0" u="none" strike="noStrike" cap="none">
                 <a:solidFill>
                   <a:srgbClr val="888888"/>
                 </a:solidFill>
@@ -1492,7 +1525,7 @@
                 <a:sym typeface="Calibri"/>
               </a:defRPr>
             </a:lvl8pPr>
-            <a:lvl9pPr indent="0" lvl="8" marL="0" marR="0" algn="r">
+            <a:lvl9pPr marL="0" marR="0" lvl="8" indent="0" algn="r">
               <a:lnSpc>
                 <a:spcPct val="100000"/>
               </a:lnSpc>
@@ -1508,7 +1541,7 @@
               <a:buSzPts val="5760"/>
               <a:buFont typeface="Arial"/>
               <a:buNone/>
-              <a:defRPr b="0" i="0" sz="5760" u="none" cap="none" strike="noStrike">
+              <a:defRPr sz="5760" b="0" i="0" u="none" strike="noStrike" cap="none">
                 <a:solidFill>
                   <a:srgbClr val="888888"/>
                 </a:solidFill>
@@ -1520,7 +1553,7 @@
             </a:lvl9pPr>
           </a:lstStyle>
           <a:p>
-            <a:pPr indent="0" lvl="0" marL="0" rtl="0" algn="r">
+            <a:pPr marL="0" lvl="0" indent="0" algn="r" rtl="0">
               <a:spcBef>
                 <a:spcPts val="0"/>
               </a:spcBef>
@@ -1546,11 +1579,11 @@
 </file>
 
 <file path=ppt/slideLayouts/slideLayout10.xml><?xml version="1.0" encoding="utf-8"?>
-<p:sldLayout xmlns:a="http://schemas.openxmlformats.org/drawingml/2006/main" xmlns:r="http://schemas.openxmlformats.org/officeDocument/2006/relationships" xmlns:mc="http://schemas.openxmlformats.org/markup-compatibility/2006" xmlns:mv="urn:schemas-microsoft-com:mac:vml" xmlns:p="http://schemas.openxmlformats.org/presentationml/2006/main" xmlns:c="http://schemas.openxmlformats.org/drawingml/2006/chart" xmlns:dgm="http://schemas.openxmlformats.org/drawingml/2006/diagram" xmlns:o="urn:schemas-microsoft-com:office:office" xmlns:v="urn:schemas-microsoft-com:vml" xmlns:pvml="urn:schemas-microsoft-com:office:powerpoint" xmlns:com="http://schemas.openxmlformats.org/drawingml/2006/compatibility" xmlns:p14="http://schemas.microsoft.com/office/powerpoint/2010/main" xmlns:p15="http://schemas.microsoft.com/office/powerpoint/2012/main" matchingName="Title and Vertical Text" type="vertTx">
+<p:sldLayout xmlns:a="http://schemas.openxmlformats.org/drawingml/2006/main" xmlns:r="http://schemas.openxmlformats.org/officeDocument/2006/relationships" xmlns:p="http://schemas.openxmlformats.org/presentationml/2006/main" matchingName="Title and Vertical Text" type="vertTx">
   <p:cSld name="VERTICAL_TEXT">
     <p:spTree>
       <p:nvGrpSpPr>
-        <p:cNvPr id="68" name="Shape 68"/>
+        <p:cNvPr id="1" name="Shape 68"/>
         <p:cNvGrpSpPr/>
         <p:nvPr/>
       </p:nvGrpSpPr>
@@ -1565,7 +1598,9 @@
       <p:sp>
         <p:nvSpPr>
           <p:cNvPr id="69" name="Google Shape;69;p11"/>
-          <p:cNvSpPr txBox="1"/>
+          <p:cNvSpPr txBox="1">
+            <a:spLocks noGrp="1"/>
+          </p:cNvSpPr>
           <p:nvPr>
             <p:ph type="title"/>
           </p:nvPr>
@@ -1584,7 +1619,7 @@
           </a:ln>
         </p:spPr>
         <p:txBody>
-          <a:bodyPr anchorCtr="0" anchor="ctr" bIns="45700" lIns="91425" spcFirstLastPara="1" rIns="91425" wrap="square" tIns="45700"/>
+          <a:bodyPr spcFirstLastPara="1" wrap="square" lIns="91425" tIns="45700" rIns="91425" bIns="45700" anchor="ctr" anchorCtr="0"/>
           <a:lstStyle>
             <a:lvl1pPr lvl="0" algn="l">
               <a:lnSpc>
@@ -1716,15 +1751,19 @@
               <a:defRPr/>
             </a:lvl9pPr>
           </a:lstStyle>
-          <a:p/>
+          <a:p>
+            <a:endParaRPr/>
+          </a:p>
         </p:txBody>
       </p:sp>
       <p:sp>
         <p:nvSpPr>
           <p:cNvPr id="70" name="Google Shape;70;p11"/>
-          <p:cNvSpPr txBox="1"/>
+          <p:cNvSpPr txBox="1">
+            <a:spLocks noGrp="1"/>
+          </p:cNvSpPr>
           <p:nvPr>
-            <p:ph idx="1" type="body"/>
+            <p:ph type="body" idx="1"/>
           </p:nvPr>
         </p:nvSpPr>
         <p:spPr>
@@ -1741,9 +1780,9 @@
           </a:ln>
         </p:spPr>
         <p:txBody>
-          <a:bodyPr anchorCtr="0" anchor="t" bIns="45700" lIns="91425" spcFirstLastPara="1" rIns="91425" wrap="square" tIns="45700"/>
+          <a:bodyPr spcFirstLastPara="1" wrap="square" lIns="91425" tIns="45700" rIns="91425" bIns="45700" anchor="t" anchorCtr="0"/>
           <a:lstStyle>
-            <a:lvl1pPr indent="-342900" lvl="0" marL="457200" algn="l">
+            <a:lvl1pPr marL="457200" lvl="0" indent="-342900" algn="l">
               <a:lnSpc>
                 <a:spcPct val="90000"/>
               </a:lnSpc>
@@ -1760,7 +1799,7 @@
               <a:buChar char="•"/>
               <a:defRPr/>
             </a:lvl1pPr>
-            <a:lvl2pPr indent="-342900" lvl="1" marL="914400" algn="l">
+            <a:lvl2pPr marL="914400" lvl="1" indent="-342900" algn="l">
               <a:lnSpc>
                 <a:spcPct val="90000"/>
               </a:lnSpc>
@@ -1777,7 +1816,7 @@
               <a:buChar char="•"/>
               <a:defRPr/>
             </a:lvl2pPr>
-            <a:lvl3pPr indent="-342900" lvl="2" marL="1371600" algn="l">
+            <a:lvl3pPr marL="1371600" lvl="2" indent="-342900" algn="l">
               <a:lnSpc>
                 <a:spcPct val="90000"/>
               </a:lnSpc>
@@ -1794,7 +1833,7 @@
               <a:buChar char="•"/>
               <a:defRPr/>
             </a:lvl3pPr>
-            <a:lvl4pPr indent="-342900" lvl="3" marL="1828800" algn="l">
+            <a:lvl4pPr marL="1828800" lvl="3" indent="-342900" algn="l">
               <a:lnSpc>
                 <a:spcPct val="90000"/>
               </a:lnSpc>
@@ -1811,7 +1850,7 @@
               <a:buChar char="•"/>
               <a:defRPr/>
             </a:lvl4pPr>
-            <a:lvl5pPr indent="-342900" lvl="4" marL="2286000" algn="l">
+            <a:lvl5pPr marL="2286000" lvl="4" indent="-342900" algn="l">
               <a:lnSpc>
                 <a:spcPct val="90000"/>
               </a:lnSpc>
@@ -1828,7 +1867,7 @@
               <a:buChar char="•"/>
               <a:defRPr/>
             </a:lvl5pPr>
-            <a:lvl6pPr indent="-342900" lvl="5" marL="2743200" algn="l">
+            <a:lvl6pPr marL="2743200" lvl="5" indent="-342900" algn="l">
               <a:lnSpc>
                 <a:spcPct val="90000"/>
               </a:lnSpc>
@@ -1845,7 +1884,7 @@
               <a:buChar char="•"/>
               <a:defRPr/>
             </a:lvl6pPr>
-            <a:lvl7pPr indent="-342900" lvl="6" marL="3200400" algn="l">
+            <a:lvl7pPr marL="3200400" lvl="6" indent="-342900" algn="l">
               <a:lnSpc>
                 <a:spcPct val="90000"/>
               </a:lnSpc>
@@ -1862,7 +1901,7 @@
               <a:buChar char="•"/>
               <a:defRPr/>
             </a:lvl7pPr>
-            <a:lvl8pPr indent="-342900" lvl="7" marL="3657600" algn="l">
+            <a:lvl8pPr marL="3657600" lvl="7" indent="-342900" algn="l">
               <a:lnSpc>
                 <a:spcPct val="90000"/>
               </a:lnSpc>
@@ -1879,7 +1918,7 @@
               <a:buChar char="•"/>
               <a:defRPr/>
             </a:lvl8pPr>
-            <a:lvl9pPr indent="-342900" lvl="8" marL="4114800" algn="l">
+            <a:lvl9pPr marL="4114800" lvl="8" indent="-342900" algn="l">
               <a:lnSpc>
                 <a:spcPct val="90000"/>
               </a:lnSpc>
@@ -1897,15 +1936,19 @@
               <a:defRPr/>
             </a:lvl9pPr>
           </a:lstStyle>
-          <a:p/>
+          <a:p>
+            <a:endParaRPr/>
+          </a:p>
         </p:txBody>
       </p:sp>
       <p:sp>
         <p:nvSpPr>
           <p:cNvPr id="71" name="Google Shape;71;p11"/>
-          <p:cNvSpPr txBox="1"/>
+          <p:cNvSpPr txBox="1">
+            <a:spLocks noGrp="1"/>
+          </p:cNvSpPr>
           <p:nvPr>
-            <p:ph idx="10" type="dt"/>
+            <p:ph type="dt" idx="10"/>
           </p:nvPr>
         </p:nvSpPr>
         <p:spPr>
@@ -1922,7 +1965,7 @@
           </a:ln>
         </p:spPr>
         <p:txBody>
-          <a:bodyPr anchorCtr="0" anchor="ctr" bIns="45700" lIns="91425" spcFirstLastPara="1" rIns="91425" wrap="square" tIns="45700"/>
+          <a:bodyPr spcFirstLastPara="1" wrap="square" lIns="91425" tIns="45700" rIns="91425" bIns="45700" anchor="ctr" anchorCtr="0"/>
           <a:lstStyle>
             <a:lvl1pPr lvl="0" algn="l">
               <a:lnSpc>
@@ -2051,15 +2094,19 @@
               <a:defRPr/>
             </a:lvl9pPr>
           </a:lstStyle>
-          <a:p/>
+          <a:p>
+            <a:endParaRPr/>
+          </a:p>
         </p:txBody>
       </p:sp>
       <p:sp>
         <p:nvSpPr>
           <p:cNvPr id="72" name="Google Shape;72;p11"/>
-          <p:cNvSpPr txBox="1"/>
+          <p:cNvSpPr txBox="1">
+            <a:spLocks noGrp="1"/>
+          </p:cNvSpPr>
           <p:nvPr>
-            <p:ph idx="11" type="ftr"/>
+            <p:ph type="ftr" idx="11"/>
           </p:nvPr>
         </p:nvSpPr>
         <p:spPr>
@@ -2076,7 +2123,7 @@
           </a:ln>
         </p:spPr>
         <p:txBody>
-          <a:bodyPr anchorCtr="0" anchor="ctr" bIns="45700" lIns="91425" spcFirstLastPara="1" rIns="91425" wrap="square" tIns="45700"/>
+          <a:bodyPr spcFirstLastPara="1" wrap="square" lIns="91425" tIns="45700" rIns="91425" bIns="45700" anchor="ctr" anchorCtr="0"/>
           <a:lstStyle>
             <a:lvl1pPr lvl="0" algn="ctr">
               <a:lnSpc>
@@ -2205,15 +2252,19 @@
               <a:defRPr/>
             </a:lvl9pPr>
           </a:lstStyle>
-          <a:p/>
+          <a:p>
+            <a:endParaRPr/>
+          </a:p>
         </p:txBody>
       </p:sp>
       <p:sp>
         <p:nvSpPr>
           <p:cNvPr id="73" name="Google Shape;73;p11"/>
-          <p:cNvSpPr txBox="1"/>
+          <p:cNvSpPr txBox="1">
+            <a:spLocks noGrp="1"/>
+          </p:cNvSpPr>
           <p:nvPr>
-            <p:ph idx="12" type="sldNum"/>
+            <p:ph type="sldNum" idx="12"/>
           </p:nvPr>
         </p:nvSpPr>
         <p:spPr>
@@ -2230,11 +2281,11 @@
           </a:ln>
         </p:spPr>
         <p:txBody>
-          <a:bodyPr anchorCtr="0" anchor="ctr" bIns="45700" lIns="91425" spcFirstLastPara="1" rIns="91425" wrap="square" tIns="45700">
+          <a:bodyPr spcFirstLastPara="1" wrap="square" lIns="91425" tIns="45700" rIns="91425" bIns="45700" anchor="ctr" anchorCtr="0">
             <a:noAutofit/>
           </a:bodyPr>
           <a:lstStyle>
-            <a:lvl1pPr indent="0" lvl="0" marL="0" marR="0" algn="r">
+            <a:lvl1pPr marL="0" marR="0" lvl="0" indent="0" algn="r">
               <a:lnSpc>
                 <a:spcPct val="100000"/>
               </a:lnSpc>
@@ -2250,7 +2301,7 @@
               <a:buSzPts val="5760"/>
               <a:buFont typeface="Arial"/>
               <a:buNone/>
-              <a:defRPr b="0" i="0" sz="5760" u="none" cap="none" strike="noStrike">
+              <a:defRPr sz="5760" b="0" i="0" u="none" strike="noStrike" cap="none">
                 <a:solidFill>
                   <a:srgbClr val="888888"/>
                 </a:solidFill>
@@ -2260,7 +2311,7 @@
                 <a:sym typeface="Calibri"/>
               </a:defRPr>
             </a:lvl1pPr>
-            <a:lvl2pPr indent="0" lvl="1" marL="0" marR="0" algn="r">
+            <a:lvl2pPr marL="0" marR="0" lvl="1" indent="0" algn="r">
               <a:lnSpc>
                 <a:spcPct val="100000"/>
               </a:lnSpc>
@@ -2276,7 +2327,7 @@
               <a:buSzPts val="5760"/>
               <a:buFont typeface="Arial"/>
               <a:buNone/>
-              <a:defRPr b="0" i="0" sz="5760" u="none" cap="none" strike="noStrike">
+              <a:defRPr sz="5760" b="0" i="0" u="none" strike="noStrike" cap="none">
                 <a:solidFill>
                   <a:srgbClr val="888888"/>
                 </a:solidFill>
@@ -2286,7 +2337,7 @@
                 <a:sym typeface="Calibri"/>
               </a:defRPr>
             </a:lvl2pPr>
-            <a:lvl3pPr indent="0" lvl="2" marL="0" marR="0" algn="r">
+            <a:lvl3pPr marL="0" marR="0" lvl="2" indent="0" algn="r">
               <a:lnSpc>
                 <a:spcPct val="100000"/>
               </a:lnSpc>
@@ -2302,7 +2353,7 @@
               <a:buSzPts val="5760"/>
               <a:buFont typeface="Arial"/>
               <a:buNone/>
-              <a:defRPr b="0" i="0" sz="5760" u="none" cap="none" strike="noStrike">
+              <a:defRPr sz="5760" b="0" i="0" u="none" strike="noStrike" cap="none">
                 <a:solidFill>
                   <a:srgbClr val="888888"/>
                 </a:solidFill>
@@ -2312,7 +2363,7 @@
                 <a:sym typeface="Calibri"/>
               </a:defRPr>
             </a:lvl3pPr>
-            <a:lvl4pPr indent="0" lvl="3" marL="0" marR="0" algn="r">
+            <a:lvl4pPr marL="0" marR="0" lvl="3" indent="0" algn="r">
               <a:lnSpc>
                 <a:spcPct val="100000"/>
               </a:lnSpc>
@@ -2328,7 +2379,7 @@
               <a:buSzPts val="5760"/>
               <a:buFont typeface="Arial"/>
               <a:buNone/>
-              <a:defRPr b="0" i="0" sz="5760" u="none" cap="none" strike="noStrike">
+              <a:defRPr sz="5760" b="0" i="0" u="none" strike="noStrike" cap="none">
                 <a:solidFill>
                   <a:srgbClr val="888888"/>
                 </a:solidFill>
@@ -2338,7 +2389,7 @@
                 <a:sym typeface="Calibri"/>
               </a:defRPr>
             </a:lvl4pPr>
-            <a:lvl5pPr indent="0" lvl="4" marL="0" marR="0" algn="r">
+            <a:lvl5pPr marL="0" marR="0" lvl="4" indent="0" algn="r">
               <a:lnSpc>
                 <a:spcPct val="100000"/>
               </a:lnSpc>
@@ -2354,7 +2405,7 @@
               <a:buSzPts val="5760"/>
               <a:buFont typeface="Arial"/>
               <a:buNone/>
-              <a:defRPr b="0" i="0" sz="5760" u="none" cap="none" strike="noStrike">
+              <a:defRPr sz="5760" b="0" i="0" u="none" strike="noStrike" cap="none">
                 <a:solidFill>
                   <a:srgbClr val="888888"/>
                 </a:solidFill>
@@ -2364,7 +2415,7 @@
                 <a:sym typeface="Calibri"/>
               </a:defRPr>
             </a:lvl5pPr>
-            <a:lvl6pPr indent="0" lvl="5" marL="0" marR="0" algn="r">
+            <a:lvl6pPr marL="0" marR="0" lvl="5" indent="0" algn="r">
               <a:lnSpc>
                 <a:spcPct val="100000"/>
               </a:lnSpc>
@@ -2380,7 +2431,7 @@
               <a:buSzPts val="5760"/>
               <a:buFont typeface="Arial"/>
               <a:buNone/>
-              <a:defRPr b="0" i="0" sz="5760" u="none" cap="none" strike="noStrike">
+              <a:defRPr sz="5760" b="0" i="0" u="none" strike="noStrike" cap="none">
                 <a:solidFill>
                   <a:srgbClr val="888888"/>
                 </a:solidFill>
@@ -2390,7 +2441,7 @@
                 <a:sym typeface="Calibri"/>
               </a:defRPr>
             </a:lvl6pPr>
-            <a:lvl7pPr indent="0" lvl="6" marL="0" marR="0" algn="r">
+            <a:lvl7pPr marL="0" marR="0" lvl="6" indent="0" algn="r">
               <a:lnSpc>
                 <a:spcPct val="100000"/>
               </a:lnSpc>
@@ -2406,7 +2457,7 @@
               <a:buSzPts val="5760"/>
               <a:buFont typeface="Arial"/>
               <a:buNone/>
-              <a:defRPr b="0" i="0" sz="5760" u="none" cap="none" strike="noStrike">
+              <a:defRPr sz="5760" b="0" i="0" u="none" strike="noStrike" cap="none">
                 <a:solidFill>
                   <a:srgbClr val="888888"/>
                 </a:solidFill>
@@ -2416,7 +2467,7 @@
                 <a:sym typeface="Calibri"/>
               </a:defRPr>
             </a:lvl7pPr>
-            <a:lvl8pPr indent="0" lvl="7" marL="0" marR="0" algn="r">
+            <a:lvl8pPr marL="0" marR="0" lvl="7" indent="0" algn="r">
               <a:lnSpc>
                 <a:spcPct val="100000"/>
               </a:lnSpc>
@@ -2432,7 +2483,7 @@
               <a:buSzPts val="5760"/>
               <a:buFont typeface="Arial"/>
               <a:buNone/>
-              <a:defRPr b="0" i="0" sz="5760" u="none" cap="none" strike="noStrike">
+              <a:defRPr sz="5760" b="0" i="0" u="none" strike="noStrike" cap="none">
                 <a:solidFill>
                   <a:srgbClr val="888888"/>
                 </a:solidFill>
@@ -2442,7 +2493,7 @@
                 <a:sym typeface="Calibri"/>
               </a:defRPr>
             </a:lvl8pPr>
-            <a:lvl9pPr indent="0" lvl="8" marL="0" marR="0" algn="r">
+            <a:lvl9pPr marL="0" marR="0" lvl="8" indent="0" algn="r">
               <a:lnSpc>
                 <a:spcPct val="100000"/>
               </a:lnSpc>
@@ -2458,7 +2509,7 @@
               <a:buSzPts val="5760"/>
               <a:buFont typeface="Arial"/>
               <a:buNone/>
-              <a:defRPr b="0" i="0" sz="5760" u="none" cap="none" strike="noStrike">
+              <a:defRPr sz="5760" b="0" i="0" u="none" strike="noStrike" cap="none">
                 <a:solidFill>
                   <a:srgbClr val="888888"/>
                 </a:solidFill>
@@ -2470,7 +2521,7 @@
             </a:lvl9pPr>
           </a:lstStyle>
           <a:p>
-            <a:pPr indent="0" lvl="0" marL="0" rtl="0" algn="r">
+            <a:pPr marL="0" lvl="0" indent="0" algn="r" rtl="0">
               <a:spcBef>
                 <a:spcPts val="0"/>
               </a:spcBef>
@@ -2496,11 +2547,11 @@
 </file>
 
 <file path=ppt/slideLayouts/slideLayout11.xml><?xml version="1.0" encoding="utf-8"?>
-<p:sldLayout xmlns:a="http://schemas.openxmlformats.org/drawingml/2006/main" xmlns:r="http://schemas.openxmlformats.org/officeDocument/2006/relationships" xmlns:mc="http://schemas.openxmlformats.org/markup-compatibility/2006" xmlns:mv="urn:schemas-microsoft-com:mac:vml" xmlns:p="http://schemas.openxmlformats.org/presentationml/2006/main" xmlns:c="http://schemas.openxmlformats.org/drawingml/2006/chart" xmlns:dgm="http://schemas.openxmlformats.org/drawingml/2006/diagram" xmlns:o="urn:schemas-microsoft-com:office:office" xmlns:v="urn:schemas-microsoft-com:vml" xmlns:pvml="urn:schemas-microsoft-com:office:powerpoint" xmlns:com="http://schemas.openxmlformats.org/drawingml/2006/compatibility" xmlns:p14="http://schemas.microsoft.com/office/powerpoint/2010/main" xmlns:p15="http://schemas.microsoft.com/office/powerpoint/2012/main" matchingName="Vertical Title and Text" type="vertTitleAndTx">
+<p:sldLayout xmlns:a="http://schemas.openxmlformats.org/drawingml/2006/main" xmlns:r="http://schemas.openxmlformats.org/officeDocument/2006/relationships" xmlns:p="http://schemas.openxmlformats.org/presentationml/2006/main" matchingName="Vertical Title and Text" type="vertTitleAndTx">
   <p:cSld name="VERTICAL_TITLE_AND_VERTICAL_TEXT">
     <p:spTree>
       <p:nvGrpSpPr>
-        <p:cNvPr id="74" name="Shape 74"/>
+        <p:cNvPr id="1" name="Shape 74"/>
         <p:cNvGrpSpPr/>
         <p:nvPr/>
       </p:nvGrpSpPr>
@@ -2515,7 +2566,9 @@
       <p:sp>
         <p:nvSpPr>
           <p:cNvPr id="75" name="Google Shape;75;p12"/>
-          <p:cNvSpPr txBox="1"/>
+          <p:cNvSpPr txBox="1">
+            <a:spLocks noGrp="1"/>
+          </p:cNvSpPr>
           <p:nvPr>
             <p:ph type="title"/>
           </p:nvPr>
@@ -2534,7 +2587,7 @@
           </a:ln>
         </p:spPr>
         <p:txBody>
-          <a:bodyPr anchorCtr="0" anchor="ctr" bIns="45700" lIns="91425" spcFirstLastPara="1" rIns="91425" wrap="square" tIns="45700"/>
+          <a:bodyPr spcFirstLastPara="1" wrap="square" lIns="91425" tIns="45700" rIns="91425" bIns="45700" anchor="ctr" anchorCtr="0"/>
           <a:lstStyle>
             <a:lvl1pPr lvl="0" algn="l">
               <a:lnSpc>
@@ -2666,15 +2719,19 @@
               <a:defRPr/>
             </a:lvl9pPr>
           </a:lstStyle>
-          <a:p/>
+          <a:p>
+            <a:endParaRPr/>
+          </a:p>
         </p:txBody>
       </p:sp>
       <p:sp>
         <p:nvSpPr>
           <p:cNvPr id="76" name="Google Shape;76;p12"/>
-          <p:cNvSpPr txBox="1"/>
+          <p:cNvSpPr txBox="1">
+            <a:spLocks noGrp="1"/>
+          </p:cNvSpPr>
           <p:nvPr>
-            <p:ph idx="1" type="body"/>
+            <p:ph type="body" idx="1"/>
           </p:nvPr>
         </p:nvSpPr>
         <p:spPr>
@@ -2691,9 +2748,9 @@
           </a:ln>
         </p:spPr>
         <p:txBody>
-          <a:bodyPr anchorCtr="0" anchor="t" bIns="45700" lIns="91425" spcFirstLastPara="1" rIns="91425" wrap="square" tIns="45700"/>
+          <a:bodyPr spcFirstLastPara="1" wrap="square" lIns="91425" tIns="45700" rIns="91425" bIns="45700" anchor="t" anchorCtr="0"/>
           <a:lstStyle>
-            <a:lvl1pPr indent="-342900" lvl="0" marL="457200" algn="l">
+            <a:lvl1pPr marL="457200" lvl="0" indent="-342900" algn="l">
               <a:lnSpc>
                 <a:spcPct val="90000"/>
               </a:lnSpc>
@@ -2710,7 +2767,7 @@
               <a:buChar char="•"/>
               <a:defRPr/>
             </a:lvl1pPr>
-            <a:lvl2pPr indent="-342900" lvl="1" marL="914400" algn="l">
+            <a:lvl2pPr marL="914400" lvl="1" indent="-342900" algn="l">
               <a:lnSpc>
                 <a:spcPct val="90000"/>
               </a:lnSpc>
@@ -2727,7 +2784,7 @@
               <a:buChar char="•"/>
               <a:defRPr/>
             </a:lvl2pPr>
-            <a:lvl3pPr indent="-342900" lvl="2" marL="1371600" algn="l">
+            <a:lvl3pPr marL="1371600" lvl="2" indent="-342900" algn="l">
               <a:lnSpc>
                 <a:spcPct val="90000"/>
               </a:lnSpc>
@@ -2744,7 +2801,7 @@
               <a:buChar char="•"/>
               <a:defRPr/>
             </a:lvl3pPr>
-            <a:lvl4pPr indent="-342900" lvl="3" marL="1828800" algn="l">
+            <a:lvl4pPr marL="1828800" lvl="3" indent="-342900" algn="l">
               <a:lnSpc>
                 <a:spcPct val="90000"/>
               </a:lnSpc>
@@ -2761,7 +2818,7 @@
               <a:buChar char="•"/>
               <a:defRPr/>
             </a:lvl4pPr>
-            <a:lvl5pPr indent="-342900" lvl="4" marL="2286000" algn="l">
+            <a:lvl5pPr marL="2286000" lvl="4" indent="-342900" algn="l">
               <a:lnSpc>
                 <a:spcPct val="90000"/>
               </a:lnSpc>
@@ -2778,7 +2835,7 @@
               <a:buChar char="•"/>
               <a:defRPr/>
             </a:lvl5pPr>
-            <a:lvl6pPr indent="-342900" lvl="5" marL="2743200" algn="l">
+            <a:lvl6pPr marL="2743200" lvl="5" indent="-342900" algn="l">
               <a:lnSpc>
                 <a:spcPct val="90000"/>
               </a:lnSpc>
@@ -2795,7 +2852,7 @@
               <a:buChar char="•"/>
               <a:defRPr/>
             </a:lvl6pPr>
-            <a:lvl7pPr indent="-342900" lvl="6" marL="3200400" algn="l">
+            <a:lvl7pPr marL="3200400" lvl="6" indent="-342900" algn="l">
               <a:lnSpc>
                 <a:spcPct val="90000"/>
               </a:lnSpc>
@@ -2812,7 +2869,7 @@
               <a:buChar char="•"/>
               <a:defRPr/>
             </a:lvl7pPr>
-            <a:lvl8pPr indent="-342900" lvl="7" marL="3657600" algn="l">
+            <a:lvl8pPr marL="3657600" lvl="7" indent="-342900" algn="l">
               <a:lnSpc>
                 <a:spcPct val="90000"/>
               </a:lnSpc>
@@ -2829,7 +2886,7 @@
               <a:buChar char="•"/>
               <a:defRPr/>
             </a:lvl8pPr>
-            <a:lvl9pPr indent="-342900" lvl="8" marL="4114800" algn="l">
+            <a:lvl9pPr marL="4114800" lvl="8" indent="-342900" algn="l">
               <a:lnSpc>
                 <a:spcPct val="90000"/>
               </a:lnSpc>
@@ -2847,15 +2904,19 @@
               <a:defRPr/>
             </a:lvl9pPr>
           </a:lstStyle>
-          <a:p/>
+          <a:p>
+            <a:endParaRPr/>
+          </a:p>
         </p:txBody>
       </p:sp>
       <p:sp>
         <p:nvSpPr>
           <p:cNvPr id="77" name="Google Shape;77;p12"/>
-          <p:cNvSpPr txBox="1"/>
+          <p:cNvSpPr txBox="1">
+            <a:spLocks noGrp="1"/>
+          </p:cNvSpPr>
           <p:nvPr>
-            <p:ph idx="10" type="dt"/>
+            <p:ph type="dt" idx="10"/>
           </p:nvPr>
         </p:nvSpPr>
         <p:spPr>
@@ -2872,7 +2933,7 @@
           </a:ln>
         </p:spPr>
         <p:txBody>
-          <a:bodyPr anchorCtr="0" anchor="ctr" bIns="45700" lIns="91425" spcFirstLastPara="1" rIns="91425" wrap="square" tIns="45700"/>
+          <a:bodyPr spcFirstLastPara="1" wrap="square" lIns="91425" tIns="45700" rIns="91425" bIns="45700" anchor="ctr" anchorCtr="0"/>
           <a:lstStyle>
             <a:lvl1pPr lvl="0" algn="l">
               <a:lnSpc>
@@ -3001,15 +3062,19 @@
               <a:defRPr/>
             </a:lvl9pPr>
           </a:lstStyle>
-          <a:p/>
+          <a:p>
+            <a:endParaRPr/>
+          </a:p>
         </p:txBody>
       </p:sp>
       <p:sp>
         <p:nvSpPr>
           <p:cNvPr id="78" name="Google Shape;78;p12"/>
-          <p:cNvSpPr txBox="1"/>
+          <p:cNvSpPr txBox="1">
+            <a:spLocks noGrp="1"/>
+          </p:cNvSpPr>
           <p:nvPr>
-            <p:ph idx="11" type="ftr"/>
+            <p:ph type="ftr" idx="11"/>
           </p:nvPr>
         </p:nvSpPr>
         <p:spPr>
@@ -3026,7 +3091,7 @@
           </a:ln>
         </p:spPr>
         <p:txBody>
-          <a:bodyPr anchorCtr="0" anchor="ctr" bIns="45700" lIns="91425" spcFirstLastPara="1" rIns="91425" wrap="square" tIns="45700"/>
+          <a:bodyPr spcFirstLastPara="1" wrap="square" lIns="91425" tIns="45700" rIns="91425" bIns="45700" anchor="ctr" anchorCtr="0"/>
           <a:lstStyle>
             <a:lvl1pPr lvl="0" algn="ctr">
               <a:lnSpc>
@@ -3155,15 +3220,19 @@
               <a:defRPr/>
             </a:lvl9pPr>
           </a:lstStyle>
-          <a:p/>
+          <a:p>
+            <a:endParaRPr/>
+          </a:p>
         </p:txBody>
       </p:sp>
       <p:sp>
         <p:nvSpPr>
           <p:cNvPr id="79" name="Google Shape;79;p12"/>
-          <p:cNvSpPr txBox="1"/>
+          <p:cNvSpPr txBox="1">
+            <a:spLocks noGrp="1"/>
+          </p:cNvSpPr>
           <p:nvPr>
-            <p:ph idx="12" type="sldNum"/>
+            <p:ph type="sldNum" idx="12"/>
           </p:nvPr>
         </p:nvSpPr>
         <p:spPr>
@@ -3180,11 +3249,11 @@
           </a:ln>
         </p:spPr>
         <p:txBody>
-          <a:bodyPr anchorCtr="0" anchor="ctr" bIns="45700" lIns="91425" spcFirstLastPara="1" rIns="91425" wrap="square" tIns="45700">
+          <a:bodyPr spcFirstLastPara="1" wrap="square" lIns="91425" tIns="45700" rIns="91425" bIns="45700" anchor="ctr" anchorCtr="0">
             <a:noAutofit/>
           </a:bodyPr>
           <a:lstStyle>
-            <a:lvl1pPr indent="0" lvl="0" marL="0" marR="0" algn="r">
+            <a:lvl1pPr marL="0" marR="0" lvl="0" indent="0" algn="r">
               <a:lnSpc>
                 <a:spcPct val="100000"/>
               </a:lnSpc>
@@ -3200,7 +3269,7 @@
               <a:buSzPts val="5760"/>
               <a:buFont typeface="Arial"/>
               <a:buNone/>
-              <a:defRPr b="0" i="0" sz="5760" u="none" cap="none" strike="noStrike">
+              <a:defRPr sz="5760" b="0" i="0" u="none" strike="noStrike" cap="none">
                 <a:solidFill>
                   <a:srgbClr val="888888"/>
                 </a:solidFill>
@@ -3210,7 +3279,7 @@
                 <a:sym typeface="Calibri"/>
               </a:defRPr>
             </a:lvl1pPr>
-            <a:lvl2pPr indent="0" lvl="1" marL="0" marR="0" algn="r">
+            <a:lvl2pPr marL="0" marR="0" lvl="1" indent="0" algn="r">
               <a:lnSpc>
                 <a:spcPct val="100000"/>
               </a:lnSpc>
@@ -3226,7 +3295,7 @@
               <a:buSzPts val="5760"/>
               <a:buFont typeface="Arial"/>
               <a:buNone/>
-              <a:defRPr b="0" i="0" sz="5760" u="none" cap="none" strike="noStrike">
+              <a:defRPr sz="5760" b="0" i="0" u="none" strike="noStrike" cap="none">
                 <a:solidFill>
                   <a:srgbClr val="888888"/>
                 </a:solidFill>
@@ -3236,7 +3305,7 @@
                 <a:sym typeface="Calibri"/>
               </a:defRPr>
             </a:lvl2pPr>
-            <a:lvl3pPr indent="0" lvl="2" marL="0" marR="0" algn="r">
+            <a:lvl3pPr marL="0" marR="0" lvl="2" indent="0" algn="r">
               <a:lnSpc>
                 <a:spcPct val="100000"/>
               </a:lnSpc>
@@ -3252,7 +3321,7 @@
               <a:buSzPts val="5760"/>
               <a:buFont typeface="Arial"/>
               <a:buNone/>
-              <a:defRPr b="0" i="0" sz="5760" u="none" cap="none" strike="noStrike">
+              <a:defRPr sz="5760" b="0" i="0" u="none" strike="noStrike" cap="none">
                 <a:solidFill>
                   <a:srgbClr val="888888"/>
                 </a:solidFill>
@@ -3262,7 +3331,7 @@
                 <a:sym typeface="Calibri"/>
               </a:defRPr>
             </a:lvl3pPr>
-            <a:lvl4pPr indent="0" lvl="3" marL="0" marR="0" algn="r">
+            <a:lvl4pPr marL="0" marR="0" lvl="3" indent="0" algn="r">
               <a:lnSpc>
                 <a:spcPct val="100000"/>
               </a:lnSpc>
@@ -3278,7 +3347,7 @@
               <a:buSzPts val="5760"/>
               <a:buFont typeface="Arial"/>
               <a:buNone/>
-              <a:defRPr b="0" i="0" sz="5760" u="none" cap="none" strike="noStrike">
+              <a:defRPr sz="5760" b="0" i="0" u="none" strike="noStrike" cap="none">
                 <a:solidFill>
                   <a:srgbClr val="888888"/>
                 </a:solidFill>
@@ -3288,7 +3357,7 @@
                 <a:sym typeface="Calibri"/>
               </a:defRPr>
             </a:lvl4pPr>
-            <a:lvl5pPr indent="0" lvl="4" marL="0" marR="0" algn="r">
+            <a:lvl5pPr marL="0" marR="0" lvl="4" indent="0" algn="r">
               <a:lnSpc>
                 <a:spcPct val="100000"/>
               </a:lnSpc>
@@ -3304,7 +3373,7 @@
               <a:buSzPts val="5760"/>
               <a:buFont typeface="Arial"/>
               <a:buNone/>
-              <a:defRPr b="0" i="0" sz="5760" u="none" cap="none" strike="noStrike">
+              <a:defRPr sz="5760" b="0" i="0" u="none" strike="noStrike" cap="none">
                 <a:solidFill>
                   <a:srgbClr val="888888"/>
                 </a:solidFill>
@@ -3314,7 +3383,7 @@
                 <a:sym typeface="Calibri"/>
               </a:defRPr>
             </a:lvl5pPr>
-            <a:lvl6pPr indent="0" lvl="5" marL="0" marR="0" algn="r">
+            <a:lvl6pPr marL="0" marR="0" lvl="5" indent="0" algn="r">
               <a:lnSpc>
                 <a:spcPct val="100000"/>
               </a:lnSpc>
@@ -3330,7 +3399,7 @@
               <a:buSzPts val="5760"/>
               <a:buFont typeface="Arial"/>
               <a:buNone/>
-              <a:defRPr b="0" i="0" sz="5760" u="none" cap="none" strike="noStrike">
+              <a:defRPr sz="5760" b="0" i="0" u="none" strike="noStrike" cap="none">
                 <a:solidFill>
                   <a:srgbClr val="888888"/>
                 </a:solidFill>
@@ -3340,7 +3409,7 @@
                 <a:sym typeface="Calibri"/>
               </a:defRPr>
             </a:lvl6pPr>
-            <a:lvl7pPr indent="0" lvl="6" marL="0" marR="0" algn="r">
+            <a:lvl7pPr marL="0" marR="0" lvl="6" indent="0" algn="r">
               <a:lnSpc>
                 <a:spcPct val="100000"/>
               </a:lnSpc>
@@ -3356,7 +3425,7 @@
               <a:buSzPts val="5760"/>
               <a:buFont typeface="Arial"/>
               <a:buNone/>
-              <a:defRPr b="0" i="0" sz="5760" u="none" cap="none" strike="noStrike">
+              <a:defRPr sz="5760" b="0" i="0" u="none" strike="noStrike" cap="none">
                 <a:solidFill>
                   <a:srgbClr val="888888"/>
                 </a:solidFill>
@@ -3366,7 +3435,7 @@
                 <a:sym typeface="Calibri"/>
               </a:defRPr>
             </a:lvl7pPr>
-            <a:lvl8pPr indent="0" lvl="7" marL="0" marR="0" algn="r">
+            <a:lvl8pPr marL="0" marR="0" lvl="7" indent="0" algn="r">
               <a:lnSpc>
                 <a:spcPct val="100000"/>
               </a:lnSpc>
@@ -3382,7 +3451,7 @@
               <a:buSzPts val="5760"/>
               <a:buFont typeface="Arial"/>
               <a:buNone/>
-              <a:defRPr b="0" i="0" sz="5760" u="none" cap="none" strike="noStrike">
+              <a:defRPr sz="5760" b="0" i="0" u="none" strike="noStrike" cap="none">
                 <a:solidFill>
                   <a:srgbClr val="888888"/>
                 </a:solidFill>
@@ -3392,7 +3461,7 @@
                 <a:sym typeface="Calibri"/>
               </a:defRPr>
             </a:lvl8pPr>
-            <a:lvl9pPr indent="0" lvl="8" marL="0" marR="0" algn="r">
+            <a:lvl9pPr marL="0" marR="0" lvl="8" indent="0" algn="r">
               <a:lnSpc>
                 <a:spcPct val="100000"/>
               </a:lnSpc>
@@ -3408,7 +3477,7 @@
               <a:buSzPts val="5760"/>
               <a:buFont typeface="Arial"/>
               <a:buNone/>
-              <a:defRPr b="0" i="0" sz="5760" u="none" cap="none" strike="noStrike">
+              <a:defRPr sz="5760" b="0" i="0" u="none" strike="noStrike" cap="none">
                 <a:solidFill>
                   <a:srgbClr val="888888"/>
                 </a:solidFill>
@@ -3420,7 +3489,7 @@
             </a:lvl9pPr>
           </a:lstStyle>
           <a:p>
-            <a:pPr indent="0" lvl="0" marL="0" rtl="0" algn="r">
+            <a:pPr marL="0" lvl="0" indent="0" algn="r" rtl="0">
               <a:spcBef>
                 <a:spcPts val="0"/>
               </a:spcBef>
@@ -3446,11 +3515,11 @@
 </file>
 
 <file path=ppt/slideLayouts/slideLayout2.xml><?xml version="1.0" encoding="utf-8"?>
-<p:sldLayout xmlns:a="http://schemas.openxmlformats.org/drawingml/2006/main" xmlns:r="http://schemas.openxmlformats.org/officeDocument/2006/relationships" xmlns:mc="http://schemas.openxmlformats.org/markup-compatibility/2006" xmlns:mv="urn:schemas-microsoft-com:mac:vml" xmlns:p="http://schemas.openxmlformats.org/presentationml/2006/main" xmlns:c="http://schemas.openxmlformats.org/drawingml/2006/chart" xmlns:dgm="http://schemas.openxmlformats.org/drawingml/2006/diagram" xmlns:o="urn:schemas-microsoft-com:office:office" xmlns:v="urn:schemas-microsoft-com:vml" xmlns:pvml="urn:schemas-microsoft-com:office:powerpoint" xmlns:com="http://schemas.openxmlformats.org/drawingml/2006/compatibility" xmlns:p14="http://schemas.microsoft.com/office/powerpoint/2010/main" xmlns:p15="http://schemas.microsoft.com/office/powerpoint/2012/main" matchingName="Title Slide" type="title">
+<p:sldLayout xmlns:a="http://schemas.openxmlformats.org/drawingml/2006/main" xmlns:r="http://schemas.openxmlformats.org/officeDocument/2006/relationships" xmlns:p="http://schemas.openxmlformats.org/presentationml/2006/main" matchingName="Title Slide" type="title">
   <p:cSld name="TITLE">
     <p:spTree>
       <p:nvGrpSpPr>
-        <p:cNvPr id="15" name="Shape 15"/>
+        <p:cNvPr id="1" name="Shape 15"/>
         <p:cNvGrpSpPr/>
         <p:nvPr/>
       </p:nvGrpSpPr>
@@ -3465,7 +3534,9 @@
       <p:sp>
         <p:nvSpPr>
           <p:cNvPr id="16" name="Google Shape;16;p3"/>
-          <p:cNvSpPr txBox="1"/>
+          <p:cNvSpPr txBox="1">
+            <a:spLocks noGrp="1"/>
+          </p:cNvSpPr>
           <p:nvPr>
             <p:ph type="ctrTitle"/>
           </p:nvPr>
@@ -3484,7 +3555,7 @@
           </a:ln>
         </p:spPr>
         <p:txBody>
-          <a:bodyPr anchorCtr="0" anchor="b" bIns="45700" lIns="91425" spcFirstLastPara="1" rIns="91425" wrap="square" tIns="45700"/>
+          <a:bodyPr spcFirstLastPara="1" wrap="square" lIns="91425" tIns="45700" rIns="91425" bIns="45700" anchor="b" anchorCtr="0"/>
           <a:lstStyle>
             <a:lvl1pPr lvl="0" algn="ctr">
               <a:lnSpc>
@@ -3617,15 +3688,19 @@
               <a:defRPr/>
             </a:lvl9pPr>
           </a:lstStyle>
-          <a:p/>
+          <a:p>
+            <a:endParaRPr/>
+          </a:p>
         </p:txBody>
       </p:sp>
       <p:sp>
         <p:nvSpPr>
           <p:cNvPr id="17" name="Google Shape;17;p3"/>
-          <p:cNvSpPr txBox="1"/>
+          <p:cNvSpPr txBox="1">
+            <a:spLocks noGrp="1"/>
+          </p:cNvSpPr>
           <p:nvPr>
-            <p:ph idx="1" type="subTitle"/>
+            <p:ph type="subTitle" idx="1"/>
           </p:nvPr>
         </p:nvSpPr>
         <p:spPr>
@@ -3642,7 +3717,7 @@
           </a:ln>
         </p:spPr>
         <p:txBody>
-          <a:bodyPr anchorCtr="0" anchor="t" bIns="45700" lIns="91425" spcFirstLastPara="1" rIns="91425" wrap="square" tIns="45700"/>
+          <a:bodyPr spcFirstLastPara="1" wrap="square" lIns="91425" tIns="45700" rIns="91425" bIns="45700" anchor="t" anchorCtr="0"/>
           <a:lstStyle>
             <a:lvl1pPr lvl="0" algn="ctr">
               <a:lnSpc>
@@ -3798,15 +3873,19 @@
               <a:defRPr sz="7680"/>
             </a:lvl9pPr>
           </a:lstStyle>
-          <a:p/>
+          <a:p>
+            <a:endParaRPr/>
+          </a:p>
         </p:txBody>
       </p:sp>
       <p:sp>
         <p:nvSpPr>
           <p:cNvPr id="18" name="Google Shape;18;p3"/>
-          <p:cNvSpPr txBox="1"/>
+          <p:cNvSpPr txBox="1">
+            <a:spLocks noGrp="1"/>
+          </p:cNvSpPr>
           <p:nvPr>
-            <p:ph idx="10" type="dt"/>
+            <p:ph type="dt" idx="10"/>
           </p:nvPr>
         </p:nvSpPr>
         <p:spPr>
@@ -3823,7 +3902,7 @@
           </a:ln>
         </p:spPr>
         <p:txBody>
-          <a:bodyPr anchorCtr="0" anchor="ctr" bIns="45700" lIns="91425" spcFirstLastPara="1" rIns="91425" wrap="square" tIns="45700"/>
+          <a:bodyPr spcFirstLastPara="1" wrap="square" lIns="91425" tIns="45700" rIns="91425" bIns="45700" anchor="ctr" anchorCtr="0"/>
           <a:lstStyle>
             <a:lvl1pPr lvl="0" algn="l">
               <a:lnSpc>
@@ -3952,15 +4031,19 @@
               <a:defRPr/>
             </a:lvl9pPr>
           </a:lstStyle>
-          <a:p/>
+          <a:p>
+            <a:endParaRPr/>
+          </a:p>
         </p:txBody>
       </p:sp>
       <p:sp>
         <p:nvSpPr>
           <p:cNvPr id="19" name="Google Shape;19;p3"/>
-          <p:cNvSpPr txBox="1"/>
+          <p:cNvSpPr txBox="1">
+            <a:spLocks noGrp="1"/>
+          </p:cNvSpPr>
           <p:nvPr>
-            <p:ph idx="11" type="ftr"/>
+            <p:ph type="ftr" idx="11"/>
           </p:nvPr>
         </p:nvSpPr>
         <p:spPr>
@@ -3977,7 +4060,7 @@
           </a:ln>
         </p:spPr>
         <p:txBody>
-          <a:bodyPr anchorCtr="0" anchor="ctr" bIns="45700" lIns="91425" spcFirstLastPara="1" rIns="91425" wrap="square" tIns="45700"/>
+          <a:bodyPr spcFirstLastPara="1" wrap="square" lIns="91425" tIns="45700" rIns="91425" bIns="45700" anchor="ctr" anchorCtr="0"/>
           <a:lstStyle>
             <a:lvl1pPr lvl="0" algn="ctr">
               <a:lnSpc>
@@ -4106,15 +4189,19 @@
               <a:defRPr/>
             </a:lvl9pPr>
           </a:lstStyle>
-          <a:p/>
+          <a:p>
+            <a:endParaRPr/>
+          </a:p>
         </p:txBody>
       </p:sp>
       <p:sp>
         <p:nvSpPr>
           <p:cNvPr id="20" name="Google Shape;20;p3"/>
-          <p:cNvSpPr txBox="1"/>
+          <p:cNvSpPr txBox="1">
+            <a:spLocks noGrp="1"/>
+          </p:cNvSpPr>
           <p:nvPr>
-            <p:ph idx="12" type="sldNum"/>
+            <p:ph type="sldNum" idx="12"/>
           </p:nvPr>
         </p:nvSpPr>
         <p:spPr>
@@ -4131,11 +4218,11 @@
           </a:ln>
         </p:spPr>
         <p:txBody>
-          <a:bodyPr anchorCtr="0" anchor="ctr" bIns="45700" lIns="91425" spcFirstLastPara="1" rIns="91425" wrap="square" tIns="45700">
+          <a:bodyPr spcFirstLastPara="1" wrap="square" lIns="91425" tIns="45700" rIns="91425" bIns="45700" anchor="ctr" anchorCtr="0">
             <a:noAutofit/>
           </a:bodyPr>
           <a:lstStyle>
-            <a:lvl1pPr indent="0" lvl="0" marL="0" marR="0" algn="r">
+            <a:lvl1pPr marL="0" marR="0" lvl="0" indent="0" algn="r">
               <a:lnSpc>
                 <a:spcPct val="100000"/>
               </a:lnSpc>
@@ -4151,7 +4238,7 @@
               <a:buSzPts val="5760"/>
               <a:buFont typeface="Arial"/>
               <a:buNone/>
-              <a:defRPr b="0" i="0" sz="5760" u="none" cap="none" strike="noStrike">
+              <a:defRPr sz="5760" b="0" i="0" u="none" strike="noStrike" cap="none">
                 <a:solidFill>
                   <a:srgbClr val="888888"/>
                 </a:solidFill>
@@ -4161,7 +4248,7 @@
                 <a:sym typeface="Calibri"/>
               </a:defRPr>
             </a:lvl1pPr>
-            <a:lvl2pPr indent="0" lvl="1" marL="0" marR="0" algn="r">
+            <a:lvl2pPr marL="0" marR="0" lvl="1" indent="0" algn="r">
               <a:lnSpc>
                 <a:spcPct val="100000"/>
               </a:lnSpc>
@@ -4177,7 +4264,7 @@
               <a:buSzPts val="5760"/>
               <a:buFont typeface="Arial"/>
               <a:buNone/>
-              <a:defRPr b="0" i="0" sz="5760" u="none" cap="none" strike="noStrike">
+              <a:defRPr sz="5760" b="0" i="0" u="none" strike="noStrike" cap="none">
                 <a:solidFill>
                   <a:srgbClr val="888888"/>
                 </a:solidFill>
@@ -4187,7 +4274,7 @@
                 <a:sym typeface="Calibri"/>
               </a:defRPr>
             </a:lvl2pPr>
-            <a:lvl3pPr indent="0" lvl="2" marL="0" marR="0" algn="r">
+            <a:lvl3pPr marL="0" marR="0" lvl="2" indent="0" algn="r">
               <a:lnSpc>
                 <a:spcPct val="100000"/>
               </a:lnSpc>
@@ -4203,7 +4290,7 @@
               <a:buSzPts val="5760"/>
               <a:buFont typeface="Arial"/>
               <a:buNone/>
-              <a:defRPr b="0" i="0" sz="5760" u="none" cap="none" strike="noStrike">
+              <a:defRPr sz="5760" b="0" i="0" u="none" strike="noStrike" cap="none">
                 <a:solidFill>
                   <a:srgbClr val="888888"/>
                 </a:solidFill>
@@ -4213,7 +4300,7 @@
                 <a:sym typeface="Calibri"/>
               </a:defRPr>
             </a:lvl3pPr>
-            <a:lvl4pPr indent="0" lvl="3" marL="0" marR="0" algn="r">
+            <a:lvl4pPr marL="0" marR="0" lvl="3" indent="0" algn="r">
               <a:lnSpc>
                 <a:spcPct val="100000"/>
               </a:lnSpc>
@@ -4229,7 +4316,7 @@
               <a:buSzPts val="5760"/>
               <a:buFont typeface="Arial"/>
               <a:buNone/>
-              <a:defRPr b="0" i="0" sz="5760" u="none" cap="none" strike="noStrike">
+              <a:defRPr sz="5760" b="0" i="0" u="none" strike="noStrike" cap="none">
                 <a:solidFill>
                   <a:srgbClr val="888888"/>
                 </a:solidFill>
@@ -4239,7 +4326,7 @@
                 <a:sym typeface="Calibri"/>
               </a:defRPr>
             </a:lvl4pPr>
-            <a:lvl5pPr indent="0" lvl="4" marL="0" marR="0" algn="r">
+            <a:lvl5pPr marL="0" marR="0" lvl="4" indent="0" algn="r">
               <a:lnSpc>
                 <a:spcPct val="100000"/>
               </a:lnSpc>
@@ -4255,7 +4342,7 @@
               <a:buSzPts val="5760"/>
               <a:buFont typeface="Arial"/>
               <a:buNone/>
-              <a:defRPr b="0" i="0" sz="5760" u="none" cap="none" strike="noStrike">
+              <a:defRPr sz="5760" b="0" i="0" u="none" strike="noStrike" cap="none">
                 <a:solidFill>
                   <a:srgbClr val="888888"/>
                 </a:solidFill>
@@ -4265,7 +4352,7 @@
                 <a:sym typeface="Calibri"/>
               </a:defRPr>
             </a:lvl5pPr>
-            <a:lvl6pPr indent="0" lvl="5" marL="0" marR="0" algn="r">
+            <a:lvl6pPr marL="0" marR="0" lvl="5" indent="0" algn="r">
               <a:lnSpc>
                 <a:spcPct val="100000"/>
               </a:lnSpc>
@@ -4281,7 +4368,7 @@
               <a:buSzPts val="5760"/>
               <a:buFont typeface="Arial"/>
               <a:buNone/>
-              <a:defRPr b="0" i="0" sz="5760" u="none" cap="none" strike="noStrike">
+              <a:defRPr sz="5760" b="0" i="0" u="none" strike="noStrike" cap="none">
                 <a:solidFill>
                   <a:srgbClr val="888888"/>
                 </a:solidFill>
@@ -4291,7 +4378,7 @@
                 <a:sym typeface="Calibri"/>
               </a:defRPr>
             </a:lvl6pPr>
-            <a:lvl7pPr indent="0" lvl="6" marL="0" marR="0" algn="r">
+            <a:lvl7pPr marL="0" marR="0" lvl="6" indent="0" algn="r">
               <a:lnSpc>
                 <a:spcPct val="100000"/>
               </a:lnSpc>
@@ -4307,7 +4394,7 @@
               <a:buSzPts val="5760"/>
               <a:buFont typeface="Arial"/>
               <a:buNone/>
-              <a:defRPr b="0" i="0" sz="5760" u="none" cap="none" strike="noStrike">
+              <a:defRPr sz="5760" b="0" i="0" u="none" strike="noStrike" cap="none">
                 <a:solidFill>
                   <a:srgbClr val="888888"/>
                 </a:solidFill>
@@ -4317,7 +4404,7 @@
                 <a:sym typeface="Calibri"/>
               </a:defRPr>
             </a:lvl7pPr>
-            <a:lvl8pPr indent="0" lvl="7" marL="0" marR="0" algn="r">
+            <a:lvl8pPr marL="0" marR="0" lvl="7" indent="0" algn="r">
               <a:lnSpc>
                 <a:spcPct val="100000"/>
               </a:lnSpc>
@@ -4333,7 +4420,7 @@
               <a:buSzPts val="5760"/>
               <a:buFont typeface="Arial"/>
               <a:buNone/>
-              <a:defRPr b="0" i="0" sz="5760" u="none" cap="none" strike="noStrike">
+              <a:defRPr sz="5760" b="0" i="0" u="none" strike="noStrike" cap="none">
                 <a:solidFill>
                   <a:srgbClr val="888888"/>
                 </a:solidFill>
@@ -4343,7 +4430,7 @@
                 <a:sym typeface="Calibri"/>
               </a:defRPr>
             </a:lvl8pPr>
-            <a:lvl9pPr indent="0" lvl="8" marL="0" marR="0" algn="r">
+            <a:lvl9pPr marL="0" marR="0" lvl="8" indent="0" algn="r">
               <a:lnSpc>
                 <a:spcPct val="100000"/>
               </a:lnSpc>
@@ -4359,7 +4446,7 @@
               <a:buSzPts val="5760"/>
               <a:buFont typeface="Arial"/>
               <a:buNone/>
-              <a:defRPr b="0" i="0" sz="5760" u="none" cap="none" strike="noStrike">
+              <a:defRPr sz="5760" b="0" i="0" u="none" strike="noStrike" cap="none">
                 <a:solidFill>
                   <a:srgbClr val="888888"/>
                 </a:solidFill>
@@ -4371,7 +4458,7 @@
             </a:lvl9pPr>
           </a:lstStyle>
           <a:p>
-            <a:pPr indent="0" lvl="0" marL="0" rtl="0" algn="r">
+            <a:pPr marL="0" lvl="0" indent="0" algn="r" rtl="0">
               <a:spcBef>
                 <a:spcPts val="0"/>
               </a:spcBef>
@@ -4397,11 +4484,11 @@
 </file>
 
 <file path=ppt/slideLayouts/slideLayout3.xml><?xml version="1.0" encoding="utf-8"?>
-<p:sldLayout xmlns:a="http://schemas.openxmlformats.org/drawingml/2006/main" xmlns:r="http://schemas.openxmlformats.org/officeDocument/2006/relationships" xmlns:mc="http://schemas.openxmlformats.org/markup-compatibility/2006" xmlns:mv="urn:schemas-microsoft-com:mac:vml" xmlns:p="http://schemas.openxmlformats.org/presentationml/2006/main" xmlns:c="http://schemas.openxmlformats.org/drawingml/2006/chart" xmlns:dgm="http://schemas.openxmlformats.org/drawingml/2006/diagram" xmlns:o="urn:schemas-microsoft-com:office:office" xmlns:v="urn:schemas-microsoft-com:vml" xmlns:pvml="urn:schemas-microsoft-com:office:powerpoint" xmlns:com="http://schemas.openxmlformats.org/drawingml/2006/compatibility" xmlns:p14="http://schemas.microsoft.com/office/powerpoint/2010/main" xmlns:p15="http://schemas.microsoft.com/office/powerpoint/2012/main" matchingName="Title and Content" type="obj">
+<p:sldLayout xmlns:a="http://schemas.openxmlformats.org/drawingml/2006/main" xmlns:r="http://schemas.openxmlformats.org/officeDocument/2006/relationships" xmlns:p="http://schemas.openxmlformats.org/presentationml/2006/main" matchingName="Title and Content" type="obj">
   <p:cSld name="OBJECT">
     <p:spTree>
       <p:nvGrpSpPr>
-        <p:cNvPr id="21" name="Shape 21"/>
+        <p:cNvPr id="1" name="Shape 21"/>
         <p:cNvGrpSpPr/>
         <p:nvPr/>
       </p:nvGrpSpPr>
@@ -4416,7 +4503,9 @@
       <p:sp>
         <p:nvSpPr>
           <p:cNvPr id="22" name="Google Shape;22;p4"/>
-          <p:cNvSpPr txBox="1"/>
+          <p:cNvSpPr txBox="1">
+            <a:spLocks noGrp="1"/>
+          </p:cNvSpPr>
           <p:nvPr>
             <p:ph type="title"/>
           </p:nvPr>
@@ -4435,7 +4524,7 @@
           </a:ln>
         </p:spPr>
         <p:txBody>
-          <a:bodyPr anchorCtr="0" anchor="ctr" bIns="45700" lIns="91425" spcFirstLastPara="1" rIns="91425" wrap="square" tIns="45700"/>
+          <a:bodyPr spcFirstLastPara="1" wrap="square" lIns="91425" tIns="45700" rIns="91425" bIns="45700" anchor="ctr" anchorCtr="0"/>
           <a:lstStyle>
             <a:lvl1pPr lvl="0" algn="l">
               <a:lnSpc>
@@ -4567,15 +4656,19 @@
               <a:defRPr/>
             </a:lvl9pPr>
           </a:lstStyle>
-          <a:p/>
+          <a:p>
+            <a:endParaRPr/>
+          </a:p>
         </p:txBody>
       </p:sp>
       <p:sp>
         <p:nvSpPr>
           <p:cNvPr id="23" name="Google Shape;23;p4"/>
-          <p:cNvSpPr txBox="1"/>
+          <p:cNvSpPr txBox="1">
+            <a:spLocks noGrp="1"/>
+          </p:cNvSpPr>
           <p:nvPr>
-            <p:ph idx="1" type="body"/>
+            <p:ph type="body" idx="1"/>
           </p:nvPr>
         </p:nvSpPr>
         <p:spPr>
@@ -4592,9 +4685,9 @@
           </a:ln>
         </p:spPr>
         <p:txBody>
-          <a:bodyPr anchorCtr="0" anchor="t" bIns="45700" lIns="91425" spcFirstLastPara="1" rIns="91425" wrap="square" tIns="45700"/>
+          <a:bodyPr spcFirstLastPara="1" wrap="square" lIns="91425" tIns="45700" rIns="91425" bIns="45700" anchor="t" anchorCtr="0"/>
           <a:lstStyle>
-            <a:lvl1pPr indent="-342900" lvl="0" marL="457200" algn="l">
+            <a:lvl1pPr marL="457200" lvl="0" indent="-342900" algn="l">
               <a:lnSpc>
                 <a:spcPct val="90000"/>
               </a:lnSpc>
@@ -4611,7 +4704,7 @@
               <a:buChar char="•"/>
               <a:defRPr/>
             </a:lvl1pPr>
-            <a:lvl2pPr indent="-342900" lvl="1" marL="914400" algn="l">
+            <a:lvl2pPr marL="914400" lvl="1" indent="-342900" algn="l">
               <a:lnSpc>
                 <a:spcPct val="90000"/>
               </a:lnSpc>
@@ -4628,7 +4721,7 @@
               <a:buChar char="•"/>
               <a:defRPr/>
             </a:lvl2pPr>
-            <a:lvl3pPr indent="-342900" lvl="2" marL="1371600" algn="l">
+            <a:lvl3pPr marL="1371600" lvl="2" indent="-342900" algn="l">
               <a:lnSpc>
                 <a:spcPct val="90000"/>
               </a:lnSpc>
@@ -4645,7 +4738,7 @@
               <a:buChar char="•"/>
               <a:defRPr/>
             </a:lvl3pPr>
-            <a:lvl4pPr indent="-342900" lvl="3" marL="1828800" algn="l">
+            <a:lvl4pPr marL="1828800" lvl="3" indent="-342900" algn="l">
               <a:lnSpc>
                 <a:spcPct val="90000"/>
               </a:lnSpc>
@@ -4662,7 +4755,7 @@
               <a:buChar char="•"/>
               <a:defRPr/>
             </a:lvl4pPr>
-            <a:lvl5pPr indent="-342900" lvl="4" marL="2286000" algn="l">
+            <a:lvl5pPr marL="2286000" lvl="4" indent="-342900" algn="l">
               <a:lnSpc>
                 <a:spcPct val="90000"/>
               </a:lnSpc>
@@ -4679,7 +4772,7 @@
               <a:buChar char="•"/>
               <a:defRPr/>
             </a:lvl5pPr>
-            <a:lvl6pPr indent="-342900" lvl="5" marL="2743200" algn="l">
+            <a:lvl6pPr marL="2743200" lvl="5" indent="-342900" algn="l">
               <a:lnSpc>
                 <a:spcPct val="90000"/>
               </a:lnSpc>
@@ -4696,7 +4789,7 @@
               <a:buChar char="•"/>
               <a:defRPr/>
             </a:lvl6pPr>
-            <a:lvl7pPr indent="-342900" lvl="6" marL="3200400" algn="l">
+            <a:lvl7pPr marL="3200400" lvl="6" indent="-342900" algn="l">
               <a:lnSpc>
                 <a:spcPct val="90000"/>
               </a:lnSpc>
@@ -4713,7 +4806,7 @@
               <a:buChar char="•"/>
               <a:defRPr/>
             </a:lvl7pPr>
-            <a:lvl8pPr indent="-342900" lvl="7" marL="3657600" algn="l">
+            <a:lvl8pPr marL="3657600" lvl="7" indent="-342900" algn="l">
               <a:lnSpc>
                 <a:spcPct val="90000"/>
               </a:lnSpc>
@@ -4730,7 +4823,7 @@
               <a:buChar char="•"/>
               <a:defRPr/>
             </a:lvl8pPr>
-            <a:lvl9pPr indent="-342900" lvl="8" marL="4114800" algn="l">
+            <a:lvl9pPr marL="4114800" lvl="8" indent="-342900" algn="l">
               <a:lnSpc>
                 <a:spcPct val="90000"/>
               </a:lnSpc>
@@ -4748,15 +4841,19 @@
               <a:defRPr/>
             </a:lvl9pPr>
           </a:lstStyle>
-          <a:p/>
+          <a:p>
+            <a:endParaRPr/>
+          </a:p>
         </p:txBody>
       </p:sp>
       <p:sp>
         <p:nvSpPr>
           <p:cNvPr id="24" name="Google Shape;24;p4"/>
-          <p:cNvSpPr txBox="1"/>
+          <p:cNvSpPr txBox="1">
+            <a:spLocks noGrp="1"/>
+          </p:cNvSpPr>
           <p:nvPr>
-            <p:ph idx="10" type="dt"/>
+            <p:ph type="dt" idx="10"/>
           </p:nvPr>
         </p:nvSpPr>
         <p:spPr>
@@ -4773,7 +4870,7 @@
           </a:ln>
         </p:spPr>
         <p:txBody>
-          <a:bodyPr anchorCtr="0" anchor="ctr" bIns="45700" lIns="91425" spcFirstLastPara="1" rIns="91425" wrap="square" tIns="45700"/>
+          <a:bodyPr spcFirstLastPara="1" wrap="square" lIns="91425" tIns="45700" rIns="91425" bIns="45700" anchor="ctr" anchorCtr="0"/>
           <a:lstStyle>
             <a:lvl1pPr lvl="0" algn="l">
               <a:lnSpc>
@@ -4902,15 +4999,19 @@
               <a:defRPr/>
             </a:lvl9pPr>
           </a:lstStyle>
-          <a:p/>
+          <a:p>
+            <a:endParaRPr/>
+          </a:p>
         </p:txBody>
       </p:sp>
       <p:sp>
         <p:nvSpPr>
           <p:cNvPr id="25" name="Google Shape;25;p4"/>
-          <p:cNvSpPr txBox="1"/>
+          <p:cNvSpPr txBox="1">
+            <a:spLocks noGrp="1"/>
+          </p:cNvSpPr>
           <p:nvPr>
-            <p:ph idx="11" type="ftr"/>
+            <p:ph type="ftr" idx="11"/>
           </p:nvPr>
         </p:nvSpPr>
         <p:spPr>
@@ -4927,7 +5028,7 @@
           </a:ln>
         </p:spPr>
         <p:txBody>
-          <a:bodyPr anchorCtr="0" anchor="ctr" bIns="45700" lIns="91425" spcFirstLastPara="1" rIns="91425" wrap="square" tIns="45700"/>
+          <a:bodyPr spcFirstLastPara="1" wrap="square" lIns="91425" tIns="45700" rIns="91425" bIns="45700" anchor="ctr" anchorCtr="0"/>
           <a:lstStyle>
             <a:lvl1pPr lvl="0" algn="ctr">
               <a:lnSpc>
@@ -5056,15 +5157,19 @@
               <a:defRPr/>
             </a:lvl9pPr>
           </a:lstStyle>
-          <a:p/>
+          <a:p>
+            <a:endParaRPr/>
+          </a:p>
         </p:txBody>
       </p:sp>
       <p:sp>
         <p:nvSpPr>
           <p:cNvPr id="26" name="Google Shape;26;p4"/>
-          <p:cNvSpPr txBox="1"/>
+          <p:cNvSpPr txBox="1">
+            <a:spLocks noGrp="1"/>
+          </p:cNvSpPr>
           <p:nvPr>
-            <p:ph idx="12" type="sldNum"/>
+            <p:ph type="sldNum" idx="12"/>
           </p:nvPr>
         </p:nvSpPr>
         <p:spPr>
@@ -5081,11 +5186,11 @@
           </a:ln>
         </p:spPr>
         <p:txBody>
-          <a:bodyPr anchorCtr="0" anchor="ctr" bIns="45700" lIns="91425" spcFirstLastPara="1" rIns="91425" wrap="square" tIns="45700">
+          <a:bodyPr spcFirstLastPara="1" wrap="square" lIns="91425" tIns="45700" rIns="91425" bIns="45700" anchor="ctr" anchorCtr="0">
             <a:noAutofit/>
           </a:bodyPr>
           <a:lstStyle>
-            <a:lvl1pPr indent="0" lvl="0" marL="0" marR="0" algn="r">
+            <a:lvl1pPr marL="0" marR="0" lvl="0" indent="0" algn="r">
               <a:lnSpc>
                 <a:spcPct val="100000"/>
               </a:lnSpc>
@@ -5101,7 +5206,7 @@
               <a:buSzPts val="5760"/>
               <a:buFont typeface="Arial"/>
               <a:buNone/>
-              <a:defRPr b="0" i="0" sz="5760" u="none" cap="none" strike="noStrike">
+              <a:defRPr sz="5760" b="0" i="0" u="none" strike="noStrike" cap="none">
                 <a:solidFill>
                   <a:srgbClr val="888888"/>
                 </a:solidFill>
@@ -5111,7 +5216,7 @@
                 <a:sym typeface="Calibri"/>
               </a:defRPr>
             </a:lvl1pPr>
-            <a:lvl2pPr indent="0" lvl="1" marL="0" marR="0" algn="r">
+            <a:lvl2pPr marL="0" marR="0" lvl="1" indent="0" algn="r">
               <a:lnSpc>
                 <a:spcPct val="100000"/>
               </a:lnSpc>
@@ -5127,7 +5232,7 @@
               <a:buSzPts val="5760"/>
               <a:buFont typeface="Arial"/>
               <a:buNone/>
-              <a:defRPr b="0" i="0" sz="5760" u="none" cap="none" strike="noStrike">
+              <a:defRPr sz="5760" b="0" i="0" u="none" strike="noStrike" cap="none">
                 <a:solidFill>
                   <a:srgbClr val="888888"/>
                 </a:solidFill>
@@ -5137,7 +5242,7 @@
                 <a:sym typeface="Calibri"/>
               </a:defRPr>
             </a:lvl2pPr>
-            <a:lvl3pPr indent="0" lvl="2" marL="0" marR="0" algn="r">
+            <a:lvl3pPr marL="0" marR="0" lvl="2" indent="0" algn="r">
               <a:lnSpc>
                 <a:spcPct val="100000"/>
               </a:lnSpc>
@@ -5153,7 +5258,7 @@
               <a:buSzPts val="5760"/>
               <a:buFont typeface="Arial"/>
               <a:buNone/>
-              <a:defRPr b="0" i="0" sz="5760" u="none" cap="none" strike="noStrike">
+              <a:defRPr sz="5760" b="0" i="0" u="none" strike="noStrike" cap="none">
                 <a:solidFill>
                   <a:srgbClr val="888888"/>
                 </a:solidFill>
@@ -5163,7 +5268,7 @@
                 <a:sym typeface="Calibri"/>
               </a:defRPr>
             </a:lvl3pPr>
-            <a:lvl4pPr indent="0" lvl="3" marL="0" marR="0" algn="r">
+            <a:lvl4pPr marL="0" marR="0" lvl="3" indent="0" algn="r">
               <a:lnSpc>
                 <a:spcPct val="100000"/>
               </a:lnSpc>
@@ -5179,7 +5284,7 @@
               <a:buSzPts val="5760"/>
               <a:buFont typeface="Arial"/>
               <a:buNone/>
-              <a:defRPr b="0" i="0" sz="5760" u="none" cap="none" strike="noStrike">
+              <a:defRPr sz="5760" b="0" i="0" u="none" strike="noStrike" cap="none">
                 <a:solidFill>
                   <a:srgbClr val="888888"/>
                 </a:solidFill>
@@ -5189,7 +5294,7 @@
                 <a:sym typeface="Calibri"/>
               </a:defRPr>
             </a:lvl4pPr>
-            <a:lvl5pPr indent="0" lvl="4" marL="0" marR="0" algn="r">
+            <a:lvl5pPr marL="0" marR="0" lvl="4" indent="0" algn="r">
               <a:lnSpc>
                 <a:spcPct val="100000"/>
               </a:lnSpc>
@@ -5205,7 +5310,7 @@
               <a:buSzPts val="5760"/>
               <a:buFont typeface="Arial"/>
               <a:buNone/>
-              <a:defRPr b="0" i="0" sz="5760" u="none" cap="none" strike="noStrike">
+              <a:defRPr sz="5760" b="0" i="0" u="none" strike="noStrike" cap="none">
                 <a:solidFill>
                   <a:srgbClr val="888888"/>
                 </a:solidFill>
@@ -5215,7 +5320,7 @@
                 <a:sym typeface="Calibri"/>
               </a:defRPr>
             </a:lvl5pPr>
-            <a:lvl6pPr indent="0" lvl="5" marL="0" marR="0" algn="r">
+            <a:lvl6pPr marL="0" marR="0" lvl="5" indent="0" algn="r">
               <a:lnSpc>
                 <a:spcPct val="100000"/>
               </a:lnSpc>
@@ -5231,7 +5336,7 @@
               <a:buSzPts val="5760"/>
               <a:buFont typeface="Arial"/>
               <a:buNone/>
-              <a:defRPr b="0" i="0" sz="5760" u="none" cap="none" strike="noStrike">
+              <a:defRPr sz="5760" b="0" i="0" u="none" strike="noStrike" cap="none">
                 <a:solidFill>
                   <a:srgbClr val="888888"/>
                 </a:solidFill>
@@ -5241,7 +5346,7 @@
                 <a:sym typeface="Calibri"/>
               </a:defRPr>
             </a:lvl6pPr>
-            <a:lvl7pPr indent="0" lvl="6" marL="0" marR="0" algn="r">
+            <a:lvl7pPr marL="0" marR="0" lvl="6" indent="0" algn="r">
               <a:lnSpc>
                 <a:spcPct val="100000"/>
               </a:lnSpc>
@@ -5257,7 +5362,7 @@
               <a:buSzPts val="5760"/>
               <a:buFont typeface="Arial"/>
               <a:buNone/>
-              <a:defRPr b="0" i="0" sz="5760" u="none" cap="none" strike="noStrike">
+              <a:defRPr sz="5760" b="0" i="0" u="none" strike="noStrike" cap="none">
                 <a:solidFill>
                   <a:srgbClr val="888888"/>
                 </a:solidFill>
@@ -5267,7 +5372,7 @@
                 <a:sym typeface="Calibri"/>
               </a:defRPr>
             </a:lvl7pPr>
-            <a:lvl8pPr indent="0" lvl="7" marL="0" marR="0" algn="r">
+            <a:lvl8pPr marL="0" marR="0" lvl="7" indent="0" algn="r">
               <a:lnSpc>
                 <a:spcPct val="100000"/>
               </a:lnSpc>
@@ -5283,7 +5388,7 @@
               <a:buSzPts val="5760"/>
               <a:buFont typeface="Arial"/>
               <a:buNone/>
-              <a:defRPr b="0" i="0" sz="5760" u="none" cap="none" strike="noStrike">
+              <a:defRPr sz="5760" b="0" i="0" u="none" strike="noStrike" cap="none">
                 <a:solidFill>
                   <a:srgbClr val="888888"/>
                 </a:solidFill>
@@ -5293,7 +5398,7 @@
                 <a:sym typeface="Calibri"/>
               </a:defRPr>
             </a:lvl8pPr>
-            <a:lvl9pPr indent="0" lvl="8" marL="0" marR="0" algn="r">
+            <a:lvl9pPr marL="0" marR="0" lvl="8" indent="0" algn="r">
               <a:lnSpc>
                 <a:spcPct val="100000"/>
               </a:lnSpc>
@@ -5309,7 +5414,7 @@
               <a:buSzPts val="5760"/>
               <a:buFont typeface="Arial"/>
               <a:buNone/>
-              <a:defRPr b="0" i="0" sz="5760" u="none" cap="none" strike="noStrike">
+              <a:defRPr sz="5760" b="0" i="0" u="none" strike="noStrike" cap="none">
                 <a:solidFill>
                   <a:srgbClr val="888888"/>
                 </a:solidFill>
@@ -5321,7 +5426,7 @@
             </a:lvl9pPr>
           </a:lstStyle>
           <a:p>
-            <a:pPr indent="0" lvl="0" marL="0" rtl="0" algn="r">
+            <a:pPr marL="0" lvl="0" indent="0" algn="r" rtl="0">
               <a:spcBef>
                 <a:spcPts val="0"/>
               </a:spcBef>
@@ -5347,11 +5452,11 @@
 </file>
 
 <file path=ppt/slideLayouts/slideLayout4.xml><?xml version="1.0" encoding="utf-8"?>
-<p:sldLayout xmlns:a="http://schemas.openxmlformats.org/drawingml/2006/main" xmlns:r="http://schemas.openxmlformats.org/officeDocument/2006/relationships" xmlns:mc="http://schemas.openxmlformats.org/markup-compatibility/2006" xmlns:mv="urn:schemas-microsoft-com:mac:vml" xmlns:p="http://schemas.openxmlformats.org/presentationml/2006/main" xmlns:c="http://schemas.openxmlformats.org/drawingml/2006/chart" xmlns:dgm="http://schemas.openxmlformats.org/drawingml/2006/diagram" xmlns:o="urn:schemas-microsoft-com:office:office" xmlns:v="urn:schemas-microsoft-com:vml" xmlns:pvml="urn:schemas-microsoft-com:office:powerpoint" xmlns:com="http://schemas.openxmlformats.org/drawingml/2006/compatibility" xmlns:p14="http://schemas.microsoft.com/office/powerpoint/2010/main" xmlns:p15="http://schemas.microsoft.com/office/powerpoint/2012/main" matchingName="Section Header" type="secHead">
+<p:sldLayout xmlns:a="http://schemas.openxmlformats.org/drawingml/2006/main" xmlns:r="http://schemas.openxmlformats.org/officeDocument/2006/relationships" xmlns:p="http://schemas.openxmlformats.org/presentationml/2006/main" matchingName="Section Header" type="secHead">
   <p:cSld name="SECTION_HEADER">
     <p:spTree>
       <p:nvGrpSpPr>
-        <p:cNvPr id="27" name="Shape 27"/>
+        <p:cNvPr id="1" name="Shape 27"/>
         <p:cNvGrpSpPr/>
         <p:nvPr/>
       </p:nvGrpSpPr>
@@ -5366,7 +5471,9 @@
       <p:sp>
         <p:nvSpPr>
           <p:cNvPr id="28" name="Google Shape;28;p5"/>
-          <p:cNvSpPr txBox="1"/>
+          <p:cNvSpPr txBox="1">
+            <a:spLocks noGrp="1"/>
+          </p:cNvSpPr>
           <p:nvPr>
             <p:ph type="title"/>
           </p:nvPr>
@@ -5385,7 +5492,7 @@
           </a:ln>
         </p:spPr>
         <p:txBody>
-          <a:bodyPr anchorCtr="0" anchor="b" bIns="45700" lIns="91425" spcFirstLastPara="1" rIns="91425" wrap="square" tIns="45700"/>
+          <a:bodyPr spcFirstLastPara="1" wrap="square" lIns="91425" tIns="45700" rIns="91425" bIns="45700" anchor="b" anchorCtr="0"/>
           <a:lstStyle>
             <a:lvl1pPr lvl="0" algn="l">
               <a:lnSpc>
@@ -5518,15 +5625,19 @@
               <a:defRPr/>
             </a:lvl9pPr>
           </a:lstStyle>
-          <a:p/>
+          <a:p>
+            <a:endParaRPr/>
+          </a:p>
         </p:txBody>
       </p:sp>
       <p:sp>
         <p:nvSpPr>
           <p:cNvPr id="29" name="Google Shape;29;p5"/>
-          <p:cNvSpPr txBox="1"/>
+          <p:cNvSpPr txBox="1">
+            <a:spLocks noGrp="1"/>
+          </p:cNvSpPr>
           <p:nvPr>
-            <p:ph idx="1" type="body"/>
+            <p:ph type="body" idx="1"/>
           </p:nvPr>
         </p:nvSpPr>
         <p:spPr>
@@ -5543,9 +5654,9 @@
           </a:ln>
         </p:spPr>
         <p:txBody>
-          <a:bodyPr anchorCtr="0" anchor="t" bIns="45700" lIns="91425" spcFirstLastPara="1" rIns="91425" wrap="square" tIns="45700"/>
+          <a:bodyPr spcFirstLastPara="1" wrap="square" lIns="91425" tIns="45700" rIns="91425" bIns="45700" anchor="t" anchorCtr="0"/>
           <a:lstStyle>
-            <a:lvl1pPr indent="-228600" lvl="0" marL="457200" algn="l">
+            <a:lvl1pPr marL="457200" lvl="0" indent="-228600" algn="l">
               <a:lnSpc>
                 <a:spcPct val="90000"/>
               </a:lnSpc>
@@ -5566,7 +5677,7 @@
                 </a:solidFill>
               </a:defRPr>
             </a:lvl1pPr>
-            <a:lvl2pPr indent="-228600" lvl="1" marL="914400" algn="l">
+            <a:lvl2pPr marL="914400" lvl="1" indent="-228600" algn="l">
               <a:lnSpc>
                 <a:spcPct val="90000"/>
               </a:lnSpc>
@@ -5587,7 +5698,7 @@
                 </a:solidFill>
               </a:defRPr>
             </a:lvl2pPr>
-            <a:lvl3pPr indent="-228600" lvl="2" marL="1371600" algn="l">
+            <a:lvl3pPr marL="1371600" lvl="2" indent="-228600" algn="l">
               <a:lnSpc>
                 <a:spcPct val="90000"/>
               </a:lnSpc>
@@ -5608,7 +5719,7 @@
                 </a:solidFill>
               </a:defRPr>
             </a:lvl3pPr>
-            <a:lvl4pPr indent="-228600" lvl="3" marL="1828800" algn="l">
+            <a:lvl4pPr marL="1828800" lvl="3" indent="-228600" algn="l">
               <a:lnSpc>
                 <a:spcPct val="90000"/>
               </a:lnSpc>
@@ -5629,7 +5740,7 @@
                 </a:solidFill>
               </a:defRPr>
             </a:lvl4pPr>
-            <a:lvl5pPr indent="-228600" lvl="4" marL="2286000" algn="l">
+            <a:lvl5pPr marL="2286000" lvl="4" indent="-228600" algn="l">
               <a:lnSpc>
                 <a:spcPct val="90000"/>
               </a:lnSpc>
@@ -5650,7 +5761,7 @@
                 </a:solidFill>
               </a:defRPr>
             </a:lvl5pPr>
-            <a:lvl6pPr indent="-228600" lvl="5" marL="2743200" algn="l">
+            <a:lvl6pPr marL="2743200" lvl="5" indent="-228600" algn="l">
               <a:lnSpc>
                 <a:spcPct val="90000"/>
               </a:lnSpc>
@@ -5671,7 +5782,7 @@
                 </a:solidFill>
               </a:defRPr>
             </a:lvl6pPr>
-            <a:lvl7pPr indent="-228600" lvl="6" marL="3200400" algn="l">
+            <a:lvl7pPr marL="3200400" lvl="6" indent="-228600" algn="l">
               <a:lnSpc>
                 <a:spcPct val="90000"/>
               </a:lnSpc>
@@ -5692,7 +5803,7 @@
                 </a:solidFill>
               </a:defRPr>
             </a:lvl7pPr>
-            <a:lvl8pPr indent="-228600" lvl="7" marL="3657600" algn="l">
+            <a:lvl8pPr marL="3657600" lvl="7" indent="-228600" algn="l">
               <a:lnSpc>
                 <a:spcPct val="90000"/>
               </a:lnSpc>
@@ -5713,7 +5824,7 @@
                 </a:solidFill>
               </a:defRPr>
             </a:lvl8pPr>
-            <a:lvl9pPr indent="-228600" lvl="8" marL="4114800" algn="l">
+            <a:lvl9pPr marL="4114800" lvl="8" indent="-228600" algn="l">
               <a:lnSpc>
                 <a:spcPct val="90000"/>
               </a:lnSpc>
@@ -5735,15 +5846,19 @@
               </a:defRPr>
             </a:lvl9pPr>
           </a:lstStyle>
-          <a:p/>
+          <a:p>
+            <a:endParaRPr/>
+          </a:p>
         </p:txBody>
       </p:sp>
       <p:sp>
         <p:nvSpPr>
           <p:cNvPr id="30" name="Google Shape;30;p5"/>
-          <p:cNvSpPr txBox="1"/>
+          <p:cNvSpPr txBox="1">
+            <a:spLocks noGrp="1"/>
+          </p:cNvSpPr>
           <p:nvPr>
-            <p:ph idx="10" type="dt"/>
+            <p:ph type="dt" idx="10"/>
           </p:nvPr>
         </p:nvSpPr>
         <p:spPr>
@@ -5760,7 +5875,7 @@
           </a:ln>
         </p:spPr>
         <p:txBody>
-          <a:bodyPr anchorCtr="0" anchor="ctr" bIns="45700" lIns="91425" spcFirstLastPara="1" rIns="91425" wrap="square" tIns="45700"/>
+          <a:bodyPr spcFirstLastPara="1" wrap="square" lIns="91425" tIns="45700" rIns="91425" bIns="45700" anchor="ctr" anchorCtr="0"/>
           <a:lstStyle>
             <a:lvl1pPr lvl="0" algn="l">
               <a:lnSpc>
@@ -5889,15 +6004,19 @@
               <a:defRPr/>
             </a:lvl9pPr>
           </a:lstStyle>
-          <a:p/>
+          <a:p>
+            <a:endParaRPr/>
+          </a:p>
         </p:txBody>
       </p:sp>
       <p:sp>
         <p:nvSpPr>
           <p:cNvPr id="31" name="Google Shape;31;p5"/>
-          <p:cNvSpPr txBox="1"/>
+          <p:cNvSpPr txBox="1">
+            <a:spLocks noGrp="1"/>
+          </p:cNvSpPr>
           <p:nvPr>
-            <p:ph idx="11" type="ftr"/>
+            <p:ph type="ftr" idx="11"/>
           </p:nvPr>
         </p:nvSpPr>
         <p:spPr>
@@ -5914,7 +6033,7 @@
           </a:ln>
         </p:spPr>
         <p:txBody>
-          <a:bodyPr anchorCtr="0" anchor="ctr" bIns="45700" lIns="91425" spcFirstLastPara="1" rIns="91425" wrap="square" tIns="45700"/>
+          <a:bodyPr spcFirstLastPara="1" wrap="square" lIns="91425" tIns="45700" rIns="91425" bIns="45700" anchor="ctr" anchorCtr="0"/>
           <a:lstStyle>
             <a:lvl1pPr lvl="0" algn="ctr">
               <a:lnSpc>
@@ -6043,15 +6162,19 @@
               <a:defRPr/>
             </a:lvl9pPr>
           </a:lstStyle>
-          <a:p/>
+          <a:p>
+            <a:endParaRPr/>
+          </a:p>
         </p:txBody>
       </p:sp>
       <p:sp>
         <p:nvSpPr>
           <p:cNvPr id="32" name="Google Shape;32;p5"/>
-          <p:cNvSpPr txBox="1"/>
+          <p:cNvSpPr txBox="1">
+            <a:spLocks noGrp="1"/>
+          </p:cNvSpPr>
           <p:nvPr>
-            <p:ph idx="12" type="sldNum"/>
+            <p:ph type="sldNum" idx="12"/>
           </p:nvPr>
         </p:nvSpPr>
         <p:spPr>
@@ -6068,11 +6191,11 @@
           </a:ln>
         </p:spPr>
         <p:txBody>
-          <a:bodyPr anchorCtr="0" anchor="ctr" bIns="45700" lIns="91425" spcFirstLastPara="1" rIns="91425" wrap="square" tIns="45700">
+          <a:bodyPr spcFirstLastPara="1" wrap="square" lIns="91425" tIns="45700" rIns="91425" bIns="45700" anchor="ctr" anchorCtr="0">
             <a:noAutofit/>
           </a:bodyPr>
           <a:lstStyle>
-            <a:lvl1pPr indent="0" lvl="0" marL="0" marR="0" algn="r">
+            <a:lvl1pPr marL="0" marR="0" lvl="0" indent="0" algn="r">
               <a:lnSpc>
                 <a:spcPct val="100000"/>
               </a:lnSpc>
@@ -6088,7 +6211,7 @@
               <a:buSzPts val="5760"/>
               <a:buFont typeface="Arial"/>
               <a:buNone/>
-              <a:defRPr b="0" i="0" sz="5760" u="none" cap="none" strike="noStrike">
+              <a:defRPr sz="5760" b="0" i="0" u="none" strike="noStrike" cap="none">
                 <a:solidFill>
                   <a:srgbClr val="888888"/>
                 </a:solidFill>
@@ -6098,7 +6221,7 @@
                 <a:sym typeface="Calibri"/>
               </a:defRPr>
             </a:lvl1pPr>
-            <a:lvl2pPr indent="0" lvl="1" marL="0" marR="0" algn="r">
+            <a:lvl2pPr marL="0" marR="0" lvl="1" indent="0" algn="r">
               <a:lnSpc>
                 <a:spcPct val="100000"/>
               </a:lnSpc>
@@ -6114,7 +6237,7 @@
               <a:buSzPts val="5760"/>
               <a:buFont typeface="Arial"/>
               <a:buNone/>
-              <a:defRPr b="0" i="0" sz="5760" u="none" cap="none" strike="noStrike">
+              <a:defRPr sz="5760" b="0" i="0" u="none" strike="noStrike" cap="none">
                 <a:solidFill>
                   <a:srgbClr val="888888"/>
                 </a:solidFill>
@@ -6124,7 +6247,7 @@
                 <a:sym typeface="Calibri"/>
               </a:defRPr>
             </a:lvl2pPr>
-            <a:lvl3pPr indent="0" lvl="2" marL="0" marR="0" algn="r">
+            <a:lvl3pPr marL="0" marR="0" lvl="2" indent="0" algn="r">
               <a:lnSpc>
                 <a:spcPct val="100000"/>
               </a:lnSpc>
@@ -6140,7 +6263,7 @@
               <a:buSzPts val="5760"/>
               <a:buFont typeface="Arial"/>
               <a:buNone/>
-              <a:defRPr b="0" i="0" sz="5760" u="none" cap="none" strike="noStrike">
+              <a:defRPr sz="5760" b="0" i="0" u="none" strike="noStrike" cap="none">
                 <a:solidFill>
                   <a:srgbClr val="888888"/>
                 </a:solidFill>
@@ -6150,7 +6273,7 @@
                 <a:sym typeface="Calibri"/>
               </a:defRPr>
             </a:lvl3pPr>
-            <a:lvl4pPr indent="0" lvl="3" marL="0" marR="0" algn="r">
+            <a:lvl4pPr marL="0" marR="0" lvl="3" indent="0" algn="r">
               <a:lnSpc>
                 <a:spcPct val="100000"/>
               </a:lnSpc>
@@ -6166,7 +6289,7 @@
               <a:buSzPts val="5760"/>
               <a:buFont typeface="Arial"/>
               <a:buNone/>
-              <a:defRPr b="0" i="0" sz="5760" u="none" cap="none" strike="noStrike">
+              <a:defRPr sz="5760" b="0" i="0" u="none" strike="noStrike" cap="none">
                 <a:solidFill>
                   <a:srgbClr val="888888"/>
                 </a:solidFill>
@@ -6176,7 +6299,7 @@
                 <a:sym typeface="Calibri"/>
               </a:defRPr>
             </a:lvl4pPr>
-            <a:lvl5pPr indent="0" lvl="4" marL="0" marR="0" algn="r">
+            <a:lvl5pPr marL="0" marR="0" lvl="4" indent="0" algn="r">
               <a:lnSpc>
                 <a:spcPct val="100000"/>
               </a:lnSpc>
@@ -6192,7 +6315,7 @@
               <a:buSzPts val="5760"/>
               <a:buFont typeface="Arial"/>
               <a:buNone/>
-              <a:defRPr b="0" i="0" sz="5760" u="none" cap="none" strike="noStrike">
+              <a:defRPr sz="5760" b="0" i="0" u="none" strike="noStrike" cap="none">
                 <a:solidFill>
                   <a:srgbClr val="888888"/>
                 </a:solidFill>
@@ -6202,7 +6325,7 @@
                 <a:sym typeface="Calibri"/>
               </a:defRPr>
             </a:lvl5pPr>
-            <a:lvl6pPr indent="0" lvl="5" marL="0" marR="0" algn="r">
+            <a:lvl6pPr marL="0" marR="0" lvl="5" indent="0" algn="r">
               <a:lnSpc>
                 <a:spcPct val="100000"/>
               </a:lnSpc>
@@ -6218,7 +6341,7 @@
               <a:buSzPts val="5760"/>
               <a:buFont typeface="Arial"/>
               <a:buNone/>
-              <a:defRPr b="0" i="0" sz="5760" u="none" cap="none" strike="noStrike">
+              <a:defRPr sz="5760" b="0" i="0" u="none" strike="noStrike" cap="none">
                 <a:solidFill>
                   <a:srgbClr val="888888"/>
                 </a:solidFill>
@@ -6228,7 +6351,7 @@
                 <a:sym typeface="Calibri"/>
               </a:defRPr>
             </a:lvl6pPr>
-            <a:lvl7pPr indent="0" lvl="6" marL="0" marR="0" algn="r">
+            <a:lvl7pPr marL="0" marR="0" lvl="6" indent="0" algn="r">
               <a:lnSpc>
                 <a:spcPct val="100000"/>
               </a:lnSpc>
@@ -6244,7 +6367,7 @@
               <a:buSzPts val="5760"/>
               <a:buFont typeface="Arial"/>
               <a:buNone/>
-              <a:defRPr b="0" i="0" sz="5760" u="none" cap="none" strike="noStrike">
+              <a:defRPr sz="5760" b="0" i="0" u="none" strike="noStrike" cap="none">
                 <a:solidFill>
                   <a:srgbClr val="888888"/>
                 </a:solidFill>
@@ -6254,7 +6377,7 @@
                 <a:sym typeface="Calibri"/>
               </a:defRPr>
             </a:lvl7pPr>
-            <a:lvl8pPr indent="0" lvl="7" marL="0" marR="0" algn="r">
+            <a:lvl8pPr marL="0" marR="0" lvl="7" indent="0" algn="r">
               <a:lnSpc>
                 <a:spcPct val="100000"/>
               </a:lnSpc>
@@ -6270,7 +6393,7 @@
               <a:buSzPts val="5760"/>
               <a:buFont typeface="Arial"/>
               <a:buNone/>
-              <a:defRPr b="0" i="0" sz="5760" u="none" cap="none" strike="noStrike">
+              <a:defRPr sz="5760" b="0" i="0" u="none" strike="noStrike" cap="none">
                 <a:solidFill>
                   <a:srgbClr val="888888"/>
                 </a:solidFill>
@@ -6280,7 +6403,7 @@
                 <a:sym typeface="Calibri"/>
               </a:defRPr>
             </a:lvl8pPr>
-            <a:lvl9pPr indent="0" lvl="8" marL="0" marR="0" algn="r">
+            <a:lvl9pPr marL="0" marR="0" lvl="8" indent="0" algn="r">
               <a:lnSpc>
                 <a:spcPct val="100000"/>
               </a:lnSpc>
@@ -6296,7 +6419,7 @@
               <a:buSzPts val="5760"/>
               <a:buFont typeface="Arial"/>
               <a:buNone/>
-              <a:defRPr b="0" i="0" sz="5760" u="none" cap="none" strike="noStrike">
+              <a:defRPr sz="5760" b="0" i="0" u="none" strike="noStrike" cap="none">
                 <a:solidFill>
                   <a:srgbClr val="888888"/>
                 </a:solidFill>
@@ -6308,7 +6431,7 @@
             </a:lvl9pPr>
           </a:lstStyle>
           <a:p>
-            <a:pPr indent="0" lvl="0" marL="0" rtl="0" algn="r">
+            <a:pPr marL="0" lvl="0" indent="0" algn="r" rtl="0">
               <a:spcBef>
                 <a:spcPts val="0"/>
               </a:spcBef>
@@ -6334,11 +6457,11 @@
 </file>
 
 <file path=ppt/slideLayouts/slideLayout5.xml><?xml version="1.0" encoding="utf-8"?>
-<p:sldLayout xmlns:a="http://schemas.openxmlformats.org/drawingml/2006/main" xmlns:r="http://schemas.openxmlformats.org/officeDocument/2006/relationships" xmlns:mc="http://schemas.openxmlformats.org/markup-compatibility/2006" xmlns:mv="urn:schemas-microsoft-com:mac:vml" xmlns:p="http://schemas.openxmlformats.org/presentationml/2006/main" xmlns:c="http://schemas.openxmlformats.org/drawingml/2006/chart" xmlns:dgm="http://schemas.openxmlformats.org/drawingml/2006/diagram" xmlns:o="urn:schemas-microsoft-com:office:office" xmlns:v="urn:schemas-microsoft-com:vml" xmlns:pvml="urn:schemas-microsoft-com:office:powerpoint" xmlns:com="http://schemas.openxmlformats.org/drawingml/2006/compatibility" xmlns:p14="http://schemas.microsoft.com/office/powerpoint/2010/main" xmlns:p15="http://schemas.microsoft.com/office/powerpoint/2012/main" matchingName="Two Content" type="twoObj">
+<p:sldLayout xmlns:a="http://schemas.openxmlformats.org/drawingml/2006/main" xmlns:r="http://schemas.openxmlformats.org/officeDocument/2006/relationships" xmlns:p="http://schemas.openxmlformats.org/presentationml/2006/main" matchingName="Two Content" type="twoObj">
   <p:cSld name="TWO_OBJECTS">
     <p:spTree>
       <p:nvGrpSpPr>
-        <p:cNvPr id="33" name="Shape 33"/>
+        <p:cNvPr id="1" name="Shape 33"/>
         <p:cNvGrpSpPr/>
         <p:nvPr/>
       </p:nvGrpSpPr>
@@ -6353,7 +6476,9 @@
       <p:sp>
         <p:nvSpPr>
           <p:cNvPr id="34" name="Google Shape;34;p6"/>
-          <p:cNvSpPr txBox="1"/>
+          <p:cNvSpPr txBox="1">
+            <a:spLocks noGrp="1"/>
+          </p:cNvSpPr>
           <p:nvPr>
             <p:ph type="title"/>
           </p:nvPr>
@@ -6372,7 +6497,7 @@
           </a:ln>
         </p:spPr>
         <p:txBody>
-          <a:bodyPr anchorCtr="0" anchor="ctr" bIns="45700" lIns="91425" spcFirstLastPara="1" rIns="91425" wrap="square" tIns="45700"/>
+          <a:bodyPr spcFirstLastPara="1" wrap="square" lIns="91425" tIns="45700" rIns="91425" bIns="45700" anchor="ctr" anchorCtr="0"/>
           <a:lstStyle>
             <a:lvl1pPr lvl="0" algn="l">
               <a:lnSpc>
@@ -6504,15 +6629,19 @@
               <a:defRPr/>
             </a:lvl9pPr>
           </a:lstStyle>
-          <a:p/>
+          <a:p>
+            <a:endParaRPr/>
+          </a:p>
         </p:txBody>
       </p:sp>
       <p:sp>
         <p:nvSpPr>
           <p:cNvPr id="35" name="Google Shape;35;p6"/>
-          <p:cNvSpPr txBox="1"/>
+          <p:cNvSpPr txBox="1">
+            <a:spLocks noGrp="1"/>
+          </p:cNvSpPr>
           <p:nvPr>
-            <p:ph idx="1" type="body"/>
+            <p:ph type="body" idx="1"/>
           </p:nvPr>
         </p:nvSpPr>
         <p:spPr>
@@ -6529,9 +6658,9 @@
           </a:ln>
         </p:spPr>
         <p:txBody>
-          <a:bodyPr anchorCtr="0" anchor="t" bIns="45700" lIns="91425" spcFirstLastPara="1" rIns="91425" wrap="square" tIns="45700"/>
+          <a:bodyPr spcFirstLastPara="1" wrap="square" lIns="91425" tIns="45700" rIns="91425" bIns="45700" anchor="t" anchorCtr="0"/>
           <a:lstStyle>
-            <a:lvl1pPr indent="-342900" lvl="0" marL="457200" algn="l">
+            <a:lvl1pPr marL="457200" lvl="0" indent="-342900" algn="l">
               <a:lnSpc>
                 <a:spcPct val="90000"/>
               </a:lnSpc>
@@ -6548,7 +6677,7 @@
               <a:buChar char="•"/>
               <a:defRPr/>
             </a:lvl1pPr>
-            <a:lvl2pPr indent="-342900" lvl="1" marL="914400" algn="l">
+            <a:lvl2pPr marL="914400" lvl="1" indent="-342900" algn="l">
               <a:lnSpc>
                 <a:spcPct val="90000"/>
               </a:lnSpc>
@@ -6565,7 +6694,7 @@
               <a:buChar char="•"/>
               <a:defRPr/>
             </a:lvl2pPr>
-            <a:lvl3pPr indent="-342900" lvl="2" marL="1371600" algn="l">
+            <a:lvl3pPr marL="1371600" lvl="2" indent="-342900" algn="l">
               <a:lnSpc>
                 <a:spcPct val="90000"/>
               </a:lnSpc>
@@ -6582,7 +6711,7 @@
               <a:buChar char="•"/>
               <a:defRPr/>
             </a:lvl3pPr>
-            <a:lvl4pPr indent="-342900" lvl="3" marL="1828800" algn="l">
+            <a:lvl4pPr marL="1828800" lvl="3" indent="-342900" algn="l">
               <a:lnSpc>
                 <a:spcPct val="90000"/>
               </a:lnSpc>
@@ -6599,7 +6728,7 @@
               <a:buChar char="•"/>
               <a:defRPr/>
             </a:lvl4pPr>
-            <a:lvl5pPr indent="-342900" lvl="4" marL="2286000" algn="l">
+            <a:lvl5pPr marL="2286000" lvl="4" indent="-342900" algn="l">
               <a:lnSpc>
                 <a:spcPct val="90000"/>
               </a:lnSpc>
@@ -6616,7 +6745,7 @@
               <a:buChar char="•"/>
               <a:defRPr/>
             </a:lvl5pPr>
-            <a:lvl6pPr indent="-342900" lvl="5" marL="2743200" algn="l">
+            <a:lvl6pPr marL="2743200" lvl="5" indent="-342900" algn="l">
               <a:lnSpc>
                 <a:spcPct val="90000"/>
               </a:lnSpc>
@@ -6633,7 +6762,7 @@
               <a:buChar char="•"/>
               <a:defRPr/>
             </a:lvl6pPr>
-            <a:lvl7pPr indent="-342900" lvl="6" marL="3200400" algn="l">
+            <a:lvl7pPr marL="3200400" lvl="6" indent="-342900" algn="l">
               <a:lnSpc>
                 <a:spcPct val="90000"/>
               </a:lnSpc>
@@ -6650,7 +6779,7 @@
               <a:buChar char="•"/>
               <a:defRPr/>
             </a:lvl7pPr>
-            <a:lvl8pPr indent="-342900" lvl="7" marL="3657600" algn="l">
+            <a:lvl8pPr marL="3657600" lvl="7" indent="-342900" algn="l">
               <a:lnSpc>
                 <a:spcPct val="90000"/>
               </a:lnSpc>
@@ -6667,7 +6796,7 @@
               <a:buChar char="•"/>
               <a:defRPr/>
             </a:lvl8pPr>
-            <a:lvl9pPr indent="-342900" lvl="8" marL="4114800" algn="l">
+            <a:lvl9pPr marL="4114800" lvl="8" indent="-342900" algn="l">
               <a:lnSpc>
                 <a:spcPct val="90000"/>
               </a:lnSpc>
@@ -6685,15 +6814,19 @@
               <a:defRPr/>
             </a:lvl9pPr>
           </a:lstStyle>
-          <a:p/>
+          <a:p>
+            <a:endParaRPr/>
+          </a:p>
         </p:txBody>
       </p:sp>
       <p:sp>
         <p:nvSpPr>
           <p:cNvPr id="36" name="Google Shape;36;p6"/>
-          <p:cNvSpPr txBox="1"/>
+          <p:cNvSpPr txBox="1">
+            <a:spLocks noGrp="1"/>
+          </p:cNvSpPr>
           <p:nvPr>
-            <p:ph idx="2" type="body"/>
+            <p:ph type="body" idx="2"/>
           </p:nvPr>
         </p:nvSpPr>
         <p:spPr>
@@ -6710,9 +6843,9 @@
           </a:ln>
         </p:spPr>
         <p:txBody>
-          <a:bodyPr anchorCtr="0" anchor="t" bIns="45700" lIns="91425" spcFirstLastPara="1" rIns="91425" wrap="square" tIns="45700"/>
+          <a:bodyPr spcFirstLastPara="1" wrap="square" lIns="91425" tIns="45700" rIns="91425" bIns="45700" anchor="t" anchorCtr="0"/>
           <a:lstStyle>
-            <a:lvl1pPr indent="-342900" lvl="0" marL="457200" algn="l">
+            <a:lvl1pPr marL="457200" lvl="0" indent="-342900" algn="l">
               <a:lnSpc>
                 <a:spcPct val="90000"/>
               </a:lnSpc>
@@ -6729,7 +6862,7 @@
               <a:buChar char="•"/>
               <a:defRPr/>
             </a:lvl1pPr>
-            <a:lvl2pPr indent="-342900" lvl="1" marL="914400" algn="l">
+            <a:lvl2pPr marL="914400" lvl="1" indent="-342900" algn="l">
               <a:lnSpc>
                 <a:spcPct val="90000"/>
               </a:lnSpc>
@@ -6746,7 +6879,7 @@
               <a:buChar char="•"/>
               <a:defRPr/>
             </a:lvl2pPr>
-            <a:lvl3pPr indent="-342900" lvl="2" marL="1371600" algn="l">
+            <a:lvl3pPr marL="1371600" lvl="2" indent="-342900" algn="l">
               <a:lnSpc>
                 <a:spcPct val="90000"/>
               </a:lnSpc>
@@ -6763,7 +6896,7 @@
               <a:buChar char="•"/>
               <a:defRPr/>
             </a:lvl3pPr>
-            <a:lvl4pPr indent="-342900" lvl="3" marL="1828800" algn="l">
+            <a:lvl4pPr marL="1828800" lvl="3" indent="-342900" algn="l">
               <a:lnSpc>
                 <a:spcPct val="90000"/>
               </a:lnSpc>
@@ -6780,7 +6913,7 @@
               <a:buChar char="•"/>
               <a:defRPr/>
             </a:lvl4pPr>
-            <a:lvl5pPr indent="-342900" lvl="4" marL="2286000" algn="l">
+            <a:lvl5pPr marL="2286000" lvl="4" indent="-342900" algn="l">
               <a:lnSpc>
                 <a:spcPct val="90000"/>
               </a:lnSpc>
@@ -6797,7 +6930,7 @@
               <a:buChar char="•"/>
               <a:defRPr/>
             </a:lvl5pPr>
-            <a:lvl6pPr indent="-342900" lvl="5" marL="2743200" algn="l">
+            <a:lvl6pPr marL="2743200" lvl="5" indent="-342900" algn="l">
               <a:lnSpc>
                 <a:spcPct val="90000"/>
               </a:lnSpc>
@@ -6814,7 +6947,7 @@
               <a:buChar char="•"/>
               <a:defRPr/>
             </a:lvl6pPr>
-            <a:lvl7pPr indent="-342900" lvl="6" marL="3200400" algn="l">
+            <a:lvl7pPr marL="3200400" lvl="6" indent="-342900" algn="l">
               <a:lnSpc>
                 <a:spcPct val="90000"/>
               </a:lnSpc>
@@ -6831,7 +6964,7 @@
               <a:buChar char="•"/>
               <a:defRPr/>
             </a:lvl7pPr>
-            <a:lvl8pPr indent="-342900" lvl="7" marL="3657600" algn="l">
+            <a:lvl8pPr marL="3657600" lvl="7" indent="-342900" algn="l">
               <a:lnSpc>
                 <a:spcPct val="90000"/>
               </a:lnSpc>
@@ -6848,7 +6981,7 @@
               <a:buChar char="•"/>
               <a:defRPr/>
             </a:lvl8pPr>
-            <a:lvl9pPr indent="-342900" lvl="8" marL="4114800" algn="l">
+            <a:lvl9pPr marL="4114800" lvl="8" indent="-342900" algn="l">
               <a:lnSpc>
                 <a:spcPct val="90000"/>
               </a:lnSpc>
@@ -6866,15 +6999,19 @@
               <a:defRPr/>
             </a:lvl9pPr>
           </a:lstStyle>
-          <a:p/>
+          <a:p>
+            <a:endParaRPr/>
+          </a:p>
         </p:txBody>
       </p:sp>
       <p:sp>
         <p:nvSpPr>
           <p:cNvPr id="37" name="Google Shape;37;p6"/>
-          <p:cNvSpPr txBox="1"/>
+          <p:cNvSpPr txBox="1">
+            <a:spLocks noGrp="1"/>
+          </p:cNvSpPr>
           <p:nvPr>
-            <p:ph idx="10" type="dt"/>
+            <p:ph type="dt" idx="10"/>
           </p:nvPr>
         </p:nvSpPr>
         <p:spPr>
@@ -6891,7 +7028,7 @@
           </a:ln>
         </p:spPr>
         <p:txBody>
-          <a:bodyPr anchorCtr="0" anchor="ctr" bIns="45700" lIns="91425" spcFirstLastPara="1" rIns="91425" wrap="square" tIns="45700"/>
+          <a:bodyPr spcFirstLastPara="1" wrap="square" lIns="91425" tIns="45700" rIns="91425" bIns="45700" anchor="ctr" anchorCtr="0"/>
           <a:lstStyle>
             <a:lvl1pPr lvl="0" algn="l">
               <a:lnSpc>
@@ -7020,15 +7157,19 @@
               <a:defRPr/>
             </a:lvl9pPr>
           </a:lstStyle>
-          <a:p/>
+          <a:p>
+            <a:endParaRPr/>
+          </a:p>
         </p:txBody>
       </p:sp>
       <p:sp>
         <p:nvSpPr>
           <p:cNvPr id="38" name="Google Shape;38;p6"/>
-          <p:cNvSpPr txBox="1"/>
+          <p:cNvSpPr txBox="1">
+            <a:spLocks noGrp="1"/>
+          </p:cNvSpPr>
           <p:nvPr>
-            <p:ph idx="11" type="ftr"/>
+            <p:ph type="ftr" idx="11"/>
           </p:nvPr>
         </p:nvSpPr>
         <p:spPr>
@@ -7045,7 +7186,7 @@
           </a:ln>
         </p:spPr>
         <p:txBody>
-          <a:bodyPr anchorCtr="0" anchor="ctr" bIns="45700" lIns="91425" spcFirstLastPara="1" rIns="91425" wrap="square" tIns="45700"/>
+          <a:bodyPr spcFirstLastPara="1" wrap="square" lIns="91425" tIns="45700" rIns="91425" bIns="45700" anchor="ctr" anchorCtr="0"/>
           <a:lstStyle>
             <a:lvl1pPr lvl="0" algn="ctr">
               <a:lnSpc>
@@ -7174,15 +7315,19 @@
               <a:defRPr/>
             </a:lvl9pPr>
           </a:lstStyle>
-          <a:p/>
+          <a:p>
+            <a:endParaRPr/>
+          </a:p>
         </p:txBody>
       </p:sp>
       <p:sp>
         <p:nvSpPr>
           <p:cNvPr id="39" name="Google Shape;39;p6"/>
-          <p:cNvSpPr txBox="1"/>
+          <p:cNvSpPr txBox="1">
+            <a:spLocks noGrp="1"/>
+          </p:cNvSpPr>
           <p:nvPr>
-            <p:ph idx="12" type="sldNum"/>
+            <p:ph type="sldNum" idx="12"/>
           </p:nvPr>
         </p:nvSpPr>
         <p:spPr>
@@ -7199,11 +7344,11 @@
           </a:ln>
         </p:spPr>
         <p:txBody>
-          <a:bodyPr anchorCtr="0" anchor="ctr" bIns="45700" lIns="91425" spcFirstLastPara="1" rIns="91425" wrap="square" tIns="45700">
+          <a:bodyPr spcFirstLastPara="1" wrap="square" lIns="91425" tIns="45700" rIns="91425" bIns="45700" anchor="ctr" anchorCtr="0">
             <a:noAutofit/>
           </a:bodyPr>
           <a:lstStyle>
-            <a:lvl1pPr indent="0" lvl="0" marL="0" marR="0" algn="r">
+            <a:lvl1pPr marL="0" marR="0" lvl="0" indent="0" algn="r">
               <a:lnSpc>
                 <a:spcPct val="100000"/>
               </a:lnSpc>
@@ -7219,7 +7364,7 @@
               <a:buSzPts val="5760"/>
               <a:buFont typeface="Arial"/>
               <a:buNone/>
-              <a:defRPr b="0" i="0" sz="5760" u="none" cap="none" strike="noStrike">
+              <a:defRPr sz="5760" b="0" i="0" u="none" strike="noStrike" cap="none">
                 <a:solidFill>
                   <a:srgbClr val="888888"/>
                 </a:solidFill>
@@ -7229,7 +7374,7 @@
                 <a:sym typeface="Calibri"/>
               </a:defRPr>
             </a:lvl1pPr>
-            <a:lvl2pPr indent="0" lvl="1" marL="0" marR="0" algn="r">
+            <a:lvl2pPr marL="0" marR="0" lvl="1" indent="0" algn="r">
               <a:lnSpc>
                 <a:spcPct val="100000"/>
               </a:lnSpc>
@@ -7245,7 +7390,7 @@
               <a:buSzPts val="5760"/>
               <a:buFont typeface="Arial"/>
               <a:buNone/>
-              <a:defRPr b="0" i="0" sz="5760" u="none" cap="none" strike="noStrike">
+              <a:defRPr sz="5760" b="0" i="0" u="none" strike="noStrike" cap="none">
                 <a:solidFill>
                   <a:srgbClr val="888888"/>
                 </a:solidFill>
@@ -7255,7 +7400,7 @@
                 <a:sym typeface="Calibri"/>
               </a:defRPr>
             </a:lvl2pPr>
-            <a:lvl3pPr indent="0" lvl="2" marL="0" marR="0" algn="r">
+            <a:lvl3pPr marL="0" marR="0" lvl="2" indent="0" algn="r">
               <a:lnSpc>
                 <a:spcPct val="100000"/>
               </a:lnSpc>
@@ -7271,7 +7416,7 @@
               <a:buSzPts val="5760"/>
               <a:buFont typeface="Arial"/>
               <a:buNone/>
-              <a:defRPr b="0" i="0" sz="5760" u="none" cap="none" strike="noStrike">
+              <a:defRPr sz="5760" b="0" i="0" u="none" strike="noStrike" cap="none">
                 <a:solidFill>
                   <a:srgbClr val="888888"/>
                 </a:solidFill>
@@ -7281,7 +7426,7 @@
                 <a:sym typeface="Calibri"/>
               </a:defRPr>
             </a:lvl3pPr>
-            <a:lvl4pPr indent="0" lvl="3" marL="0" marR="0" algn="r">
+            <a:lvl4pPr marL="0" marR="0" lvl="3" indent="0" algn="r">
               <a:lnSpc>
                 <a:spcPct val="100000"/>
               </a:lnSpc>
@@ -7297,7 +7442,7 @@
               <a:buSzPts val="5760"/>
               <a:buFont typeface="Arial"/>
               <a:buNone/>
-              <a:defRPr b="0" i="0" sz="5760" u="none" cap="none" strike="noStrike">
+              <a:defRPr sz="5760" b="0" i="0" u="none" strike="noStrike" cap="none">
                 <a:solidFill>
                   <a:srgbClr val="888888"/>
                 </a:solidFill>
@@ -7307,7 +7452,7 @@
                 <a:sym typeface="Calibri"/>
               </a:defRPr>
             </a:lvl4pPr>
-            <a:lvl5pPr indent="0" lvl="4" marL="0" marR="0" algn="r">
+            <a:lvl5pPr marL="0" marR="0" lvl="4" indent="0" algn="r">
               <a:lnSpc>
                 <a:spcPct val="100000"/>
               </a:lnSpc>
@@ -7323,7 +7468,7 @@
               <a:buSzPts val="5760"/>
               <a:buFont typeface="Arial"/>
               <a:buNone/>
-              <a:defRPr b="0" i="0" sz="5760" u="none" cap="none" strike="noStrike">
+              <a:defRPr sz="5760" b="0" i="0" u="none" strike="noStrike" cap="none">
                 <a:solidFill>
                   <a:srgbClr val="888888"/>
                 </a:solidFill>
@@ -7333,7 +7478,7 @@
                 <a:sym typeface="Calibri"/>
               </a:defRPr>
             </a:lvl5pPr>
-            <a:lvl6pPr indent="0" lvl="5" marL="0" marR="0" algn="r">
+            <a:lvl6pPr marL="0" marR="0" lvl="5" indent="0" algn="r">
               <a:lnSpc>
                 <a:spcPct val="100000"/>
               </a:lnSpc>
@@ -7349,7 +7494,7 @@
               <a:buSzPts val="5760"/>
               <a:buFont typeface="Arial"/>
               <a:buNone/>
-              <a:defRPr b="0" i="0" sz="5760" u="none" cap="none" strike="noStrike">
+              <a:defRPr sz="5760" b="0" i="0" u="none" strike="noStrike" cap="none">
                 <a:solidFill>
                   <a:srgbClr val="888888"/>
                 </a:solidFill>
@@ -7359,7 +7504,7 @@
                 <a:sym typeface="Calibri"/>
               </a:defRPr>
             </a:lvl6pPr>
-            <a:lvl7pPr indent="0" lvl="6" marL="0" marR="0" algn="r">
+            <a:lvl7pPr marL="0" marR="0" lvl="6" indent="0" algn="r">
               <a:lnSpc>
                 <a:spcPct val="100000"/>
               </a:lnSpc>
@@ -7375,7 +7520,7 @@
               <a:buSzPts val="5760"/>
               <a:buFont typeface="Arial"/>
               <a:buNone/>
-              <a:defRPr b="0" i="0" sz="5760" u="none" cap="none" strike="noStrike">
+              <a:defRPr sz="5760" b="0" i="0" u="none" strike="noStrike" cap="none">
                 <a:solidFill>
                   <a:srgbClr val="888888"/>
                 </a:solidFill>
@@ -7385,7 +7530,7 @@
                 <a:sym typeface="Calibri"/>
               </a:defRPr>
             </a:lvl7pPr>
-            <a:lvl8pPr indent="0" lvl="7" marL="0" marR="0" algn="r">
+            <a:lvl8pPr marL="0" marR="0" lvl="7" indent="0" algn="r">
               <a:lnSpc>
                 <a:spcPct val="100000"/>
               </a:lnSpc>
@@ -7401,7 +7546,7 @@
               <a:buSzPts val="5760"/>
               <a:buFont typeface="Arial"/>
               <a:buNone/>
-              <a:defRPr b="0" i="0" sz="5760" u="none" cap="none" strike="noStrike">
+              <a:defRPr sz="5760" b="0" i="0" u="none" strike="noStrike" cap="none">
                 <a:solidFill>
                   <a:srgbClr val="888888"/>
                 </a:solidFill>
@@ -7411,7 +7556,7 @@
                 <a:sym typeface="Calibri"/>
               </a:defRPr>
             </a:lvl8pPr>
-            <a:lvl9pPr indent="0" lvl="8" marL="0" marR="0" algn="r">
+            <a:lvl9pPr marL="0" marR="0" lvl="8" indent="0" algn="r">
               <a:lnSpc>
                 <a:spcPct val="100000"/>
               </a:lnSpc>
@@ -7427,7 +7572,7 @@
               <a:buSzPts val="5760"/>
               <a:buFont typeface="Arial"/>
               <a:buNone/>
-              <a:defRPr b="0" i="0" sz="5760" u="none" cap="none" strike="noStrike">
+              <a:defRPr sz="5760" b="0" i="0" u="none" strike="noStrike" cap="none">
                 <a:solidFill>
                   <a:srgbClr val="888888"/>
                 </a:solidFill>
@@ -7439,7 +7584,7 @@
             </a:lvl9pPr>
           </a:lstStyle>
           <a:p>
-            <a:pPr indent="0" lvl="0" marL="0" rtl="0" algn="r">
+            <a:pPr marL="0" lvl="0" indent="0" algn="r" rtl="0">
               <a:spcBef>
                 <a:spcPts val="0"/>
               </a:spcBef>
@@ -7465,11 +7610,11 @@
 </file>
 
 <file path=ppt/slideLayouts/slideLayout6.xml><?xml version="1.0" encoding="utf-8"?>
-<p:sldLayout xmlns:a="http://schemas.openxmlformats.org/drawingml/2006/main" xmlns:r="http://schemas.openxmlformats.org/officeDocument/2006/relationships" xmlns:mc="http://schemas.openxmlformats.org/markup-compatibility/2006" xmlns:mv="urn:schemas-microsoft-com:mac:vml" xmlns:p="http://schemas.openxmlformats.org/presentationml/2006/main" xmlns:c="http://schemas.openxmlformats.org/drawingml/2006/chart" xmlns:dgm="http://schemas.openxmlformats.org/drawingml/2006/diagram" xmlns:o="urn:schemas-microsoft-com:office:office" xmlns:v="urn:schemas-microsoft-com:vml" xmlns:pvml="urn:schemas-microsoft-com:office:powerpoint" xmlns:com="http://schemas.openxmlformats.org/drawingml/2006/compatibility" xmlns:p14="http://schemas.microsoft.com/office/powerpoint/2010/main" xmlns:p15="http://schemas.microsoft.com/office/powerpoint/2012/main" matchingName="Comparison" type="twoTxTwoObj">
+<p:sldLayout xmlns:a="http://schemas.openxmlformats.org/drawingml/2006/main" xmlns:r="http://schemas.openxmlformats.org/officeDocument/2006/relationships" xmlns:p="http://schemas.openxmlformats.org/presentationml/2006/main" matchingName="Comparison" type="twoTxTwoObj">
   <p:cSld name="TWO_OBJECTS_WITH_TEXT">
     <p:spTree>
       <p:nvGrpSpPr>
-        <p:cNvPr id="40" name="Shape 40"/>
+        <p:cNvPr id="1" name="Shape 40"/>
         <p:cNvGrpSpPr/>
         <p:nvPr/>
       </p:nvGrpSpPr>
@@ -7484,7 +7629,9 @@
       <p:sp>
         <p:nvSpPr>
           <p:cNvPr id="41" name="Google Shape;41;p7"/>
-          <p:cNvSpPr txBox="1"/>
+          <p:cNvSpPr txBox="1">
+            <a:spLocks noGrp="1"/>
+          </p:cNvSpPr>
           <p:nvPr>
             <p:ph type="title"/>
           </p:nvPr>
@@ -7503,7 +7650,7 @@
           </a:ln>
         </p:spPr>
         <p:txBody>
-          <a:bodyPr anchorCtr="0" anchor="ctr" bIns="45700" lIns="91425" spcFirstLastPara="1" rIns="91425" wrap="square" tIns="45700"/>
+          <a:bodyPr spcFirstLastPara="1" wrap="square" lIns="91425" tIns="45700" rIns="91425" bIns="45700" anchor="ctr" anchorCtr="0"/>
           <a:lstStyle>
             <a:lvl1pPr lvl="0" algn="l">
               <a:lnSpc>
@@ -7635,15 +7782,19 @@
               <a:defRPr/>
             </a:lvl9pPr>
           </a:lstStyle>
-          <a:p/>
+          <a:p>
+            <a:endParaRPr/>
+          </a:p>
         </p:txBody>
       </p:sp>
       <p:sp>
         <p:nvSpPr>
           <p:cNvPr id="42" name="Google Shape;42;p7"/>
-          <p:cNvSpPr txBox="1"/>
+          <p:cNvSpPr txBox="1">
+            <a:spLocks noGrp="1"/>
+          </p:cNvSpPr>
           <p:nvPr>
-            <p:ph idx="1" type="body"/>
+            <p:ph type="body" idx="1"/>
           </p:nvPr>
         </p:nvSpPr>
         <p:spPr>
@@ -7660,9 +7811,9 @@
           </a:ln>
         </p:spPr>
         <p:txBody>
-          <a:bodyPr anchorCtr="0" anchor="b" bIns="45700" lIns="91425" spcFirstLastPara="1" rIns="91425" wrap="square" tIns="45700"/>
+          <a:bodyPr spcFirstLastPara="1" wrap="square" lIns="91425" tIns="45700" rIns="91425" bIns="45700" anchor="b" anchorCtr="0"/>
           <a:lstStyle>
-            <a:lvl1pPr indent="-228600" lvl="0" marL="457200" algn="l">
+            <a:lvl1pPr marL="457200" lvl="0" indent="-228600" algn="l">
               <a:lnSpc>
                 <a:spcPct val="90000"/>
               </a:lnSpc>
@@ -7677,9 +7828,9 @@
               </a:buClr>
               <a:buSzPts val="11520"/>
               <a:buNone/>
-              <a:defRPr b="1" sz="11520"/>
+              <a:defRPr sz="11520" b="1"/>
             </a:lvl1pPr>
-            <a:lvl2pPr indent="-228600" lvl="1" marL="914400" algn="l">
+            <a:lvl2pPr marL="914400" lvl="1" indent="-228600" algn="l">
               <a:lnSpc>
                 <a:spcPct val="90000"/>
               </a:lnSpc>
@@ -7694,9 +7845,9 @@
               </a:buClr>
               <a:buSzPts val="9600"/>
               <a:buNone/>
-              <a:defRPr b="1" sz="9600"/>
+              <a:defRPr sz="9600" b="1"/>
             </a:lvl2pPr>
-            <a:lvl3pPr indent="-228600" lvl="2" marL="1371600" algn="l">
+            <a:lvl3pPr marL="1371600" lvl="2" indent="-228600" algn="l">
               <a:lnSpc>
                 <a:spcPct val="90000"/>
               </a:lnSpc>
@@ -7711,9 +7862,9 @@
               </a:buClr>
               <a:buSzPts val="8640"/>
               <a:buNone/>
-              <a:defRPr b="1" sz="8640"/>
+              <a:defRPr sz="8640" b="1"/>
             </a:lvl3pPr>
-            <a:lvl4pPr indent="-228600" lvl="3" marL="1828800" algn="l">
+            <a:lvl4pPr marL="1828800" lvl="3" indent="-228600" algn="l">
               <a:lnSpc>
                 <a:spcPct val="90000"/>
               </a:lnSpc>
@@ -7728,9 +7879,9 @@
               </a:buClr>
               <a:buSzPts val="7680"/>
               <a:buNone/>
-              <a:defRPr b="1" sz="7680"/>
+              <a:defRPr sz="7680" b="1"/>
             </a:lvl4pPr>
-            <a:lvl5pPr indent="-228600" lvl="4" marL="2286000" algn="l">
+            <a:lvl5pPr marL="2286000" lvl="4" indent="-228600" algn="l">
               <a:lnSpc>
                 <a:spcPct val="90000"/>
               </a:lnSpc>
@@ -7745,9 +7896,9 @@
               </a:buClr>
               <a:buSzPts val="7680"/>
               <a:buNone/>
-              <a:defRPr b="1" sz="7680"/>
+              <a:defRPr sz="7680" b="1"/>
             </a:lvl5pPr>
-            <a:lvl6pPr indent="-228600" lvl="5" marL="2743200" algn="l">
+            <a:lvl6pPr marL="2743200" lvl="5" indent="-228600" algn="l">
               <a:lnSpc>
                 <a:spcPct val="90000"/>
               </a:lnSpc>
@@ -7762,9 +7913,9 @@
               </a:buClr>
               <a:buSzPts val="7680"/>
               <a:buNone/>
-              <a:defRPr b="1" sz="7680"/>
+              <a:defRPr sz="7680" b="1"/>
             </a:lvl6pPr>
-            <a:lvl7pPr indent="-228600" lvl="6" marL="3200400" algn="l">
+            <a:lvl7pPr marL="3200400" lvl="6" indent="-228600" algn="l">
               <a:lnSpc>
                 <a:spcPct val="90000"/>
               </a:lnSpc>
@@ -7779,9 +7930,9 @@
               </a:buClr>
               <a:buSzPts val="7680"/>
               <a:buNone/>
-              <a:defRPr b="1" sz="7680"/>
+              <a:defRPr sz="7680" b="1"/>
             </a:lvl7pPr>
-            <a:lvl8pPr indent="-228600" lvl="7" marL="3657600" algn="l">
+            <a:lvl8pPr marL="3657600" lvl="7" indent="-228600" algn="l">
               <a:lnSpc>
                 <a:spcPct val="90000"/>
               </a:lnSpc>
@@ -7796,9 +7947,9 @@
               </a:buClr>
               <a:buSzPts val="7680"/>
               <a:buNone/>
-              <a:defRPr b="1" sz="7680"/>
+              <a:defRPr sz="7680" b="1"/>
             </a:lvl8pPr>
-            <a:lvl9pPr indent="-228600" lvl="8" marL="4114800" algn="l">
+            <a:lvl9pPr marL="4114800" lvl="8" indent="-228600" algn="l">
               <a:lnSpc>
                 <a:spcPct val="90000"/>
               </a:lnSpc>
@@ -7813,18 +7964,22 @@
               </a:buClr>
               <a:buSzPts val="7680"/>
               <a:buNone/>
-              <a:defRPr b="1" sz="7680"/>
+              <a:defRPr sz="7680" b="1"/>
             </a:lvl9pPr>
           </a:lstStyle>
-          <a:p/>
+          <a:p>
+            <a:endParaRPr/>
+          </a:p>
         </p:txBody>
       </p:sp>
       <p:sp>
         <p:nvSpPr>
           <p:cNvPr id="43" name="Google Shape;43;p7"/>
-          <p:cNvSpPr txBox="1"/>
+          <p:cNvSpPr txBox="1">
+            <a:spLocks noGrp="1"/>
+          </p:cNvSpPr>
           <p:nvPr>
-            <p:ph idx="2" type="body"/>
+            <p:ph type="body" idx="2"/>
           </p:nvPr>
         </p:nvSpPr>
         <p:spPr>
@@ -7841,9 +7996,9 @@
           </a:ln>
         </p:spPr>
         <p:txBody>
-          <a:bodyPr anchorCtr="0" anchor="t" bIns="45700" lIns="91425" spcFirstLastPara="1" rIns="91425" wrap="square" tIns="45700"/>
+          <a:bodyPr spcFirstLastPara="1" wrap="square" lIns="91425" tIns="45700" rIns="91425" bIns="45700" anchor="t" anchorCtr="0"/>
           <a:lstStyle>
-            <a:lvl1pPr indent="-342900" lvl="0" marL="457200" algn="l">
+            <a:lvl1pPr marL="457200" lvl="0" indent="-342900" algn="l">
               <a:lnSpc>
                 <a:spcPct val="90000"/>
               </a:lnSpc>
@@ -7860,7 +8015,7 @@
               <a:buChar char="•"/>
               <a:defRPr/>
             </a:lvl1pPr>
-            <a:lvl2pPr indent="-342900" lvl="1" marL="914400" algn="l">
+            <a:lvl2pPr marL="914400" lvl="1" indent="-342900" algn="l">
               <a:lnSpc>
                 <a:spcPct val="90000"/>
               </a:lnSpc>
@@ -7877,7 +8032,7 @@
               <a:buChar char="•"/>
               <a:defRPr/>
             </a:lvl2pPr>
-            <a:lvl3pPr indent="-342900" lvl="2" marL="1371600" algn="l">
+            <a:lvl3pPr marL="1371600" lvl="2" indent="-342900" algn="l">
               <a:lnSpc>
                 <a:spcPct val="90000"/>
               </a:lnSpc>
@@ -7894,7 +8049,7 @@
               <a:buChar char="•"/>
               <a:defRPr/>
             </a:lvl3pPr>
-            <a:lvl4pPr indent="-342900" lvl="3" marL="1828800" algn="l">
+            <a:lvl4pPr marL="1828800" lvl="3" indent="-342900" algn="l">
               <a:lnSpc>
                 <a:spcPct val="90000"/>
               </a:lnSpc>
@@ -7911,7 +8066,7 @@
               <a:buChar char="•"/>
               <a:defRPr/>
             </a:lvl4pPr>
-            <a:lvl5pPr indent="-342900" lvl="4" marL="2286000" algn="l">
+            <a:lvl5pPr marL="2286000" lvl="4" indent="-342900" algn="l">
               <a:lnSpc>
                 <a:spcPct val="90000"/>
               </a:lnSpc>
@@ -7928,7 +8083,7 @@
               <a:buChar char="•"/>
               <a:defRPr/>
             </a:lvl5pPr>
-            <a:lvl6pPr indent="-342900" lvl="5" marL="2743200" algn="l">
+            <a:lvl6pPr marL="2743200" lvl="5" indent="-342900" algn="l">
               <a:lnSpc>
                 <a:spcPct val="90000"/>
               </a:lnSpc>
@@ -7945,7 +8100,7 @@
               <a:buChar char="•"/>
               <a:defRPr/>
             </a:lvl6pPr>
-            <a:lvl7pPr indent="-342900" lvl="6" marL="3200400" algn="l">
+            <a:lvl7pPr marL="3200400" lvl="6" indent="-342900" algn="l">
               <a:lnSpc>
                 <a:spcPct val="90000"/>
               </a:lnSpc>
@@ -7962,7 +8117,7 @@
               <a:buChar char="•"/>
               <a:defRPr/>
             </a:lvl7pPr>
-            <a:lvl8pPr indent="-342900" lvl="7" marL="3657600" algn="l">
+            <a:lvl8pPr marL="3657600" lvl="7" indent="-342900" algn="l">
               <a:lnSpc>
                 <a:spcPct val="90000"/>
               </a:lnSpc>
@@ -7979,7 +8134,7 @@
               <a:buChar char="•"/>
               <a:defRPr/>
             </a:lvl8pPr>
-            <a:lvl9pPr indent="-342900" lvl="8" marL="4114800" algn="l">
+            <a:lvl9pPr marL="4114800" lvl="8" indent="-342900" algn="l">
               <a:lnSpc>
                 <a:spcPct val="90000"/>
               </a:lnSpc>
@@ -7997,15 +8152,19 @@
               <a:defRPr/>
             </a:lvl9pPr>
           </a:lstStyle>
-          <a:p/>
+          <a:p>
+            <a:endParaRPr/>
+          </a:p>
         </p:txBody>
       </p:sp>
       <p:sp>
         <p:nvSpPr>
           <p:cNvPr id="44" name="Google Shape;44;p7"/>
-          <p:cNvSpPr txBox="1"/>
+          <p:cNvSpPr txBox="1">
+            <a:spLocks noGrp="1"/>
+          </p:cNvSpPr>
           <p:nvPr>
-            <p:ph idx="3" type="body"/>
+            <p:ph type="body" idx="3"/>
           </p:nvPr>
         </p:nvSpPr>
         <p:spPr>
@@ -8022,9 +8181,9 @@
           </a:ln>
         </p:spPr>
         <p:txBody>
-          <a:bodyPr anchorCtr="0" anchor="b" bIns="45700" lIns="91425" spcFirstLastPara="1" rIns="91425" wrap="square" tIns="45700"/>
+          <a:bodyPr spcFirstLastPara="1" wrap="square" lIns="91425" tIns="45700" rIns="91425" bIns="45700" anchor="b" anchorCtr="0"/>
           <a:lstStyle>
-            <a:lvl1pPr indent="-228600" lvl="0" marL="457200" algn="l">
+            <a:lvl1pPr marL="457200" lvl="0" indent="-228600" algn="l">
               <a:lnSpc>
                 <a:spcPct val="90000"/>
               </a:lnSpc>
@@ -8039,9 +8198,9 @@
               </a:buClr>
               <a:buSzPts val="11520"/>
               <a:buNone/>
-              <a:defRPr b="1" sz="11520"/>
+              <a:defRPr sz="11520" b="1"/>
             </a:lvl1pPr>
-            <a:lvl2pPr indent="-228600" lvl="1" marL="914400" algn="l">
+            <a:lvl2pPr marL="914400" lvl="1" indent="-228600" algn="l">
               <a:lnSpc>
                 <a:spcPct val="90000"/>
               </a:lnSpc>
@@ -8056,9 +8215,9 @@
               </a:buClr>
               <a:buSzPts val="9600"/>
               <a:buNone/>
-              <a:defRPr b="1" sz="9600"/>
+              <a:defRPr sz="9600" b="1"/>
             </a:lvl2pPr>
-            <a:lvl3pPr indent="-228600" lvl="2" marL="1371600" algn="l">
+            <a:lvl3pPr marL="1371600" lvl="2" indent="-228600" algn="l">
               <a:lnSpc>
                 <a:spcPct val="90000"/>
               </a:lnSpc>
@@ -8073,9 +8232,9 @@
               </a:buClr>
               <a:buSzPts val="8640"/>
               <a:buNone/>
-              <a:defRPr b="1" sz="8640"/>
+              <a:defRPr sz="8640" b="1"/>
             </a:lvl3pPr>
-            <a:lvl4pPr indent="-228600" lvl="3" marL="1828800" algn="l">
+            <a:lvl4pPr marL="1828800" lvl="3" indent="-228600" algn="l">
               <a:lnSpc>
                 <a:spcPct val="90000"/>
               </a:lnSpc>
@@ -8090,9 +8249,9 @@
               </a:buClr>
               <a:buSzPts val="7680"/>
               <a:buNone/>
-              <a:defRPr b="1" sz="7680"/>
+              <a:defRPr sz="7680" b="1"/>
             </a:lvl4pPr>
-            <a:lvl5pPr indent="-228600" lvl="4" marL="2286000" algn="l">
+            <a:lvl5pPr marL="2286000" lvl="4" indent="-228600" algn="l">
               <a:lnSpc>
                 <a:spcPct val="90000"/>
               </a:lnSpc>
@@ -8107,9 +8266,9 @@
               </a:buClr>
               <a:buSzPts val="7680"/>
               <a:buNone/>
-              <a:defRPr b="1" sz="7680"/>
+              <a:defRPr sz="7680" b="1"/>
             </a:lvl5pPr>
-            <a:lvl6pPr indent="-228600" lvl="5" marL="2743200" algn="l">
+            <a:lvl6pPr marL="2743200" lvl="5" indent="-228600" algn="l">
               <a:lnSpc>
                 <a:spcPct val="90000"/>
               </a:lnSpc>
@@ -8124,9 +8283,9 @@
               </a:buClr>
               <a:buSzPts val="7680"/>
               <a:buNone/>
-              <a:defRPr b="1" sz="7680"/>
+              <a:defRPr sz="7680" b="1"/>
             </a:lvl6pPr>
-            <a:lvl7pPr indent="-228600" lvl="6" marL="3200400" algn="l">
+            <a:lvl7pPr marL="3200400" lvl="6" indent="-228600" algn="l">
               <a:lnSpc>
                 <a:spcPct val="90000"/>
               </a:lnSpc>
@@ -8141,9 +8300,9 @@
               </a:buClr>
               <a:buSzPts val="7680"/>
               <a:buNone/>
-              <a:defRPr b="1" sz="7680"/>
+              <a:defRPr sz="7680" b="1"/>
             </a:lvl7pPr>
-            <a:lvl8pPr indent="-228600" lvl="7" marL="3657600" algn="l">
+            <a:lvl8pPr marL="3657600" lvl="7" indent="-228600" algn="l">
               <a:lnSpc>
                 <a:spcPct val="90000"/>
               </a:lnSpc>
@@ -8158,9 +8317,9 @@
               </a:buClr>
               <a:buSzPts val="7680"/>
               <a:buNone/>
-              <a:defRPr b="1" sz="7680"/>
+              <a:defRPr sz="7680" b="1"/>
             </a:lvl8pPr>
-            <a:lvl9pPr indent="-228600" lvl="8" marL="4114800" algn="l">
+            <a:lvl9pPr marL="4114800" lvl="8" indent="-228600" algn="l">
               <a:lnSpc>
                 <a:spcPct val="90000"/>
               </a:lnSpc>
@@ -8175,18 +8334,22 @@
               </a:buClr>
               <a:buSzPts val="7680"/>
               <a:buNone/>
-              <a:defRPr b="1" sz="7680"/>
+              <a:defRPr sz="7680" b="1"/>
             </a:lvl9pPr>
           </a:lstStyle>
-          <a:p/>
+          <a:p>
+            <a:endParaRPr/>
+          </a:p>
         </p:txBody>
       </p:sp>
       <p:sp>
         <p:nvSpPr>
           <p:cNvPr id="45" name="Google Shape;45;p7"/>
-          <p:cNvSpPr txBox="1"/>
+          <p:cNvSpPr txBox="1">
+            <a:spLocks noGrp="1"/>
+          </p:cNvSpPr>
           <p:nvPr>
-            <p:ph idx="4" type="body"/>
+            <p:ph type="body" idx="4"/>
           </p:nvPr>
         </p:nvSpPr>
         <p:spPr>
@@ -8203,9 +8366,9 @@
           </a:ln>
         </p:spPr>
         <p:txBody>
-          <a:bodyPr anchorCtr="0" anchor="t" bIns="45700" lIns="91425" spcFirstLastPara="1" rIns="91425" wrap="square" tIns="45700"/>
+          <a:bodyPr spcFirstLastPara="1" wrap="square" lIns="91425" tIns="45700" rIns="91425" bIns="45700" anchor="t" anchorCtr="0"/>
           <a:lstStyle>
-            <a:lvl1pPr indent="-342900" lvl="0" marL="457200" algn="l">
+            <a:lvl1pPr marL="457200" lvl="0" indent="-342900" algn="l">
               <a:lnSpc>
                 <a:spcPct val="90000"/>
               </a:lnSpc>
@@ -8222,7 +8385,7 @@
               <a:buChar char="•"/>
               <a:defRPr/>
             </a:lvl1pPr>
-            <a:lvl2pPr indent="-342900" lvl="1" marL="914400" algn="l">
+            <a:lvl2pPr marL="914400" lvl="1" indent="-342900" algn="l">
               <a:lnSpc>
                 <a:spcPct val="90000"/>
               </a:lnSpc>
@@ -8239,7 +8402,7 @@
               <a:buChar char="•"/>
               <a:defRPr/>
             </a:lvl2pPr>
-            <a:lvl3pPr indent="-342900" lvl="2" marL="1371600" algn="l">
+            <a:lvl3pPr marL="1371600" lvl="2" indent="-342900" algn="l">
               <a:lnSpc>
                 <a:spcPct val="90000"/>
               </a:lnSpc>
@@ -8256,7 +8419,7 @@
               <a:buChar char="•"/>
               <a:defRPr/>
             </a:lvl3pPr>
-            <a:lvl4pPr indent="-342900" lvl="3" marL="1828800" algn="l">
+            <a:lvl4pPr marL="1828800" lvl="3" indent="-342900" algn="l">
               <a:lnSpc>
                 <a:spcPct val="90000"/>
               </a:lnSpc>
@@ -8273,7 +8436,7 @@
               <a:buChar char="•"/>
               <a:defRPr/>
             </a:lvl4pPr>
-            <a:lvl5pPr indent="-342900" lvl="4" marL="2286000" algn="l">
+            <a:lvl5pPr marL="2286000" lvl="4" indent="-342900" algn="l">
               <a:lnSpc>
                 <a:spcPct val="90000"/>
               </a:lnSpc>
@@ -8290,7 +8453,7 @@
               <a:buChar char="•"/>
               <a:defRPr/>
             </a:lvl5pPr>
-            <a:lvl6pPr indent="-342900" lvl="5" marL="2743200" algn="l">
+            <a:lvl6pPr marL="2743200" lvl="5" indent="-342900" algn="l">
               <a:lnSpc>
                 <a:spcPct val="90000"/>
               </a:lnSpc>
@@ -8307,7 +8470,7 @@
               <a:buChar char="•"/>
               <a:defRPr/>
             </a:lvl6pPr>
-            <a:lvl7pPr indent="-342900" lvl="6" marL="3200400" algn="l">
+            <a:lvl7pPr marL="3200400" lvl="6" indent="-342900" algn="l">
               <a:lnSpc>
                 <a:spcPct val="90000"/>
               </a:lnSpc>
@@ -8324,7 +8487,7 @@
               <a:buChar char="•"/>
               <a:defRPr/>
             </a:lvl7pPr>
-            <a:lvl8pPr indent="-342900" lvl="7" marL="3657600" algn="l">
+            <a:lvl8pPr marL="3657600" lvl="7" indent="-342900" algn="l">
               <a:lnSpc>
                 <a:spcPct val="90000"/>
               </a:lnSpc>
@@ -8341,7 +8504,7 @@
               <a:buChar char="•"/>
               <a:defRPr/>
             </a:lvl8pPr>
-            <a:lvl9pPr indent="-342900" lvl="8" marL="4114800" algn="l">
+            <a:lvl9pPr marL="4114800" lvl="8" indent="-342900" algn="l">
               <a:lnSpc>
                 <a:spcPct val="90000"/>
               </a:lnSpc>
@@ -8359,15 +8522,19 @@
               <a:defRPr/>
             </a:lvl9pPr>
           </a:lstStyle>
-          <a:p/>
+          <a:p>
+            <a:endParaRPr/>
+          </a:p>
         </p:txBody>
       </p:sp>
       <p:sp>
         <p:nvSpPr>
           <p:cNvPr id="46" name="Google Shape;46;p7"/>
-          <p:cNvSpPr txBox="1"/>
+          <p:cNvSpPr txBox="1">
+            <a:spLocks noGrp="1"/>
+          </p:cNvSpPr>
           <p:nvPr>
-            <p:ph idx="10" type="dt"/>
+            <p:ph type="dt" idx="10"/>
           </p:nvPr>
         </p:nvSpPr>
         <p:spPr>
@@ -8384,7 +8551,7 @@
           </a:ln>
         </p:spPr>
         <p:txBody>
-          <a:bodyPr anchorCtr="0" anchor="ctr" bIns="45700" lIns="91425" spcFirstLastPara="1" rIns="91425" wrap="square" tIns="45700"/>
+          <a:bodyPr spcFirstLastPara="1" wrap="square" lIns="91425" tIns="45700" rIns="91425" bIns="45700" anchor="ctr" anchorCtr="0"/>
           <a:lstStyle>
             <a:lvl1pPr lvl="0" algn="l">
               <a:lnSpc>
@@ -8513,15 +8680,19 @@
               <a:defRPr/>
             </a:lvl9pPr>
           </a:lstStyle>
-          <a:p/>
+          <a:p>
+            <a:endParaRPr/>
+          </a:p>
         </p:txBody>
       </p:sp>
       <p:sp>
         <p:nvSpPr>
           <p:cNvPr id="47" name="Google Shape;47;p7"/>
-          <p:cNvSpPr txBox="1"/>
+          <p:cNvSpPr txBox="1">
+            <a:spLocks noGrp="1"/>
+          </p:cNvSpPr>
           <p:nvPr>
-            <p:ph idx="11" type="ftr"/>
+            <p:ph type="ftr" idx="11"/>
           </p:nvPr>
         </p:nvSpPr>
         <p:spPr>
@@ -8538,7 +8709,7 @@
           </a:ln>
         </p:spPr>
         <p:txBody>
-          <a:bodyPr anchorCtr="0" anchor="ctr" bIns="45700" lIns="91425" spcFirstLastPara="1" rIns="91425" wrap="square" tIns="45700"/>
+          <a:bodyPr spcFirstLastPara="1" wrap="square" lIns="91425" tIns="45700" rIns="91425" bIns="45700" anchor="ctr" anchorCtr="0"/>
           <a:lstStyle>
             <a:lvl1pPr lvl="0" algn="ctr">
               <a:lnSpc>
@@ -8667,15 +8838,19 @@
               <a:defRPr/>
             </a:lvl9pPr>
           </a:lstStyle>
-          <a:p/>
+          <a:p>
+            <a:endParaRPr/>
+          </a:p>
         </p:txBody>
       </p:sp>
       <p:sp>
         <p:nvSpPr>
           <p:cNvPr id="48" name="Google Shape;48;p7"/>
-          <p:cNvSpPr txBox="1"/>
+          <p:cNvSpPr txBox="1">
+            <a:spLocks noGrp="1"/>
+          </p:cNvSpPr>
           <p:nvPr>
-            <p:ph idx="12" type="sldNum"/>
+            <p:ph type="sldNum" idx="12"/>
           </p:nvPr>
         </p:nvSpPr>
         <p:spPr>
@@ -8692,11 +8867,11 @@
           </a:ln>
         </p:spPr>
         <p:txBody>
-          <a:bodyPr anchorCtr="0" anchor="ctr" bIns="45700" lIns="91425" spcFirstLastPara="1" rIns="91425" wrap="square" tIns="45700">
+          <a:bodyPr spcFirstLastPara="1" wrap="square" lIns="91425" tIns="45700" rIns="91425" bIns="45700" anchor="ctr" anchorCtr="0">
             <a:noAutofit/>
           </a:bodyPr>
           <a:lstStyle>
-            <a:lvl1pPr indent="0" lvl="0" marL="0" marR="0" algn="r">
+            <a:lvl1pPr marL="0" marR="0" lvl="0" indent="0" algn="r">
               <a:lnSpc>
                 <a:spcPct val="100000"/>
               </a:lnSpc>
@@ -8712,7 +8887,7 @@
               <a:buSzPts val="5760"/>
               <a:buFont typeface="Arial"/>
               <a:buNone/>
-              <a:defRPr b="0" i="0" sz="5760" u="none" cap="none" strike="noStrike">
+              <a:defRPr sz="5760" b="0" i="0" u="none" strike="noStrike" cap="none">
                 <a:solidFill>
                   <a:srgbClr val="888888"/>
                 </a:solidFill>
@@ -8722,7 +8897,7 @@
                 <a:sym typeface="Calibri"/>
               </a:defRPr>
             </a:lvl1pPr>
-            <a:lvl2pPr indent="0" lvl="1" marL="0" marR="0" algn="r">
+            <a:lvl2pPr marL="0" marR="0" lvl="1" indent="0" algn="r">
               <a:lnSpc>
                 <a:spcPct val="100000"/>
               </a:lnSpc>
@@ -8738,7 +8913,7 @@
               <a:buSzPts val="5760"/>
               <a:buFont typeface="Arial"/>
               <a:buNone/>
-              <a:defRPr b="0" i="0" sz="5760" u="none" cap="none" strike="noStrike">
+              <a:defRPr sz="5760" b="0" i="0" u="none" strike="noStrike" cap="none">
                 <a:solidFill>
                   <a:srgbClr val="888888"/>
                 </a:solidFill>
@@ -8748,7 +8923,7 @@
                 <a:sym typeface="Calibri"/>
               </a:defRPr>
             </a:lvl2pPr>
-            <a:lvl3pPr indent="0" lvl="2" marL="0" marR="0" algn="r">
+            <a:lvl3pPr marL="0" marR="0" lvl="2" indent="0" algn="r">
               <a:lnSpc>
                 <a:spcPct val="100000"/>
               </a:lnSpc>
@@ -8764,7 +8939,7 @@
               <a:buSzPts val="5760"/>
               <a:buFont typeface="Arial"/>
               <a:buNone/>
-              <a:defRPr b="0" i="0" sz="5760" u="none" cap="none" strike="noStrike">
+              <a:defRPr sz="5760" b="0" i="0" u="none" strike="noStrike" cap="none">
                 <a:solidFill>
                   <a:srgbClr val="888888"/>
                 </a:solidFill>
@@ -8774,7 +8949,7 @@
                 <a:sym typeface="Calibri"/>
               </a:defRPr>
             </a:lvl3pPr>
-            <a:lvl4pPr indent="0" lvl="3" marL="0" marR="0" algn="r">
+            <a:lvl4pPr marL="0" marR="0" lvl="3" indent="0" algn="r">
               <a:lnSpc>
                 <a:spcPct val="100000"/>
               </a:lnSpc>
@@ -8790,7 +8965,7 @@
               <a:buSzPts val="5760"/>
               <a:buFont typeface="Arial"/>
               <a:buNone/>
-              <a:defRPr b="0" i="0" sz="5760" u="none" cap="none" strike="noStrike">
+              <a:defRPr sz="5760" b="0" i="0" u="none" strike="noStrike" cap="none">
                 <a:solidFill>
                   <a:srgbClr val="888888"/>
                 </a:solidFill>
@@ -8800,7 +8975,7 @@
                 <a:sym typeface="Calibri"/>
               </a:defRPr>
             </a:lvl4pPr>
-            <a:lvl5pPr indent="0" lvl="4" marL="0" marR="0" algn="r">
+            <a:lvl5pPr marL="0" marR="0" lvl="4" indent="0" algn="r">
               <a:lnSpc>
                 <a:spcPct val="100000"/>
               </a:lnSpc>
@@ -8816,7 +8991,7 @@
               <a:buSzPts val="5760"/>
               <a:buFont typeface="Arial"/>
               <a:buNone/>
-              <a:defRPr b="0" i="0" sz="5760" u="none" cap="none" strike="noStrike">
+              <a:defRPr sz="5760" b="0" i="0" u="none" strike="noStrike" cap="none">
                 <a:solidFill>
                   <a:srgbClr val="888888"/>
                 </a:solidFill>
@@ -8826,7 +9001,7 @@
                 <a:sym typeface="Calibri"/>
               </a:defRPr>
             </a:lvl5pPr>
-            <a:lvl6pPr indent="0" lvl="5" marL="0" marR="0" algn="r">
+            <a:lvl6pPr marL="0" marR="0" lvl="5" indent="0" algn="r">
               <a:lnSpc>
                 <a:spcPct val="100000"/>
               </a:lnSpc>
@@ -8842,7 +9017,7 @@
               <a:buSzPts val="5760"/>
               <a:buFont typeface="Arial"/>
               <a:buNone/>
-              <a:defRPr b="0" i="0" sz="5760" u="none" cap="none" strike="noStrike">
+              <a:defRPr sz="5760" b="0" i="0" u="none" strike="noStrike" cap="none">
                 <a:solidFill>
                   <a:srgbClr val="888888"/>
                 </a:solidFill>
@@ -8852,7 +9027,7 @@
                 <a:sym typeface="Calibri"/>
               </a:defRPr>
             </a:lvl6pPr>
-            <a:lvl7pPr indent="0" lvl="6" marL="0" marR="0" algn="r">
+            <a:lvl7pPr marL="0" marR="0" lvl="6" indent="0" algn="r">
               <a:lnSpc>
                 <a:spcPct val="100000"/>
               </a:lnSpc>
@@ -8868,7 +9043,7 @@
               <a:buSzPts val="5760"/>
               <a:buFont typeface="Arial"/>
               <a:buNone/>
-              <a:defRPr b="0" i="0" sz="5760" u="none" cap="none" strike="noStrike">
+              <a:defRPr sz="5760" b="0" i="0" u="none" strike="noStrike" cap="none">
                 <a:solidFill>
                   <a:srgbClr val="888888"/>
                 </a:solidFill>
@@ -8878,7 +9053,7 @@
                 <a:sym typeface="Calibri"/>
               </a:defRPr>
             </a:lvl7pPr>
-            <a:lvl8pPr indent="0" lvl="7" marL="0" marR="0" algn="r">
+            <a:lvl8pPr marL="0" marR="0" lvl="7" indent="0" algn="r">
               <a:lnSpc>
                 <a:spcPct val="100000"/>
               </a:lnSpc>
@@ -8894,7 +9069,7 @@
               <a:buSzPts val="5760"/>
               <a:buFont typeface="Arial"/>
               <a:buNone/>
-              <a:defRPr b="0" i="0" sz="5760" u="none" cap="none" strike="noStrike">
+              <a:defRPr sz="5760" b="0" i="0" u="none" strike="noStrike" cap="none">
                 <a:solidFill>
                   <a:srgbClr val="888888"/>
                 </a:solidFill>
@@ -8904,7 +9079,7 @@
                 <a:sym typeface="Calibri"/>
               </a:defRPr>
             </a:lvl8pPr>
-            <a:lvl9pPr indent="0" lvl="8" marL="0" marR="0" algn="r">
+            <a:lvl9pPr marL="0" marR="0" lvl="8" indent="0" algn="r">
               <a:lnSpc>
                 <a:spcPct val="100000"/>
               </a:lnSpc>
@@ -8920,7 +9095,7 @@
               <a:buSzPts val="5760"/>
               <a:buFont typeface="Arial"/>
               <a:buNone/>
-              <a:defRPr b="0" i="0" sz="5760" u="none" cap="none" strike="noStrike">
+              <a:defRPr sz="5760" b="0" i="0" u="none" strike="noStrike" cap="none">
                 <a:solidFill>
                   <a:srgbClr val="888888"/>
                 </a:solidFill>
@@ -8932,7 +9107,7 @@
             </a:lvl9pPr>
           </a:lstStyle>
           <a:p>
-            <a:pPr indent="0" lvl="0" marL="0" rtl="0" algn="r">
+            <a:pPr marL="0" lvl="0" indent="0" algn="r" rtl="0">
               <a:spcBef>
                 <a:spcPts val="0"/>
               </a:spcBef>
@@ -8958,11 +9133,11 @@
 </file>
 
 <file path=ppt/slideLayouts/slideLayout7.xml><?xml version="1.0" encoding="utf-8"?>
-<p:sldLayout xmlns:a="http://schemas.openxmlformats.org/drawingml/2006/main" xmlns:r="http://schemas.openxmlformats.org/officeDocument/2006/relationships" xmlns:mc="http://schemas.openxmlformats.org/markup-compatibility/2006" xmlns:mv="urn:schemas-microsoft-com:mac:vml" xmlns:p="http://schemas.openxmlformats.org/presentationml/2006/main" xmlns:c="http://schemas.openxmlformats.org/drawingml/2006/chart" xmlns:dgm="http://schemas.openxmlformats.org/drawingml/2006/diagram" xmlns:o="urn:schemas-microsoft-com:office:office" xmlns:v="urn:schemas-microsoft-com:vml" xmlns:pvml="urn:schemas-microsoft-com:office:powerpoint" xmlns:com="http://schemas.openxmlformats.org/drawingml/2006/compatibility" xmlns:p14="http://schemas.microsoft.com/office/powerpoint/2010/main" xmlns:p15="http://schemas.microsoft.com/office/powerpoint/2012/main" matchingName="Title Only" type="titleOnly">
+<p:sldLayout xmlns:a="http://schemas.openxmlformats.org/drawingml/2006/main" xmlns:r="http://schemas.openxmlformats.org/officeDocument/2006/relationships" xmlns:p="http://schemas.openxmlformats.org/presentationml/2006/main" matchingName="Title Only" type="titleOnly">
   <p:cSld name="TITLE_ONLY">
     <p:spTree>
       <p:nvGrpSpPr>
-        <p:cNvPr id="49" name="Shape 49"/>
+        <p:cNvPr id="1" name="Shape 49"/>
         <p:cNvGrpSpPr/>
         <p:nvPr/>
       </p:nvGrpSpPr>
@@ -8977,7 +9152,9 @@
       <p:sp>
         <p:nvSpPr>
           <p:cNvPr id="50" name="Google Shape;50;p8"/>
-          <p:cNvSpPr txBox="1"/>
+          <p:cNvSpPr txBox="1">
+            <a:spLocks noGrp="1"/>
+          </p:cNvSpPr>
           <p:nvPr>
             <p:ph type="title"/>
           </p:nvPr>
@@ -8996,7 +9173,7 @@
           </a:ln>
         </p:spPr>
         <p:txBody>
-          <a:bodyPr anchorCtr="0" anchor="ctr" bIns="45700" lIns="91425" spcFirstLastPara="1" rIns="91425" wrap="square" tIns="45700"/>
+          <a:bodyPr spcFirstLastPara="1" wrap="square" lIns="91425" tIns="45700" rIns="91425" bIns="45700" anchor="ctr" anchorCtr="0"/>
           <a:lstStyle>
             <a:lvl1pPr lvl="0" algn="l">
               <a:lnSpc>
@@ -9128,15 +9305,19 @@
               <a:defRPr/>
             </a:lvl9pPr>
           </a:lstStyle>
-          <a:p/>
+          <a:p>
+            <a:endParaRPr/>
+          </a:p>
         </p:txBody>
       </p:sp>
       <p:sp>
         <p:nvSpPr>
           <p:cNvPr id="51" name="Google Shape;51;p8"/>
-          <p:cNvSpPr txBox="1"/>
+          <p:cNvSpPr txBox="1">
+            <a:spLocks noGrp="1"/>
+          </p:cNvSpPr>
           <p:nvPr>
-            <p:ph idx="10" type="dt"/>
+            <p:ph type="dt" idx="10"/>
           </p:nvPr>
         </p:nvSpPr>
         <p:spPr>
@@ -9153,7 +9334,7 @@
           </a:ln>
         </p:spPr>
         <p:txBody>
-          <a:bodyPr anchorCtr="0" anchor="ctr" bIns="45700" lIns="91425" spcFirstLastPara="1" rIns="91425" wrap="square" tIns="45700"/>
+          <a:bodyPr spcFirstLastPara="1" wrap="square" lIns="91425" tIns="45700" rIns="91425" bIns="45700" anchor="ctr" anchorCtr="0"/>
           <a:lstStyle>
             <a:lvl1pPr lvl="0" algn="l">
               <a:lnSpc>
@@ -9282,15 +9463,19 @@
               <a:defRPr/>
             </a:lvl9pPr>
           </a:lstStyle>
-          <a:p/>
+          <a:p>
+            <a:endParaRPr/>
+          </a:p>
         </p:txBody>
       </p:sp>
       <p:sp>
         <p:nvSpPr>
           <p:cNvPr id="52" name="Google Shape;52;p8"/>
-          <p:cNvSpPr txBox="1"/>
+          <p:cNvSpPr txBox="1">
+            <a:spLocks noGrp="1"/>
+          </p:cNvSpPr>
           <p:nvPr>
-            <p:ph idx="11" type="ftr"/>
+            <p:ph type="ftr" idx="11"/>
           </p:nvPr>
         </p:nvSpPr>
         <p:spPr>
@@ -9307,7 +9492,7 @@
           </a:ln>
         </p:spPr>
         <p:txBody>
-          <a:bodyPr anchorCtr="0" anchor="ctr" bIns="45700" lIns="91425" spcFirstLastPara="1" rIns="91425" wrap="square" tIns="45700"/>
+          <a:bodyPr spcFirstLastPara="1" wrap="square" lIns="91425" tIns="45700" rIns="91425" bIns="45700" anchor="ctr" anchorCtr="0"/>
           <a:lstStyle>
             <a:lvl1pPr lvl="0" algn="ctr">
               <a:lnSpc>
@@ -9436,15 +9621,19 @@
               <a:defRPr/>
             </a:lvl9pPr>
           </a:lstStyle>
-          <a:p/>
+          <a:p>
+            <a:endParaRPr/>
+          </a:p>
         </p:txBody>
       </p:sp>
       <p:sp>
         <p:nvSpPr>
           <p:cNvPr id="53" name="Google Shape;53;p8"/>
-          <p:cNvSpPr txBox="1"/>
+          <p:cNvSpPr txBox="1">
+            <a:spLocks noGrp="1"/>
+          </p:cNvSpPr>
           <p:nvPr>
-            <p:ph idx="12" type="sldNum"/>
+            <p:ph type="sldNum" idx="12"/>
           </p:nvPr>
         </p:nvSpPr>
         <p:spPr>
@@ -9461,11 +9650,11 @@
           </a:ln>
         </p:spPr>
         <p:txBody>
-          <a:bodyPr anchorCtr="0" anchor="ctr" bIns="45700" lIns="91425" spcFirstLastPara="1" rIns="91425" wrap="square" tIns="45700">
+          <a:bodyPr spcFirstLastPara="1" wrap="square" lIns="91425" tIns="45700" rIns="91425" bIns="45700" anchor="ctr" anchorCtr="0">
             <a:noAutofit/>
           </a:bodyPr>
           <a:lstStyle>
-            <a:lvl1pPr indent="0" lvl="0" marL="0" marR="0" algn="r">
+            <a:lvl1pPr marL="0" marR="0" lvl="0" indent="0" algn="r">
               <a:lnSpc>
                 <a:spcPct val="100000"/>
               </a:lnSpc>
@@ -9481,7 +9670,7 @@
               <a:buSzPts val="5760"/>
               <a:buFont typeface="Arial"/>
               <a:buNone/>
-              <a:defRPr b="0" i="0" sz="5760" u="none" cap="none" strike="noStrike">
+              <a:defRPr sz="5760" b="0" i="0" u="none" strike="noStrike" cap="none">
                 <a:solidFill>
                   <a:srgbClr val="888888"/>
                 </a:solidFill>
@@ -9491,7 +9680,7 @@
                 <a:sym typeface="Calibri"/>
               </a:defRPr>
             </a:lvl1pPr>
-            <a:lvl2pPr indent="0" lvl="1" marL="0" marR="0" algn="r">
+            <a:lvl2pPr marL="0" marR="0" lvl="1" indent="0" algn="r">
               <a:lnSpc>
                 <a:spcPct val="100000"/>
               </a:lnSpc>
@@ -9507,7 +9696,7 @@
               <a:buSzPts val="5760"/>
               <a:buFont typeface="Arial"/>
               <a:buNone/>
-              <a:defRPr b="0" i="0" sz="5760" u="none" cap="none" strike="noStrike">
+              <a:defRPr sz="5760" b="0" i="0" u="none" strike="noStrike" cap="none">
                 <a:solidFill>
                   <a:srgbClr val="888888"/>
                 </a:solidFill>
@@ -9517,7 +9706,7 @@
                 <a:sym typeface="Calibri"/>
               </a:defRPr>
             </a:lvl2pPr>
-            <a:lvl3pPr indent="0" lvl="2" marL="0" marR="0" algn="r">
+            <a:lvl3pPr marL="0" marR="0" lvl="2" indent="0" algn="r">
               <a:lnSpc>
                 <a:spcPct val="100000"/>
               </a:lnSpc>
@@ -9533,7 +9722,7 @@
               <a:buSzPts val="5760"/>
               <a:buFont typeface="Arial"/>
               <a:buNone/>
-              <a:defRPr b="0" i="0" sz="5760" u="none" cap="none" strike="noStrike">
+              <a:defRPr sz="5760" b="0" i="0" u="none" strike="noStrike" cap="none">
                 <a:solidFill>
                   <a:srgbClr val="888888"/>
                 </a:solidFill>
@@ -9543,7 +9732,7 @@
                 <a:sym typeface="Calibri"/>
               </a:defRPr>
             </a:lvl3pPr>
-            <a:lvl4pPr indent="0" lvl="3" marL="0" marR="0" algn="r">
+            <a:lvl4pPr marL="0" marR="0" lvl="3" indent="0" algn="r">
               <a:lnSpc>
                 <a:spcPct val="100000"/>
               </a:lnSpc>
@@ -9559,7 +9748,7 @@
               <a:buSzPts val="5760"/>
               <a:buFont typeface="Arial"/>
               <a:buNone/>
-              <a:defRPr b="0" i="0" sz="5760" u="none" cap="none" strike="noStrike">
+              <a:defRPr sz="5760" b="0" i="0" u="none" strike="noStrike" cap="none">
                 <a:solidFill>
                   <a:srgbClr val="888888"/>
                 </a:solidFill>
@@ -9569,7 +9758,7 @@
                 <a:sym typeface="Calibri"/>
               </a:defRPr>
             </a:lvl4pPr>
-            <a:lvl5pPr indent="0" lvl="4" marL="0" marR="0" algn="r">
+            <a:lvl5pPr marL="0" marR="0" lvl="4" indent="0" algn="r">
               <a:lnSpc>
                 <a:spcPct val="100000"/>
               </a:lnSpc>
@@ -9585,7 +9774,7 @@
               <a:buSzPts val="5760"/>
               <a:buFont typeface="Arial"/>
               <a:buNone/>
-              <a:defRPr b="0" i="0" sz="5760" u="none" cap="none" strike="noStrike">
+              <a:defRPr sz="5760" b="0" i="0" u="none" strike="noStrike" cap="none">
                 <a:solidFill>
                   <a:srgbClr val="888888"/>
                 </a:solidFill>
@@ -9595,7 +9784,7 @@
                 <a:sym typeface="Calibri"/>
               </a:defRPr>
             </a:lvl5pPr>
-            <a:lvl6pPr indent="0" lvl="5" marL="0" marR="0" algn="r">
+            <a:lvl6pPr marL="0" marR="0" lvl="5" indent="0" algn="r">
               <a:lnSpc>
                 <a:spcPct val="100000"/>
               </a:lnSpc>
@@ -9611,7 +9800,7 @@
               <a:buSzPts val="5760"/>
               <a:buFont typeface="Arial"/>
               <a:buNone/>
-              <a:defRPr b="0" i="0" sz="5760" u="none" cap="none" strike="noStrike">
+              <a:defRPr sz="5760" b="0" i="0" u="none" strike="noStrike" cap="none">
                 <a:solidFill>
                   <a:srgbClr val="888888"/>
                 </a:solidFill>
@@ -9621,7 +9810,7 @@
                 <a:sym typeface="Calibri"/>
               </a:defRPr>
             </a:lvl6pPr>
-            <a:lvl7pPr indent="0" lvl="6" marL="0" marR="0" algn="r">
+            <a:lvl7pPr marL="0" marR="0" lvl="6" indent="0" algn="r">
               <a:lnSpc>
                 <a:spcPct val="100000"/>
               </a:lnSpc>
@@ -9637,7 +9826,7 @@
               <a:buSzPts val="5760"/>
               <a:buFont typeface="Arial"/>
               <a:buNone/>
-              <a:defRPr b="0" i="0" sz="5760" u="none" cap="none" strike="noStrike">
+              <a:defRPr sz="5760" b="0" i="0" u="none" strike="noStrike" cap="none">
                 <a:solidFill>
                   <a:srgbClr val="888888"/>
                 </a:solidFill>
@@ -9647,7 +9836,7 @@
                 <a:sym typeface="Calibri"/>
               </a:defRPr>
             </a:lvl7pPr>
-            <a:lvl8pPr indent="0" lvl="7" marL="0" marR="0" algn="r">
+            <a:lvl8pPr marL="0" marR="0" lvl="7" indent="0" algn="r">
               <a:lnSpc>
                 <a:spcPct val="100000"/>
               </a:lnSpc>
@@ -9663,7 +9852,7 @@
               <a:buSzPts val="5760"/>
               <a:buFont typeface="Arial"/>
               <a:buNone/>
-              <a:defRPr b="0" i="0" sz="5760" u="none" cap="none" strike="noStrike">
+              <a:defRPr sz="5760" b="0" i="0" u="none" strike="noStrike" cap="none">
                 <a:solidFill>
                   <a:srgbClr val="888888"/>
                 </a:solidFill>
@@ -9673,7 +9862,7 @@
                 <a:sym typeface="Calibri"/>
               </a:defRPr>
             </a:lvl8pPr>
-            <a:lvl9pPr indent="0" lvl="8" marL="0" marR="0" algn="r">
+            <a:lvl9pPr marL="0" marR="0" lvl="8" indent="0" algn="r">
               <a:lnSpc>
                 <a:spcPct val="100000"/>
               </a:lnSpc>
@@ -9689,7 +9878,7 @@
               <a:buSzPts val="5760"/>
               <a:buFont typeface="Arial"/>
               <a:buNone/>
-              <a:defRPr b="0" i="0" sz="5760" u="none" cap="none" strike="noStrike">
+              <a:defRPr sz="5760" b="0" i="0" u="none" strike="noStrike" cap="none">
                 <a:solidFill>
                   <a:srgbClr val="888888"/>
                 </a:solidFill>
@@ -9701,7 +9890,7 @@
             </a:lvl9pPr>
           </a:lstStyle>
           <a:p>
-            <a:pPr indent="0" lvl="0" marL="0" rtl="0" algn="r">
+            <a:pPr marL="0" lvl="0" indent="0" algn="r" rtl="0">
               <a:spcBef>
                 <a:spcPts val="0"/>
               </a:spcBef>
@@ -9727,11 +9916,11 @@
 </file>
 
 <file path=ppt/slideLayouts/slideLayout8.xml><?xml version="1.0" encoding="utf-8"?>
-<p:sldLayout xmlns:a="http://schemas.openxmlformats.org/drawingml/2006/main" xmlns:r="http://schemas.openxmlformats.org/officeDocument/2006/relationships" xmlns:mc="http://schemas.openxmlformats.org/markup-compatibility/2006" xmlns:mv="urn:schemas-microsoft-com:mac:vml" xmlns:p="http://schemas.openxmlformats.org/presentationml/2006/main" xmlns:c="http://schemas.openxmlformats.org/drawingml/2006/chart" xmlns:dgm="http://schemas.openxmlformats.org/drawingml/2006/diagram" xmlns:o="urn:schemas-microsoft-com:office:office" xmlns:v="urn:schemas-microsoft-com:vml" xmlns:pvml="urn:schemas-microsoft-com:office:powerpoint" xmlns:com="http://schemas.openxmlformats.org/drawingml/2006/compatibility" xmlns:p14="http://schemas.microsoft.com/office/powerpoint/2010/main" xmlns:p15="http://schemas.microsoft.com/office/powerpoint/2012/main" matchingName="Content with Caption" type="objTx">
+<p:sldLayout xmlns:a="http://schemas.openxmlformats.org/drawingml/2006/main" xmlns:r="http://schemas.openxmlformats.org/officeDocument/2006/relationships" xmlns:p="http://schemas.openxmlformats.org/presentationml/2006/main" matchingName="Content with Caption" type="objTx">
   <p:cSld name="OBJECT_WITH_CAPTION_TEXT">
     <p:spTree>
       <p:nvGrpSpPr>
-        <p:cNvPr id="54" name="Shape 54"/>
+        <p:cNvPr id="1" name="Shape 54"/>
         <p:cNvGrpSpPr/>
         <p:nvPr/>
       </p:nvGrpSpPr>
@@ -9746,7 +9935,9 @@
       <p:sp>
         <p:nvSpPr>
           <p:cNvPr id="55" name="Google Shape;55;p9"/>
-          <p:cNvSpPr txBox="1"/>
+          <p:cNvSpPr txBox="1">
+            <a:spLocks noGrp="1"/>
+          </p:cNvSpPr>
           <p:nvPr>
             <p:ph type="title"/>
           </p:nvPr>
@@ -9765,7 +9956,7 @@
           </a:ln>
         </p:spPr>
         <p:txBody>
-          <a:bodyPr anchorCtr="0" anchor="b" bIns="45700" lIns="91425" spcFirstLastPara="1" rIns="91425" wrap="square" tIns="45700"/>
+          <a:bodyPr spcFirstLastPara="1" wrap="square" lIns="91425" tIns="45700" rIns="91425" bIns="45700" anchor="b" anchorCtr="0"/>
           <a:lstStyle>
             <a:lvl1pPr lvl="0" algn="l">
               <a:lnSpc>
@@ -9898,15 +10089,19 @@
               <a:defRPr/>
             </a:lvl9pPr>
           </a:lstStyle>
-          <a:p/>
+          <a:p>
+            <a:endParaRPr/>
+          </a:p>
         </p:txBody>
       </p:sp>
       <p:sp>
         <p:nvSpPr>
           <p:cNvPr id="56" name="Google Shape;56;p9"/>
-          <p:cNvSpPr txBox="1"/>
+          <p:cNvSpPr txBox="1">
+            <a:spLocks noGrp="1"/>
+          </p:cNvSpPr>
           <p:nvPr>
-            <p:ph idx="1" type="body"/>
+            <p:ph type="body" idx="1"/>
           </p:nvPr>
         </p:nvSpPr>
         <p:spPr>
@@ -9923,9 +10118,9 @@
           </a:ln>
         </p:spPr>
         <p:txBody>
-          <a:bodyPr anchorCtr="0" anchor="t" bIns="45700" lIns="91425" spcFirstLastPara="1" rIns="91425" wrap="square" tIns="45700"/>
+          <a:bodyPr spcFirstLastPara="1" wrap="square" lIns="91425" tIns="45700" rIns="91425" bIns="45700" anchor="t" anchorCtr="0"/>
           <a:lstStyle>
-            <a:lvl1pPr indent="-1203960" lvl="0" marL="457200" algn="l">
+            <a:lvl1pPr marL="457200" lvl="0" indent="-1203960" algn="l">
               <a:lnSpc>
                 <a:spcPct val="90000"/>
               </a:lnSpc>
@@ -9942,7 +10137,7 @@
               <a:buChar char="•"/>
               <a:defRPr sz="15360"/>
             </a:lvl1pPr>
-            <a:lvl2pPr indent="-1082040" lvl="1" marL="914400" algn="l">
+            <a:lvl2pPr marL="914400" lvl="1" indent="-1082040" algn="l">
               <a:lnSpc>
                 <a:spcPct val="90000"/>
               </a:lnSpc>
@@ -9959,7 +10154,7 @@
               <a:buChar char="•"/>
               <a:defRPr sz="13439"/>
             </a:lvl2pPr>
-            <a:lvl3pPr indent="-960120" lvl="2" marL="1371600" algn="l">
+            <a:lvl3pPr marL="1371600" lvl="2" indent="-960120" algn="l">
               <a:lnSpc>
                 <a:spcPct val="90000"/>
               </a:lnSpc>
@@ -9976,7 +10171,7 @@
               <a:buChar char="•"/>
               <a:defRPr sz="11520"/>
             </a:lvl3pPr>
-            <a:lvl4pPr indent="-838200" lvl="3" marL="1828800" algn="l">
+            <a:lvl4pPr marL="1828800" lvl="3" indent="-838200" algn="l">
               <a:lnSpc>
                 <a:spcPct val="90000"/>
               </a:lnSpc>
@@ -9993,7 +10188,7 @@
               <a:buChar char="•"/>
               <a:defRPr sz="9600"/>
             </a:lvl4pPr>
-            <a:lvl5pPr indent="-838200" lvl="4" marL="2286000" algn="l">
+            <a:lvl5pPr marL="2286000" lvl="4" indent="-838200" algn="l">
               <a:lnSpc>
                 <a:spcPct val="90000"/>
               </a:lnSpc>
@@ -10010,7 +10205,7 @@
               <a:buChar char="•"/>
               <a:defRPr sz="9600"/>
             </a:lvl5pPr>
-            <a:lvl6pPr indent="-838200" lvl="5" marL="2743200" algn="l">
+            <a:lvl6pPr marL="2743200" lvl="5" indent="-838200" algn="l">
               <a:lnSpc>
                 <a:spcPct val="90000"/>
               </a:lnSpc>
@@ -10027,7 +10222,7 @@
               <a:buChar char="•"/>
               <a:defRPr sz="9600"/>
             </a:lvl6pPr>
-            <a:lvl7pPr indent="-838200" lvl="6" marL="3200400" algn="l">
+            <a:lvl7pPr marL="3200400" lvl="6" indent="-838200" algn="l">
               <a:lnSpc>
                 <a:spcPct val="90000"/>
               </a:lnSpc>
@@ -10044,7 +10239,7 @@
               <a:buChar char="•"/>
               <a:defRPr sz="9600"/>
             </a:lvl7pPr>
-            <a:lvl8pPr indent="-838200" lvl="7" marL="3657600" algn="l">
+            <a:lvl8pPr marL="3657600" lvl="7" indent="-838200" algn="l">
               <a:lnSpc>
                 <a:spcPct val="90000"/>
               </a:lnSpc>
@@ -10061,7 +10256,7 @@
               <a:buChar char="•"/>
               <a:defRPr sz="9600"/>
             </a:lvl8pPr>
-            <a:lvl9pPr indent="-838200" lvl="8" marL="4114800" algn="l">
+            <a:lvl9pPr marL="4114800" lvl="8" indent="-838200" algn="l">
               <a:lnSpc>
                 <a:spcPct val="90000"/>
               </a:lnSpc>
@@ -10079,15 +10274,19 @@
               <a:defRPr sz="9600"/>
             </a:lvl9pPr>
           </a:lstStyle>
-          <a:p/>
+          <a:p>
+            <a:endParaRPr/>
+          </a:p>
         </p:txBody>
       </p:sp>
       <p:sp>
         <p:nvSpPr>
           <p:cNvPr id="57" name="Google Shape;57;p9"/>
-          <p:cNvSpPr txBox="1"/>
+          <p:cNvSpPr txBox="1">
+            <a:spLocks noGrp="1"/>
+          </p:cNvSpPr>
           <p:nvPr>
-            <p:ph idx="2" type="body"/>
+            <p:ph type="body" idx="2"/>
           </p:nvPr>
         </p:nvSpPr>
         <p:spPr>
@@ -10104,9 +10303,9 @@
           </a:ln>
         </p:spPr>
         <p:txBody>
-          <a:bodyPr anchorCtr="0" anchor="t" bIns="45700" lIns="91425" spcFirstLastPara="1" rIns="91425" wrap="square" tIns="45700"/>
+          <a:bodyPr spcFirstLastPara="1" wrap="square" lIns="91425" tIns="45700" rIns="91425" bIns="45700" anchor="t" anchorCtr="0"/>
           <a:lstStyle>
-            <a:lvl1pPr indent="-228600" lvl="0" marL="457200" algn="l">
+            <a:lvl1pPr marL="457200" lvl="0" indent="-228600" algn="l">
               <a:lnSpc>
                 <a:spcPct val="90000"/>
               </a:lnSpc>
@@ -10123,7 +10322,7 @@
               <a:buNone/>
               <a:defRPr sz="7680"/>
             </a:lvl1pPr>
-            <a:lvl2pPr indent="-228600" lvl="1" marL="914400" algn="l">
+            <a:lvl2pPr marL="914400" lvl="1" indent="-228600" algn="l">
               <a:lnSpc>
                 <a:spcPct val="90000"/>
               </a:lnSpc>
@@ -10140,7 +10339,7 @@
               <a:buNone/>
               <a:defRPr sz="6719"/>
             </a:lvl2pPr>
-            <a:lvl3pPr indent="-228600" lvl="2" marL="1371600" algn="l">
+            <a:lvl3pPr marL="1371600" lvl="2" indent="-228600" algn="l">
               <a:lnSpc>
                 <a:spcPct val="90000"/>
               </a:lnSpc>
@@ -10157,7 +10356,7 @@
               <a:buNone/>
               <a:defRPr sz="5760"/>
             </a:lvl3pPr>
-            <a:lvl4pPr indent="-228600" lvl="3" marL="1828800" algn="l">
+            <a:lvl4pPr marL="1828800" lvl="3" indent="-228600" algn="l">
               <a:lnSpc>
                 <a:spcPct val="90000"/>
               </a:lnSpc>
@@ -10174,7 +10373,7 @@
               <a:buNone/>
               <a:defRPr sz="4800"/>
             </a:lvl4pPr>
-            <a:lvl5pPr indent="-228600" lvl="4" marL="2286000" algn="l">
+            <a:lvl5pPr marL="2286000" lvl="4" indent="-228600" algn="l">
               <a:lnSpc>
                 <a:spcPct val="90000"/>
               </a:lnSpc>
@@ -10191,7 +10390,7 @@
               <a:buNone/>
               <a:defRPr sz="4800"/>
             </a:lvl5pPr>
-            <a:lvl6pPr indent="-228600" lvl="5" marL="2743200" algn="l">
+            <a:lvl6pPr marL="2743200" lvl="5" indent="-228600" algn="l">
               <a:lnSpc>
                 <a:spcPct val="90000"/>
               </a:lnSpc>
@@ -10208,7 +10407,7 @@
               <a:buNone/>
               <a:defRPr sz="4800"/>
             </a:lvl6pPr>
-            <a:lvl7pPr indent="-228600" lvl="6" marL="3200400" algn="l">
+            <a:lvl7pPr marL="3200400" lvl="6" indent="-228600" algn="l">
               <a:lnSpc>
                 <a:spcPct val="90000"/>
               </a:lnSpc>
@@ -10225,7 +10424,7 @@
               <a:buNone/>
               <a:defRPr sz="4800"/>
             </a:lvl7pPr>
-            <a:lvl8pPr indent="-228600" lvl="7" marL="3657600" algn="l">
+            <a:lvl8pPr marL="3657600" lvl="7" indent="-228600" algn="l">
               <a:lnSpc>
                 <a:spcPct val="90000"/>
               </a:lnSpc>
@@ -10242,7 +10441,7 @@
               <a:buNone/>
               <a:defRPr sz="4800"/>
             </a:lvl8pPr>
-            <a:lvl9pPr indent="-228600" lvl="8" marL="4114800" algn="l">
+            <a:lvl9pPr marL="4114800" lvl="8" indent="-228600" algn="l">
               <a:lnSpc>
                 <a:spcPct val="90000"/>
               </a:lnSpc>
@@ -10260,15 +10459,19 @@
               <a:defRPr sz="4800"/>
             </a:lvl9pPr>
           </a:lstStyle>
-          <a:p/>
+          <a:p>
+            <a:endParaRPr/>
+          </a:p>
         </p:txBody>
       </p:sp>
       <p:sp>
         <p:nvSpPr>
           <p:cNvPr id="58" name="Google Shape;58;p9"/>
-          <p:cNvSpPr txBox="1"/>
+          <p:cNvSpPr txBox="1">
+            <a:spLocks noGrp="1"/>
+          </p:cNvSpPr>
           <p:nvPr>
-            <p:ph idx="10" type="dt"/>
+            <p:ph type="dt" idx="10"/>
           </p:nvPr>
         </p:nvSpPr>
         <p:spPr>
@@ -10285,7 +10488,7 @@
           </a:ln>
         </p:spPr>
         <p:txBody>
-          <a:bodyPr anchorCtr="0" anchor="ctr" bIns="45700" lIns="91425" spcFirstLastPara="1" rIns="91425" wrap="square" tIns="45700"/>
+          <a:bodyPr spcFirstLastPara="1" wrap="square" lIns="91425" tIns="45700" rIns="91425" bIns="45700" anchor="ctr" anchorCtr="0"/>
           <a:lstStyle>
             <a:lvl1pPr lvl="0" algn="l">
               <a:lnSpc>
@@ -10414,15 +10617,19 @@
               <a:defRPr/>
             </a:lvl9pPr>
           </a:lstStyle>
-          <a:p/>
+          <a:p>
+            <a:endParaRPr/>
+          </a:p>
         </p:txBody>
       </p:sp>
       <p:sp>
         <p:nvSpPr>
           <p:cNvPr id="59" name="Google Shape;59;p9"/>
-          <p:cNvSpPr txBox="1"/>
+          <p:cNvSpPr txBox="1">
+            <a:spLocks noGrp="1"/>
+          </p:cNvSpPr>
           <p:nvPr>
-            <p:ph idx="11" type="ftr"/>
+            <p:ph type="ftr" idx="11"/>
           </p:nvPr>
         </p:nvSpPr>
         <p:spPr>
@@ -10439,7 +10646,7 @@
           </a:ln>
         </p:spPr>
         <p:txBody>
-          <a:bodyPr anchorCtr="0" anchor="ctr" bIns="45700" lIns="91425" spcFirstLastPara="1" rIns="91425" wrap="square" tIns="45700"/>
+          <a:bodyPr spcFirstLastPara="1" wrap="square" lIns="91425" tIns="45700" rIns="91425" bIns="45700" anchor="ctr" anchorCtr="0"/>
           <a:lstStyle>
             <a:lvl1pPr lvl="0" algn="ctr">
               <a:lnSpc>
@@ -10568,15 +10775,19 @@
               <a:defRPr/>
             </a:lvl9pPr>
           </a:lstStyle>
-          <a:p/>
+          <a:p>
+            <a:endParaRPr/>
+          </a:p>
         </p:txBody>
       </p:sp>
       <p:sp>
         <p:nvSpPr>
           <p:cNvPr id="60" name="Google Shape;60;p9"/>
-          <p:cNvSpPr txBox="1"/>
+          <p:cNvSpPr txBox="1">
+            <a:spLocks noGrp="1"/>
+          </p:cNvSpPr>
           <p:nvPr>
-            <p:ph idx="12" type="sldNum"/>
+            <p:ph type="sldNum" idx="12"/>
           </p:nvPr>
         </p:nvSpPr>
         <p:spPr>
@@ -10593,11 +10804,11 @@
           </a:ln>
         </p:spPr>
         <p:txBody>
-          <a:bodyPr anchorCtr="0" anchor="ctr" bIns="45700" lIns="91425" spcFirstLastPara="1" rIns="91425" wrap="square" tIns="45700">
+          <a:bodyPr spcFirstLastPara="1" wrap="square" lIns="91425" tIns="45700" rIns="91425" bIns="45700" anchor="ctr" anchorCtr="0">
             <a:noAutofit/>
           </a:bodyPr>
           <a:lstStyle>
-            <a:lvl1pPr indent="0" lvl="0" marL="0" marR="0" algn="r">
+            <a:lvl1pPr marL="0" marR="0" lvl="0" indent="0" algn="r">
               <a:lnSpc>
                 <a:spcPct val="100000"/>
               </a:lnSpc>
@@ -10613,7 +10824,7 @@
               <a:buSzPts val="5760"/>
               <a:buFont typeface="Arial"/>
               <a:buNone/>
-              <a:defRPr b="0" i="0" sz="5760" u="none" cap="none" strike="noStrike">
+              <a:defRPr sz="5760" b="0" i="0" u="none" strike="noStrike" cap="none">
                 <a:solidFill>
                   <a:srgbClr val="888888"/>
                 </a:solidFill>
@@ -10623,7 +10834,7 @@
                 <a:sym typeface="Calibri"/>
               </a:defRPr>
             </a:lvl1pPr>
-            <a:lvl2pPr indent="0" lvl="1" marL="0" marR="0" algn="r">
+            <a:lvl2pPr marL="0" marR="0" lvl="1" indent="0" algn="r">
               <a:lnSpc>
                 <a:spcPct val="100000"/>
               </a:lnSpc>
@@ -10639,7 +10850,7 @@
               <a:buSzPts val="5760"/>
               <a:buFont typeface="Arial"/>
               <a:buNone/>
-              <a:defRPr b="0" i="0" sz="5760" u="none" cap="none" strike="noStrike">
+              <a:defRPr sz="5760" b="0" i="0" u="none" strike="noStrike" cap="none">
                 <a:solidFill>
                   <a:srgbClr val="888888"/>
                 </a:solidFill>
@@ -10649,7 +10860,7 @@
                 <a:sym typeface="Calibri"/>
               </a:defRPr>
             </a:lvl2pPr>
-            <a:lvl3pPr indent="0" lvl="2" marL="0" marR="0" algn="r">
+            <a:lvl3pPr marL="0" marR="0" lvl="2" indent="0" algn="r">
               <a:lnSpc>
                 <a:spcPct val="100000"/>
               </a:lnSpc>
@@ -10665,7 +10876,7 @@
               <a:buSzPts val="5760"/>
               <a:buFont typeface="Arial"/>
               <a:buNone/>
-              <a:defRPr b="0" i="0" sz="5760" u="none" cap="none" strike="noStrike">
+              <a:defRPr sz="5760" b="0" i="0" u="none" strike="noStrike" cap="none">
                 <a:solidFill>
                   <a:srgbClr val="888888"/>
                 </a:solidFill>
@@ -10675,7 +10886,7 @@
                 <a:sym typeface="Calibri"/>
               </a:defRPr>
             </a:lvl3pPr>
-            <a:lvl4pPr indent="0" lvl="3" marL="0" marR="0" algn="r">
+            <a:lvl4pPr marL="0" marR="0" lvl="3" indent="0" algn="r">
               <a:lnSpc>
                 <a:spcPct val="100000"/>
               </a:lnSpc>
@@ -10691,7 +10902,7 @@
               <a:buSzPts val="5760"/>
               <a:buFont typeface="Arial"/>
               <a:buNone/>
-              <a:defRPr b="0" i="0" sz="5760" u="none" cap="none" strike="noStrike">
+              <a:defRPr sz="5760" b="0" i="0" u="none" strike="noStrike" cap="none">
                 <a:solidFill>
                   <a:srgbClr val="888888"/>
                 </a:solidFill>
@@ -10701,7 +10912,7 @@
                 <a:sym typeface="Calibri"/>
               </a:defRPr>
             </a:lvl4pPr>
-            <a:lvl5pPr indent="0" lvl="4" marL="0" marR="0" algn="r">
+            <a:lvl5pPr marL="0" marR="0" lvl="4" indent="0" algn="r">
               <a:lnSpc>
                 <a:spcPct val="100000"/>
               </a:lnSpc>
@@ -10717,7 +10928,7 @@
               <a:buSzPts val="5760"/>
               <a:buFont typeface="Arial"/>
               <a:buNone/>
-              <a:defRPr b="0" i="0" sz="5760" u="none" cap="none" strike="noStrike">
+              <a:defRPr sz="5760" b="0" i="0" u="none" strike="noStrike" cap="none">
                 <a:solidFill>
                   <a:srgbClr val="888888"/>
                 </a:solidFill>
@@ -10727,7 +10938,7 @@
                 <a:sym typeface="Calibri"/>
               </a:defRPr>
             </a:lvl5pPr>
-            <a:lvl6pPr indent="0" lvl="5" marL="0" marR="0" algn="r">
+            <a:lvl6pPr marL="0" marR="0" lvl="5" indent="0" algn="r">
               <a:lnSpc>
                 <a:spcPct val="100000"/>
               </a:lnSpc>
@@ -10743,7 +10954,7 @@
               <a:buSzPts val="5760"/>
               <a:buFont typeface="Arial"/>
               <a:buNone/>
-              <a:defRPr b="0" i="0" sz="5760" u="none" cap="none" strike="noStrike">
+              <a:defRPr sz="5760" b="0" i="0" u="none" strike="noStrike" cap="none">
                 <a:solidFill>
                   <a:srgbClr val="888888"/>
                 </a:solidFill>
@@ -10753,7 +10964,7 @@
                 <a:sym typeface="Calibri"/>
               </a:defRPr>
             </a:lvl6pPr>
-            <a:lvl7pPr indent="0" lvl="6" marL="0" marR="0" algn="r">
+            <a:lvl7pPr marL="0" marR="0" lvl="6" indent="0" algn="r">
               <a:lnSpc>
                 <a:spcPct val="100000"/>
               </a:lnSpc>
@@ -10769,7 +10980,7 @@
               <a:buSzPts val="5760"/>
               <a:buFont typeface="Arial"/>
               <a:buNone/>
-              <a:defRPr b="0" i="0" sz="5760" u="none" cap="none" strike="noStrike">
+              <a:defRPr sz="5760" b="0" i="0" u="none" strike="noStrike" cap="none">
                 <a:solidFill>
                   <a:srgbClr val="888888"/>
                 </a:solidFill>
@@ -10779,7 +10990,7 @@
                 <a:sym typeface="Calibri"/>
               </a:defRPr>
             </a:lvl7pPr>
-            <a:lvl8pPr indent="0" lvl="7" marL="0" marR="0" algn="r">
+            <a:lvl8pPr marL="0" marR="0" lvl="7" indent="0" algn="r">
               <a:lnSpc>
                 <a:spcPct val="100000"/>
               </a:lnSpc>
@@ -10795,7 +11006,7 @@
               <a:buSzPts val="5760"/>
               <a:buFont typeface="Arial"/>
               <a:buNone/>
-              <a:defRPr b="0" i="0" sz="5760" u="none" cap="none" strike="noStrike">
+              <a:defRPr sz="5760" b="0" i="0" u="none" strike="noStrike" cap="none">
                 <a:solidFill>
                   <a:srgbClr val="888888"/>
                 </a:solidFill>
@@ -10805,7 +11016,7 @@
                 <a:sym typeface="Calibri"/>
               </a:defRPr>
             </a:lvl8pPr>
-            <a:lvl9pPr indent="0" lvl="8" marL="0" marR="0" algn="r">
+            <a:lvl9pPr marL="0" marR="0" lvl="8" indent="0" algn="r">
               <a:lnSpc>
                 <a:spcPct val="100000"/>
               </a:lnSpc>
@@ -10821,7 +11032,7 @@
               <a:buSzPts val="5760"/>
               <a:buFont typeface="Arial"/>
               <a:buNone/>
-              <a:defRPr b="0" i="0" sz="5760" u="none" cap="none" strike="noStrike">
+              <a:defRPr sz="5760" b="0" i="0" u="none" strike="noStrike" cap="none">
                 <a:solidFill>
                   <a:srgbClr val="888888"/>
                 </a:solidFill>
@@ -10833,7 +11044,7 @@
             </a:lvl9pPr>
           </a:lstStyle>
           <a:p>
-            <a:pPr indent="0" lvl="0" marL="0" rtl="0" algn="r">
+            <a:pPr marL="0" lvl="0" indent="0" algn="r" rtl="0">
               <a:spcBef>
                 <a:spcPts val="0"/>
               </a:spcBef>
@@ -10859,11 +11070,11 @@
 </file>
 
 <file path=ppt/slideLayouts/slideLayout9.xml><?xml version="1.0" encoding="utf-8"?>
-<p:sldLayout xmlns:a="http://schemas.openxmlformats.org/drawingml/2006/main" xmlns:r="http://schemas.openxmlformats.org/officeDocument/2006/relationships" xmlns:mc="http://schemas.openxmlformats.org/markup-compatibility/2006" xmlns:mv="urn:schemas-microsoft-com:mac:vml" xmlns:p="http://schemas.openxmlformats.org/presentationml/2006/main" xmlns:c="http://schemas.openxmlformats.org/drawingml/2006/chart" xmlns:dgm="http://schemas.openxmlformats.org/drawingml/2006/diagram" xmlns:o="urn:schemas-microsoft-com:office:office" xmlns:v="urn:schemas-microsoft-com:vml" xmlns:pvml="urn:schemas-microsoft-com:office:powerpoint" xmlns:com="http://schemas.openxmlformats.org/drawingml/2006/compatibility" xmlns:p14="http://schemas.microsoft.com/office/powerpoint/2010/main" xmlns:p15="http://schemas.microsoft.com/office/powerpoint/2012/main" matchingName="Picture with Caption" type="picTx">
+<p:sldLayout xmlns:a="http://schemas.openxmlformats.org/drawingml/2006/main" xmlns:r="http://schemas.openxmlformats.org/officeDocument/2006/relationships" xmlns:p="http://schemas.openxmlformats.org/presentationml/2006/main" matchingName="Picture with Caption" type="picTx">
   <p:cSld name="PICTURE_WITH_CAPTION_TEXT">
     <p:spTree>
       <p:nvGrpSpPr>
-        <p:cNvPr id="61" name="Shape 61"/>
+        <p:cNvPr id="1" name="Shape 61"/>
         <p:cNvGrpSpPr/>
         <p:nvPr/>
       </p:nvGrpSpPr>
@@ -10878,7 +11089,9 @@
       <p:sp>
         <p:nvSpPr>
           <p:cNvPr id="62" name="Google Shape;62;p10"/>
-          <p:cNvSpPr txBox="1"/>
+          <p:cNvSpPr txBox="1">
+            <a:spLocks noGrp="1"/>
+          </p:cNvSpPr>
           <p:nvPr>
             <p:ph type="title"/>
           </p:nvPr>
@@ -10897,7 +11110,7 @@
           </a:ln>
         </p:spPr>
         <p:txBody>
-          <a:bodyPr anchorCtr="0" anchor="b" bIns="45700" lIns="91425" spcFirstLastPara="1" rIns="91425" wrap="square" tIns="45700"/>
+          <a:bodyPr spcFirstLastPara="1" wrap="square" lIns="91425" tIns="45700" rIns="91425" bIns="45700" anchor="b" anchorCtr="0"/>
           <a:lstStyle>
             <a:lvl1pPr lvl="0" algn="l">
               <a:lnSpc>
@@ -11030,15 +11243,19 @@
               <a:defRPr/>
             </a:lvl9pPr>
           </a:lstStyle>
-          <a:p/>
+          <a:p>
+            <a:endParaRPr/>
+          </a:p>
         </p:txBody>
       </p:sp>
       <p:sp>
         <p:nvSpPr>
           <p:cNvPr id="63" name="Google Shape;63;p10"/>
-          <p:cNvSpPr/>
+          <p:cNvSpPr>
+            <a:spLocks noGrp="1"/>
+          </p:cNvSpPr>
           <p:nvPr>
-            <p:ph idx="2" type="pic"/>
+            <p:ph type="pic" idx="2"/>
           </p:nvPr>
         </p:nvSpPr>
         <p:spPr>
@@ -11055,9 +11272,9 @@
           </a:ln>
         </p:spPr>
         <p:txBody>
-          <a:bodyPr anchorCtr="0" anchor="t" bIns="45700" lIns="91425" spcFirstLastPara="1" rIns="91425" wrap="square" tIns="45700"/>
+          <a:bodyPr spcFirstLastPara="1" wrap="square" lIns="91425" tIns="45700" rIns="91425" bIns="45700" anchor="t" anchorCtr="0"/>
           <a:lstStyle>
-            <a:lvl1pPr lvl="0" marR="0" rtl="0" algn="l">
+            <a:lvl1pPr marR="0" lvl="0" algn="l" rtl="0">
               <a:lnSpc>
                 <a:spcPct val="90000"/>
               </a:lnSpc>
@@ -11073,7 +11290,7 @@
               <a:buSzPts val="15360"/>
               <a:buFont typeface="Arial"/>
               <a:buNone/>
-              <a:defRPr b="0" i="0" sz="15360" u="none" cap="none" strike="noStrike">
+              <a:defRPr sz="15360" b="0" i="0" u="none" strike="noStrike" cap="none">
                 <a:solidFill>
                   <a:schemeClr val="dk1"/>
                 </a:solidFill>
@@ -11083,7 +11300,7 @@
                 <a:sym typeface="Calibri"/>
               </a:defRPr>
             </a:lvl1pPr>
-            <a:lvl2pPr lvl="1" marR="0" rtl="0" algn="l">
+            <a:lvl2pPr marR="0" lvl="1" algn="l" rtl="0">
               <a:lnSpc>
                 <a:spcPct val="90000"/>
               </a:lnSpc>
@@ -11099,7 +11316,7 @@
               <a:buSzPts val="13440"/>
               <a:buFont typeface="Arial"/>
               <a:buNone/>
-              <a:defRPr b="0" i="0" sz="13439" u="none" cap="none" strike="noStrike">
+              <a:defRPr sz="13439" b="0" i="0" u="none" strike="noStrike" cap="none">
                 <a:solidFill>
                   <a:schemeClr val="dk1"/>
                 </a:solidFill>
@@ -11109,7 +11326,7 @@
                 <a:sym typeface="Calibri"/>
               </a:defRPr>
             </a:lvl2pPr>
-            <a:lvl3pPr lvl="2" marR="0" rtl="0" algn="l">
+            <a:lvl3pPr marR="0" lvl="2" algn="l" rtl="0">
               <a:lnSpc>
                 <a:spcPct val="90000"/>
               </a:lnSpc>
@@ -11125,7 +11342,7 @@
               <a:buSzPts val="11520"/>
               <a:buFont typeface="Arial"/>
               <a:buNone/>
-              <a:defRPr b="0" i="0" sz="11520" u="none" cap="none" strike="noStrike">
+              <a:defRPr sz="11520" b="0" i="0" u="none" strike="noStrike" cap="none">
                 <a:solidFill>
                   <a:schemeClr val="dk1"/>
                 </a:solidFill>
@@ -11135,7 +11352,7 @@
                 <a:sym typeface="Calibri"/>
               </a:defRPr>
             </a:lvl3pPr>
-            <a:lvl4pPr lvl="3" marR="0" rtl="0" algn="l">
+            <a:lvl4pPr marR="0" lvl="3" algn="l" rtl="0">
               <a:lnSpc>
                 <a:spcPct val="90000"/>
               </a:lnSpc>
@@ -11151,7 +11368,7 @@
               <a:buSzPts val="9600"/>
               <a:buFont typeface="Arial"/>
               <a:buNone/>
-              <a:defRPr b="0" i="0" sz="9600" u="none" cap="none" strike="noStrike">
+              <a:defRPr sz="9600" b="0" i="0" u="none" strike="noStrike" cap="none">
                 <a:solidFill>
                   <a:schemeClr val="dk1"/>
                 </a:solidFill>
@@ -11161,7 +11378,7 @@
                 <a:sym typeface="Calibri"/>
               </a:defRPr>
             </a:lvl4pPr>
-            <a:lvl5pPr lvl="4" marR="0" rtl="0" algn="l">
+            <a:lvl5pPr marR="0" lvl="4" algn="l" rtl="0">
               <a:lnSpc>
                 <a:spcPct val="90000"/>
               </a:lnSpc>
@@ -11177,7 +11394,7 @@
               <a:buSzPts val="9600"/>
               <a:buFont typeface="Arial"/>
               <a:buNone/>
-              <a:defRPr b="0" i="0" sz="9600" u="none" cap="none" strike="noStrike">
+              <a:defRPr sz="9600" b="0" i="0" u="none" strike="noStrike" cap="none">
                 <a:solidFill>
                   <a:schemeClr val="dk1"/>
                 </a:solidFill>
@@ -11187,7 +11404,7 @@
                 <a:sym typeface="Calibri"/>
               </a:defRPr>
             </a:lvl5pPr>
-            <a:lvl6pPr lvl="5" marR="0" rtl="0" algn="l">
+            <a:lvl6pPr marR="0" lvl="5" algn="l" rtl="0">
               <a:lnSpc>
                 <a:spcPct val="90000"/>
               </a:lnSpc>
@@ -11203,7 +11420,7 @@
               <a:buSzPts val="9600"/>
               <a:buFont typeface="Arial"/>
               <a:buNone/>
-              <a:defRPr b="0" i="0" sz="9600" u="none" cap="none" strike="noStrike">
+              <a:defRPr sz="9600" b="0" i="0" u="none" strike="noStrike" cap="none">
                 <a:solidFill>
                   <a:schemeClr val="dk1"/>
                 </a:solidFill>
@@ -11213,7 +11430,7 @@
                 <a:sym typeface="Calibri"/>
               </a:defRPr>
             </a:lvl6pPr>
-            <a:lvl7pPr lvl="6" marR="0" rtl="0" algn="l">
+            <a:lvl7pPr marR="0" lvl="6" algn="l" rtl="0">
               <a:lnSpc>
                 <a:spcPct val="90000"/>
               </a:lnSpc>
@@ -11229,7 +11446,7 @@
               <a:buSzPts val="9600"/>
               <a:buFont typeface="Arial"/>
               <a:buNone/>
-              <a:defRPr b="0" i="0" sz="9600" u="none" cap="none" strike="noStrike">
+              <a:defRPr sz="9600" b="0" i="0" u="none" strike="noStrike" cap="none">
                 <a:solidFill>
                   <a:schemeClr val="dk1"/>
                 </a:solidFill>
@@ -11239,7 +11456,7 @@
                 <a:sym typeface="Calibri"/>
               </a:defRPr>
             </a:lvl7pPr>
-            <a:lvl8pPr lvl="7" marR="0" rtl="0" algn="l">
+            <a:lvl8pPr marR="0" lvl="7" algn="l" rtl="0">
               <a:lnSpc>
                 <a:spcPct val="90000"/>
               </a:lnSpc>
@@ -11255,7 +11472,7 @@
               <a:buSzPts val="9600"/>
               <a:buFont typeface="Arial"/>
               <a:buNone/>
-              <a:defRPr b="0" i="0" sz="9600" u="none" cap="none" strike="noStrike">
+              <a:defRPr sz="9600" b="0" i="0" u="none" strike="noStrike" cap="none">
                 <a:solidFill>
                   <a:schemeClr val="dk1"/>
                 </a:solidFill>
@@ -11265,7 +11482,7 @@
                 <a:sym typeface="Calibri"/>
               </a:defRPr>
             </a:lvl8pPr>
-            <a:lvl9pPr lvl="8" marR="0" rtl="0" algn="l">
+            <a:lvl9pPr marR="0" lvl="8" algn="l" rtl="0">
               <a:lnSpc>
                 <a:spcPct val="90000"/>
               </a:lnSpc>
@@ -11281,7 +11498,7 @@
               <a:buSzPts val="9600"/>
               <a:buFont typeface="Arial"/>
               <a:buNone/>
-              <a:defRPr b="0" i="0" sz="9600" u="none" cap="none" strike="noStrike">
+              <a:defRPr sz="9600" b="0" i="0" u="none" strike="noStrike" cap="none">
                 <a:solidFill>
                   <a:schemeClr val="dk1"/>
                 </a:solidFill>
@@ -11292,15 +11509,19 @@
               </a:defRPr>
             </a:lvl9pPr>
           </a:lstStyle>
-          <a:p/>
+          <a:p>
+            <a:endParaRPr/>
+          </a:p>
         </p:txBody>
       </p:sp>
       <p:sp>
         <p:nvSpPr>
           <p:cNvPr id="64" name="Google Shape;64;p10"/>
-          <p:cNvSpPr txBox="1"/>
+          <p:cNvSpPr txBox="1">
+            <a:spLocks noGrp="1"/>
+          </p:cNvSpPr>
           <p:nvPr>
-            <p:ph idx="1" type="body"/>
+            <p:ph type="body" idx="1"/>
           </p:nvPr>
         </p:nvSpPr>
         <p:spPr>
@@ -11317,9 +11538,9 @@
           </a:ln>
         </p:spPr>
         <p:txBody>
-          <a:bodyPr anchorCtr="0" anchor="t" bIns="45700" lIns="91425" spcFirstLastPara="1" rIns="91425" wrap="square" tIns="45700"/>
+          <a:bodyPr spcFirstLastPara="1" wrap="square" lIns="91425" tIns="45700" rIns="91425" bIns="45700" anchor="t" anchorCtr="0"/>
           <a:lstStyle>
-            <a:lvl1pPr indent="-228600" lvl="0" marL="457200" algn="l">
+            <a:lvl1pPr marL="457200" lvl="0" indent="-228600" algn="l">
               <a:lnSpc>
                 <a:spcPct val="90000"/>
               </a:lnSpc>
@@ -11336,7 +11557,7 @@
               <a:buNone/>
               <a:defRPr sz="7680"/>
             </a:lvl1pPr>
-            <a:lvl2pPr indent="-228600" lvl="1" marL="914400" algn="l">
+            <a:lvl2pPr marL="914400" lvl="1" indent="-228600" algn="l">
               <a:lnSpc>
                 <a:spcPct val="90000"/>
               </a:lnSpc>
@@ -11353,7 +11574,7 @@
               <a:buNone/>
               <a:defRPr sz="6719"/>
             </a:lvl2pPr>
-            <a:lvl3pPr indent="-228600" lvl="2" marL="1371600" algn="l">
+            <a:lvl3pPr marL="1371600" lvl="2" indent="-228600" algn="l">
               <a:lnSpc>
                 <a:spcPct val="90000"/>
               </a:lnSpc>
@@ -11370,7 +11591,7 @@
               <a:buNone/>
               <a:defRPr sz="5760"/>
             </a:lvl3pPr>
-            <a:lvl4pPr indent="-228600" lvl="3" marL="1828800" algn="l">
+            <a:lvl4pPr marL="1828800" lvl="3" indent="-228600" algn="l">
               <a:lnSpc>
                 <a:spcPct val="90000"/>
               </a:lnSpc>
@@ -11387,7 +11608,7 @@
               <a:buNone/>
               <a:defRPr sz="4800"/>
             </a:lvl4pPr>
-            <a:lvl5pPr indent="-228600" lvl="4" marL="2286000" algn="l">
+            <a:lvl5pPr marL="2286000" lvl="4" indent="-228600" algn="l">
               <a:lnSpc>
                 <a:spcPct val="90000"/>
               </a:lnSpc>
@@ -11404,7 +11625,7 @@
               <a:buNone/>
               <a:defRPr sz="4800"/>
             </a:lvl5pPr>
-            <a:lvl6pPr indent="-228600" lvl="5" marL="2743200" algn="l">
+            <a:lvl6pPr marL="2743200" lvl="5" indent="-228600" algn="l">
               <a:lnSpc>
                 <a:spcPct val="90000"/>
               </a:lnSpc>
@@ -11421,7 +11642,7 @@
               <a:buNone/>
               <a:defRPr sz="4800"/>
             </a:lvl6pPr>
-            <a:lvl7pPr indent="-228600" lvl="6" marL="3200400" algn="l">
+            <a:lvl7pPr marL="3200400" lvl="6" indent="-228600" algn="l">
               <a:lnSpc>
                 <a:spcPct val="90000"/>
               </a:lnSpc>
@@ -11438,7 +11659,7 @@
               <a:buNone/>
               <a:defRPr sz="4800"/>
             </a:lvl7pPr>
-            <a:lvl8pPr indent="-228600" lvl="7" marL="3657600" algn="l">
+            <a:lvl8pPr marL="3657600" lvl="7" indent="-228600" algn="l">
               <a:lnSpc>
                 <a:spcPct val="90000"/>
               </a:lnSpc>
@@ -11455,7 +11676,7 @@
               <a:buNone/>
               <a:defRPr sz="4800"/>
             </a:lvl8pPr>
-            <a:lvl9pPr indent="-228600" lvl="8" marL="4114800" algn="l">
+            <a:lvl9pPr marL="4114800" lvl="8" indent="-228600" algn="l">
               <a:lnSpc>
                 <a:spcPct val="90000"/>
               </a:lnSpc>
@@ -11473,15 +11694,19 @@
               <a:defRPr sz="4800"/>
             </a:lvl9pPr>
           </a:lstStyle>
-          <a:p/>
+          <a:p>
+            <a:endParaRPr/>
+          </a:p>
         </p:txBody>
       </p:sp>
       <p:sp>
         <p:nvSpPr>
           <p:cNvPr id="65" name="Google Shape;65;p10"/>
-          <p:cNvSpPr txBox="1"/>
+          <p:cNvSpPr txBox="1">
+            <a:spLocks noGrp="1"/>
+          </p:cNvSpPr>
           <p:nvPr>
-            <p:ph idx="10" type="dt"/>
+            <p:ph type="dt" idx="10"/>
           </p:nvPr>
         </p:nvSpPr>
         <p:spPr>
@@ -11498,7 +11723,7 @@
           </a:ln>
         </p:spPr>
         <p:txBody>
-          <a:bodyPr anchorCtr="0" anchor="ctr" bIns="45700" lIns="91425" spcFirstLastPara="1" rIns="91425" wrap="square" tIns="45700"/>
+          <a:bodyPr spcFirstLastPara="1" wrap="square" lIns="91425" tIns="45700" rIns="91425" bIns="45700" anchor="ctr" anchorCtr="0"/>
           <a:lstStyle>
             <a:lvl1pPr lvl="0" algn="l">
               <a:lnSpc>
@@ -11627,15 +11852,19 @@
               <a:defRPr/>
             </a:lvl9pPr>
           </a:lstStyle>
-          <a:p/>
+          <a:p>
+            <a:endParaRPr/>
+          </a:p>
         </p:txBody>
       </p:sp>
       <p:sp>
         <p:nvSpPr>
           <p:cNvPr id="66" name="Google Shape;66;p10"/>
-          <p:cNvSpPr txBox="1"/>
+          <p:cNvSpPr txBox="1">
+            <a:spLocks noGrp="1"/>
+          </p:cNvSpPr>
           <p:nvPr>
-            <p:ph idx="11" type="ftr"/>
+            <p:ph type="ftr" idx="11"/>
           </p:nvPr>
         </p:nvSpPr>
         <p:spPr>
@@ -11652,7 +11881,7 @@
           </a:ln>
         </p:spPr>
         <p:txBody>
-          <a:bodyPr anchorCtr="0" anchor="ctr" bIns="45700" lIns="91425" spcFirstLastPara="1" rIns="91425" wrap="square" tIns="45700"/>
+          <a:bodyPr spcFirstLastPara="1" wrap="square" lIns="91425" tIns="45700" rIns="91425" bIns="45700" anchor="ctr" anchorCtr="0"/>
           <a:lstStyle>
             <a:lvl1pPr lvl="0" algn="ctr">
               <a:lnSpc>
@@ -11781,15 +12010,19 @@
               <a:defRPr/>
             </a:lvl9pPr>
           </a:lstStyle>
-          <a:p/>
+          <a:p>
+            <a:endParaRPr/>
+          </a:p>
         </p:txBody>
       </p:sp>
       <p:sp>
         <p:nvSpPr>
           <p:cNvPr id="67" name="Google Shape;67;p10"/>
-          <p:cNvSpPr txBox="1"/>
+          <p:cNvSpPr txBox="1">
+            <a:spLocks noGrp="1"/>
+          </p:cNvSpPr>
           <p:nvPr>
-            <p:ph idx="12" type="sldNum"/>
+            <p:ph type="sldNum" idx="12"/>
           </p:nvPr>
         </p:nvSpPr>
         <p:spPr>
@@ -11806,11 +12039,11 @@
           </a:ln>
         </p:spPr>
         <p:txBody>
-          <a:bodyPr anchorCtr="0" anchor="ctr" bIns="45700" lIns="91425" spcFirstLastPara="1" rIns="91425" wrap="square" tIns="45700">
+          <a:bodyPr spcFirstLastPara="1" wrap="square" lIns="91425" tIns="45700" rIns="91425" bIns="45700" anchor="ctr" anchorCtr="0">
             <a:noAutofit/>
           </a:bodyPr>
           <a:lstStyle>
-            <a:lvl1pPr indent="0" lvl="0" marL="0" marR="0" algn="r">
+            <a:lvl1pPr marL="0" marR="0" lvl="0" indent="0" algn="r">
               <a:lnSpc>
                 <a:spcPct val="100000"/>
               </a:lnSpc>
@@ -11826,7 +12059,7 @@
               <a:buSzPts val="5760"/>
               <a:buFont typeface="Arial"/>
               <a:buNone/>
-              <a:defRPr b="0" i="0" sz="5760" u="none" cap="none" strike="noStrike">
+              <a:defRPr sz="5760" b="0" i="0" u="none" strike="noStrike" cap="none">
                 <a:solidFill>
                   <a:srgbClr val="888888"/>
                 </a:solidFill>
@@ -11836,7 +12069,7 @@
                 <a:sym typeface="Calibri"/>
               </a:defRPr>
             </a:lvl1pPr>
-            <a:lvl2pPr indent="0" lvl="1" marL="0" marR="0" algn="r">
+            <a:lvl2pPr marL="0" marR="0" lvl="1" indent="0" algn="r">
               <a:lnSpc>
                 <a:spcPct val="100000"/>
               </a:lnSpc>
@@ -11852,7 +12085,7 @@
               <a:buSzPts val="5760"/>
               <a:buFont typeface="Arial"/>
               <a:buNone/>
-              <a:defRPr b="0" i="0" sz="5760" u="none" cap="none" strike="noStrike">
+              <a:defRPr sz="5760" b="0" i="0" u="none" strike="noStrike" cap="none">
                 <a:solidFill>
                   <a:srgbClr val="888888"/>
                 </a:solidFill>
@@ -11862,7 +12095,7 @@
                 <a:sym typeface="Calibri"/>
               </a:defRPr>
             </a:lvl2pPr>
-            <a:lvl3pPr indent="0" lvl="2" marL="0" marR="0" algn="r">
+            <a:lvl3pPr marL="0" marR="0" lvl="2" indent="0" algn="r">
               <a:lnSpc>
                 <a:spcPct val="100000"/>
               </a:lnSpc>
@@ -11878,7 +12111,7 @@
               <a:buSzPts val="5760"/>
               <a:buFont typeface="Arial"/>
               <a:buNone/>
-              <a:defRPr b="0" i="0" sz="5760" u="none" cap="none" strike="noStrike">
+              <a:defRPr sz="5760" b="0" i="0" u="none" strike="noStrike" cap="none">
                 <a:solidFill>
                   <a:srgbClr val="888888"/>
                 </a:solidFill>
@@ -11888,7 +12121,7 @@
                 <a:sym typeface="Calibri"/>
               </a:defRPr>
             </a:lvl3pPr>
-            <a:lvl4pPr indent="0" lvl="3" marL="0" marR="0" algn="r">
+            <a:lvl4pPr marL="0" marR="0" lvl="3" indent="0" algn="r">
               <a:lnSpc>
                 <a:spcPct val="100000"/>
               </a:lnSpc>
@@ -11904,7 +12137,7 @@
               <a:buSzPts val="5760"/>
               <a:buFont typeface="Arial"/>
               <a:buNone/>
-              <a:defRPr b="0" i="0" sz="5760" u="none" cap="none" strike="noStrike">
+              <a:defRPr sz="5760" b="0" i="0" u="none" strike="noStrike" cap="none">
                 <a:solidFill>
                   <a:srgbClr val="888888"/>
                 </a:solidFill>
@@ -11914,7 +12147,7 @@
                 <a:sym typeface="Calibri"/>
               </a:defRPr>
             </a:lvl4pPr>
-            <a:lvl5pPr indent="0" lvl="4" marL="0" marR="0" algn="r">
+            <a:lvl5pPr marL="0" marR="0" lvl="4" indent="0" algn="r">
               <a:lnSpc>
                 <a:spcPct val="100000"/>
               </a:lnSpc>
@@ -11930,7 +12163,7 @@
               <a:buSzPts val="5760"/>
               <a:buFont typeface="Arial"/>
               <a:buNone/>
-              <a:defRPr b="0" i="0" sz="5760" u="none" cap="none" strike="noStrike">
+              <a:defRPr sz="5760" b="0" i="0" u="none" strike="noStrike" cap="none">
                 <a:solidFill>
                   <a:srgbClr val="888888"/>
                 </a:solidFill>
@@ -11940,7 +12173,7 @@
                 <a:sym typeface="Calibri"/>
               </a:defRPr>
             </a:lvl5pPr>
-            <a:lvl6pPr indent="0" lvl="5" marL="0" marR="0" algn="r">
+            <a:lvl6pPr marL="0" marR="0" lvl="5" indent="0" algn="r">
               <a:lnSpc>
                 <a:spcPct val="100000"/>
               </a:lnSpc>
@@ -11956,7 +12189,7 @@
               <a:buSzPts val="5760"/>
               <a:buFont typeface="Arial"/>
               <a:buNone/>
-              <a:defRPr b="0" i="0" sz="5760" u="none" cap="none" strike="noStrike">
+              <a:defRPr sz="5760" b="0" i="0" u="none" strike="noStrike" cap="none">
                 <a:solidFill>
                   <a:srgbClr val="888888"/>
                 </a:solidFill>
@@ -11966,7 +12199,7 @@
                 <a:sym typeface="Calibri"/>
               </a:defRPr>
             </a:lvl6pPr>
-            <a:lvl7pPr indent="0" lvl="6" marL="0" marR="0" algn="r">
+            <a:lvl7pPr marL="0" marR="0" lvl="6" indent="0" algn="r">
               <a:lnSpc>
                 <a:spcPct val="100000"/>
               </a:lnSpc>
@@ -11982,7 +12215,7 @@
               <a:buSzPts val="5760"/>
               <a:buFont typeface="Arial"/>
               <a:buNone/>
-              <a:defRPr b="0" i="0" sz="5760" u="none" cap="none" strike="noStrike">
+              <a:defRPr sz="5760" b="0" i="0" u="none" strike="noStrike" cap="none">
                 <a:solidFill>
                   <a:srgbClr val="888888"/>
                 </a:solidFill>
@@ -11992,7 +12225,7 @@
                 <a:sym typeface="Calibri"/>
               </a:defRPr>
             </a:lvl7pPr>
-            <a:lvl8pPr indent="0" lvl="7" marL="0" marR="0" algn="r">
+            <a:lvl8pPr marL="0" marR="0" lvl="7" indent="0" algn="r">
               <a:lnSpc>
                 <a:spcPct val="100000"/>
               </a:lnSpc>
@@ -12008,7 +12241,7 @@
               <a:buSzPts val="5760"/>
               <a:buFont typeface="Arial"/>
               <a:buNone/>
-              <a:defRPr b="0" i="0" sz="5760" u="none" cap="none" strike="noStrike">
+              <a:defRPr sz="5760" b="0" i="0" u="none" strike="noStrike" cap="none">
                 <a:solidFill>
                   <a:srgbClr val="888888"/>
                 </a:solidFill>
@@ -12018,7 +12251,7 @@
                 <a:sym typeface="Calibri"/>
               </a:defRPr>
             </a:lvl8pPr>
-            <a:lvl9pPr indent="0" lvl="8" marL="0" marR="0" algn="r">
+            <a:lvl9pPr marL="0" marR="0" lvl="8" indent="0" algn="r">
               <a:lnSpc>
                 <a:spcPct val="100000"/>
               </a:lnSpc>
@@ -12034,7 +12267,7 @@
               <a:buSzPts val="5760"/>
               <a:buFont typeface="Arial"/>
               <a:buNone/>
-              <a:defRPr b="0" i="0" sz="5760" u="none" cap="none" strike="noStrike">
+              <a:defRPr sz="5760" b="0" i="0" u="none" strike="noStrike" cap="none">
                 <a:solidFill>
                   <a:srgbClr val="888888"/>
                 </a:solidFill>
@@ -12046,7 +12279,7 @@
             </a:lvl9pPr>
           </a:lstStyle>
           <a:p>
-            <a:pPr indent="0" lvl="0" marL="0" rtl="0" algn="r">
+            <a:pPr marL="0" lvl="0" indent="0" algn="r" rtl="0">
               <a:spcBef>
                 <a:spcPts val="0"/>
               </a:spcBef>
@@ -12072,18 +12305,19 @@
 </file>
 
 <file path=ppt/slideMasters/slideMaster1.xml><?xml version="1.0" encoding="utf-8"?>
-<p:sldMaster xmlns:a="http://schemas.openxmlformats.org/drawingml/2006/main" xmlns:r="http://schemas.openxmlformats.org/officeDocument/2006/relationships" xmlns:mc="http://schemas.openxmlformats.org/markup-compatibility/2006" xmlns:mv="urn:schemas-microsoft-com:mac:vml" xmlns:p="http://schemas.openxmlformats.org/presentationml/2006/main" xmlns:c="http://schemas.openxmlformats.org/drawingml/2006/chart" xmlns:dgm="http://schemas.openxmlformats.org/drawingml/2006/diagram" xmlns:o="urn:schemas-microsoft-com:office:office" xmlns:v="urn:schemas-microsoft-com:vml" xmlns:pvml="urn:schemas-microsoft-com:office:powerpoint" xmlns:com="http://schemas.openxmlformats.org/drawingml/2006/compatibility" xmlns:p14="http://schemas.microsoft.com/office/powerpoint/2010/main" xmlns:p15="http://schemas.microsoft.com/office/powerpoint/2012/main">
+<p:sldMaster xmlns:a="http://schemas.openxmlformats.org/drawingml/2006/main" xmlns:r="http://schemas.openxmlformats.org/officeDocument/2006/relationships" xmlns:p="http://schemas.openxmlformats.org/presentationml/2006/main">
   <p:cSld>
     <p:bg>
       <p:bgPr>
         <a:solidFill>
           <a:schemeClr val="lt1"/>
         </a:solidFill>
+        <a:effectLst/>
       </p:bgPr>
     </p:bg>
     <p:spTree>
       <p:nvGrpSpPr>
-        <p:cNvPr id="5" name="Shape 5"/>
+        <p:cNvPr id="1" name="Shape 5"/>
         <p:cNvGrpSpPr/>
         <p:nvPr/>
       </p:nvGrpSpPr>
@@ -12098,7 +12332,9 @@
       <p:sp>
         <p:nvSpPr>
           <p:cNvPr id="6" name="Google Shape;6;p1"/>
-          <p:cNvSpPr txBox="1"/>
+          <p:cNvSpPr txBox="1">
+            <a:spLocks noGrp="1"/>
+          </p:cNvSpPr>
           <p:nvPr>
             <p:ph type="title"/>
           </p:nvPr>
@@ -12117,9 +12353,9 @@
           </a:ln>
         </p:spPr>
         <p:txBody>
-          <a:bodyPr anchorCtr="0" anchor="ctr" bIns="45700" lIns="91425" spcFirstLastPara="1" rIns="91425" wrap="square" tIns="45700"/>
+          <a:bodyPr spcFirstLastPara="1" wrap="square" lIns="91425" tIns="45700" rIns="91425" bIns="45700" anchor="ctr" anchorCtr="0"/>
           <a:lstStyle>
-            <a:lvl1pPr lvl="0" marR="0" rtl="0" algn="l">
+            <a:lvl1pPr marR="0" lvl="0" algn="l" rtl="0">
               <a:lnSpc>
                 <a:spcPct val="90000"/>
               </a:lnSpc>
@@ -12135,7 +12371,7 @@
               <a:buSzPts val="21120"/>
               <a:buFont typeface="Calibri"/>
               <a:buNone/>
-              <a:defRPr b="0" i="0" sz="21120" u="none" cap="none" strike="noStrike">
+              <a:defRPr sz="21120" b="0" i="0" u="none" strike="noStrike" cap="none">
                 <a:solidFill>
                   <a:schemeClr val="dk1"/>
                 </a:solidFill>
@@ -12145,23 +12381,23 @@
                 <a:sym typeface="Calibri"/>
               </a:defRPr>
             </a:lvl1pPr>
-            <a:lvl2pPr lvl="1" marR="0" rtl="0" algn="l">
-              <a:lnSpc>
-                <a:spcPct val="100000"/>
-              </a:lnSpc>
-              <a:spcBef>
-                <a:spcPts val="0"/>
-              </a:spcBef>
-              <a:spcAft>
-                <a:spcPts val="0"/>
-              </a:spcAft>
-              <a:buClr>
-                <a:srgbClr val="000000"/>
-              </a:buClr>
-              <a:buSzPts val="1400"/>
-              <a:buFont typeface="Arial"/>
-              <a:buNone/>
-              <a:defRPr b="0" i="0" sz="1800" u="none" cap="none" strike="noStrike">
+            <a:lvl2pPr marR="0" lvl="1" algn="l" rtl="0">
+              <a:lnSpc>
+                <a:spcPct val="100000"/>
+              </a:lnSpc>
+              <a:spcBef>
+                <a:spcPts val="0"/>
+              </a:spcBef>
+              <a:spcAft>
+                <a:spcPts val="0"/>
+              </a:spcAft>
+              <a:buClr>
+                <a:srgbClr val="000000"/>
+              </a:buClr>
+              <a:buSzPts val="1400"/>
+              <a:buFont typeface="Arial"/>
+              <a:buNone/>
+              <a:defRPr sz="1800" b="0" i="0" u="none" strike="noStrike" cap="none">
                 <a:solidFill>
                   <a:srgbClr val="000000"/>
                 </a:solidFill>
@@ -12171,23 +12407,23 @@
                 <a:sym typeface="Arial"/>
               </a:defRPr>
             </a:lvl2pPr>
-            <a:lvl3pPr lvl="2" marR="0" rtl="0" algn="l">
-              <a:lnSpc>
-                <a:spcPct val="100000"/>
-              </a:lnSpc>
-              <a:spcBef>
-                <a:spcPts val="0"/>
-              </a:spcBef>
-              <a:spcAft>
-                <a:spcPts val="0"/>
-              </a:spcAft>
-              <a:buClr>
-                <a:srgbClr val="000000"/>
-              </a:buClr>
-              <a:buSzPts val="1400"/>
-              <a:buFont typeface="Arial"/>
-              <a:buNone/>
-              <a:defRPr b="0" i="0" sz="1800" u="none" cap="none" strike="noStrike">
+            <a:lvl3pPr marR="0" lvl="2" algn="l" rtl="0">
+              <a:lnSpc>
+                <a:spcPct val="100000"/>
+              </a:lnSpc>
+              <a:spcBef>
+                <a:spcPts val="0"/>
+              </a:spcBef>
+              <a:spcAft>
+                <a:spcPts val="0"/>
+              </a:spcAft>
+              <a:buClr>
+                <a:srgbClr val="000000"/>
+              </a:buClr>
+              <a:buSzPts val="1400"/>
+              <a:buFont typeface="Arial"/>
+              <a:buNone/>
+              <a:defRPr sz="1800" b="0" i="0" u="none" strike="noStrike" cap="none">
                 <a:solidFill>
                   <a:srgbClr val="000000"/>
                 </a:solidFill>
@@ -12197,23 +12433,23 @@
                 <a:sym typeface="Arial"/>
               </a:defRPr>
             </a:lvl3pPr>
-            <a:lvl4pPr lvl="3" marR="0" rtl="0" algn="l">
-              <a:lnSpc>
-                <a:spcPct val="100000"/>
-              </a:lnSpc>
-              <a:spcBef>
-                <a:spcPts val="0"/>
-              </a:spcBef>
-              <a:spcAft>
-                <a:spcPts val="0"/>
-              </a:spcAft>
-              <a:buClr>
-                <a:srgbClr val="000000"/>
-              </a:buClr>
-              <a:buSzPts val="1400"/>
-              <a:buFont typeface="Arial"/>
-              <a:buNone/>
-              <a:defRPr b="0" i="0" sz="1800" u="none" cap="none" strike="noStrike">
+            <a:lvl4pPr marR="0" lvl="3" algn="l" rtl="0">
+              <a:lnSpc>
+                <a:spcPct val="100000"/>
+              </a:lnSpc>
+              <a:spcBef>
+                <a:spcPts val="0"/>
+              </a:spcBef>
+              <a:spcAft>
+                <a:spcPts val="0"/>
+              </a:spcAft>
+              <a:buClr>
+                <a:srgbClr val="000000"/>
+              </a:buClr>
+              <a:buSzPts val="1400"/>
+              <a:buFont typeface="Arial"/>
+              <a:buNone/>
+              <a:defRPr sz="1800" b="0" i="0" u="none" strike="noStrike" cap="none">
                 <a:solidFill>
                   <a:srgbClr val="000000"/>
                 </a:solidFill>
@@ -12223,23 +12459,23 @@
                 <a:sym typeface="Arial"/>
               </a:defRPr>
             </a:lvl4pPr>
-            <a:lvl5pPr lvl="4" marR="0" rtl="0" algn="l">
-              <a:lnSpc>
-                <a:spcPct val="100000"/>
-              </a:lnSpc>
-              <a:spcBef>
-                <a:spcPts val="0"/>
-              </a:spcBef>
-              <a:spcAft>
-                <a:spcPts val="0"/>
-              </a:spcAft>
-              <a:buClr>
-                <a:srgbClr val="000000"/>
-              </a:buClr>
-              <a:buSzPts val="1400"/>
-              <a:buFont typeface="Arial"/>
-              <a:buNone/>
-              <a:defRPr b="0" i="0" sz="1800" u="none" cap="none" strike="noStrike">
+            <a:lvl5pPr marR="0" lvl="4" algn="l" rtl="0">
+              <a:lnSpc>
+                <a:spcPct val="100000"/>
+              </a:lnSpc>
+              <a:spcBef>
+                <a:spcPts val="0"/>
+              </a:spcBef>
+              <a:spcAft>
+                <a:spcPts val="0"/>
+              </a:spcAft>
+              <a:buClr>
+                <a:srgbClr val="000000"/>
+              </a:buClr>
+              <a:buSzPts val="1400"/>
+              <a:buFont typeface="Arial"/>
+              <a:buNone/>
+              <a:defRPr sz="1800" b="0" i="0" u="none" strike="noStrike" cap="none">
                 <a:solidFill>
                   <a:srgbClr val="000000"/>
                 </a:solidFill>
@@ -12249,23 +12485,23 @@
                 <a:sym typeface="Arial"/>
               </a:defRPr>
             </a:lvl5pPr>
-            <a:lvl6pPr lvl="5" marR="0" rtl="0" algn="l">
-              <a:lnSpc>
-                <a:spcPct val="100000"/>
-              </a:lnSpc>
-              <a:spcBef>
-                <a:spcPts val="0"/>
-              </a:spcBef>
-              <a:spcAft>
-                <a:spcPts val="0"/>
-              </a:spcAft>
-              <a:buClr>
-                <a:srgbClr val="000000"/>
-              </a:buClr>
-              <a:buSzPts val="1400"/>
-              <a:buFont typeface="Arial"/>
-              <a:buNone/>
-              <a:defRPr b="0" i="0" sz="1800" u="none" cap="none" strike="noStrike">
+            <a:lvl6pPr marR="0" lvl="5" algn="l" rtl="0">
+              <a:lnSpc>
+                <a:spcPct val="100000"/>
+              </a:lnSpc>
+              <a:spcBef>
+                <a:spcPts val="0"/>
+              </a:spcBef>
+              <a:spcAft>
+                <a:spcPts val="0"/>
+              </a:spcAft>
+              <a:buClr>
+                <a:srgbClr val="000000"/>
+              </a:buClr>
+              <a:buSzPts val="1400"/>
+              <a:buFont typeface="Arial"/>
+              <a:buNone/>
+              <a:defRPr sz="1800" b="0" i="0" u="none" strike="noStrike" cap="none">
                 <a:solidFill>
                   <a:srgbClr val="000000"/>
                 </a:solidFill>
@@ -12275,23 +12511,23 @@
                 <a:sym typeface="Arial"/>
               </a:defRPr>
             </a:lvl6pPr>
-            <a:lvl7pPr lvl="6" marR="0" rtl="0" algn="l">
-              <a:lnSpc>
-                <a:spcPct val="100000"/>
-              </a:lnSpc>
-              <a:spcBef>
-                <a:spcPts val="0"/>
-              </a:spcBef>
-              <a:spcAft>
-                <a:spcPts val="0"/>
-              </a:spcAft>
-              <a:buClr>
-                <a:srgbClr val="000000"/>
-              </a:buClr>
-              <a:buSzPts val="1400"/>
-              <a:buFont typeface="Arial"/>
-              <a:buNone/>
-              <a:defRPr b="0" i="0" sz="1800" u="none" cap="none" strike="noStrike">
+            <a:lvl7pPr marR="0" lvl="6" algn="l" rtl="0">
+              <a:lnSpc>
+                <a:spcPct val="100000"/>
+              </a:lnSpc>
+              <a:spcBef>
+                <a:spcPts val="0"/>
+              </a:spcBef>
+              <a:spcAft>
+                <a:spcPts val="0"/>
+              </a:spcAft>
+              <a:buClr>
+                <a:srgbClr val="000000"/>
+              </a:buClr>
+              <a:buSzPts val="1400"/>
+              <a:buFont typeface="Arial"/>
+              <a:buNone/>
+              <a:defRPr sz="1800" b="0" i="0" u="none" strike="noStrike" cap="none">
                 <a:solidFill>
                   <a:srgbClr val="000000"/>
                 </a:solidFill>
@@ -12301,23 +12537,23 @@
                 <a:sym typeface="Arial"/>
               </a:defRPr>
             </a:lvl7pPr>
-            <a:lvl8pPr lvl="7" marR="0" rtl="0" algn="l">
-              <a:lnSpc>
-                <a:spcPct val="100000"/>
-              </a:lnSpc>
-              <a:spcBef>
-                <a:spcPts val="0"/>
-              </a:spcBef>
-              <a:spcAft>
-                <a:spcPts val="0"/>
-              </a:spcAft>
-              <a:buClr>
-                <a:srgbClr val="000000"/>
-              </a:buClr>
-              <a:buSzPts val="1400"/>
-              <a:buFont typeface="Arial"/>
-              <a:buNone/>
-              <a:defRPr b="0" i="0" sz="1800" u="none" cap="none" strike="noStrike">
+            <a:lvl8pPr marR="0" lvl="7" algn="l" rtl="0">
+              <a:lnSpc>
+                <a:spcPct val="100000"/>
+              </a:lnSpc>
+              <a:spcBef>
+                <a:spcPts val="0"/>
+              </a:spcBef>
+              <a:spcAft>
+                <a:spcPts val="0"/>
+              </a:spcAft>
+              <a:buClr>
+                <a:srgbClr val="000000"/>
+              </a:buClr>
+              <a:buSzPts val="1400"/>
+              <a:buFont typeface="Arial"/>
+              <a:buNone/>
+              <a:defRPr sz="1800" b="0" i="0" u="none" strike="noStrike" cap="none">
                 <a:solidFill>
                   <a:srgbClr val="000000"/>
                 </a:solidFill>
@@ -12327,23 +12563,23 @@
                 <a:sym typeface="Arial"/>
               </a:defRPr>
             </a:lvl8pPr>
-            <a:lvl9pPr lvl="8" marR="0" rtl="0" algn="l">
-              <a:lnSpc>
-                <a:spcPct val="100000"/>
-              </a:lnSpc>
-              <a:spcBef>
-                <a:spcPts val="0"/>
-              </a:spcBef>
-              <a:spcAft>
-                <a:spcPts val="0"/>
-              </a:spcAft>
-              <a:buClr>
-                <a:srgbClr val="000000"/>
-              </a:buClr>
-              <a:buSzPts val="1400"/>
-              <a:buFont typeface="Arial"/>
-              <a:buNone/>
-              <a:defRPr b="0" i="0" sz="1800" u="none" cap="none" strike="noStrike">
+            <a:lvl9pPr marR="0" lvl="8" algn="l" rtl="0">
+              <a:lnSpc>
+                <a:spcPct val="100000"/>
+              </a:lnSpc>
+              <a:spcBef>
+                <a:spcPts val="0"/>
+              </a:spcBef>
+              <a:spcAft>
+                <a:spcPts val="0"/>
+              </a:spcAft>
+              <a:buClr>
+                <a:srgbClr val="000000"/>
+              </a:buClr>
+              <a:buSzPts val="1400"/>
+              <a:buFont typeface="Arial"/>
+              <a:buNone/>
+              <a:defRPr sz="1800" b="0" i="0" u="none" strike="noStrike" cap="none">
                 <a:solidFill>
                   <a:srgbClr val="000000"/>
                 </a:solidFill>
@@ -12354,15 +12590,19 @@
               </a:defRPr>
             </a:lvl9pPr>
           </a:lstStyle>
-          <a:p/>
+          <a:p>
+            <a:endParaRPr/>
+          </a:p>
         </p:txBody>
       </p:sp>
       <p:sp>
         <p:nvSpPr>
           <p:cNvPr id="7" name="Google Shape;7;p1"/>
-          <p:cNvSpPr txBox="1"/>
+          <p:cNvSpPr txBox="1">
+            <a:spLocks noGrp="1"/>
+          </p:cNvSpPr>
           <p:nvPr>
-            <p:ph idx="1" type="body"/>
+            <p:ph type="body" idx="1"/>
           </p:nvPr>
         </p:nvSpPr>
         <p:spPr>
@@ -12379,9 +12619,9 @@
           </a:ln>
         </p:spPr>
         <p:txBody>
-          <a:bodyPr anchorCtr="0" anchor="t" bIns="45700" lIns="91425" spcFirstLastPara="1" rIns="91425" wrap="square" tIns="45700"/>
+          <a:bodyPr spcFirstLastPara="1" wrap="square" lIns="91425" tIns="45700" rIns="91425" bIns="45700" anchor="t" anchorCtr="0"/>
           <a:lstStyle>
-            <a:lvl1pPr indent="-1082040" lvl="0" marL="457200" marR="0" rtl="0" algn="l">
+            <a:lvl1pPr marL="457200" marR="0" lvl="0" indent="-1082040" algn="l" rtl="0">
               <a:lnSpc>
                 <a:spcPct val="90000"/>
               </a:lnSpc>
@@ -12397,7 +12637,7 @@
               <a:buSzPts val="13440"/>
               <a:buFont typeface="Arial"/>
               <a:buChar char="•"/>
-              <a:defRPr b="0" i="0" sz="13439" u="none" cap="none" strike="noStrike">
+              <a:defRPr sz="13439" b="0" i="0" u="none" strike="noStrike" cap="none">
                 <a:solidFill>
                   <a:schemeClr val="dk1"/>
                 </a:solidFill>
@@ -12407,7 +12647,7 @@
                 <a:sym typeface="Calibri"/>
               </a:defRPr>
             </a:lvl1pPr>
-            <a:lvl2pPr indent="-960120" lvl="1" marL="914400" marR="0" rtl="0" algn="l">
+            <a:lvl2pPr marL="914400" marR="0" lvl="1" indent="-960120" algn="l" rtl="0">
               <a:lnSpc>
                 <a:spcPct val="90000"/>
               </a:lnSpc>
@@ -12423,7 +12663,7 @@
               <a:buSzPts val="11520"/>
               <a:buFont typeface="Arial"/>
               <a:buChar char="•"/>
-              <a:defRPr b="0" i="0" sz="11520" u="none" cap="none" strike="noStrike">
+              <a:defRPr sz="11520" b="0" i="0" u="none" strike="noStrike" cap="none">
                 <a:solidFill>
                   <a:schemeClr val="dk1"/>
                 </a:solidFill>
@@ -12433,7 +12673,7 @@
                 <a:sym typeface="Calibri"/>
               </a:defRPr>
             </a:lvl2pPr>
-            <a:lvl3pPr indent="-838200" lvl="2" marL="1371600" marR="0" rtl="0" algn="l">
+            <a:lvl3pPr marL="1371600" marR="0" lvl="2" indent="-838200" algn="l" rtl="0">
               <a:lnSpc>
                 <a:spcPct val="90000"/>
               </a:lnSpc>
@@ -12449,7 +12689,7 @@
               <a:buSzPts val="9600"/>
               <a:buFont typeface="Arial"/>
               <a:buChar char="•"/>
-              <a:defRPr b="0" i="0" sz="9600" u="none" cap="none" strike="noStrike">
+              <a:defRPr sz="9600" b="0" i="0" u="none" strike="noStrike" cap="none">
                 <a:solidFill>
                   <a:schemeClr val="dk1"/>
                 </a:solidFill>
@@ -12459,7 +12699,7 @@
                 <a:sym typeface="Calibri"/>
               </a:defRPr>
             </a:lvl3pPr>
-            <a:lvl4pPr indent="-777239" lvl="3" marL="1828800" marR="0" rtl="0" algn="l">
+            <a:lvl4pPr marL="1828800" marR="0" lvl="3" indent="-777239" algn="l" rtl="0">
               <a:lnSpc>
                 <a:spcPct val="90000"/>
               </a:lnSpc>
@@ -12475,7 +12715,7 @@
               <a:buSzPts val="8640"/>
               <a:buFont typeface="Arial"/>
               <a:buChar char="•"/>
-              <a:defRPr b="0" i="0" sz="8640" u="none" cap="none" strike="noStrike">
+              <a:defRPr sz="8640" b="0" i="0" u="none" strike="noStrike" cap="none">
                 <a:solidFill>
                   <a:schemeClr val="dk1"/>
                 </a:solidFill>
@@ -12485,7 +12725,7 @@
                 <a:sym typeface="Calibri"/>
               </a:defRPr>
             </a:lvl4pPr>
-            <a:lvl5pPr indent="-777239" lvl="4" marL="2286000" marR="0" rtl="0" algn="l">
+            <a:lvl5pPr marL="2286000" marR="0" lvl="4" indent="-777239" algn="l" rtl="0">
               <a:lnSpc>
                 <a:spcPct val="90000"/>
               </a:lnSpc>
@@ -12501,7 +12741,7 @@
               <a:buSzPts val="8640"/>
               <a:buFont typeface="Arial"/>
               <a:buChar char="•"/>
-              <a:defRPr b="0" i="0" sz="8640" u="none" cap="none" strike="noStrike">
+              <a:defRPr sz="8640" b="0" i="0" u="none" strike="noStrike" cap="none">
                 <a:solidFill>
                   <a:schemeClr val="dk1"/>
                 </a:solidFill>
@@ -12511,7 +12751,7 @@
                 <a:sym typeface="Calibri"/>
               </a:defRPr>
             </a:lvl5pPr>
-            <a:lvl6pPr indent="-777239" lvl="5" marL="2743200" marR="0" rtl="0" algn="l">
+            <a:lvl6pPr marL="2743200" marR="0" lvl="5" indent="-777239" algn="l" rtl="0">
               <a:lnSpc>
                 <a:spcPct val="90000"/>
               </a:lnSpc>
@@ -12527,7 +12767,7 @@
               <a:buSzPts val="8640"/>
               <a:buFont typeface="Arial"/>
               <a:buChar char="•"/>
-              <a:defRPr b="0" i="0" sz="8640" u="none" cap="none" strike="noStrike">
+              <a:defRPr sz="8640" b="0" i="0" u="none" strike="noStrike" cap="none">
                 <a:solidFill>
                   <a:schemeClr val="dk1"/>
                 </a:solidFill>
@@ -12537,7 +12777,7 @@
                 <a:sym typeface="Calibri"/>
               </a:defRPr>
             </a:lvl6pPr>
-            <a:lvl7pPr indent="-777239" lvl="6" marL="3200400" marR="0" rtl="0" algn="l">
+            <a:lvl7pPr marL="3200400" marR="0" lvl="6" indent="-777239" algn="l" rtl="0">
               <a:lnSpc>
                 <a:spcPct val="90000"/>
               </a:lnSpc>
@@ -12553,7 +12793,7 @@
               <a:buSzPts val="8640"/>
               <a:buFont typeface="Arial"/>
               <a:buChar char="•"/>
-              <a:defRPr b="0" i="0" sz="8640" u="none" cap="none" strike="noStrike">
+              <a:defRPr sz="8640" b="0" i="0" u="none" strike="noStrike" cap="none">
                 <a:solidFill>
                   <a:schemeClr val="dk1"/>
                 </a:solidFill>
@@ -12563,7 +12803,7 @@
                 <a:sym typeface="Calibri"/>
               </a:defRPr>
             </a:lvl7pPr>
-            <a:lvl8pPr indent="-777239" lvl="7" marL="3657600" marR="0" rtl="0" algn="l">
+            <a:lvl8pPr marL="3657600" marR="0" lvl="7" indent="-777239" algn="l" rtl="0">
               <a:lnSpc>
                 <a:spcPct val="90000"/>
               </a:lnSpc>
@@ -12579,7 +12819,7 @@
               <a:buSzPts val="8640"/>
               <a:buFont typeface="Arial"/>
               <a:buChar char="•"/>
-              <a:defRPr b="0" i="0" sz="8640" u="none" cap="none" strike="noStrike">
+              <a:defRPr sz="8640" b="0" i="0" u="none" strike="noStrike" cap="none">
                 <a:solidFill>
                   <a:schemeClr val="dk1"/>
                 </a:solidFill>
@@ -12589,7 +12829,7 @@
                 <a:sym typeface="Calibri"/>
               </a:defRPr>
             </a:lvl8pPr>
-            <a:lvl9pPr indent="-777240" lvl="8" marL="4114800" marR="0" rtl="0" algn="l">
+            <a:lvl9pPr marL="4114800" marR="0" lvl="8" indent="-777240" algn="l" rtl="0">
               <a:lnSpc>
                 <a:spcPct val="90000"/>
               </a:lnSpc>
@@ -12605,7 +12845,7 @@
               <a:buSzPts val="8640"/>
               <a:buFont typeface="Arial"/>
               <a:buChar char="•"/>
-              <a:defRPr b="0" i="0" sz="8640" u="none" cap="none" strike="noStrike">
+              <a:defRPr sz="8640" b="0" i="0" u="none" strike="noStrike" cap="none">
                 <a:solidFill>
                   <a:schemeClr val="dk1"/>
                 </a:solidFill>
@@ -12616,15 +12856,19 @@
               </a:defRPr>
             </a:lvl9pPr>
           </a:lstStyle>
-          <a:p/>
+          <a:p>
+            <a:endParaRPr/>
+          </a:p>
         </p:txBody>
       </p:sp>
       <p:sp>
         <p:nvSpPr>
           <p:cNvPr id="8" name="Google Shape;8;p1"/>
-          <p:cNvSpPr txBox="1"/>
+          <p:cNvSpPr txBox="1">
+            <a:spLocks noGrp="1"/>
+          </p:cNvSpPr>
           <p:nvPr>
-            <p:ph idx="10" type="dt"/>
+            <p:ph type="dt" idx="10"/>
           </p:nvPr>
         </p:nvSpPr>
         <p:spPr>
@@ -12641,25 +12885,25 @@
           </a:ln>
         </p:spPr>
         <p:txBody>
-          <a:bodyPr anchorCtr="0" anchor="ctr" bIns="45700" lIns="91425" spcFirstLastPara="1" rIns="91425" wrap="square" tIns="45700"/>
+          <a:bodyPr spcFirstLastPara="1" wrap="square" lIns="91425" tIns="45700" rIns="91425" bIns="45700" anchor="ctr" anchorCtr="0"/>
           <a:lstStyle>
-            <a:lvl1pPr lvl="0" marR="0" rtl="0" algn="l">
-              <a:lnSpc>
-                <a:spcPct val="100000"/>
-              </a:lnSpc>
-              <a:spcBef>
-                <a:spcPts val="0"/>
-              </a:spcBef>
-              <a:spcAft>
-                <a:spcPts val="0"/>
-              </a:spcAft>
-              <a:buClr>
-                <a:srgbClr val="000000"/>
-              </a:buClr>
-              <a:buSzPts val="1400"/>
-              <a:buFont typeface="Arial"/>
-              <a:buNone/>
-              <a:defRPr b="0" i="0" sz="5760" u="none" cap="none" strike="noStrike">
+            <a:lvl1pPr marR="0" lvl="0" algn="l" rtl="0">
+              <a:lnSpc>
+                <a:spcPct val="100000"/>
+              </a:lnSpc>
+              <a:spcBef>
+                <a:spcPts val="0"/>
+              </a:spcBef>
+              <a:spcAft>
+                <a:spcPts val="0"/>
+              </a:spcAft>
+              <a:buClr>
+                <a:srgbClr val="000000"/>
+              </a:buClr>
+              <a:buSzPts val="1400"/>
+              <a:buFont typeface="Arial"/>
+              <a:buNone/>
+              <a:defRPr sz="5760" b="0" i="0" u="none" strike="noStrike" cap="none">
                 <a:solidFill>
                   <a:srgbClr val="888888"/>
                 </a:solidFill>
@@ -12669,23 +12913,23 @@
                 <a:sym typeface="Calibri"/>
               </a:defRPr>
             </a:lvl1pPr>
-            <a:lvl2pPr lvl="1" marR="0" rtl="0" algn="l">
-              <a:lnSpc>
-                <a:spcPct val="100000"/>
-              </a:lnSpc>
-              <a:spcBef>
-                <a:spcPts val="0"/>
-              </a:spcBef>
-              <a:spcAft>
-                <a:spcPts val="0"/>
-              </a:spcAft>
-              <a:buClr>
-                <a:srgbClr val="000000"/>
-              </a:buClr>
-              <a:buSzPts val="1400"/>
-              <a:buFont typeface="Arial"/>
-              <a:buNone/>
-              <a:defRPr b="0" i="0" sz="1800" u="none" cap="none" strike="noStrike">
+            <a:lvl2pPr marR="0" lvl="1" algn="l" rtl="0">
+              <a:lnSpc>
+                <a:spcPct val="100000"/>
+              </a:lnSpc>
+              <a:spcBef>
+                <a:spcPts val="0"/>
+              </a:spcBef>
+              <a:spcAft>
+                <a:spcPts val="0"/>
+              </a:spcAft>
+              <a:buClr>
+                <a:srgbClr val="000000"/>
+              </a:buClr>
+              <a:buSzPts val="1400"/>
+              <a:buFont typeface="Arial"/>
+              <a:buNone/>
+              <a:defRPr sz="1800" b="0" i="0" u="none" strike="noStrike" cap="none">
                 <a:solidFill>
                   <a:schemeClr val="dk1"/>
                 </a:solidFill>
@@ -12695,23 +12939,23 @@
                 <a:sym typeface="Calibri"/>
               </a:defRPr>
             </a:lvl2pPr>
-            <a:lvl3pPr lvl="2" marR="0" rtl="0" algn="l">
-              <a:lnSpc>
-                <a:spcPct val="100000"/>
-              </a:lnSpc>
-              <a:spcBef>
-                <a:spcPts val="0"/>
-              </a:spcBef>
-              <a:spcAft>
-                <a:spcPts val="0"/>
-              </a:spcAft>
-              <a:buClr>
-                <a:srgbClr val="000000"/>
-              </a:buClr>
-              <a:buSzPts val="1400"/>
-              <a:buFont typeface="Arial"/>
-              <a:buNone/>
-              <a:defRPr b="0" i="0" sz="1800" u="none" cap="none" strike="noStrike">
+            <a:lvl3pPr marR="0" lvl="2" algn="l" rtl="0">
+              <a:lnSpc>
+                <a:spcPct val="100000"/>
+              </a:lnSpc>
+              <a:spcBef>
+                <a:spcPts val="0"/>
+              </a:spcBef>
+              <a:spcAft>
+                <a:spcPts val="0"/>
+              </a:spcAft>
+              <a:buClr>
+                <a:srgbClr val="000000"/>
+              </a:buClr>
+              <a:buSzPts val="1400"/>
+              <a:buFont typeface="Arial"/>
+              <a:buNone/>
+              <a:defRPr sz="1800" b="0" i="0" u="none" strike="noStrike" cap="none">
                 <a:solidFill>
                   <a:schemeClr val="dk1"/>
                 </a:solidFill>
@@ -12721,23 +12965,23 @@
                 <a:sym typeface="Calibri"/>
               </a:defRPr>
             </a:lvl3pPr>
-            <a:lvl4pPr lvl="3" marR="0" rtl="0" algn="l">
-              <a:lnSpc>
-                <a:spcPct val="100000"/>
-              </a:lnSpc>
-              <a:spcBef>
-                <a:spcPts val="0"/>
-              </a:spcBef>
-              <a:spcAft>
-                <a:spcPts val="0"/>
-              </a:spcAft>
-              <a:buClr>
-                <a:srgbClr val="000000"/>
-              </a:buClr>
-              <a:buSzPts val="1400"/>
-              <a:buFont typeface="Arial"/>
-              <a:buNone/>
-              <a:defRPr b="0" i="0" sz="1800" u="none" cap="none" strike="noStrike">
+            <a:lvl4pPr marR="0" lvl="3" algn="l" rtl="0">
+              <a:lnSpc>
+                <a:spcPct val="100000"/>
+              </a:lnSpc>
+              <a:spcBef>
+                <a:spcPts val="0"/>
+              </a:spcBef>
+              <a:spcAft>
+                <a:spcPts val="0"/>
+              </a:spcAft>
+              <a:buClr>
+                <a:srgbClr val="000000"/>
+              </a:buClr>
+              <a:buSzPts val="1400"/>
+              <a:buFont typeface="Arial"/>
+              <a:buNone/>
+              <a:defRPr sz="1800" b="0" i="0" u="none" strike="noStrike" cap="none">
                 <a:solidFill>
                   <a:schemeClr val="dk1"/>
                 </a:solidFill>
@@ -12747,23 +12991,23 @@
                 <a:sym typeface="Calibri"/>
               </a:defRPr>
             </a:lvl4pPr>
-            <a:lvl5pPr lvl="4" marR="0" rtl="0" algn="l">
-              <a:lnSpc>
-                <a:spcPct val="100000"/>
-              </a:lnSpc>
-              <a:spcBef>
-                <a:spcPts val="0"/>
-              </a:spcBef>
-              <a:spcAft>
-                <a:spcPts val="0"/>
-              </a:spcAft>
-              <a:buClr>
-                <a:srgbClr val="000000"/>
-              </a:buClr>
-              <a:buSzPts val="1400"/>
-              <a:buFont typeface="Arial"/>
-              <a:buNone/>
-              <a:defRPr b="0" i="0" sz="1800" u="none" cap="none" strike="noStrike">
+            <a:lvl5pPr marR="0" lvl="4" algn="l" rtl="0">
+              <a:lnSpc>
+                <a:spcPct val="100000"/>
+              </a:lnSpc>
+              <a:spcBef>
+                <a:spcPts val="0"/>
+              </a:spcBef>
+              <a:spcAft>
+                <a:spcPts val="0"/>
+              </a:spcAft>
+              <a:buClr>
+                <a:srgbClr val="000000"/>
+              </a:buClr>
+              <a:buSzPts val="1400"/>
+              <a:buFont typeface="Arial"/>
+              <a:buNone/>
+              <a:defRPr sz="1800" b="0" i="0" u="none" strike="noStrike" cap="none">
                 <a:solidFill>
                   <a:schemeClr val="dk1"/>
                 </a:solidFill>
@@ -12773,23 +13017,23 @@
                 <a:sym typeface="Calibri"/>
               </a:defRPr>
             </a:lvl5pPr>
-            <a:lvl6pPr lvl="5" marR="0" rtl="0" algn="l">
-              <a:lnSpc>
-                <a:spcPct val="100000"/>
-              </a:lnSpc>
-              <a:spcBef>
-                <a:spcPts val="0"/>
-              </a:spcBef>
-              <a:spcAft>
-                <a:spcPts val="0"/>
-              </a:spcAft>
-              <a:buClr>
-                <a:srgbClr val="000000"/>
-              </a:buClr>
-              <a:buSzPts val="1400"/>
-              <a:buFont typeface="Arial"/>
-              <a:buNone/>
-              <a:defRPr b="0" i="0" sz="1800" u="none" cap="none" strike="noStrike">
+            <a:lvl6pPr marR="0" lvl="5" algn="l" rtl="0">
+              <a:lnSpc>
+                <a:spcPct val="100000"/>
+              </a:lnSpc>
+              <a:spcBef>
+                <a:spcPts val="0"/>
+              </a:spcBef>
+              <a:spcAft>
+                <a:spcPts val="0"/>
+              </a:spcAft>
+              <a:buClr>
+                <a:srgbClr val="000000"/>
+              </a:buClr>
+              <a:buSzPts val="1400"/>
+              <a:buFont typeface="Arial"/>
+              <a:buNone/>
+              <a:defRPr sz="1800" b="0" i="0" u="none" strike="noStrike" cap="none">
                 <a:solidFill>
                   <a:schemeClr val="dk1"/>
                 </a:solidFill>
@@ -12799,23 +13043,23 @@
                 <a:sym typeface="Calibri"/>
               </a:defRPr>
             </a:lvl6pPr>
-            <a:lvl7pPr lvl="6" marR="0" rtl="0" algn="l">
-              <a:lnSpc>
-                <a:spcPct val="100000"/>
-              </a:lnSpc>
-              <a:spcBef>
-                <a:spcPts val="0"/>
-              </a:spcBef>
-              <a:spcAft>
-                <a:spcPts val="0"/>
-              </a:spcAft>
-              <a:buClr>
-                <a:srgbClr val="000000"/>
-              </a:buClr>
-              <a:buSzPts val="1400"/>
-              <a:buFont typeface="Arial"/>
-              <a:buNone/>
-              <a:defRPr b="0" i="0" sz="1800" u="none" cap="none" strike="noStrike">
+            <a:lvl7pPr marR="0" lvl="6" algn="l" rtl="0">
+              <a:lnSpc>
+                <a:spcPct val="100000"/>
+              </a:lnSpc>
+              <a:spcBef>
+                <a:spcPts val="0"/>
+              </a:spcBef>
+              <a:spcAft>
+                <a:spcPts val="0"/>
+              </a:spcAft>
+              <a:buClr>
+                <a:srgbClr val="000000"/>
+              </a:buClr>
+              <a:buSzPts val="1400"/>
+              <a:buFont typeface="Arial"/>
+              <a:buNone/>
+              <a:defRPr sz="1800" b="0" i="0" u="none" strike="noStrike" cap="none">
                 <a:solidFill>
                   <a:schemeClr val="dk1"/>
                 </a:solidFill>
@@ -12825,23 +13069,23 @@
                 <a:sym typeface="Calibri"/>
               </a:defRPr>
             </a:lvl7pPr>
-            <a:lvl8pPr lvl="7" marR="0" rtl="0" algn="l">
-              <a:lnSpc>
-                <a:spcPct val="100000"/>
-              </a:lnSpc>
-              <a:spcBef>
-                <a:spcPts val="0"/>
-              </a:spcBef>
-              <a:spcAft>
-                <a:spcPts val="0"/>
-              </a:spcAft>
-              <a:buClr>
-                <a:srgbClr val="000000"/>
-              </a:buClr>
-              <a:buSzPts val="1400"/>
-              <a:buFont typeface="Arial"/>
-              <a:buNone/>
-              <a:defRPr b="0" i="0" sz="1800" u="none" cap="none" strike="noStrike">
+            <a:lvl8pPr marR="0" lvl="7" algn="l" rtl="0">
+              <a:lnSpc>
+                <a:spcPct val="100000"/>
+              </a:lnSpc>
+              <a:spcBef>
+                <a:spcPts val="0"/>
+              </a:spcBef>
+              <a:spcAft>
+                <a:spcPts val="0"/>
+              </a:spcAft>
+              <a:buClr>
+                <a:srgbClr val="000000"/>
+              </a:buClr>
+              <a:buSzPts val="1400"/>
+              <a:buFont typeface="Arial"/>
+              <a:buNone/>
+              <a:defRPr sz="1800" b="0" i="0" u="none" strike="noStrike" cap="none">
                 <a:solidFill>
                   <a:schemeClr val="dk1"/>
                 </a:solidFill>
@@ -12851,23 +13095,23 @@
                 <a:sym typeface="Calibri"/>
               </a:defRPr>
             </a:lvl8pPr>
-            <a:lvl9pPr lvl="8" marR="0" rtl="0" algn="l">
-              <a:lnSpc>
-                <a:spcPct val="100000"/>
-              </a:lnSpc>
-              <a:spcBef>
-                <a:spcPts val="0"/>
-              </a:spcBef>
-              <a:spcAft>
-                <a:spcPts val="0"/>
-              </a:spcAft>
-              <a:buClr>
-                <a:srgbClr val="000000"/>
-              </a:buClr>
-              <a:buSzPts val="1400"/>
-              <a:buFont typeface="Arial"/>
-              <a:buNone/>
-              <a:defRPr b="0" i="0" sz="1800" u="none" cap="none" strike="noStrike">
+            <a:lvl9pPr marR="0" lvl="8" algn="l" rtl="0">
+              <a:lnSpc>
+                <a:spcPct val="100000"/>
+              </a:lnSpc>
+              <a:spcBef>
+                <a:spcPts val="0"/>
+              </a:spcBef>
+              <a:spcAft>
+                <a:spcPts val="0"/>
+              </a:spcAft>
+              <a:buClr>
+                <a:srgbClr val="000000"/>
+              </a:buClr>
+              <a:buSzPts val="1400"/>
+              <a:buFont typeface="Arial"/>
+              <a:buNone/>
+              <a:defRPr sz="1800" b="0" i="0" u="none" strike="noStrike" cap="none">
                 <a:solidFill>
                   <a:schemeClr val="dk1"/>
                 </a:solidFill>
@@ -12878,15 +13122,19 @@
               </a:defRPr>
             </a:lvl9pPr>
           </a:lstStyle>
-          <a:p/>
+          <a:p>
+            <a:endParaRPr/>
+          </a:p>
         </p:txBody>
       </p:sp>
       <p:sp>
         <p:nvSpPr>
           <p:cNvPr id="9" name="Google Shape;9;p1"/>
-          <p:cNvSpPr txBox="1"/>
+          <p:cNvSpPr txBox="1">
+            <a:spLocks noGrp="1"/>
+          </p:cNvSpPr>
           <p:nvPr>
-            <p:ph idx="11" type="ftr"/>
+            <p:ph type="ftr" idx="11"/>
           </p:nvPr>
         </p:nvSpPr>
         <p:spPr>
@@ -12903,25 +13151,25 @@
           </a:ln>
         </p:spPr>
         <p:txBody>
-          <a:bodyPr anchorCtr="0" anchor="ctr" bIns="45700" lIns="91425" spcFirstLastPara="1" rIns="91425" wrap="square" tIns="45700"/>
+          <a:bodyPr spcFirstLastPara="1" wrap="square" lIns="91425" tIns="45700" rIns="91425" bIns="45700" anchor="ctr" anchorCtr="0"/>
           <a:lstStyle>
-            <a:lvl1pPr lvl="0" marR="0" rtl="0" algn="ctr">
-              <a:lnSpc>
-                <a:spcPct val="100000"/>
-              </a:lnSpc>
-              <a:spcBef>
-                <a:spcPts val="0"/>
-              </a:spcBef>
-              <a:spcAft>
-                <a:spcPts val="0"/>
-              </a:spcAft>
-              <a:buClr>
-                <a:srgbClr val="000000"/>
-              </a:buClr>
-              <a:buSzPts val="1400"/>
-              <a:buFont typeface="Arial"/>
-              <a:buNone/>
-              <a:defRPr b="0" i="0" sz="5760" u="none" cap="none" strike="noStrike">
+            <a:lvl1pPr marR="0" lvl="0" algn="ctr" rtl="0">
+              <a:lnSpc>
+                <a:spcPct val="100000"/>
+              </a:lnSpc>
+              <a:spcBef>
+                <a:spcPts val="0"/>
+              </a:spcBef>
+              <a:spcAft>
+                <a:spcPts val="0"/>
+              </a:spcAft>
+              <a:buClr>
+                <a:srgbClr val="000000"/>
+              </a:buClr>
+              <a:buSzPts val="1400"/>
+              <a:buFont typeface="Arial"/>
+              <a:buNone/>
+              <a:defRPr sz="5760" b="0" i="0" u="none" strike="noStrike" cap="none">
                 <a:solidFill>
                   <a:srgbClr val="888888"/>
                 </a:solidFill>
@@ -12931,23 +13179,23 @@
                 <a:sym typeface="Calibri"/>
               </a:defRPr>
             </a:lvl1pPr>
-            <a:lvl2pPr lvl="1" marR="0" rtl="0" algn="l">
-              <a:lnSpc>
-                <a:spcPct val="100000"/>
-              </a:lnSpc>
-              <a:spcBef>
-                <a:spcPts val="0"/>
-              </a:spcBef>
-              <a:spcAft>
-                <a:spcPts val="0"/>
-              </a:spcAft>
-              <a:buClr>
-                <a:srgbClr val="000000"/>
-              </a:buClr>
-              <a:buSzPts val="1400"/>
-              <a:buFont typeface="Arial"/>
-              <a:buNone/>
-              <a:defRPr b="0" i="0" sz="1800" u="none" cap="none" strike="noStrike">
+            <a:lvl2pPr marR="0" lvl="1" algn="l" rtl="0">
+              <a:lnSpc>
+                <a:spcPct val="100000"/>
+              </a:lnSpc>
+              <a:spcBef>
+                <a:spcPts val="0"/>
+              </a:spcBef>
+              <a:spcAft>
+                <a:spcPts val="0"/>
+              </a:spcAft>
+              <a:buClr>
+                <a:srgbClr val="000000"/>
+              </a:buClr>
+              <a:buSzPts val="1400"/>
+              <a:buFont typeface="Arial"/>
+              <a:buNone/>
+              <a:defRPr sz="1800" b="0" i="0" u="none" strike="noStrike" cap="none">
                 <a:solidFill>
                   <a:schemeClr val="dk1"/>
                 </a:solidFill>
@@ -12957,23 +13205,23 @@
                 <a:sym typeface="Calibri"/>
               </a:defRPr>
             </a:lvl2pPr>
-            <a:lvl3pPr lvl="2" marR="0" rtl="0" algn="l">
-              <a:lnSpc>
-                <a:spcPct val="100000"/>
-              </a:lnSpc>
-              <a:spcBef>
-                <a:spcPts val="0"/>
-              </a:spcBef>
-              <a:spcAft>
-                <a:spcPts val="0"/>
-              </a:spcAft>
-              <a:buClr>
-                <a:srgbClr val="000000"/>
-              </a:buClr>
-              <a:buSzPts val="1400"/>
-              <a:buFont typeface="Arial"/>
-              <a:buNone/>
-              <a:defRPr b="0" i="0" sz="1800" u="none" cap="none" strike="noStrike">
+            <a:lvl3pPr marR="0" lvl="2" algn="l" rtl="0">
+              <a:lnSpc>
+                <a:spcPct val="100000"/>
+              </a:lnSpc>
+              <a:spcBef>
+                <a:spcPts val="0"/>
+              </a:spcBef>
+              <a:spcAft>
+                <a:spcPts val="0"/>
+              </a:spcAft>
+              <a:buClr>
+                <a:srgbClr val="000000"/>
+              </a:buClr>
+              <a:buSzPts val="1400"/>
+              <a:buFont typeface="Arial"/>
+              <a:buNone/>
+              <a:defRPr sz="1800" b="0" i="0" u="none" strike="noStrike" cap="none">
                 <a:solidFill>
                   <a:schemeClr val="dk1"/>
                 </a:solidFill>
@@ -12983,23 +13231,23 @@
                 <a:sym typeface="Calibri"/>
               </a:defRPr>
             </a:lvl3pPr>
-            <a:lvl4pPr lvl="3" marR="0" rtl="0" algn="l">
-              <a:lnSpc>
-                <a:spcPct val="100000"/>
-              </a:lnSpc>
-              <a:spcBef>
-                <a:spcPts val="0"/>
-              </a:spcBef>
-              <a:spcAft>
-                <a:spcPts val="0"/>
-              </a:spcAft>
-              <a:buClr>
-                <a:srgbClr val="000000"/>
-              </a:buClr>
-              <a:buSzPts val="1400"/>
-              <a:buFont typeface="Arial"/>
-              <a:buNone/>
-              <a:defRPr b="0" i="0" sz="1800" u="none" cap="none" strike="noStrike">
+            <a:lvl4pPr marR="0" lvl="3" algn="l" rtl="0">
+              <a:lnSpc>
+                <a:spcPct val="100000"/>
+              </a:lnSpc>
+              <a:spcBef>
+                <a:spcPts val="0"/>
+              </a:spcBef>
+              <a:spcAft>
+                <a:spcPts val="0"/>
+              </a:spcAft>
+              <a:buClr>
+                <a:srgbClr val="000000"/>
+              </a:buClr>
+              <a:buSzPts val="1400"/>
+              <a:buFont typeface="Arial"/>
+              <a:buNone/>
+              <a:defRPr sz="1800" b="0" i="0" u="none" strike="noStrike" cap="none">
                 <a:solidFill>
                   <a:schemeClr val="dk1"/>
                 </a:solidFill>
@@ -13009,23 +13257,23 @@
                 <a:sym typeface="Calibri"/>
               </a:defRPr>
             </a:lvl4pPr>
-            <a:lvl5pPr lvl="4" marR="0" rtl="0" algn="l">
-              <a:lnSpc>
-                <a:spcPct val="100000"/>
-              </a:lnSpc>
-              <a:spcBef>
-                <a:spcPts val="0"/>
-              </a:spcBef>
-              <a:spcAft>
-                <a:spcPts val="0"/>
-              </a:spcAft>
-              <a:buClr>
-                <a:srgbClr val="000000"/>
-              </a:buClr>
-              <a:buSzPts val="1400"/>
-              <a:buFont typeface="Arial"/>
-              <a:buNone/>
-              <a:defRPr b="0" i="0" sz="1800" u="none" cap="none" strike="noStrike">
+            <a:lvl5pPr marR="0" lvl="4" algn="l" rtl="0">
+              <a:lnSpc>
+                <a:spcPct val="100000"/>
+              </a:lnSpc>
+              <a:spcBef>
+                <a:spcPts val="0"/>
+              </a:spcBef>
+              <a:spcAft>
+                <a:spcPts val="0"/>
+              </a:spcAft>
+              <a:buClr>
+                <a:srgbClr val="000000"/>
+              </a:buClr>
+              <a:buSzPts val="1400"/>
+              <a:buFont typeface="Arial"/>
+              <a:buNone/>
+              <a:defRPr sz="1800" b="0" i="0" u="none" strike="noStrike" cap="none">
                 <a:solidFill>
                   <a:schemeClr val="dk1"/>
                 </a:solidFill>
@@ -13035,23 +13283,23 @@
                 <a:sym typeface="Calibri"/>
               </a:defRPr>
             </a:lvl5pPr>
-            <a:lvl6pPr lvl="5" marR="0" rtl="0" algn="l">
-              <a:lnSpc>
-                <a:spcPct val="100000"/>
-              </a:lnSpc>
-              <a:spcBef>
-                <a:spcPts val="0"/>
-              </a:spcBef>
-              <a:spcAft>
-                <a:spcPts val="0"/>
-              </a:spcAft>
-              <a:buClr>
-                <a:srgbClr val="000000"/>
-              </a:buClr>
-              <a:buSzPts val="1400"/>
-              <a:buFont typeface="Arial"/>
-              <a:buNone/>
-              <a:defRPr b="0" i="0" sz="1800" u="none" cap="none" strike="noStrike">
+            <a:lvl6pPr marR="0" lvl="5" algn="l" rtl="0">
+              <a:lnSpc>
+                <a:spcPct val="100000"/>
+              </a:lnSpc>
+              <a:spcBef>
+                <a:spcPts val="0"/>
+              </a:spcBef>
+              <a:spcAft>
+                <a:spcPts val="0"/>
+              </a:spcAft>
+              <a:buClr>
+                <a:srgbClr val="000000"/>
+              </a:buClr>
+              <a:buSzPts val="1400"/>
+              <a:buFont typeface="Arial"/>
+              <a:buNone/>
+              <a:defRPr sz="1800" b="0" i="0" u="none" strike="noStrike" cap="none">
                 <a:solidFill>
                   <a:schemeClr val="dk1"/>
                 </a:solidFill>
@@ -13061,23 +13309,23 @@
                 <a:sym typeface="Calibri"/>
               </a:defRPr>
             </a:lvl6pPr>
-            <a:lvl7pPr lvl="6" marR="0" rtl="0" algn="l">
-              <a:lnSpc>
-                <a:spcPct val="100000"/>
-              </a:lnSpc>
-              <a:spcBef>
-                <a:spcPts val="0"/>
-              </a:spcBef>
-              <a:spcAft>
-                <a:spcPts val="0"/>
-              </a:spcAft>
-              <a:buClr>
-                <a:srgbClr val="000000"/>
-              </a:buClr>
-              <a:buSzPts val="1400"/>
-              <a:buFont typeface="Arial"/>
-              <a:buNone/>
-              <a:defRPr b="0" i="0" sz="1800" u="none" cap="none" strike="noStrike">
+            <a:lvl7pPr marR="0" lvl="6" algn="l" rtl="0">
+              <a:lnSpc>
+                <a:spcPct val="100000"/>
+              </a:lnSpc>
+              <a:spcBef>
+                <a:spcPts val="0"/>
+              </a:spcBef>
+              <a:spcAft>
+                <a:spcPts val="0"/>
+              </a:spcAft>
+              <a:buClr>
+                <a:srgbClr val="000000"/>
+              </a:buClr>
+              <a:buSzPts val="1400"/>
+              <a:buFont typeface="Arial"/>
+              <a:buNone/>
+              <a:defRPr sz="1800" b="0" i="0" u="none" strike="noStrike" cap="none">
                 <a:solidFill>
                   <a:schemeClr val="dk1"/>
                 </a:solidFill>
@@ -13087,23 +13335,23 @@
                 <a:sym typeface="Calibri"/>
               </a:defRPr>
             </a:lvl7pPr>
-            <a:lvl8pPr lvl="7" marR="0" rtl="0" algn="l">
-              <a:lnSpc>
-                <a:spcPct val="100000"/>
-              </a:lnSpc>
-              <a:spcBef>
-                <a:spcPts val="0"/>
-              </a:spcBef>
-              <a:spcAft>
-                <a:spcPts val="0"/>
-              </a:spcAft>
-              <a:buClr>
-                <a:srgbClr val="000000"/>
-              </a:buClr>
-              <a:buSzPts val="1400"/>
-              <a:buFont typeface="Arial"/>
-              <a:buNone/>
-              <a:defRPr b="0" i="0" sz="1800" u="none" cap="none" strike="noStrike">
+            <a:lvl8pPr marR="0" lvl="7" algn="l" rtl="0">
+              <a:lnSpc>
+                <a:spcPct val="100000"/>
+              </a:lnSpc>
+              <a:spcBef>
+                <a:spcPts val="0"/>
+              </a:spcBef>
+              <a:spcAft>
+                <a:spcPts val="0"/>
+              </a:spcAft>
+              <a:buClr>
+                <a:srgbClr val="000000"/>
+              </a:buClr>
+              <a:buSzPts val="1400"/>
+              <a:buFont typeface="Arial"/>
+              <a:buNone/>
+              <a:defRPr sz="1800" b="0" i="0" u="none" strike="noStrike" cap="none">
                 <a:solidFill>
                   <a:schemeClr val="dk1"/>
                 </a:solidFill>
@@ -13113,23 +13361,23 @@
                 <a:sym typeface="Calibri"/>
               </a:defRPr>
             </a:lvl8pPr>
-            <a:lvl9pPr lvl="8" marR="0" rtl="0" algn="l">
-              <a:lnSpc>
-                <a:spcPct val="100000"/>
-              </a:lnSpc>
-              <a:spcBef>
-                <a:spcPts val="0"/>
-              </a:spcBef>
-              <a:spcAft>
-                <a:spcPts val="0"/>
-              </a:spcAft>
-              <a:buClr>
-                <a:srgbClr val="000000"/>
-              </a:buClr>
-              <a:buSzPts val="1400"/>
-              <a:buFont typeface="Arial"/>
-              <a:buNone/>
-              <a:defRPr b="0" i="0" sz="1800" u="none" cap="none" strike="noStrike">
+            <a:lvl9pPr marR="0" lvl="8" algn="l" rtl="0">
+              <a:lnSpc>
+                <a:spcPct val="100000"/>
+              </a:lnSpc>
+              <a:spcBef>
+                <a:spcPts val="0"/>
+              </a:spcBef>
+              <a:spcAft>
+                <a:spcPts val="0"/>
+              </a:spcAft>
+              <a:buClr>
+                <a:srgbClr val="000000"/>
+              </a:buClr>
+              <a:buSzPts val="1400"/>
+              <a:buFont typeface="Arial"/>
+              <a:buNone/>
+              <a:defRPr sz="1800" b="0" i="0" u="none" strike="noStrike" cap="none">
                 <a:solidFill>
                   <a:schemeClr val="dk1"/>
                 </a:solidFill>
@@ -13140,15 +13388,19 @@
               </a:defRPr>
             </a:lvl9pPr>
           </a:lstStyle>
-          <a:p/>
+          <a:p>
+            <a:endParaRPr/>
+          </a:p>
         </p:txBody>
       </p:sp>
       <p:sp>
         <p:nvSpPr>
           <p:cNvPr id="10" name="Google Shape;10;p1"/>
-          <p:cNvSpPr txBox="1"/>
+          <p:cNvSpPr txBox="1">
+            <a:spLocks noGrp="1"/>
+          </p:cNvSpPr>
           <p:nvPr>
-            <p:ph idx="12" type="sldNum"/>
+            <p:ph type="sldNum" idx="12"/>
           </p:nvPr>
         </p:nvSpPr>
         <p:spPr>
@@ -13165,11 +13417,11 @@
           </a:ln>
         </p:spPr>
         <p:txBody>
-          <a:bodyPr anchorCtr="0" anchor="ctr" bIns="45700" lIns="91425" spcFirstLastPara="1" rIns="91425" wrap="square" tIns="45700">
+          <a:bodyPr spcFirstLastPara="1" wrap="square" lIns="91425" tIns="45700" rIns="91425" bIns="45700" anchor="ctr" anchorCtr="0">
             <a:noAutofit/>
           </a:bodyPr>
           <a:lstStyle>
-            <a:lvl1pPr indent="0" lvl="0" marL="0" marR="0" rtl="0" algn="r">
+            <a:lvl1pPr marL="0" marR="0" lvl="0" indent="0" algn="r" rtl="0">
               <a:lnSpc>
                 <a:spcPct val="100000"/>
               </a:lnSpc>
@@ -13185,7 +13437,7 @@
               <a:buSzPts val="5760"/>
               <a:buFont typeface="Arial"/>
               <a:buNone/>
-              <a:defRPr b="0" i="0" sz="5760" u="none" cap="none" strike="noStrike">
+              <a:defRPr sz="5760" b="0" i="0" u="none" strike="noStrike" cap="none">
                 <a:solidFill>
                   <a:srgbClr val="888888"/>
                 </a:solidFill>
@@ -13195,7 +13447,7 @@
                 <a:sym typeface="Calibri"/>
               </a:defRPr>
             </a:lvl1pPr>
-            <a:lvl2pPr indent="0" lvl="1" marL="0" marR="0" rtl="0" algn="r">
+            <a:lvl2pPr marL="0" marR="0" lvl="1" indent="0" algn="r" rtl="0">
               <a:lnSpc>
                 <a:spcPct val="100000"/>
               </a:lnSpc>
@@ -13211,7 +13463,7 @@
               <a:buSzPts val="5760"/>
               <a:buFont typeface="Arial"/>
               <a:buNone/>
-              <a:defRPr b="0" i="0" sz="5760" u="none" cap="none" strike="noStrike">
+              <a:defRPr sz="5760" b="0" i="0" u="none" strike="noStrike" cap="none">
                 <a:solidFill>
                   <a:srgbClr val="888888"/>
                 </a:solidFill>
@@ -13221,7 +13473,7 @@
                 <a:sym typeface="Calibri"/>
               </a:defRPr>
             </a:lvl2pPr>
-            <a:lvl3pPr indent="0" lvl="2" marL="0" marR="0" rtl="0" algn="r">
+            <a:lvl3pPr marL="0" marR="0" lvl="2" indent="0" algn="r" rtl="0">
               <a:lnSpc>
                 <a:spcPct val="100000"/>
               </a:lnSpc>
@@ -13237,7 +13489,7 @@
               <a:buSzPts val="5760"/>
               <a:buFont typeface="Arial"/>
               <a:buNone/>
-              <a:defRPr b="0" i="0" sz="5760" u="none" cap="none" strike="noStrike">
+              <a:defRPr sz="5760" b="0" i="0" u="none" strike="noStrike" cap="none">
                 <a:solidFill>
                   <a:srgbClr val="888888"/>
                 </a:solidFill>
@@ -13247,7 +13499,7 @@
                 <a:sym typeface="Calibri"/>
               </a:defRPr>
             </a:lvl3pPr>
-            <a:lvl4pPr indent="0" lvl="3" marL="0" marR="0" rtl="0" algn="r">
+            <a:lvl4pPr marL="0" marR="0" lvl="3" indent="0" algn="r" rtl="0">
               <a:lnSpc>
                 <a:spcPct val="100000"/>
               </a:lnSpc>
@@ -13263,7 +13515,7 @@
               <a:buSzPts val="5760"/>
               <a:buFont typeface="Arial"/>
               <a:buNone/>
-              <a:defRPr b="0" i="0" sz="5760" u="none" cap="none" strike="noStrike">
+              <a:defRPr sz="5760" b="0" i="0" u="none" strike="noStrike" cap="none">
                 <a:solidFill>
                   <a:srgbClr val="888888"/>
                 </a:solidFill>
@@ -13273,7 +13525,7 @@
                 <a:sym typeface="Calibri"/>
               </a:defRPr>
             </a:lvl4pPr>
-            <a:lvl5pPr indent="0" lvl="4" marL="0" marR="0" rtl="0" algn="r">
+            <a:lvl5pPr marL="0" marR="0" lvl="4" indent="0" algn="r" rtl="0">
               <a:lnSpc>
                 <a:spcPct val="100000"/>
               </a:lnSpc>
@@ -13289,7 +13541,7 @@
               <a:buSzPts val="5760"/>
               <a:buFont typeface="Arial"/>
               <a:buNone/>
-              <a:defRPr b="0" i="0" sz="5760" u="none" cap="none" strike="noStrike">
+              <a:defRPr sz="5760" b="0" i="0" u="none" strike="noStrike" cap="none">
                 <a:solidFill>
                   <a:srgbClr val="888888"/>
                 </a:solidFill>
@@ -13299,7 +13551,7 @@
                 <a:sym typeface="Calibri"/>
               </a:defRPr>
             </a:lvl5pPr>
-            <a:lvl6pPr indent="0" lvl="5" marL="0" marR="0" rtl="0" algn="r">
+            <a:lvl6pPr marL="0" marR="0" lvl="5" indent="0" algn="r" rtl="0">
               <a:lnSpc>
                 <a:spcPct val="100000"/>
               </a:lnSpc>
@@ -13315,7 +13567,7 @@
               <a:buSzPts val="5760"/>
               <a:buFont typeface="Arial"/>
               <a:buNone/>
-              <a:defRPr b="0" i="0" sz="5760" u="none" cap="none" strike="noStrike">
+              <a:defRPr sz="5760" b="0" i="0" u="none" strike="noStrike" cap="none">
                 <a:solidFill>
                   <a:srgbClr val="888888"/>
                 </a:solidFill>
@@ -13325,7 +13577,7 @@
                 <a:sym typeface="Calibri"/>
               </a:defRPr>
             </a:lvl6pPr>
-            <a:lvl7pPr indent="0" lvl="6" marL="0" marR="0" rtl="0" algn="r">
+            <a:lvl7pPr marL="0" marR="0" lvl="6" indent="0" algn="r" rtl="0">
               <a:lnSpc>
                 <a:spcPct val="100000"/>
               </a:lnSpc>
@@ -13341,7 +13593,7 @@
               <a:buSzPts val="5760"/>
               <a:buFont typeface="Arial"/>
               <a:buNone/>
-              <a:defRPr b="0" i="0" sz="5760" u="none" cap="none" strike="noStrike">
+              <a:defRPr sz="5760" b="0" i="0" u="none" strike="noStrike" cap="none">
                 <a:solidFill>
                   <a:srgbClr val="888888"/>
                 </a:solidFill>
@@ -13351,7 +13603,7 @@
                 <a:sym typeface="Calibri"/>
               </a:defRPr>
             </a:lvl7pPr>
-            <a:lvl8pPr indent="0" lvl="7" marL="0" marR="0" rtl="0" algn="r">
+            <a:lvl8pPr marL="0" marR="0" lvl="7" indent="0" algn="r" rtl="0">
               <a:lnSpc>
                 <a:spcPct val="100000"/>
               </a:lnSpc>
@@ -13367,7 +13619,7 @@
               <a:buSzPts val="5760"/>
               <a:buFont typeface="Arial"/>
               <a:buNone/>
-              <a:defRPr b="0" i="0" sz="5760" u="none" cap="none" strike="noStrike">
+              <a:defRPr sz="5760" b="0" i="0" u="none" strike="noStrike" cap="none">
                 <a:solidFill>
                   <a:srgbClr val="888888"/>
                 </a:solidFill>
@@ -13377,7 +13629,7 @@
                 <a:sym typeface="Calibri"/>
               </a:defRPr>
             </a:lvl8pPr>
-            <a:lvl9pPr indent="0" lvl="8" marL="0" marR="0" rtl="0" algn="r">
+            <a:lvl9pPr marL="0" marR="0" lvl="8" indent="0" algn="r" rtl="0">
               <a:lnSpc>
                 <a:spcPct val="100000"/>
               </a:lnSpc>
@@ -13393,7 +13645,7 @@
               <a:buSzPts val="5760"/>
               <a:buFont typeface="Arial"/>
               <a:buNone/>
-              <a:defRPr b="0" i="0" sz="5760" u="none" cap="none" strike="noStrike">
+              <a:defRPr sz="5760" b="0" i="0" u="none" strike="noStrike" cap="none">
                 <a:solidFill>
                   <a:srgbClr val="888888"/>
                 </a:solidFill>
@@ -13405,7 +13657,7 @@
             </a:lvl9pPr>
           </a:lstStyle>
           <a:p>
-            <a:pPr indent="0" lvl="0" marL="0" rtl="0" algn="r">
+            <a:pPr marL="0" lvl="0" indent="0" algn="r" rtl="0">
               <a:spcBef>
                 <a:spcPts val="0"/>
               </a:spcBef>
@@ -13424,7 +13676,7 @@
       </p:sp>
     </p:spTree>
   </p:cSld>
-  <p:clrMap accent1="accent1" accent2="accent2" accent3="accent3" accent4="accent4" accent5="accent5" accent6="accent6" bg1="lt1" bg2="dk2" tx1="dk1" tx2="lt2" folHlink="folHlink" hlink="hlink"/>
+  <p:clrMap bg1="lt1" tx1="dk1" bg2="dk2" tx2="lt2" accent1="accent1" accent2="accent2" accent3="accent3" accent4="accent4" accent5="accent5" accent6="accent6" hlink="hlink" folHlink="folHlink"/>
   <p:sldLayoutIdLst>
     <p:sldLayoutId id="2147483648" r:id="rId1"/>
     <p:sldLayoutId id="2147483649" r:id="rId2"/>
@@ -13438,10 +13690,10 @@
     <p:sldLayoutId id="2147483657" r:id="rId10"/>
     <p:sldLayoutId id="2147483658" r:id="rId11"/>
   </p:sldLayoutIdLst>
-  <p:hf dt="0" ftr="0" hdr="0" sldNum="0"/>
+  <p:hf sldNum="0" hdr="0" ftr="0" dt="0"/>
   <p:txStyles>
     <p:titleStyle>
-      <a:defPPr lvl="0" marR="0" rtl="0" algn="l">
+      <a:defPPr marR="0" lvl="0" algn="l" rtl="0">
         <a:lnSpc>
           <a:spcPct val="100000"/>
         </a:lnSpc>
@@ -13452,7 +13704,7 @@
           <a:spcPts val="0"/>
         </a:spcAft>
       </a:defPPr>
-      <a:lvl1pPr lvl="0" marR="0" rtl="0" algn="l">
+      <a:lvl1pPr marR="0" lvl="0" algn="l" rtl="0">
         <a:lnSpc>
           <a:spcPct val="100000"/>
         </a:lnSpc>
@@ -13466,7 +13718,7 @@
           <a:srgbClr val="000000"/>
         </a:buClr>
         <a:buFont typeface="Arial"/>
-        <a:defRPr b="0" i="0" sz="1400" u="none" cap="none" strike="noStrike">
+        <a:defRPr sz="1400" b="0" i="0" u="none" strike="noStrike" cap="none">
           <a:solidFill>
             <a:srgbClr val="000000"/>
           </a:solidFill>
@@ -13476,7 +13728,7 @@
           <a:sym typeface="Arial"/>
         </a:defRPr>
       </a:lvl1pPr>
-      <a:lvl2pPr lvl="1" marR="0" rtl="0" algn="l">
+      <a:lvl2pPr marR="0" lvl="1" algn="l" rtl="0">
         <a:lnSpc>
           <a:spcPct val="100000"/>
         </a:lnSpc>
@@ -13490,7 +13742,7 @@
           <a:srgbClr val="000000"/>
         </a:buClr>
         <a:buFont typeface="Arial"/>
-        <a:defRPr b="0" i="0" sz="1400" u="none" cap="none" strike="noStrike">
+        <a:defRPr sz="1400" b="0" i="0" u="none" strike="noStrike" cap="none">
           <a:solidFill>
             <a:srgbClr val="000000"/>
           </a:solidFill>
@@ -13500,7 +13752,7 @@
           <a:sym typeface="Arial"/>
         </a:defRPr>
       </a:lvl2pPr>
-      <a:lvl3pPr lvl="2" marR="0" rtl="0" algn="l">
+      <a:lvl3pPr marR="0" lvl="2" algn="l" rtl="0">
         <a:lnSpc>
           <a:spcPct val="100000"/>
         </a:lnSpc>
@@ -13514,7 +13766,7 @@
           <a:srgbClr val="000000"/>
         </a:buClr>
         <a:buFont typeface="Arial"/>
-        <a:defRPr b="0" i="0" sz="1400" u="none" cap="none" strike="noStrike">
+        <a:defRPr sz="1400" b="0" i="0" u="none" strike="noStrike" cap="none">
           <a:solidFill>
             <a:srgbClr val="000000"/>
           </a:solidFill>
@@ -13524,7 +13776,7 @@
           <a:sym typeface="Arial"/>
         </a:defRPr>
       </a:lvl3pPr>
-      <a:lvl4pPr lvl="3" marR="0" rtl="0" algn="l">
+      <a:lvl4pPr marR="0" lvl="3" algn="l" rtl="0">
         <a:lnSpc>
           <a:spcPct val="100000"/>
         </a:lnSpc>
@@ -13538,7 +13790,7 @@
           <a:srgbClr val="000000"/>
         </a:buClr>
         <a:buFont typeface="Arial"/>
-        <a:defRPr b="0" i="0" sz="1400" u="none" cap="none" strike="noStrike">
+        <a:defRPr sz="1400" b="0" i="0" u="none" strike="noStrike" cap="none">
           <a:solidFill>
             <a:srgbClr val="000000"/>
           </a:solidFill>
@@ -13548,7 +13800,7 @@
           <a:sym typeface="Arial"/>
         </a:defRPr>
       </a:lvl4pPr>
-      <a:lvl5pPr lvl="4" marR="0" rtl="0" algn="l">
+      <a:lvl5pPr marR="0" lvl="4" algn="l" rtl="0">
         <a:lnSpc>
           <a:spcPct val="100000"/>
         </a:lnSpc>
@@ -13562,7 +13814,7 @@
           <a:srgbClr val="000000"/>
         </a:buClr>
         <a:buFont typeface="Arial"/>
-        <a:defRPr b="0" i="0" sz="1400" u="none" cap="none" strike="noStrike">
+        <a:defRPr sz="1400" b="0" i="0" u="none" strike="noStrike" cap="none">
           <a:solidFill>
             <a:srgbClr val="000000"/>
           </a:solidFill>
@@ -13572,7 +13824,7 @@
           <a:sym typeface="Arial"/>
         </a:defRPr>
       </a:lvl5pPr>
-      <a:lvl6pPr lvl="5" marR="0" rtl="0" algn="l">
+      <a:lvl6pPr marR="0" lvl="5" algn="l" rtl="0">
         <a:lnSpc>
           <a:spcPct val="100000"/>
         </a:lnSpc>
@@ -13586,7 +13838,7 @@
           <a:srgbClr val="000000"/>
         </a:buClr>
         <a:buFont typeface="Arial"/>
-        <a:defRPr b="0" i="0" sz="1400" u="none" cap="none" strike="noStrike">
+        <a:defRPr sz="1400" b="0" i="0" u="none" strike="noStrike" cap="none">
           <a:solidFill>
             <a:srgbClr val="000000"/>
           </a:solidFill>
@@ -13596,7 +13848,7 @@
           <a:sym typeface="Arial"/>
         </a:defRPr>
       </a:lvl6pPr>
-      <a:lvl7pPr lvl="6" marR="0" rtl="0" algn="l">
+      <a:lvl7pPr marR="0" lvl="6" algn="l" rtl="0">
         <a:lnSpc>
           <a:spcPct val="100000"/>
         </a:lnSpc>
@@ -13610,7 +13862,7 @@
           <a:srgbClr val="000000"/>
         </a:buClr>
         <a:buFont typeface="Arial"/>
-        <a:defRPr b="0" i="0" sz="1400" u="none" cap="none" strike="noStrike">
+        <a:defRPr sz="1400" b="0" i="0" u="none" strike="noStrike" cap="none">
           <a:solidFill>
             <a:srgbClr val="000000"/>
           </a:solidFill>
@@ -13620,7 +13872,7 @@
           <a:sym typeface="Arial"/>
         </a:defRPr>
       </a:lvl7pPr>
-      <a:lvl8pPr lvl="7" marR="0" rtl="0" algn="l">
+      <a:lvl8pPr marR="0" lvl="7" algn="l" rtl="0">
         <a:lnSpc>
           <a:spcPct val="100000"/>
         </a:lnSpc>
@@ -13634,7 +13886,7 @@
           <a:srgbClr val="000000"/>
         </a:buClr>
         <a:buFont typeface="Arial"/>
-        <a:defRPr b="0" i="0" sz="1400" u="none" cap="none" strike="noStrike">
+        <a:defRPr sz="1400" b="0" i="0" u="none" strike="noStrike" cap="none">
           <a:solidFill>
             <a:srgbClr val="000000"/>
           </a:solidFill>
@@ -13644,7 +13896,7 @@
           <a:sym typeface="Arial"/>
         </a:defRPr>
       </a:lvl8pPr>
-      <a:lvl9pPr lvl="8" marR="0" rtl="0" algn="l">
+      <a:lvl9pPr marR="0" lvl="8" algn="l" rtl="0">
         <a:lnSpc>
           <a:spcPct val="100000"/>
         </a:lnSpc>
@@ -13658,7 +13910,7 @@
           <a:srgbClr val="000000"/>
         </a:buClr>
         <a:buFont typeface="Arial"/>
-        <a:defRPr b="0" i="0" sz="1400" u="none" cap="none" strike="noStrike">
+        <a:defRPr sz="1400" b="0" i="0" u="none" strike="noStrike" cap="none">
           <a:solidFill>
             <a:srgbClr val="000000"/>
           </a:solidFill>
@@ -13670,7 +13922,7 @@
       </a:lvl9pPr>
     </p:titleStyle>
     <p:bodyStyle>
-      <a:defPPr lvl="0" marR="0" rtl="0" algn="l">
+      <a:defPPr marR="0" lvl="0" algn="l" rtl="0">
         <a:lnSpc>
           <a:spcPct val="100000"/>
         </a:lnSpc>
@@ -13681,7 +13933,7 @@
           <a:spcPts val="0"/>
         </a:spcAft>
       </a:defPPr>
-      <a:lvl1pPr lvl="0" marR="0" rtl="0" algn="l">
+      <a:lvl1pPr marR="0" lvl="0" algn="l" rtl="0">
         <a:lnSpc>
           <a:spcPct val="100000"/>
         </a:lnSpc>
@@ -13695,7 +13947,7 @@
           <a:srgbClr val="000000"/>
         </a:buClr>
         <a:buFont typeface="Arial"/>
-        <a:defRPr b="0" i="0" sz="1400" u="none" cap="none" strike="noStrike">
+        <a:defRPr sz="1400" b="0" i="0" u="none" strike="noStrike" cap="none">
           <a:solidFill>
             <a:srgbClr val="000000"/>
           </a:solidFill>
@@ -13705,7 +13957,7 @@
           <a:sym typeface="Arial"/>
         </a:defRPr>
       </a:lvl1pPr>
-      <a:lvl2pPr lvl="1" marR="0" rtl="0" algn="l">
+      <a:lvl2pPr marR="0" lvl="1" algn="l" rtl="0">
         <a:lnSpc>
           <a:spcPct val="100000"/>
         </a:lnSpc>
@@ -13719,7 +13971,7 @@
           <a:srgbClr val="000000"/>
         </a:buClr>
         <a:buFont typeface="Arial"/>
-        <a:defRPr b="0" i="0" sz="1400" u="none" cap="none" strike="noStrike">
+        <a:defRPr sz="1400" b="0" i="0" u="none" strike="noStrike" cap="none">
           <a:solidFill>
             <a:srgbClr val="000000"/>
           </a:solidFill>
@@ -13729,7 +13981,7 @@
           <a:sym typeface="Arial"/>
         </a:defRPr>
       </a:lvl2pPr>
-      <a:lvl3pPr lvl="2" marR="0" rtl="0" algn="l">
+      <a:lvl3pPr marR="0" lvl="2" algn="l" rtl="0">
         <a:lnSpc>
           <a:spcPct val="100000"/>
         </a:lnSpc>
@@ -13743,7 +13995,7 @@
           <a:srgbClr val="000000"/>
         </a:buClr>
         <a:buFont typeface="Arial"/>
-        <a:defRPr b="0" i="0" sz="1400" u="none" cap="none" strike="noStrike">
+        <a:defRPr sz="1400" b="0" i="0" u="none" strike="noStrike" cap="none">
           <a:solidFill>
             <a:srgbClr val="000000"/>
           </a:solidFill>
@@ -13753,7 +14005,7 @@
           <a:sym typeface="Arial"/>
         </a:defRPr>
       </a:lvl3pPr>
-      <a:lvl4pPr lvl="3" marR="0" rtl="0" algn="l">
+      <a:lvl4pPr marR="0" lvl="3" algn="l" rtl="0">
         <a:lnSpc>
           <a:spcPct val="100000"/>
         </a:lnSpc>
@@ -13767,7 +14019,7 @@
           <a:srgbClr val="000000"/>
         </a:buClr>
         <a:buFont typeface="Arial"/>
-        <a:defRPr b="0" i="0" sz="1400" u="none" cap="none" strike="noStrike">
+        <a:defRPr sz="1400" b="0" i="0" u="none" strike="noStrike" cap="none">
           <a:solidFill>
             <a:srgbClr val="000000"/>
           </a:solidFill>
@@ -13777,7 +14029,7 @@
           <a:sym typeface="Arial"/>
         </a:defRPr>
       </a:lvl4pPr>
-      <a:lvl5pPr lvl="4" marR="0" rtl="0" algn="l">
+      <a:lvl5pPr marR="0" lvl="4" algn="l" rtl="0">
         <a:lnSpc>
           <a:spcPct val="100000"/>
         </a:lnSpc>
@@ -13791,7 +14043,7 @@
           <a:srgbClr val="000000"/>
         </a:buClr>
         <a:buFont typeface="Arial"/>
-        <a:defRPr b="0" i="0" sz="1400" u="none" cap="none" strike="noStrike">
+        <a:defRPr sz="1400" b="0" i="0" u="none" strike="noStrike" cap="none">
           <a:solidFill>
             <a:srgbClr val="000000"/>
           </a:solidFill>
@@ -13801,7 +14053,7 @@
           <a:sym typeface="Arial"/>
         </a:defRPr>
       </a:lvl5pPr>
-      <a:lvl6pPr lvl="5" marR="0" rtl="0" algn="l">
+      <a:lvl6pPr marR="0" lvl="5" algn="l" rtl="0">
         <a:lnSpc>
           <a:spcPct val="100000"/>
         </a:lnSpc>
@@ -13815,7 +14067,7 @@
           <a:srgbClr val="000000"/>
         </a:buClr>
         <a:buFont typeface="Arial"/>
-        <a:defRPr b="0" i="0" sz="1400" u="none" cap="none" strike="noStrike">
+        <a:defRPr sz="1400" b="0" i="0" u="none" strike="noStrike" cap="none">
           <a:solidFill>
             <a:srgbClr val="000000"/>
           </a:solidFill>
@@ -13825,7 +14077,7 @@
           <a:sym typeface="Arial"/>
         </a:defRPr>
       </a:lvl6pPr>
-      <a:lvl7pPr lvl="6" marR="0" rtl="0" algn="l">
+      <a:lvl7pPr marR="0" lvl="6" algn="l" rtl="0">
         <a:lnSpc>
           <a:spcPct val="100000"/>
         </a:lnSpc>
@@ -13839,7 +14091,7 @@
           <a:srgbClr val="000000"/>
         </a:buClr>
         <a:buFont typeface="Arial"/>
-        <a:defRPr b="0" i="0" sz="1400" u="none" cap="none" strike="noStrike">
+        <a:defRPr sz="1400" b="0" i="0" u="none" strike="noStrike" cap="none">
           <a:solidFill>
             <a:srgbClr val="000000"/>
           </a:solidFill>
@@ -13849,7 +14101,7 @@
           <a:sym typeface="Arial"/>
         </a:defRPr>
       </a:lvl7pPr>
-      <a:lvl8pPr lvl="7" marR="0" rtl="0" algn="l">
+      <a:lvl8pPr marR="0" lvl="7" algn="l" rtl="0">
         <a:lnSpc>
           <a:spcPct val="100000"/>
         </a:lnSpc>
@@ -13863,7 +14115,7 @@
           <a:srgbClr val="000000"/>
         </a:buClr>
         <a:buFont typeface="Arial"/>
-        <a:defRPr b="0" i="0" sz="1400" u="none" cap="none" strike="noStrike">
+        <a:defRPr sz="1400" b="0" i="0" u="none" strike="noStrike" cap="none">
           <a:solidFill>
             <a:srgbClr val="000000"/>
           </a:solidFill>
@@ -13873,7 +14125,7 @@
           <a:sym typeface="Arial"/>
         </a:defRPr>
       </a:lvl8pPr>
-      <a:lvl9pPr lvl="8" marR="0" rtl="0" algn="l">
+      <a:lvl9pPr marR="0" lvl="8" algn="l" rtl="0">
         <a:lnSpc>
           <a:spcPct val="100000"/>
         </a:lnSpc>
@@ -13887,7 +14139,7 @@
           <a:srgbClr val="000000"/>
         </a:buClr>
         <a:buFont typeface="Arial"/>
-        <a:defRPr b="0" i="0" sz="1400" u="none" cap="none" strike="noStrike">
+        <a:defRPr sz="1400" b="0" i="0" u="none" strike="noStrike" cap="none">
           <a:solidFill>
             <a:srgbClr val="000000"/>
           </a:solidFill>
@@ -13899,7 +14151,7 @@
       </a:lvl9pPr>
     </p:bodyStyle>
     <p:otherStyle>
-      <a:defPPr lvl="0" marR="0" rtl="0" algn="l">
+      <a:defPPr marR="0" lvl="0" algn="l" rtl="0">
         <a:lnSpc>
           <a:spcPct val="100000"/>
         </a:lnSpc>
@@ -13910,7 +14162,7 @@
           <a:spcPts val="0"/>
         </a:spcAft>
       </a:defPPr>
-      <a:lvl1pPr lvl="0" marR="0" rtl="0" algn="l">
+      <a:lvl1pPr marR="0" lvl="0" algn="l" rtl="0">
         <a:lnSpc>
           <a:spcPct val="100000"/>
         </a:lnSpc>
@@ -13924,7 +14176,7 @@
           <a:srgbClr val="000000"/>
         </a:buClr>
         <a:buFont typeface="Arial"/>
-        <a:defRPr b="0" i="0" sz="1400" u="none" cap="none" strike="noStrike">
+        <a:defRPr sz="1400" b="0" i="0" u="none" strike="noStrike" cap="none">
           <a:solidFill>
             <a:srgbClr val="000000"/>
           </a:solidFill>
@@ -13934,7 +14186,7 @@
           <a:sym typeface="Arial"/>
         </a:defRPr>
       </a:lvl1pPr>
-      <a:lvl2pPr lvl="1" marR="0" rtl="0" algn="l">
+      <a:lvl2pPr marR="0" lvl="1" algn="l" rtl="0">
         <a:lnSpc>
           <a:spcPct val="100000"/>
         </a:lnSpc>
@@ -13948,7 +14200,7 @@
           <a:srgbClr val="000000"/>
         </a:buClr>
         <a:buFont typeface="Arial"/>
-        <a:defRPr b="0" i="0" sz="1400" u="none" cap="none" strike="noStrike">
+        <a:defRPr sz="1400" b="0" i="0" u="none" strike="noStrike" cap="none">
           <a:solidFill>
             <a:srgbClr val="000000"/>
           </a:solidFill>
@@ -13958,7 +14210,7 @@
           <a:sym typeface="Arial"/>
         </a:defRPr>
       </a:lvl2pPr>
-      <a:lvl3pPr lvl="2" marR="0" rtl="0" algn="l">
+      <a:lvl3pPr marR="0" lvl="2" algn="l" rtl="0">
         <a:lnSpc>
           <a:spcPct val="100000"/>
         </a:lnSpc>
@@ -13972,7 +14224,7 @@
           <a:srgbClr val="000000"/>
         </a:buClr>
         <a:buFont typeface="Arial"/>
-        <a:defRPr b="0" i="0" sz="1400" u="none" cap="none" strike="noStrike">
+        <a:defRPr sz="1400" b="0" i="0" u="none" strike="noStrike" cap="none">
           <a:solidFill>
             <a:srgbClr val="000000"/>
           </a:solidFill>
@@ -13982,7 +14234,7 @@
           <a:sym typeface="Arial"/>
         </a:defRPr>
       </a:lvl3pPr>
-      <a:lvl4pPr lvl="3" marR="0" rtl="0" algn="l">
+      <a:lvl4pPr marR="0" lvl="3" algn="l" rtl="0">
         <a:lnSpc>
           <a:spcPct val="100000"/>
         </a:lnSpc>
@@ -13996,7 +14248,7 @@
           <a:srgbClr val="000000"/>
         </a:buClr>
         <a:buFont typeface="Arial"/>
-        <a:defRPr b="0" i="0" sz="1400" u="none" cap="none" strike="noStrike">
+        <a:defRPr sz="1400" b="0" i="0" u="none" strike="noStrike" cap="none">
           <a:solidFill>
             <a:srgbClr val="000000"/>
           </a:solidFill>
@@ -14006,7 +14258,7 @@
           <a:sym typeface="Arial"/>
         </a:defRPr>
       </a:lvl4pPr>
-      <a:lvl5pPr lvl="4" marR="0" rtl="0" algn="l">
+      <a:lvl5pPr marR="0" lvl="4" algn="l" rtl="0">
         <a:lnSpc>
           <a:spcPct val="100000"/>
         </a:lnSpc>
@@ -14020,7 +14272,7 @@
           <a:srgbClr val="000000"/>
         </a:buClr>
         <a:buFont typeface="Arial"/>
-        <a:defRPr b="0" i="0" sz="1400" u="none" cap="none" strike="noStrike">
+        <a:defRPr sz="1400" b="0" i="0" u="none" strike="noStrike" cap="none">
           <a:solidFill>
             <a:srgbClr val="000000"/>
           </a:solidFill>
@@ -14030,7 +14282,7 @@
           <a:sym typeface="Arial"/>
         </a:defRPr>
       </a:lvl5pPr>
-      <a:lvl6pPr lvl="5" marR="0" rtl="0" algn="l">
+      <a:lvl6pPr marR="0" lvl="5" algn="l" rtl="0">
         <a:lnSpc>
           <a:spcPct val="100000"/>
         </a:lnSpc>
@@ -14044,7 +14296,7 @@
           <a:srgbClr val="000000"/>
         </a:buClr>
         <a:buFont typeface="Arial"/>
-        <a:defRPr b="0" i="0" sz="1400" u="none" cap="none" strike="noStrike">
+        <a:defRPr sz="1400" b="0" i="0" u="none" strike="noStrike" cap="none">
           <a:solidFill>
             <a:srgbClr val="000000"/>
           </a:solidFill>
@@ -14054,7 +14306,7 @@
           <a:sym typeface="Arial"/>
         </a:defRPr>
       </a:lvl6pPr>
-      <a:lvl7pPr lvl="6" marR="0" rtl="0" algn="l">
+      <a:lvl7pPr marR="0" lvl="6" algn="l" rtl="0">
         <a:lnSpc>
           <a:spcPct val="100000"/>
         </a:lnSpc>
@@ -14068,7 +14320,7 @@
           <a:srgbClr val="000000"/>
         </a:buClr>
         <a:buFont typeface="Arial"/>
-        <a:defRPr b="0" i="0" sz="1400" u="none" cap="none" strike="noStrike">
+        <a:defRPr sz="1400" b="0" i="0" u="none" strike="noStrike" cap="none">
           <a:solidFill>
             <a:srgbClr val="000000"/>
           </a:solidFill>
@@ -14078,7 +14330,7 @@
           <a:sym typeface="Arial"/>
         </a:defRPr>
       </a:lvl7pPr>
-      <a:lvl8pPr lvl="7" marR="0" rtl="0" algn="l">
+      <a:lvl8pPr marR="0" lvl="7" algn="l" rtl="0">
         <a:lnSpc>
           <a:spcPct val="100000"/>
         </a:lnSpc>
@@ -14092,7 +14344,7 @@
           <a:srgbClr val="000000"/>
         </a:buClr>
         <a:buFont typeface="Arial"/>
-        <a:defRPr b="0" i="0" sz="1400" u="none" cap="none" strike="noStrike">
+        <a:defRPr sz="1400" b="0" i="0" u="none" strike="noStrike" cap="none">
           <a:solidFill>
             <a:srgbClr val="000000"/>
           </a:solidFill>
@@ -14102,7 +14354,7 @@
           <a:sym typeface="Arial"/>
         </a:defRPr>
       </a:lvl8pPr>
-      <a:lvl9pPr lvl="8" marR="0" rtl="0" algn="l">
+      <a:lvl9pPr marR="0" lvl="8" algn="l" rtl="0">
         <a:lnSpc>
           <a:spcPct val="100000"/>
         </a:lnSpc>
@@ -14116,7 +14368,7 @@
           <a:srgbClr val="000000"/>
         </a:buClr>
         <a:buFont typeface="Arial"/>
-        <a:defRPr b="0" i="0" sz="1400" u="none" cap="none" strike="noStrike">
+        <a:defRPr sz="1400" b="0" i="0" u="none" strike="noStrike" cap="none">
           <a:solidFill>
             <a:srgbClr val="000000"/>
           </a:solidFill>
@@ -14132,11 +14384,11 @@
 </file>
 
 <file path=ppt/slides/slide1.xml><?xml version="1.0" encoding="utf-8"?>
-<p:sld xmlns:a="http://schemas.openxmlformats.org/drawingml/2006/main" xmlns:r="http://schemas.openxmlformats.org/officeDocument/2006/relationships" xmlns:mc="http://schemas.openxmlformats.org/markup-compatibility/2006" xmlns:mv="urn:schemas-microsoft-com:mac:vml" xmlns:p="http://schemas.openxmlformats.org/presentationml/2006/main" xmlns:c="http://schemas.openxmlformats.org/drawingml/2006/chart" xmlns:dgm="http://schemas.openxmlformats.org/drawingml/2006/diagram" xmlns:o="urn:schemas-microsoft-com:office:office" xmlns:v="urn:schemas-microsoft-com:vml" xmlns:pvml="urn:schemas-microsoft-com:office:powerpoint" xmlns:com="http://schemas.openxmlformats.org/drawingml/2006/compatibility" xmlns:p14="http://schemas.microsoft.com/office/powerpoint/2010/main" xmlns:p15="http://schemas.microsoft.com/office/powerpoint/2012/main">
+<p:sld xmlns:a="http://schemas.openxmlformats.org/drawingml/2006/main" xmlns:r="http://schemas.openxmlformats.org/officeDocument/2006/relationships" xmlns:p="http://schemas.openxmlformats.org/presentationml/2006/main">
   <p:cSld>
     <p:spTree>
       <p:nvGrpSpPr>
-        <p:cNvPr id="83" name="Shape 83"/>
+        <p:cNvPr id="1" name="Shape 83"/>
         <p:cNvGrpSpPr/>
         <p:nvPr/>
       </p:nvGrpSpPr>
@@ -14158,7 +14410,7 @@
           <a:blip r:embed="rId3">
             <a:alphaModFix/>
           </a:blip>
-          <a:srcRect b="0" l="0" r="0" t="0"/>
+          <a:srcRect/>
           <a:stretch/>
         </p:blipFill>
         <p:spPr>
@@ -14195,12 +14447,12 @@
           </a:ln>
         </p:spPr>
         <p:txBody>
-          <a:bodyPr anchorCtr="0" anchor="ctr" bIns="68575" lIns="137150" spcFirstLastPara="1" rIns="137150" wrap="square" tIns="68575">
+          <a:bodyPr spcFirstLastPara="1" wrap="square" lIns="137150" tIns="68575" rIns="137150" bIns="68575" anchor="ctr" anchorCtr="0">
             <a:noAutofit/>
           </a:bodyPr>
           <a:lstStyle/>
           <a:p>
-            <a:pPr indent="0" lvl="0" marL="0" marR="0" rtl="0" algn="l">
+            <a:pPr marL="0" marR="0" lvl="0" indent="0" algn="l" rtl="0">
               <a:lnSpc>
                 <a:spcPct val="100000"/>
               </a:lnSpc>
@@ -14218,7 +14470,7 @@
               <a:buNone/>
             </a:pPr>
             <a:r>
-              <a:rPr b="0" i="0" lang="en-US" sz="9800" u="none" cap="none" strike="noStrike">
+              <a:rPr lang="en-US" sz="9800" b="0" i="0" u="none" strike="noStrike" cap="none">
                 <a:solidFill>
                   <a:srgbClr val="EDB21F"/>
                 </a:solidFill>
@@ -14229,7 +14481,7 @@
               </a:rPr>
               <a:t>Fid’Lin</a:t>
             </a:r>
-            <a:endParaRPr b="0" i="0" sz="8200" u="none" cap="none" strike="noStrike">
+            <a:endParaRPr sz="8200" b="0" i="0" u="none" strike="noStrike" cap="none">
               <a:solidFill>
                 <a:srgbClr val="EDB21F"/>
               </a:solidFill>
@@ -14240,7 +14492,7 @@
             </a:endParaRPr>
           </a:p>
           <a:p>
-            <a:pPr indent="0" lvl="0" marL="0" marR="0" rtl="0" algn="l">
+            <a:pPr marL="0" marR="0" lvl="0" indent="0" algn="l" rtl="0">
               <a:lnSpc>
                 <a:spcPct val="100000"/>
               </a:lnSpc>
@@ -14258,7 +14510,7 @@
               <a:buNone/>
             </a:pPr>
             <a:r>
-              <a:rPr b="0" i="1" lang="en-US" sz="4200" u="none" cap="none" strike="noStrike">
+              <a:rPr lang="en-US" sz="4200" b="0" i="1" u="none" strike="noStrike" cap="none">
                 <a:solidFill>
                   <a:schemeClr val="lt1"/>
                 </a:solidFill>
@@ -14269,7 +14521,7 @@
               </a:rPr>
               <a:t>Jakob Beckleheimer, Dylan Brownell, Tanner Groll, Derek Pendleton, &amp; Phil Snider</a:t>
             </a:r>
-            <a:endParaRPr b="0" i="0" sz="1400" u="none" cap="none" strike="noStrike">
+            <a:endParaRPr sz="1400" b="0" i="0" u="none" strike="noStrike" cap="none">
               <a:solidFill>
                 <a:srgbClr val="000000"/>
               </a:solidFill>
@@ -14280,7 +14532,7 @@
             </a:endParaRPr>
           </a:p>
           <a:p>
-            <a:pPr indent="0" lvl="0" marL="0" marR="0" rtl="0" algn="l">
+            <a:pPr marL="0" marR="0" lvl="0" indent="0" algn="l" rtl="0">
               <a:lnSpc>
                 <a:spcPct val="100000"/>
               </a:lnSpc>
@@ -14298,7 +14550,7 @@
               <a:buNone/>
             </a:pPr>
             <a:r>
-              <a:rPr b="0" i="1" lang="en-US" sz="4200" u="none" cap="none" strike="noStrike">
+              <a:rPr lang="en-US" sz="4200" b="0" i="1" u="none" strike="noStrike" cap="none">
                 <a:solidFill>
                   <a:schemeClr val="lt1"/>
                 </a:solidFill>
@@ -14309,7 +14561,7 @@
               </a:rPr>
               <a:t>Team 2</a:t>
             </a:r>
-            <a:endParaRPr b="0" i="0" sz="1400" u="none" cap="none" strike="noStrike">
+            <a:endParaRPr sz="1400" b="0" i="0" u="none" strike="noStrike" cap="none">
               <a:solidFill>
                 <a:srgbClr val="000000"/>
               </a:solidFill>
@@ -14329,8 +14581,8 @@
         </p:nvSpPr>
         <p:spPr>
           <a:xfrm>
-            <a:off x="1442100" y="5304375"/>
-            <a:ext cx="12467100" cy="888300"/>
+            <a:off x="578850" y="5146644"/>
+            <a:ext cx="13330350" cy="1046031"/>
           </a:xfrm>
           <a:prstGeom prst="rect">
             <a:avLst/>
@@ -14343,12 +14595,12 @@
           </a:ln>
         </p:spPr>
         <p:txBody>
-          <a:bodyPr anchorCtr="0" anchor="ctr" bIns="68575" lIns="137150" spcFirstLastPara="1" rIns="137150" wrap="square" tIns="68575">
+          <a:bodyPr spcFirstLastPara="1" wrap="square" lIns="137150" tIns="68575" rIns="137150" bIns="68575" anchor="ctr" anchorCtr="0">
             <a:noAutofit/>
           </a:bodyPr>
           <a:lstStyle/>
           <a:p>
-            <a:pPr indent="0" lvl="0" marL="0" marR="0" rtl="0" algn="l">
+            <a:pPr marL="0" marR="0" lvl="0" indent="0" algn="l" rtl="0">
               <a:lnSpc>
                 <a:spcPct val="100000"/>
               </a:lnSpc>
@@ -14366,7 +14618,7 @@
               <a:buNone/>
             </a:pPr>
             <a:r>
-              <a:rPr b="0" i="0" lang="en-US" sz="5100" u="none" cap="none" strike="noStrike">
+              <a:rPr lang="en-US" sz="5100" b="0" i="0" u="none" strike="noStrike" cap="none" dirty="0">
                 <a:solidFill>
                   <a:schemeClr val="lt1"/>
                 </a:solidFill>
@@ -14377,7 +14629,7 @@
               </a:rPr>
               <a:t>Summary</a:t>
             </a:r>
-            <a:endParaRPr b="0" i="0" sz="1400" u="none" cap="none" strike="noStrike">
+            <a:endParaRPr sz="1400" b="0" i="0" u="none" strike="noStrike" cap="none" dirty="0">
               <a:solidFill>
                 <a:srgbClr val="000000"/>
               </a:solidFill>
@@ -14397,24 +14649,26 @@
         </p:nvSpPr>
         <p:spPr>
           <a:xfrm>
-            <a:off x="1564500" y="6598528"/>
-            <a:ext cx="12222300" cy="11409300"/>
+            <a:off x="578850" y="6884331"/>
+            <a:ext cx="13113088" cy="10814748"/>
           </a:xfrm>
           <a:prstGeom prst="rect">
             <a:avLst/>
           </a:prstGeom>
           <a:noFill/>
           <a:ln>
-            <a:noFill/>
+            <a:solidFill>
+              <a:schemeClr val="tx1"/>
+            </a:solidFill>
           </a:ln>
         </p:spPr>
         <p:txBody>
-          <a:bodyPr anchorCtr="0" anchor="t" bIns="68575" lIns="137150" spcFirstLastPara="1" rIns="137150" wrap="square" tIns="68575">
+          <a:bodyPr spcFirstLastPara="1" wrap="square" lIns="137150" tIns="68575" rIns="137150" bIns="68575" anchor="t" anchorCtr="0">
             <a:noAutofit/>
           </a:bodyPr>
           <a:lstStyle/>
           <a:p>
-            <a:pPr indent="0" lvl="0" marL="0" marR="0" rtl="0" algn="l">
+            <a:pPr marL="0" marR="0" lvl="0" indent="0" algn="l" rtl="0">
               <a:lnSpc>
                 <a:spcPct val="100000"/>
               </a:lnSpc>
@@ -14432,7 +14686,7 @@
               <a:buNone/>
             </a:pPr>
             <a:r>
-              <a:rPr b="0" i="0" lang="en-US" sz="4800" u="none" cap="none" strike="noStrike">
+              <a:rPr lang="en-US" sz="5000" b="0" i="0" u="none" strike="noStrike" cap="none" dirty="0" err="1">
                 <a:solidFill>
                   <a:srgbClr val="000000"/>
                 </a:solidFill>
@@ -14441,22 +14695,22 @@
                 <a:cs typeface="NTR"/>
                 <a:sym typeface="NTR"/>
               </a:rPr>
-              <a:t>Fid’Lin, the fiddle / violin player practice app, is an application intended to aid fiddle or violin players in learning how to play and practice their instrument.</a:t>
+              <a:t>Fid’Lin</a:t>
             </a:r>
             <a:r>
-              <a:rPr lang="en-US" sz="4800">
-                <a:solidFill>
-                  <a:schemeClr val="dk1"/>
+              <a:rPr lang="en-US" sz="5000" b="0" i="0" u="none" strike="noStrike" cap="none" dirty="0">
+                <a:solidFill>
+                  <a:srgbClr val="000000"/>
                 </a:solidFill>
                 <a:latin typeface="NTR"/>
                 <a:ea typeface="NTR"/>
                 <a:cs typeface="NTR"/>
                 <a:sym typeface="NTR"/>
               </a:rPr>
-              <a:t> In order to aid musicians in both tuning their open strings and keeping specific tempos, our application </a:t>
+              <a:t>, the fiddle / violin player practice app, is an application intended to aid fiddle or violin players in learning how to play and practice their instrument.</a:t>
             </a:r>
             <a:r>
-              <a:rPr lang="en-US" sz="4800">
+              <a:rPr lang="en-US" sz="5000" dirty="0">
                 <a:solidFill>
                   <a:schemeClr val="dk1"/>
                 </a:solidFill>
@@ -14465,9 +14719,33 @@
                 <a:cs typeface="NTR"/>
                 <a:sym typeface="NTR"/>
               </a:rPr>
-              <a:t>provides tuning support as well as a metronome feature. Additionally, this application will provide user feedback while he/she plays so that the user can discover what area to focus on when it come to practice. The Fid’Lin features are designed in a manner to aid the user in as many areas as possible while remaining compact and easy to navigate so that our users can utilize their practice time to the fullest. </a:t>
+              <a:t> In order to aid musicians in both tuning their open strings and keeping specific tempos, our application provides tuning support as well as a metronome feature. Additionally, this application will provide user feedback while he/she plays so that the user can discover what area to focus on when it come to practice. The </a:t>
             </a:r>
-            <a:endParaRPr sz="4800">
+            <a:r>
+              <a:rPr lang="en-US" sz="5000" dirty="0" err="1">
+                <a:solidFill>
+                  <a:schemeClr val="dk1"/>
+                </a:solidFill>
+                <a:latin typeface="NTR"/>
+                <a:ea typeface="NTR"/>
+                <a:cs typeface="NTR"/>
+                <a:sym typeface="NTR"/>
+              </a:rPr>
+              <a:t>Fid’Lin</a:t>
+            </a:r>
+            <a:r>
+              <a:rPr lang="en-US" sz="5000" dirty="0">
+                <a:solidFill>
+                  <a:schemeClr val="dk1"/>
+                </a:solidFill>
+                <a:latin typeface="NTR"/>
+                <a:ea typeface="NTR"/>
+                <a:cs typeface="NTR"/>
+                <a:sym typeface="NTR"/>
+              </a:rPr>
+              <a:t> features are designed in a manner to aid the user in as many areas as possible while remaining compact and easy to navigate so that our users can utilize their practice time to the fullest. </a:t>
+            </a:r>
+            <a:endParaRPr sz="5000" dirty="0">
               <a:latin typeface="NTR"/>
               <a:ea typeface="NTR"/>
               <a:cs typeface="NTR"/>
@@ -14498,12 +14776,12 @@
           </a:ln>
         </p:spPr>
         <p:txBody>
-          <a:bodyPr anchorCtr="0" anchor="ctr" bIns="68575" lIns="137150" spcFirstLastPara="1" rIns="137150" wrap="square" tIns="68575">
+          <a:bodyPr spcFirstLastPara="1" wrap="square" lIns="137150" tIns="68575" rIns="137150" bIns="68575" anchor="ctr" anchorCtr="0">
             <a:noAutofit/>
           </a:bodyPr>
           <a:lstStyle/>
           <a:p>
-            <a:pPr indent="0" lvl="0" marL="0" marR="0" rtl="0" algn="l">
+            <a:pPr marL="0" marR="0" lvl="0" indent="0" algn="l" rtl="0">
               <a:lnSpc>
                 <a:spcPct val="100000"/>
               </a:lnSpc>
@@ -14521,7 +14799,7 @@
               <a:buNone/>
             </a:pPr>
             <a:r>
-              <a:rPr b="0" i="0" lang="en-US" sz="5100" u="none" cap="none" strike="noStrike">
+              <a:rPr lang="en-US" sz="5100" b="0" i="0" u="none" strike="noStrike" cap="none">
                 <a:solidFill>
                   <a:schemeClr val="lt1"/>
                 </a:solidFill>
@@ -14532,7 +14810,7 @@
               </a:rPr>
               <a:t>Motivation</a:t>
             </a:r>
-            <a:endParaRPr b="0" i="0" sz="1400" u="none" cap="none" strike="noStrike">
+            <a:endParaRPr sz="1400" b="0" i="0" u="none" strike="noStrike" cap="none">
               <a:solidFill>
                 <a:srgbClr val="000000"/>
               </a:solidFill>
@@ -14552,24 +14830,26 @@
         </p:nvSpPr>
         <p:spPr>
           <a:xfrm>
-            <a:off x="578850" y="19262650"/>
-            <a:ext cx="14558700" cy="10924200"/>
+            <a:off x="553326" y="19412568"/>
+            <a:ext cx="14323500" cy="10774281"/>
           </a:xfrm>
           <a:prstGeom prst="rect">
             <a:avLst/>
           </a:prstGeom>
           <a:noFill/>
           <a:ln>
-            <a:noFill/>
+            <a:solidFill>
+              <a:schemeClr val="tx1"/>
+            </a:solidFill>
           </a:ln>
         </p:spPr>
         <p:txBody>
-          <a:bodyPr anchorCtr="0" anchor="t" bIns="68575" lIns="137150" spcFirstLastPara="1" rIns="137150" wrap="square" tIns="68575">
+          <a:bodyPr spcFirstLastPara="1" wrap="square" lIns="137150" tIns="68575" rIns="137150" bIns="68575" anchor="t" anchorCtr="0">
             <a:noAutofit/>
           </a:bodyPr>
           <a:lstStyle/>
           <a:p>
-            <a:pPr indent="0" lvl="0" marL="0" marR="0" rtl="0" algn="l">
+            <a:pPr marL="0" marR="0" lvl="0" indent="0" algn="l" rtl="0">
               <a:lnSpc>
                 <a:spcPct val="100000"/>
               </a:lnSpc>
@@ -14587,7 +14867,7 @@
               <a:buNone/>
             </a:pPr>
             <a:r>
-              <a:rPr b="0" i="0" lang="en-US" sz="4800" u="none" cap="none" strike="noStrike">
+              <a:rPr lang="en-US" sz="5000" b="0" i="0" u="none" strike="noStrike" cap="none" dirty="0">
                 <a:solidFill>
                   <a:schemeClr val="dk1"/>
                 </a:solidFill>
@@ -14599,7 +14879,7 @@
               <a:t>Learning to play a musical instrument can be a difficult and time consuming process. Regular practice is an important part of learning an instrument. Thus, in order to effectively learn an instrument, practice must be done in an efficient manner. For a stringed instrument such as a fiddle or violin, this means checking if the open strings are tuned correctly as well as checking if the fiddler’s fingers are in the correct position.</a:t>
             </a:r>
             <a:r>
-              <a:rPr lang="en-US" sz="4800">
+              <a:rPr lang="en-US" sz="5000" dirty="0">
                 <a:solidFill>
                   <a:schemeClr val="dk1"/>
                 </a:solidFill>
@@ -14608,33 +14888,9 @@
                 <a:cs typeface="NTR"/>
                 <a:sym typeface="NTR"/>
               </a:rPr>
-              <a:t> The current market lacks an application that aids in all of these fields while also maintaining ease of use. We set out to create an all-inclusive fiddle / violin practice app that would remain simplistic in nature as to allow first time users to hop right into their practice without wasting time learning the </a:t>
+              <a:t> The current market lacks an application that aids in all of these fields while also maintaining ease of use. We set out to create an all-inclusive fiddle / violin practice app that would remain simplistic in nature as to allow first time users to hop right into their practice without wasting time learning the intricacies that many modern application come with.</a:t>
             </a:r>
-            <a:r>
-              <a:rPr lang="en-US" sz="4800">
-                <a:solidFill>
-                  <a:schemeClr val="dk1"/>
-                </a:solidFill>
-                <a:latin typeface="NTR"/>
-                <a:ea typeface="NTR"/>
-                <a:cs typeface="NTR"/>
-                <a:sym typeface="NTR"/>
-              </a:rPr>
-              <a:t>intricacies</a:t>
-            </a:r>
-            <a:r>
-              <a:rPr lang="en-US" sz="4800">
-                <a:solidFill>
-                  <a:schemeClr val="dk1"/>
-                </a:solidFill>
-                <a:latin typeface="NTR"/>
-                <a:ea typeface="NTR"/>
-                <a:cs typeface="NTR"/>
-                <a:sym typeface="NTR"/>
-              </a:rPr>
-              <a:t> that many modern application come with.</a:t>
-            </a:r>
-            <a:endParaRPr b="0" i="0" sz="4800" u="none" cap="none" strike="noStrike">
+            <a:endParaRPr sz="5000" b="0" i="0" u="none" strike="noStrike" cap="none" dirty="0">
               <a:solidFill>
                 <a:schemeClr val="dk1"/>
               </a:solidFill>
@@ -14668,12 +14924,12 @@
           </a:ln>
         </p:spPr>
         <p:txBody>
-          <a:bodyPr anchorCtr="0" anchor="ctr" bIns="68575" lIns="137150" spcFirstLastPara="1" rIns="137150" wrap="square" tIns="68575">
+          <a:bodyPr spcFirstLastPara="1" wrap="square" lIns="137150" tIns="68575" rIns="137150" bIns="68575" anchor="ctr" anchorCtr="0">
             <a:noAutofit/>
           </a:bodyPr>
           <a:lstStyle/>
           <a:p>
-            <a:pPr indent="0" lvl="0" marL="0" marR="0" rtl="0" algn="l">
+            <a:pPr marL="0" marR="0" lvl="0" indent="0" algn="l" rtl="0">
               <a:lnSpc>
                 <a:spcPct val="100000"/>
               </a:lnSpc>
@@ -14691,7 +14947,7 @@
               <a:buNone/>
             </a:pPr>
             <a:r>
-              <a:rPr b="0" i="0" lang="en-US" sz="5100" u="none" cap="none" strike="noStrike">
+              <a:rPr lang="en-US" sz="5100" b="0" i="0" u="none" strike="noStrike" cap="none">
                 <a:solidFill>
                   <a:schemeClr val="lt1"/>
                 </a:solidFill>
@@ -14702,7 +14958,7 @@
               </a:rPr>
               <a:t>Project Description</a:t>
             </a:r>
-            <a:endParaRPr b="0" i="0" sz="1400" u="none" cap="none" strike="noStrike">
+            <a:endParaRPr sz="1400" b="0" i="0" u="none" strike="noStrike" cap="none">
               <a:solidFill>
                 <a:srgbClr val="000000"/>
               </a:solidFill>
@@ -14722,8 +14978,8 @@
         </p:nvSpPr>
         <p:spPr>
           <a:xfrm>
-            <a:off x="32757400" y="6192675"/>
-            <a:ext cx="10109700" cy="969900"/>
+            <a:off x="32753100" y="5648264"/>
+            <a:ext cx="10109700" cy="888300"/>
           </a:xfrm>
           <a:prstGeom prst="rect">
             <a:avLst/>
@@ -14736,12 +14992,12 @@
           </a:ln>
         </p:spPr>
         <p:txBody>
-          <a:bodyPr anchorCtr="0" anchor="ctr" bIns="68575" lIns="137150" spcFirstLastPara="1" rIns="137150" wrap="square" tIns="68575">
+          <a:bodyPr spcFirstLastPara="1" wrap="square" lIns="137150" tIns="68575" rIns="137150" bIns="68575" anchor="ctr" anchorCtr="0">
             <a:noAutofit/>
           </a:bodyPr>
           <a:lstStyle/>
           <a:p>
-            <a:pPr indent="0" lvl="0" marL="0" marR="0" rtl="0" algn="l">
+            <a:pPr marL="0" marR="0" lvl="0" indent="0" algn="l" rtl="0">
               <a:lnSpc>
                 <a:spcPct val="100000"/>
               </a:lnSpc>
@@ -14759,7 +15015,7 @@
               <a:buNone/>
             </a:pPr>
             <a:r>
-              <a:rPr b="0" i="0" lang="en-US" sz="5100" u="none" cap="none" strike="noStrike">
+              <a:rPr lang="en-US" sz="5100" b="0" i="0" u="none" strike="noStrike" cap="none">
                 <a:solidFill>
                   <a:schemeClr val="lt1"/>
                 </a:solidFill>
@@ -14770,7 +15026,7 @@
               </a:rPr>
               <a:t>Methods &amp; tools used</a:t>
             </a:r>
-            <a:endParaRPr b="0" i="0" sz="1400" u="none" cap="none" strike="noStrike">
+            <a:endParaRPr sz="1400" b="0" i="0" u="none" strike="noStrike" cap="none">
               <a:solidFill>
                 <a:srgbClr val="000000"/>
               </a:solidFill>
@@ -14790,8 +15046,8 @@
         </p:nvSpPr>
         <p:spPr>
           <a:xfrm>
-            <a:off x="15394375" y="15973000"/>
-            <a:ext cx="27472801" cy="784200"/>
+            <a:off x="15947551" y="15972999"/>
+            <a:ext cx="26919625" cy="950951"/>
           </a:xfrm>
           <a:prstGeom prst="rect">
             <a:avLst/>
@@ -14804,12 +15060,12 @@
           </a:ln>
         </p:spPr>
         <p:txBody>
-          <a:bodyPr anchorCtr="0" anchor="ctr" bIns="68575" lIns="137150" spcFirstLastPara="1" rIns="137150" wrap="square" tIns="68575">
+          <a:bodyPr spcFirstLastPara="1" wrap="square" lIns="137150" tIns="68575" rIns="137150" bIns="68575" anchor="ctr" anchorCtr="0">
             <a:noAutofit/>
           </a:bodyPr>
           <a:lstStyle/>
           <a:p>
-            <a:pPr indent="0" lvl="0" marL="0" marR="0" rtl="0" algn="l">
+            <a:pPr marL="0" marR="0" lvl="0" indent="0" algn="l" rtl="0">
               <a:lnSpc>
                 <a:spcPct val="100000"/>
               </a:lnSpc>
@@ -14827,7 +15083,7 @@
               <a:buNone/>
             </a:pPr>
             <a:r>
-              <a:rPr b="0" i="0" lang="en-US" sz="5100" u="none" cap="none" strike="noStrike">
+              <a:rPr lang="en-US" sz="5100" b="0" i="0" u="none" strike="noStrike" cap="none" dirty="0">
                 <a:solidFill>
                   <a:schemeClr val="lt1"/>
                 </a:solidFill>
@@ -14838,7 +15094,7 @@
               </a:rPr>
               <a:t>Results</a:t>
             </a:r>
-            <a:endParaRPr b="0" i="0" sz="1400" u="none" cap="none" strike="noStrike">
+            <a:endParaRPr sz="1400" b="0" i="0" u="none" strike="noStrike" cap="none" dirty="0">
               <a:solidFill>
                 <a:srgbClr val="000000"/>
               </a:solidFill>
@@ -14872,12 +15128,12 @@
           </a:ln>
         </p:spPr>
         <p:txBody>
-          <a:bodyPr anchorCtr="0" anchor="ctr" bIns="68575" lIns="137150" spcFirstLastPara="1" rIns="137150" wrap="square" tIns="68575">
+          <a:bodyPr spcFirstLastPara="1" wrap="square" lIns="137150" tIns="68575" rIns="137150" bIns="68575" anchor="ctr" anchorCtr="0">
             <a:noAutofit/>
           </a:bodyPr>
           <a:lstStyle/>
           <a:p>
-            <a:pPr indent="0" lvl="0" marL="0" marR="0" rtl="0" algn="l">
+            <a:pPr marL="0" marR="0" lvl="0" indent="0" algn="l" rtl="0">
               <a:lnSpc>
                 <a:spcPct val="100000"/>
               </a:lnSpc>
@@ -14894,10 +15150,7 @@
               <a:buFont typeface="Arial"/>
               <a:buNone/>
             </a:pPr>
-            <a:r>
-              <a:t/>
-            </a:r>
-            <a:endParaRPr b="0" i="0" sz="1800" u="none" cap="none" strike="noStrike">
+            <a:endParaRPr sz="1800" b="0" i="0" u="none" strike="noStrike" cap="none">
               <a:solidFill>
                 <a:schemeClr val="lt1"/>
               </a:solidFill>
@@ -14917,24 +15170,26 @@
         </p:nvSpPr>
         <p:spPr>
           <a:xfrm>
-            <a:off x="15265200" y="6901400"/>
-            <a:ext cx="16131900" cy="6840600"/>
+            <a:off x="15265200" y="6901399"/>
+            <a:ext cx="16131900" cy="7819473"/>
           </a:xfrm>
           <a:prstGeom prst="rect">
             <a:avLst/>
           </a:prstGeom>
           <a:noFill/>
           <a:ln>
-            <a:noFill/>
+            <a:solidFill>
+              <a:schemeClr val="tx1"/>
+            </a:solidFill>
           </a:ln>
         </p:spPr>
         <p:txBody>
-          <a:bodyPr anchorCtr="0" anchor="t" bIns="68575" lIns="137150" spcFirstLastPara="1" rIns="137150" wrap="square" tIns="68575">
+          <a:bodyPr spcFirstLastPara="1" wrap="square" lIns="137150" tIns="68575" rIns="137150" bIns="68575" anchor="t" anchorCtr="0">
             <a:noAutofit/>
           </a:bodyPr>
           <a:lstStyle/>
           <a:p>
-            <a:pPr indent="0" lvl="0" marL="0" marR="0" rtl="0" algn="l">
+            <a:pPr marL="0" marR="0" lvl="0" indent="0" algn="l" rtl="0">
               <a:lnSpc>
                 <a:spcPct val="100000"/>
               </a:lnSpc>
@@ -14952,7 +15207,7 @@
               <a:buNone/>
             </a:pPr>
             <a:r>
-              <a:rPr b="0" i="0" lang="en-US" sz="4800" u="none" cap="none" strike="noStrike">
+              <a:rPr lang="en-US" sz="5000" b="0" i="0" u="none" strike="noStrike" cap="none" dirty="0">
                 <a:solidFill>
                   <a:srgbClr val="000000"/>
                 </a:solidFill>
@@ -14963,7 +15218,7 @@
               </a:rPr>
               <a:t>A functioning mobile app in which its purpose is to assist the user in various ways for the fiddle or violin. It allows the user to create a profile and keep up with progression on learning their instrument. It additionally helps the player tune their instrument by recording the pitch of the instrument and notifying the user to tune the instrument to a higher or lower pitch. This app also helps the user learn basic scales and keeps up with tempo using a metronome. The app has built in support for all major and minor scales, both major and minor, as well as chromatic scales in first position. It covers two octaves.</a:t>
             </a:r>
-            <a:endParaRPr b="0" i="0" sz="4800" u="none" cap="none" strike="noStrike">
+            <a:endParaRPr sz="5000" b="0" i="0" u="none" strike="noStrike" cap="none" dirty="0">
               <a:solidFill>
                 <a:srgbClr val="474747"/>
               </a:solidFill>
@@ -14985,7 +15240,7 @@
           <a:blip r:embed="rId4">
             <a:alphaModFix/>
           </a:blip>
-          <a:srcRect b="0" l="0" r="0" t="0"/>
+          <a:srcRect/>
           <a:stretch/>
         </p:blipFill>
         <p:spPr>
@@ -15012,7 +15267,7 @@
           <a:blip r:embed="rId5">
             <a:alphaModFix/>
           </a:blip>
-          <a:srcRect b="0" l="0" r="0" t="0"/>
+          <a:srcRect/>
           <a:stretch/>
         </p:blipFill>
         <p:spPr>
@@ -15037,24 +15292,26 @@
         </p:nvSpPr>
         <p:spPr>
           <a:xfrm>
-            <a:off x="15947551" y="26869437"/>
-            <a:ext cx="5678100" cy="3886200"/>
+            <a:off x="15947551" y="26869436"/>
+            <a:ext cx="5232000" cy="4379566"/>
           </a:xfrm>
           <a:prstGeom prst="rect">
             <a:avLst/>
           </a:prstGeom>
           <a:noFill/>
           <a:ln>
-            <a:noFill/>
+            <a:solidFill>
+              <a:schemeClr val="tx1"/>
+            </a:solidFill>
           </a:ln>
         </p:spPr>
         <p:txBody>
-          <a:bodyPr anchorCtr="0" anchor="t" bIns="45700" lIns="91425" spcFirstLastPara="1" rIns="91425" wrap="square" tIns="45700">
+          <a:bodyPr spcFirstLastPara="1" wrap="square" lIns="91425" tIns="45700" rIns="91425" bIns="45700" anchor="t" anchorCtr="0">
             <a:noAutofit/>
           </a:bodyPr>
           <a:lstStyle/>
           <a:p>
-            <a:pPr indent="0" lvl="0" marL="0" marR="0" rtl="0" algn="ctr">
+            <a:pPr marL="0" marR="0" lvl="0" indent="0" algn="ctr" rtl="0">
               <a:lnSpc>
                 <a:spcPct val="100000"/>
               </a:lnSpc>
@@ -15072,7 +15329,7 @@
               <a:buNone/>
             </a:pPr>
             <a:r>
-              <a:rPr b="1" i="0" lang="en-US" sz="4800" u="none" cap="none" strike="noStrike">
+              <a:rPr lang="en-US" sz="5000" b="1" i="0" u="none" strike="noStrike" cap="none" dirty="0">
                 <a:solidFill>
                   <a:schemeClr val="dk1"/>
                 </a:solidFill>
@@ -15083,7 +15340,7 @@
               </a:rPr>
               <a:t>Tuning Menu</a:t>
             </a:r>
-            <a:endParaRPr b="1" i="0" sz="4800" u="none" cap="none" strike="noStrike">
+            <a:endParaRPr sz="5000" b="1" i="0" u="none" strike="noStrike" cap="none" dirty="0">
               <a:solidFill>
                 <a:schemeClr val="dk1"/>
               </a:solidFill>
@@ -15094,7 +15351,7 @@
             </a:endParaRPr>
           </a:p>
           <a:p>
-            <a:pPr indent="0" lvl="0" marL="0" marR="0" rtl="0" algn="ctr">
+            <a:pPr marL="0" marR="0" lvl="0" indent="0" algn="ctr" rtl="0">
               <a:lnSpc>
                 <a:spcPct val="100000"/>
               </a:lnSpc>
@@ -15112,7 +15369,7 @@
               <a:buNone/>
             </a:pPr>
             <a:r>
-              <a:rPr lang="en-US" sz="4800">
+              <a:rPr lang="en-US" sz="5000" dirty="0">
                 <a:solidFill>
                   <a:schemeClr val="dk1"/>
                 </a:solidFill>
@@ -15123,7 +15380,7 @@
               </a:rPr>
               <a:t>This feature allows users to tune their instrument which is the first step to practice.</a:t>
             </a:r>
-            <a:endParaRPr sz="4800">
+            <a:endParaRPr sz="5000" dirty="0">
               <a:solidFill>
                 <a:schemeClr val="dk1"/>
               </a:solidFill>
@@ -15151,16 +15408,18 @@
           </a:prstGeom>
           <a:noFill/>
           <a:ln>
-            <a:noFill/>
+            <a:solidFill>
+              <a:schemeClr val="tx1"/>
+            </a:solidFill>
           </a:ln>
         </p:spPr>
         <p:txBody>
-          <a:bodyPr anchorCtr="0" anchor="t" bIns="45700" lIns="91425" spcFirstLastPara="1" rIns="91425" wrap="square" tIns="45700">
+          <a:bodyPr spcFirstLastPara="1" wrap="square" lIns="91425" tIns="45700" rIns="91425" bIns="45700" anchor="t" anchorCtr="0">
             <a:noAutofit/>
           </a:bodyPr>
           <a:lstStyle/>
           <a:p>
-            <a:pPr indent="0" lvl="0" marL="0" marR="0" rtl="0" algn="ctr">
+            <a:pPr marL="0" marR="0" lvl="0" indent="0" algn="ctr" rtl="0">
               <a:lnSpc>
                 <a:spcPct val="100000"/>
               </a:lnSpc>
@@ -15178,7 +15437,7 @@
               <a:buNone/>
             </a:pPr>
             <a:r>
-              <a:rPr b="1" i="0" lang="en-US" sz="4800" u="none" cap="none" strike="noStrike">
+              <a:rPr lang="en-US" sz="5000" b="1" i="0" u="none" strike="noStrike" cap="none" dirty="0">
                 <a:solidFill>
                   <a:schemeClr val="dk1"/>
                 </a:solidFill>
@@ -15189,7 +15448,7 @@
               </a:rPr>
               <a:t>Scale Menu</a:t>
             </a:r>
-            <a:endParaRPr b="1" i="0" sz="4800" u="none" cap="none" strike="noStrike">
+            <a:endParaRPr sz="5000" b="1" i="0" u="none" strike="noStrike" cap="none" dirty="0">
               <a:solidFill>
                 <a:schemeClr val="dk1"/>
               </a:solidFill>
@@ -15200,7 +15459,7 @@
             </a:endParaRPr>
           </a:p>
           <a:p>
-            <a:pPr indent="0" lvl="0" marL="0" marR="0" rtl="0" algn="ctr">
+            <a:pPr marL="0" marR="0" lvl="0" indent="0" algn="ctr" rtl="0">
               <a:lnSpc>
                 <a:spcPct val="100000"/>
               </a:lnSpc>
@@ -15218,7 +15477,7 @@
               <a:buNone/>
             </a:pPr>
             <a:r>
-              <a:rPr lang="en-US" sz="4800">
+              <a:rPr lang="en-US" sz="5000" dirty="0">
                 <a:solidFill>
                   <a:schemeClr val="dk1"/>
                 </a:solidFill>
@@ -15229,7 +15488,7 @@
               </a:rPr>
               <a:t>Key feature that provides users with feedback while they play various scales</a:t>
             </a:r>
-            <a:endParaRPr sz="4800">
+            <a:endParaRPr sz="5000" dirty="0">
               <a:solidFill>
                 <a:schemeClr val="dk1"/>
               </a:solidFill>
@@ -15249,24 +15508,26 @@
         </p:nvSpPr>
         <p:spPr>
           <a:xfrm>
-            <a:off x="32757406" y="7518825"/>
-            <a:ext cx="10109700" cy="8402100"/>
+            <a:off x="32753100" y="7015159"/>
+            <a:ext cx="10109700" cy="7705713"/>
           </a:xfrm>
           <a:prstGeom prst="rect">
             <a:avLst/>
           </a:prstGeom>
           <a:noFill/>
           <a:ln>
-            <a:noFill/>
+            <a:solidFill>
+              <a:schemeClr val="tx1"/>
+            </a:solidFill>
           </a:ln>
         </p:spPr>
         <p:txBody>
-          <a:bodyPr anchorCtr="0" anchor="t" bIns="68575" lIns="137150" spcFirstLastPara="1" rIns="137150" wrap="square" tIns="68575">
+          <a:bodyPr spcFirstLastPara="1" wrap="square" lIns="137150" tIns="68575" rIns="137150" bIns="68575" anchor="t" anchorCtr="0">
             <a:noAutofit/>
           </a:bodyPr>
           <a:lstStyle/>
           <a:p>
-            <a:pPr indent="0" lvl="0" marL="0" marR="0" rtl="0" algn="l">
+            <a:pPr marL="0" marR="0" lvl="0" indent="0" algn="l" rtl="0">
               <a:lnSpc>
                 <a:spcPct val="100000"/>
               </a:lnSpc>
@@ -15284,7 +15545,7 @@
               <a:buNone/>
             </a:pPr>
             <a:r>
-              <a:rPr b="0" i="0" lang="en-US" sz="4800" u="none" cap="none" strike="noStrike">
+              <a:rPr lang="en-US" sz="5000" b="0" i="0" u="none" strike="noStrike" cap="none" dirty="0">
                 <a:solidFill>
                   <a:srgbClr val="474747"/>
                 </a:solidFill>
@@ -15295,7 +15556,7 @@
               </a:rPr>
               <a:t>The application was written entirely in C#. It was built using Visual Studio Community 2017 using Xamarin forms for Android development. Source control for the project what done with GitHub. Communication for the project was done primarily through Discord. Project assignments and team organizations was handled using a standard Trello board.</a:t>
             </a:r>
-            <a:endParaRPr b="0" i="0" sz="4800" u="none" cap="none" strike="noStrike">
+            <a:endParaRPr sz="5000" b="0" i="0" u="none" strike="noStrike" cap="none" dirty="0">
               <a:solidFill>
                 <a:srgbClr val="474747"/>
               </a:solidFill>
@@ -15317,13 +15578,13 @@
           <a:blip r:embed="rId6">
             <a:alphaModFix/>
           </a:blip>
-          <a:srcRect b="0" l="0" r="0" t="0"/>
+          <a:srcRect/>
           <a:stretch/>
         </p:blipFill>
         <p:spPr>
           <a:xfrm>
-            <a:off x="34599000" y="18176077"/>
-            <a:ext cx="7692375" cy="3072100"/>
+            <a:off x="34044753" y="20148629"/>
+            <a:ext cx="9732548" cy="5166179"/>
           </a:xfrm>
           <a:prstGeom prst="rect">
             <a:avLst/>
@@ -15342,24 +15603,26 @@
         </p:nvSpPr>
         <p:spPr>
           <a:xfrm>
-            <a:off x="34970439" y="21578450"/>
-            <a:ext cx="6949500" cy="6840600"/>
+            <a:off x="34988455" y="25693487"/>
+            <a:ext cx="7692375" cy="5062138"/>
           </a:xfrm>
           <a:prstGeom prst="rect">
             <a:avLst/>
           </a:prstGeom>
           <a:noFill/>
           <a:ln>
-            <a:noFill/>
+            <a:solidFill>
+              <a:schemeClr val="tx1"/>
+            </a:solidFill>
           </a:ln>
         </p:spPr>
         <p:txBody>
-          <a:bodyPr anchorCtr="0" anchor="t" bIns="91425" lIns="91425" spcFirstLastPara="1" rIns="91425" wrap="square" tIns="91425">
+          <a:bodyPr spcFirstLastPara="1" wrap="square" lIns="91425" tIns="91425" rIns="91425" bIns="91425" anchor="t" anchorCtr="0">
             <a:noAutofit/>
           </a:bodyPr>
           <a:lstStyle/>
           <a:p>
-            <a:pPr indent="0" lvl="0" marL="0" marR="0" rtl="0" algn="ctr">
+            <a:pPr marL="0" marR="0" lvl="0" indent="0" algn="ctr" rtl="0">
               <a:lnSpc>
                 <a:spcPct val="100000"/>
               </a:lnSpc>
@@ -15377,7 +15640,7 @@
               <a:buNone/>
             </a:pPr>
             <a:r>
-              <a:rPr b="1" i="0" lang="en-US" sz="4800" u="none" cap="none" strike="noStrike">
+              <a:rPr lang="en-US" sz="5000" b="1" i="0" u="none" strike="noStrike" cap="none" dirty="0">
                 <a:solidFill>
                   <a:srgbClr val="000000"/>
                 </a:solidFill>
@@ -15388,7 +15651,7 @@
               </a:rPr>
               <a:t>Metronome Window</a:t>
             </a:r>
-            <a:endParaRPr sz="4800">
+            <a:endParaRPr sz="5000" dirty="0">
               <a:latin typeface="NTR"/>
               <a:ea typeface="NTR"/>
               <a:cs typeface="NTR"/>
@@ -15396,7 +15659,7 @@
             </a:endParaRPr>
           </a:p>
           <a:p>
-            <a:pPr indent="0" lvl="0" marL="0" marR="0" rtl="0" algn="ctr">
+            <a:pPr marL="0" marR="0" lvl="0" indent="0" algn="ctr" rtl="0">
               <a:lnSpc>
                 <a:spcPct val="100000"/>
               </a:lnSpc>
@@ -15414,7 +15677,7 @@
               <a:buNone/>
             </a:pPr>
             <a:r>
-              <a:rPr lang="en-US" sz="4800">
+              <a:rPr lang="en-US" sz="5000" dirty="0">
                 <a:latin typeface="NTR"/>
                 <a:ea typeface="NTR"/>
                 <a:cs typeface="NTR"/>
@@ -15422,7 +15685,7 @@
               </a:rPr>
               <a:t>Application being all-inclusive means that we also provide our users with a metronome feature to keep a desired tempo while they practice</a:t>
             </a:r>
-            <a:endParaRPr sz="4800">
+            <a:endParaRPr sz="5000" dirty="0">
               <a:latin typeface="NTR"/>
               <a:ea typeface="NTR"/>
               <a:cs typeface="NTR"/>
@@ -15441,7 +15704,7 @@
           <a:blip r:embed="rId7">
             <a:alphaModFix/>
           </a:blip>
-          <a:srcRect b="1988" l="0" r="0" t="0"/>
+          <a:srcRect b="1988"/>
           <a:stretch/>
         </p:blipFill>
         <p:spPr>
@@ -15474,16 +15737,18 @@
           </a:prstGeom>
           <a:noFill/>
           <a:ln>
-            <a:noFill/>
+            <a:solidFill>
+              <a:schemeClr val="tx1"/>
+            </a:solidFill>
           </a:ln>
         </p:spPr>
         <p:txBody>
-          <a:bodyPr anchorCtr="0" anchor="t" bIns="91425" lIns="91425" spcFirstLastPara="1" rIns="91425" wrap="square" tIns="91425">
+          <a:bodyPr spcFirstLastPara="1" wrap="square" lIns="91425" tIns="91425" rIns="91425" bIns="91425" anchor="t" anchorCtr="0">
             <a:noAutofit/>
           </a:bodyPr>
           <a:lstStyle/>
           <a:p>
-            <a:pPr indent="0" lvl="0" marL="0" marR="0" rtl="0" algn="ctr">
+            <a:pPr marL="0" marR="0" lvl="0" indent="0" algn="ctr" rtl="0">
               <a:lnSpc>
                 <a:spcPct val="100000"/>
               </a:lnSpc>
@@ -15501,7 +15766,7 @@
               <a:buNone/>
             </a:pPr>
             <a:r>
-              <a:rPr b="1" i="0" lang="en-US" sz="4800" u="none" cap="none" strike="noStrike">
+              <a:rPr lang="en-US" sz="5000" b="1" i="0" u="none" strike="noStrike" cap="none" dirty="0">
                 <a:solidFill>
                   <a:srgbClr val="000000"/>
                 </a:solidFill>
@@ -15512,7 +15777,7 @@
               </a:rPr>
               <a:t>Video Menu</a:t>
             </a:r>
-            <a:endParaRPr b="1" i="0" sz="4800" u="none" cap="none" strike="noStrike">
+            <a:endParaRPr sz="5000" b="1" i="0" u="none" strike="noStrike" cap="none" dirty="0">
               <a:solidFill>
                 <a:srgbClr val="000000"/>
               </a:solidFill>
@@ -15523,7 +15788,7 @@
             </a:endParaRPr>
           </a:p>
           <a:p>
-            <a:pPr indent="0" lvl="0" marL="0" marR="0" rtl="0" algn="ctr">
+            <a:pPr marL="0" marR="0" lvl="0" indent="0" algn="ctr" rtl="0">
               <a:lnSpc>
                 <a:spcPct val="100000"/>
               </a:lnSpc>
@@ -15541,7 +15806,7 @@
               <a:buNone/>
             </a:pPr>
             <a:r>
-              <a:rPr lang="en-US" sz="4800">
+              <a:rPr lang="en-US" sz="5000" dirty="0">
                 <a:latin typeface="NTR"/>
                 <a:ea typeface="NTR"/>
                 <a:cs typeface="NTR"/>
@@ -15549,7 +15814,7 @@
               </a:rPr>
               <a:t>Menu that hosts practice videos for the user to follow.</a:t>
             </a:r>
-            <a:endParaRPr sz="4800">
+            <a:endParaRPr sz="5000" dirty="0">
               <a:latin typeface="NTR"/>
               <a:ea typeface="NTR"/>
               <a:cs typeface="NTR"/>
@@ -15567,7 +15832,7 @@
 </file>
 
 <file path=ppt/theme/theme1.xml><?xml version="1.0" encoding="utf-8"?>
-<a:theme xmlns:a="http://schemas.openxmlformats.org/drawingml/2006/main" xmlns:r="http://schemas.openxmlformats.org/officeDocument/2006/relationships" name="Office Theme">
+<a:theme xmlns:a="http://schemas.openxmlformats.org/drawingml/2006/main" name="Office Theme">
   <a:themeElements>
     <a:clrScheme name="Office Theme">
       <a:dk1>
@@ -15842,11 +16107,13 @@
       </a:bgFillStyleLst>
     </a:fmtScheme>
   </a:themeElements>
+  <a:objectDefaults/>
+  <a:extraClrSchemeLst/>
 </a:theme>
 </file>
 
 <file path=ppt/theme/theme2.xml><?xml version="1.0" encoding="utf-8"?>
-<a:theme xmlns:a="http://schemas.openxmlformats.org/drawingml/2006/main" xmlns:r="http://schemas.openxmlformats.org/officeDocument/2006/relationships">
+<a:theme xmlns:a="http://schemas.openxmlformats.org/drawingml/2006/main">
   <a:themeElements>
     <a:clrScheme name="Default">
       <a:dk1>
@@ -16121,5 +16388,7 @@
       </a:bgFillStyleLst>
     </a:fmtScheme>
   </a:themeElements>
+  <a:objectDefaults/>
+  <a:extraClrSchemeLst/>
 </a:theme>
 </file>
--- a/PosterPPT (2).pptx
+++ b/PosterPPT (2).pptx
@@ -254,6 +254,11 @@
       </a:defRPr>
     </a:lvl9pPr>
   </p:defaultTextStyle>
+  <p:extLst>
+    <p:ext uri="{EFAFB233-063F-42B5-8137-9DF3F51BA10A}">
+      <p15:sldGuideLst xmlns:p15="http://schemas.microsoft.com/office/powerpoint/2012/main"/>
+    </p:ext>
+  </p:extLst>
 </p:presentation>
 </file>
 
@@ -14719,7 +14724,7 @@
                 <a:cs typeface="NTR"/>
                 <a:sym typeface="NTR"/>
               </a:rPr>
-              <a:t> In order to aid musicians in both tuning their open strings and keeping specific tempos, our application provides tuning support as well as a metronome feature. Additionally, this application will provide user feedback while he/she plays so that the user can discover what area to focus on when it come to practice. The </a:t>
+              <a:t> In order to aid musicians in both tuning their open strings and keeping specific tempos, our application provides tuning support as well as a metronome feature. Additionally, the app allows the user to play various scales to get a better idea of how their instrument should sound. The features within </a:t>
             </a:r>
             <a:r>
               <a:rPr lang="en-US" sz="5000" dirty="0" err="1">
@@ -14743,7 +14748,7 @@
                 <a:cs typeface="NTR"/>
                 <a:sym typeface="NTR"/>
               </a:rPr>
-              <a:t> features are designed in a manner to aid the user in as many areas as possible while remaining compact and easy to navigate so that our users can utilize their practice time to the fullest. </a:t>
+              <a:t> are designed in a manner to aid the user in as many areas as possible while remaining compact and easy to navigate so that our users can utilize their practice time to the fullest. </a:t>
             </a:r>
             <a:endParaRPr sz="5000" dirty="0">
               <a:latin typeface="NTR"/>
@@ -15216,7 +15221,28 @@
                 <a:cs typeface="NTR"/>
                 <a:sym typeface="NTR"/>
               </a:rPr>
-              <a:t>A functioning mobile app in which its purpose is to assist the user in various ways for the fiddle or violin. It allows the user to create a profile and keep up with progression on learning their instrument. It additionally helps the player tune their instrument by recording the pitch of the instrument and notifying the user to tune the instrument to a higher or lower pitch. This app also helps the user learn basic scales and keeps up with tempo using a metronome. The app has built in support for all major and minor scales, both major and minor, as well as chromatic scales in first position. It covers two octaves.</a:t>
+              <a:t>A functioning mobile app in which its purpose is to assist the user in various ways for the fiddle or violin. It helps the player tune their instrument by playing back recordings of the instrument’s </a:t>
+            </a:r>
+            <a:r>
+              <a:rPr lang="en-US" sz="5000" dirty="0">
+                <a:latin typeface="NTR"/>
+                <a:ea typeface="NTR"/>
+                <a:cs typeface="NTR"/>
+                <a:sym typeface="NTR"/>
+              </a:rPr>
+              <a:t>specified note.</a:t>
+            </a:r>
+            <a:r>
+              <a:rPr lang="en-US" sz="5000" b="0" i="0" u="none" strike="noStrike" cap="none" dirty="0">
+                <a:solidFill>
+                  <a:srgbClr val="000000"/>
+                </a:solidFill>
+                <a:latin typeface="NTR"/>
+                <a:ea typeface="NTR"/>
+                <a:cs typeface="NTR"/>
+                <a:sym typeface="NTR"/>
+              </a:rPr>
+              <a:t> This app also helps the user learn basic scales and keeps up with tempo using a metronome. The app has built in support for all major and minor scales, both major and minor, as well as chromatic scales in first position. It covers two octaves.</a:t>
             </a:r>
             <a:endParaRPr sz="5000" b="0" i="0" u="none" strike="noStrike" cap="none" dirty="0">
               <a:solidFill>
